--- a/WBZ45x_CAN_BLE_Peripheral.pptx
+++ b/WBZ45x_CAN_BLE_Peripheral.pptx
@@ -14,6 +14,8 @@
     <p:sldId id="260" r:id="rId8"/>
     <p:sldId id="262" r:id="rId9"/>
     <p:sldId id="263" r:id="rId10"/>
+    <p:sldId id="272" r:id="rId11"/>
+    <p:sldId id="273" r:id="rId12"/>
   </p:sldIdLst>
   <p:sldSz cx="12192000" cy="6858000"/>
   <p:notesSz cx="6858000" cy="9144000"/>
@@ -267,7 +269,7 @@
           <a:p>
             <a:fld id="{7A5DC5CD-0095-2046-BF3C-100069736801}" type="datetimeFigureOut">
               <a:rPr lang="en-US" smtClean="0"/>
-              <a:t>8/20/24</a:t>
+              <a:t>9/2/24</a:t>
             </a:fld>
             <a:endParaRPr lang="en-US"/>
           </a:p>
@@ -465,7 +467,7 @@
           <a:p>
             <a:fld id="{7A5DC5CD-0095-2046-BF3C-100069736801}" type="datetimeFigureOut">
               <a:rPr lang="en-US" smtClean="0"/>
-              <a:t>8/20/24</a:t>
+              <a:t>9/2/24</a:t>
             </a:fld>
             <a:endParaRPr lang="en-US"/>
           </a:p>
@@ -673,7 +675,7 @@
           <a:p>
             <a:fld id="{7A5DC5CD-0095-2046-BF3C-100069736801}" type="datetimeFigureOut">
               <a:rPr lang="en-US" smtClean="0"/>
-              <a:t>8/20/24</a:t>
+              <a:t>9/2/24</a:t>
             </a:fld>
             <a:endParaRPr lang="en-US"/>
           </a:p>
@@ -871,7 +873,7 @@
           <a:p>
             <a:fld id="{7A5DC5CD-0095-2046-BF3C-100069736801}" type="datetimeFigureOut">
               <a:rPr lang="en-US" smtClean="0"/>
-              <a:t>8/20/24</a:t>
+              <a:t>9/2/24</a:t>
             </a:fld>
             <a:endParaRPr lang="en-US"/>
           </a:p>
@@ -1146,7 +1148,7 @@
           <a:p>
             <a:fld id="{7A5DC5CD-0095-2046-BF3C-100069736801}" type="datetimeFigureOut">
               <a:rPr lang="en-US" smtClean="0"/>
-              <a:t>8/20/24</a:t>
+              <a:t>9/2/24</a:t>
             </a:fld>
             <a:endParaRPr lang="en-US"/>
           </a:p>
@@ -1411,7 +1413,7 @@
           <a:p>
             <a:fld id="{7A5DC5CD-0095-2046-BF3C-100069736801}" type="datetimeFigureOut">
               <a:rPr lang="en-US" smtClean="0"/>
-              <a:t>8/20/24</a:t>
+              <a:t>9/2/24</a:t>
             </a:fld>
             <a:endParaRPr lang="en-US"/>
           </a:p>
@@ -1823,7 +1825,7 @@
           <a:p>
             <a:fld id="{7A5DC5CD-0095-2046-BF3C-100069736801}" type="datetimeFigureOut">
               <a:rPr lang="en-US" smtClean="0"/>
-              <a:t>8/20/24</a:t>
+              <a:t>9/2/24</a:t>
             </a:fld>
             <a:endParaRPr lang="en-US"/>
           </a:p>
@@ -1964,7 +1966,7 @@
           <a:p>
             <a:fld id="{7A5DC5CD-0095-2046-BF3C-100069736801}" type="datetimeFigureOut">
               <a:rPr lang="en-US" smtClean="0"/>
-              <a:t>8/20/24</a:t>
+              <a:t>9/2/24</a:t>
             </a:fld>
             <a:endParaRPr lang="en-US"/>
           </a:p>
@@ -2077,7 +2079,7 @@
           <a:p>
             <a:fld id="{7A5DC5CD-0095-2046-BF3C-100069736801}" type="datetimeFigureOut">
               <a:rPr lang="en-US" smtClean="0"/>
-              <a:t>8/20/24</a:t>
+              <a:t>9/2/24</a:t>
             </a:fld>
             <a:endParaRPr lang="en-US"/>
           </a:p>
@@ -2388,7 +2390,7 @@
           <a:p>
             <a:fld id="{7A5DC5CD-0095-2046-BF3C-100069736801}" type="datetimeFigureOut">
               <a:rPr lang="en-US" smtClean="0"/>
-              <a:t>8/20/24</a:t>
+              <a:t>9/2/24</a:t>
             </a:fld>
             <a:endParaRPr lang="en-US"/>
           </a:p>
@@ -2676,7 +2678,7 @@
           <a:p>
             <a:fld id="{7A5DC5CD-0095-2046-BF3C-100069736801}" type="datetimeFigureOut">
               <a:rPr lang="en-US" smtClean="0"/>
-              <a:t>8/20/24</a:t>
+              <a:t>9/2/24</a:t>
             </a:fld>
             <a:endParaRPr lang="en-US"/>
           </a:p>
@@ -2917,7 +2919,7 @@
           <a:p>
             <a:fld id="{7A5DC5CD-0095-2046-BF3C-100069736801}" type="datetimeFigureOut">
               <a:rPr lang="en-US" smtClean="0"/>
-              <a:t>8/20/24</a:t>
+              <a:t>9/2/24</a:t>
             </a:fld>
             <a:endParaRPr lang="en-US"/>
           </a:p>
@@ -4078,6 +4080,1461 @@
     <p:extLst>
       <p:ext uri="{BB962C8B-B14F-4D97-AF65-F5344CB8AC3E}">
         <p14:creationId xmlns:p14="http://schemas.microsoft.com/office/powerpoint/2010/main" val="2245840635"/>
+      </p:ext>
+    </p:extLst>
+  </p:cSld>
+  <p:clrMapOvr>
+    <a:masterClrMapping/>
+  </p:clrMapOvr>
+</p:sld>
+</file>
+
+<file path=ppt/slides/slide10.xml><?xml version="1.0" encoding="utf-8"?>
+<p:sld xmlns:a="http://schemas.openxmlformats.org/drawingml/2006/main" xmlns:r="http://schemas.openxmlformats.org/officeDocument/2006/relationships" xmlns:p="http://schemas.openxmlformats.org/presentationml/2006/main">
+  <p:cSld>
+    <p:spTree>
+      <p:nvGrpSpPr>
+        <p:cNvPr id="1" name=""/>
+        <p:cNvGrpSpPr/>
+        <p:nvPr/>
+      </p:nvGrpSpPr>
+      <p:grpSpPr>
+        <a:xfrm>
+          <a:off x="0" y="0"/>
+          <a:ext cx="0" cy="0"/>
+          <a:chOff x="0" y="0"/>
+          <a:chExt cx="0" cy="0"/>
+        </a:xfrm>
+      </p:grpSpPr>
+      <p:pic>
+        <p:nvPicPr>
+          <p:cNvPr id="16" name="Picture 15" descr="A black text on a white background&#10;&#10;Description automatically generated">
+            <a:extLst>
+              <a:ext uri="{FF2B5EF4-FFF2-40B4-BE49-F238E27FC236}">
+                <a16:creationId xmlns:a16="http://schemas.microsoft.com/office/drawing/2014/main" id="{09D2296F-2ED2-269F-F48E-CBFBEF84AB88}"/>
+              </a:ext>
+            </a:extLst>
+          </p:cNvPr>
+          <p:cNvPicPr>
+            <a:picLocks noChangeAspect="1"/>
+          </p:cNvPicPr>
+          <p:nvPr/>
+        </p:nvPicPr>
+        <p:blipFill>
+          <a:blip r:embed="rId2"/>
+          <a:stretch>
+            <a:fillRect/>
+          </a:stretch>
+        </p:blipFill>
+        <p:spPr>
+          <a:xfrm>
+            <a:off x="9574022" y="6138164"/>
+            <a:ext cx="2578100" cy="698500"/>
+          </a:xfrm>
+          <a:prstGeom prst="rect">
+            <a:avLst/>
+          </a:prstGeom>
+        </p:spPr>
+      </p:pic>
+      <p:sp>
+        <p:nvSpPr>
+          <p:cNvPr id="2" name="TextBox 1">
+            <a:extLst>
+              <a:ext uri="{FF2B5EF4-FFF2-40B4-BE49-F238E27FC236}">
+                <a16:creationId xmlns:a16="http://schemas.microsoft.com/office/drawing/2014/main" id="{EF6874F3-7045-70A8-1F64-660B9B5BFFB9}"/>
+              </a:ext>
+            </a:extLst>
+          </p:cNvPr>
+          <p:cNvSpPr txBox="1"/>
+          <p:nvPr/>
+        </p:nvSpPr>
+        <p:spPr>
+          <a:xfrm>
+            <a:off x="1636949" y="184848"/>
+            <a:ext cx="9495087" cy="584775"/>
+          </a:xfrm>
+          <a:prstGeom prst="rect">
+            <a:avLst/>
+          </a:prstGeom>
+          <a:noFill/>
+        </p:spPr>
+        <p:txBody>
+          <a:bodyPr wrap="square" rtlCol="0">
+            <a:spAutoFit/>
+          </a:bodyPr>
+          <a:lstStyle/>
+          <a:p>
+            <a:pPr algn="ctr"/>
+            <a:r>
+              <a:rPr lang="en-US" sz="3200" b="1" dirty="0">
+                <a:latin typeface="Arial" panose="020B0604020202020204" pitchFamily="34" charset="0"/>
+                <a:cs typeface="Arial" panose="020B0604020202020204" pitchFamily="34" charset="0"/>
+              </a:rPr>
+              <a:t>CAN RX Message Format</a:t>
+            </a:r>
+          </a:p>
+        </p:txBody>
+      </p:sp>
+      <p:pic>
+        <p:nvPicPr>
+          <p:cNvPr id="5" name="Picture 4" descr="A computer code with text&#10;&#10;Description automatically generated">
+            <a:extLst>
+              <a:ext uri="{FF2B5EF4-FFF2-40B4-BE49-F238E27FC236}">
+                <a16:creationId xmlns:a16="http://schemas.microsoft.com/office/drawing/2014/main" id="{CA4150A7-D28B-D054-2CFE-9C2BC953F3B4}"/>
+              </a:ext>
+            </a:extLst>
+          </p:cNvPr>
+          <p:cNvPicPr>
+            <a:picLocks noChangeAspect="1"/>
+          </p:cNvPicPr>
+          <p:nvPr/>
+        </p:nvPicPr>
+        <p:blipFill>
+          <a:blip r:embed="rId3"/>
+          <a:stretch>
+            <a:fillRect/>
+          </a:stretch>
+        </p:blipFill>
+        <p:spPr>
+          <a:xfrm>
+            <a:off x="925177" y="3546828"/>
+            <a:ext cx="4102100" cy="2286000"/>
+          </a:xfrm>
+          <a:prstGeom prst="rect">
+            <a:avLst/>
+          </a:prstGeom>
+          <a:ln w="12700">
+            <a:solidFill>
+              <a:schemeClr val="tx1"/>
+            </a:solidFill>
+          </a:ln>
+        </p:spPr>
+      </p:pic>
+      <p:pic>
+        <p:nvPicPr>
+          <p:cNvPr id="10" name="Picture 9" descr="A computer code with text&#10;&#10;Description automatically generated">
+            <a:extLst>
+              <a:ext uri="{FF2B5EF4-FFF2-40B4-BE49-F238E27FC236}">
+                <a16:creationId xmlns:a16="http://schemas.microsoft.com/office/drawing/2014/main" id="{9024D6E6-52B1-FFA6-57FE-9672A33E4F08}"/>
+              </a:ext>
+            </a:extLst>
+          </p:cNvPr>
+          <p:cNvPicPr>
+            <a:picLocks noChangeAspect="1"/>
+          </p:cNvPicPr>
+          <p:nvPr/>
+        </p:nvPicPr>
+        <p:blipFill>
+          <a:blip r:embed="rId4"/>
+          <a:stretch>
+            <a:fillRect/>
+          </a:stretch>
+        </p:blipFill>
+        <p:spPr>
+          <a:xfrm>
+            <a:off x="925177" y="1099145"/>
+            <a:ext cx="3898900" cy="1676400"/>
+          </a:xfrm>
+          <a:prstGeom prst="rect">
+            <a:avLst/>
+          </a:prstGeom>
+          <a:ln w="12700">
+            <a:solidFill>
+              <a:schemeClr val="tx1"/>
+            </a:solidFill>
+          </a:ln>
+        </p:spPr>
+      </p:pic>
+      <p:pic>
+        <p:nvPicPr>
+          <p:cNvPr id="17" name="Picture 16" descr="A screenshot of a computer code&#10;&#10;Description automatically generated">
+            <a:extLst>
+              <a:ext uri="{FF2B5EF4-FFF2-40B4-BE49-F238E27FC236}">
+                <a16:creationId xmlns:a16="http://schemas.microsoft.com/office/drawing/2014/main" id="{75CD17AA-00C8-1B0E-AB28-47EAD246E20B}"/>
+              </a:ext>
+            </a:extLst>
+          </p:cNvPr>
+          <p:cNvPicPr>
+            <a:picLocks noChangeAspect="1"/>
+          </p:cNvPicPr>
+          <p:nvPr/>
+        </p:nvPicPr>
+        <p:blipFill>
+          <a:blip r:embed="rId5"/>
+          <a:stretch>
+            <a:fillRect/>
+          </a:stretch>
+        </p:blipFill>
+        <p:spPr>
+          <a:xfrm>
+            <a:off x="6766791" y="1124591"/>
+            <a:ext cx="3479800" cy="1460500"/>
+          </a:xfrm>
+          <a:prstGeom prst="rect">
+            <a:avLst/>
+          </a:prstGeom>
+          <a:ln w="12700">
+            <a:solidFill>
+              <a:schemeClr val="accent1"/>
+            </a:solidFill>
+          </a:ln>
+        </p:spPr>
+      </p:pic>
+      <p:pic>
+        <p:nvPicPr>
+          <p:cNvPr id="19" name="Picture 18" descr="A screenshot of a computer&#10;&#10;Description automatically generated">
+            <a:extLst>
+              <a:ext uri="{FF2B5EF4-FFF2-40B4-BE49-F238E27FC236}">
+                <a16:creationId xmlns:a16="http://schemas.microsoft.com/office/drawing/2014/main" id="{590CE7F3-E1FC-E8A2-84AB-67E8D2E6E497}"/>
+              </a:ext>
+            </a:extLst>
+          </p:cNvPr>
+          <p:cNvPicPr>
+            <a:picLocks noChangeAspect="1"/>
+          </p:cNvPicPr>
+          <p:nvPr/>
+        </p:nvPicPr>
+        <p:blipFill>
+          <a:blip r:embed="rId6"/>
+          <a:stretch>
+            <a:fillRect/>
+          </a:stretch>
+        </p:blipFill>
+        <p:spPr>
+          <a:xfrm>
+            <a:off x="6731000" y="2823435"/>
+            <a:ext cx="3911600" cy="3289300"/>
+          </a:xfrm>
+          <a:prstGeom prst="rect">
+            <a:avLst/>
+          </a:prstGeom>
+          <a:ln w="12700">
+            <a:solidFill>
+              <a:schemeClr val="tx1"/>
+            </a:solidFill>
+          </a:ln>
+        </p:spPr>
+      </p:pic>
+      <p:cxnSp>
+        <p:nvCxnSpPr>
+          <p:cNvPr id="21" name="Straight Connector 20">
+            <a:extLst>
+              <a:ext uri="{FF2B5EF4-FFF2-40B4-BE49-F238E27FC236}">
+                <a16:creationId xmlns:a16="http://schemas.microsoft.com/office/drawing/2014/main" id="{45CCA092-92B0-764E-3671-3AAB85BD8C49}"/>
+              </a:ext>
+            </a:extLst>
+          </p:cNvPr>
+          <p:cNvCxnSpPr/>
+          <p:nvPr/>
+        </p:nvCxnSpPr>
+        <p:spPr>
+          <a:xfrm>
+            <a:off x="6731000" y="5472540"/>
+            <a:ext cx="3911600" cy="0"/>
+          </a:xfrm>
+          <a:prstGeom prst="line">
+            <a:avLst/>
+          </a:prstGeom>
+        </p:spPr>
+        <p:style>
+          <a:lnRef idx="2">
+            <a:schemeClr val="accent1"/>
+          </a:lnRef>
+          <a:fillRef idx="0">
+            <a:schemeClr val="accent1"/>
+          </a:fillRef>
+          <a:effectRef idx="1">
+            <a:schemeClr val="accent1"/>
+          </a:effectRef>
+          <a:fontRef idx="minor">
+            <a:schemeClr val="tx1"/>
+          </a:fontRef>
+        </p:style>
+      </p:cxnSp>
+      <p:cxnSp>
+        <p:nvCxnSpPr>
+          <p:cNvPr id="23" name="Elbow Connector 22">
+            <a:extLst>
+              <a:ext uri="{FF2B5EF4-FFF2-40B4-BE49-F238E27FC236}">
+                <a16:creationId xmlns:a16="http://schemas.microsoft.com/office/drawing/2014/main" id="{2F75F8FD-617B-91FC-6A60-0F6D0ABEB0B4}"/>
+              </a:ext>
+            </a:extLst>
+          </p:cNvPr>
+          <p:cNvCxnSpPr>
+            <a:cxnSpLocks/>
+          </p:cNvCxnSpPr>
+          <p:nvPr/>
+        </p:nvCxnSpPr>
+        <p:spPr>
+          <a:xfrm rot="10800000" flipH="1" flipV="1">
+            <a:off x="1617906" y="1909634"/>
+            <a:ext cx="2051050" cy="1609483"/>
+          </a:xfrm>
+          <a:prstGeom prst="bentConnector4">
+            <a:avLst>
+              <a:gd name="adj1" fmla="val -31411"/>
+              <a:gd name="adj2" fmla="val 76039"/>
+            </a:avLst>
+          </a:prstGeom>
+          <a:ln>
+            <a:solidFill>
+              <a:srgbClr val="FF0000"/>
+            </a:solidFill>
+            <a:tailEnd type="triangle"/>
+          </a:ln>
+        </p:spPr>
+        <p:style>
+          <a:lnRef idx="2">
+            <a:schemeClr val="accent1"/>
+          </a:lnRef>
+          <a:fillRef idx="0">
+            <a:schemeClr val="accent1"/>
+          </a:fillRef>
+          <a:effectRef idx="1">
+            <a:schemeClr val="accent1"/>
+          </a:effectRef>
+          <a:fontRef idx="minor">
+            <a:schemeClr val="tx1"/>
+          </a:fontRef>
+        </p:style>
+      </p:cxnSp>
+      <p:cxnSp>
+        <p:nvCxnSpPr>
+          <p:cNvPr id="28" name="Elbow Connector 27">
+            <a:extLst>
+              <a:ext uri="{FF2B5EF4-FFF2-40B4-BE49-F238E27FC236}">
+                <a16:creationId xmlns:a16="http://schemas.microsoft.com/office/drawing/2014/main" id="{AFF9B33C-0AEB-256C-CB79-4537C64DDF0D}"/>
+              </a:ext>
+            </a:extLst>
+          </p:cNvPr>
+          <p:cNvCxnSpPr>
+            <a:cxnSpLocks/>
+          </p:cNvCxnSpPr>
+          <p:nvPr/>
+        </p:nvCxnSpPr>
+        <p:spPr>
+          <a:xfrm flipV="1">
+            <a:off x="5027277" y="2878319"/>
+            <a:ext cx="1703723" cy="1686814"/>
+          </a:xfrm>
+          <a:prstGeom prst="bentConnector3">
+            <a:avLst>
+              <a:gd name="adj1" fmla="val 50000"/>
+            </a:avLst>
+          </a:prstGeom>
+          <a:ln>
+            <a:solidFill>
+              <a:srgbClr val="FF0000"/>
+            </a:solidFill>
+            <a:tailEnd type="triangle"/>
+          </a:ln>
+        </p:spPr>
+        <p:style>
+          <a:lnRef idx="2">
+            <a:schemeClr val="accent1"/>
+          </a:lnRef>
+          <a:fillRef idx="0">
+            <a:schemeClr val="accent1"/>
+          </a:fillRef>
+          <a:effectRef idx="1">
+            <a:schemeClr val="accent1"/>
+          </a:effectRef>
+          <a:fontRef idx="minor">
+            <a:schemeClr val="tx1"/>
+          </a:fontRef>
+        </p:style>
+      </p:cxnSp>
+      <p:cxnSp>
+        <p:nvCxnSpPr>
+          <p:cNvPr id="33" name="Elbow Connector 32">
+            <a:extLst>
+              <a:ext uri="{FF2B5EF4-FFF2-40B4-BE49-F238E27FC236}">
+                <a16:creationId xmlns:a16="http://schemas.microsoft.com/office/drawing/2014/main" id="{8EAB30E2-3D44-CC61-6B5B-98F31A235A4B}"/>
+              </a:ext>
+            </a:extLst>
+          </p:cNvPr>
+          <p:cNvCxnSpPr>
+            <a:cxnSpLocks/>
+          </p:cNvCxnSpPr>
+          <p:nvPr/>
+        </p:nvCxnSpPr>
+        <p:spPr>
+          <a:xfrm>
+            <a:off x="5027277" y="4813987"/>
+            <a:ext cx="1703723" cy="963421"/>
+          </a:xfrm>
+          <a:prstGeom prst="bentConnector3">
+            <a:avLst>
+              <a:gd name="adj1" fmla="val 50000"/>
+            </a:avLst>
+          </a:prstGeom>
+          <a:ln>
+            <a:solidFill>
+              <a:srgbClr val="FF0000"/>
+            </a:solidFill>
+            <a:tailEnd type="triangle"/>
+          </a:ln>
+        </p:spPr>
+        <p:style>
+          <a:lnRef idx="2">
+            <a:schemeClr val="accent1"/>
+          </a:lnRef>
+          <a:fillRef idx="0">
+            <a:schemeClr val="accent1"/>
+          </a:fillRef>
+          <a:effectRef idx="1">
+            <a:schemeClr val="accent1"/>
+          </a:effectRef>
+          <a:fontRef idx="minor">
+            <a:schemeClr val="tx1"/>
+          </a:fontRef>
+        </p:style>
+      </p:cxnSp>
+      <p:cxnSp>
+        <p:nvCxnSpPr>
+          <p:cNvPr id="36" name="Elbow Connector 35">
+            <a:extLst>
+              <a:ext uri="{FF2B5EF4-FFF2-40B4-BE49-F238E27FC236}">
+                <a16:creationId xmlns:a16="http://schemas.microsoft.com/office/drawing/2014/main" id="{55C2A7D2-1787-1335-3FC3-AE9F7A3EBB27}"/>
+              </a:ext>
+            </a:extLst>
+          </p:cNvPr>
+          <p:cNvCxnSpPr>
+            <a:cxnSpLocks/>
+          </p:cNvCxnSpPr>
+          <p:nvPr/>
+        </p:nvCxnSpPr>
+        <p:spPr>
+          <a:xfrm flipV="1">
+            <a:off x="5027277" y="1494617"/>
+            <a:ext cx="1739514" cy="2834987"/>
+          </a:xfrm>
+          <a:prstGeom prst="bentConnector3">
+            <a:avLst>
+              <a:gd name="adj1" fmla="val 22124"/>
+            </a:avLst>
+          </a:prstGeom>
+          <a:ln>
+            <a:solidFill>
+              <a:srgbClr val="FF0000"/>
+            </a:solidFill>
+            <a:tailEnd type="triangle"/>
+          </a:ln>
+        </p:spPr>
+        <p:style>
+          <a:lnRef idx="2">
+            <a:schemeClr val="accent1"/>
+          </a:lnRef>
+          <a:fillRef idx="0">
+            <a:schemeClr val="accent1"/>
+          </a:fillRef>
+          <a:effectRef idx="1">
+            <a:schemeClr val="accent1"/>
+          </a:effectRef>
+          <a:fontRef idx="minor">
+            <a:schemeClr val="tx1"/>
+          </a:fontRef>
+        </p:style>
+      </p:cxnSp>
+      <p:sp>
+        <p:nvSpPr>
+          <p:cNvPr id="41" name="Rectangle 40">
+            <a:extLst>
+              <a:ext uri="{FF2B5EF4-FFF2-40B4-BE49-F238E27FC236}">
+                <a16:creationId xmlns:a16="http://schemas.microsoft.com/office/drawing/2014/main" id="{1EBA5750-B9AC-08FE-F8E7-660B85307ADD}"/>
+              </a:ext>
+            </a:extLst>
+          </p:cNvPr>
+          <p:cNvSpPr/>
+          <p:nvPr/>
+        </p:nvSpPr>
+        <p:spPr>
+          <a:xfrm>
+            <a:off x="1636949" y="1787237"/>
+            <a:ext cx="2229622" cy="262401"/>
+          </a:xfrm>
+          <a:prstGeom prst="rect">
+            <a:avLst/>
+          </a:prstGeom>
+          <a:noFill/>
+          <a:ln>
+            <a:solidFill>
+              <a:srgbClr val="FF0000"/>
+            </a:solidFill>
+          </a:ln>
+        </p:spPr>
+        <p:style>
+          <a:lnRef idx="2">
+            <a:schemeClr val="accent1">
+              <a:shade val="15000"/>
+            </a:schemeClr>
+          </a:lnRef>
+          <a:fillRef idx="1">
+            <a:schemeClr val="accent1"/>
+          </a:fillRef>
+          <a:effectRef idx="0">
+            <a:schemeClr val="accent1"/>
+          </a:effectRef>
+          <a:fontRef idx="minor">
+            <a:schemeClr val="lt1"/>
+          </a:fontRef>
+        </p:style>
+        <p:txBody>
+          <a:bodyPr rtlCol="0" anchor="ctr"/>
+          <a:lstStyle/>
+          <a:p>
+            <a:pPr algn="ctr"/>
+            <a:endParaRPr lang="en-US" dirty="0"/>
+          </a:p>
+        </p:txBody>
+      </p:sp>
+      <p:sp>
+        <p:nvSpPr>
+          <p:cNvPr id="44" name="Oval 43">
+            <a:extLst>
+              <a:ext uri="{FF2B5EF4-FFF2-40B4-BE49-F238E27FC236}">
+                <a16:creationId xmlns:a16="http://schemas.microsoft.com/office/drawing/2014/main" id="{C314A414-DFB3-FE29-2294-08321ED7ABF0}"/>
+              </a:ext>
+            </a:extLst>
+          </p:cNvPr>
+          <p:cNvSpPr/>
+          <p:nvPr/>
+        </p:nvSpPr>
+        <p:spPr>
+          <a:xfrm>
+            <a:off x="6384492" y="1118049"/>
+            <a:ext cx="318655" cy="321148"/>
+          </a:xfrm>
+          <a:prstGeom prst="ellipse">
+            <a:avLst/>
+          </a:prstGeom>
+        </p:spPr>
+        <p:style>
+          <a:lnRef idx="2">
+            <a:schemeClr val="accent1">
+              <a:shade val="15000"/>
+            </a:schemeClr>
+          </a:lnRef>
+          <a:fillRef idx="1">
+            <a:schemeClr val="accent1"/>
+          </a:fillRef>
+          <a:effectRef idx="0">
+            <a:schemeClr val="accent1"/>
+          </a:effectRef>
+          <a:fontRef idx="minor">
+            <a:schemeClr val="lt1"/>
+          </a:fontRef>
+        </p:style>
+        <p:txBody>
+          <a:bodyPr rtlCol="0" anchor="ctr"/>
+          <a:lstStyle/>
+          <a:p>
+            <a:pPr algn="ctr"/>
+            <a:r>
+              <a:rPr lang="en-US" dirty="0">
+                <a:solidFill>
+                  <a:srgbClr val="FFFF00"/>
+                </a:solidFill>
+              </a:rPr>
+              <a:t>1</a:t>
+            </a:r>
+          </a:p>
+        </p:txBody>
+      </p:sp>
+      <p:sp>
+        <p:nvSpPr>
+          <p:cNvPr id="45" name="Oval 44">
+            <a:extLst>
+              <a:ext uri="{FF2B5EF4-FFF2-40B4-BE49-F238E27FC236}">
+                <a16:creationId xmlns:a16="http://schemas.microsoft.com/office/drawing/2014/main" id="{7103F588-879F-C922-234A-BA189DEDDA46}"/>
+              </a:ext>
+            </a:extLst>
+          </p:cNvPr>
+          <p:cNvSpPr/>
+          <p:nvPr/>
+        </p:nvSpPr>
+        <p:spPr>
+          <a:xfrm>
+            <a:off x="6310745" y="2960507"/>
+            <a:ext cx="318655" cy="321148"/>
+          </a:xfrm>
+          <a:prstGeom prst="ellipse">
+            <a:avLst/>
+          </a:prstGeom>
+        </p:spPr>
+        <p:style>
+          <a:lnRef idx="2">
+            <a:schemeClr val="accent1">
+              <a:shade val="15000"/>
+            </a:schemeClr>
+          </a:lnRef>
+          <a:fillRef idx="1">
+            <a:schemeClr val="accent1"/>
+          </a:fillRef>
+          <a:effectRef idx="0">
+            <a:schemeClr val="accent1"/>
+          </a:effectRef>
+          <a:fontRef idx="minor">
+            <a:schemeClr val="lt1"/>
+          </a:fontRef>
+        </p:style>
+        <p:txBody>
+          <a:bodyPr rtlCol="0" anchor="ctr"/>
+          <a:lstStyle/>
+          <a:p>
+            <a:pPr algn="ctr"/>
+            <a:r>
+              <a:rPr lang="en-US" dirty="0">
+                <a:solidFill>
+                  <a:srgbClr val="FFFF00"/>
+                </a:solidFill>
+              </a:rPr>
+              <a:t>2</a:t>
+            </a:r>
+          </a:p>
+        </p:txBody>
+      </p:sp>
+      <p:sp>
+        <p:nvSpPr>
+          <p:cNvPr id="46" name="Oval 45">
+            <a:extLst>
+              <a:ext uri="{FF2B5EF4-FFF2-40B4-BE49-F238E27FC236}">
+                <a16:creationId xmlns:a16="http://schemas.microsoft.com/office/drawing/2014/main" id="{439FA6AB-3CA8-97A3-6109-606380C619AC}"/>
+              </a:ext>
+            </a:extLst>
+          </p:cNvPr>
+          <p:cNvSpPr/>
+          <p:nvPr/>
+        </p:nvSpPr>
+        <p:spPr>
+          <a:xfrm>
+            <a:off x="6361545" y="5832828"/>
+            <a:ext cx="318655" cy="321148"/>
+          </a:xfrm>
+          <a:prstGeom prst="ellipse">
+            <a:avLst/>
+          </a:prstGeom>
+        </p:spPr>
+        <p:style>
+          <a:lnRef idx="2">
+            <a:schemeClr val="accent1">
+              <a:shade val="15000"/>
+            </a:schemeClr>
+          </a:lnRef>
+          <a:fillRef idx="1">
+            <a:schemeClr val="accent1"/>
+          </a:fillRef>
+          <a:effectRef idx="0">
+            <a:schemeClr val="accent1"/>
+          </a:effectRef>
+          <a:fontRef idx="minor">
+            <a:schemeClr val="lt1"/>
+          </a:fontRef>
+        </p:style>
+        <p:txBody>
+          <a:bodyPr rtlCol="0" anchor="ctr"/>
+          <a:lstStyle/>
+          <a:p>
+            <a:pPr algn="ctr"/>
+            <a:r>
+              <a:rPr lang="en-US" dirty="0">
+                <a:solidFill>
+                  <a:srgbClr val="FFFF00"/>
+                </a:solidFill>
+              </a:rPr>
+              <a:t>3</a:t>
+            </a:r>
+          </a:p>
+        </p:txBody>
+      </p:sp>
+      <p:sp>
+        <p:nvSpPr>
+          <p:cNvPr id="47" name="Oval 46">
+            <a:extLst>
+              <a:ext uri="{FF2B5EF4-FFF2-40B4-BE49-F238E27FC236}">
+                <a16:creationId xmlns:a16="http://schemas.microsoft.com/office/drawing/2014/main" id="{B2152E91-BE89-3913-6592-B22663CB4F08}"/>
+              </a:ext>
+            </a:extLst>
+          </p:cNvPr>
+          <p:cNvSpPr/>
+          <p:nvPr/>
+        </p:nvSpPr>
+        <p:spPr>
+          <a:xfrm>
+            <a:off x="2684995" y="2424517"/>
+            <a:ext cx="318655" cy="321148"/>
+          </a:xfrm>
+          <a:prstGeom prst="ellipse">
+            <a:avLst/>
+          </a:prstGeom>
+        </p:spPr>
+        <p:style>
+          <a:lnRef idx="2">
+            <a:schemeClr val="accent1">
+              <a:shade val="15000"/>
+            </a:schemeClr>
+          </a:lnRef>
+          <a:fillRef idx="1">
+            <a:schemeClr val="accent1"/>
+          </a:fillRef>
+          <a:effectRef idx="0">
+            <a:schemeClr val="accent1"/>
+          </a:effectRef>
+          <a:fontRef idx="minor">
+            <a:schemeClr val="lt1"/>
+          </a:fontRef>
+        </p:style>
+        <p:txBody>
+          <a:bodyPr rtlCol="0" anchor="ctr"/>
+          <a:lstStyle/>
+          <a:p>
+            <a:pPr algn="ctr"/>
+            <a:r>
+              <a:rPr lang="en-US" dirty="0">
+                <a:solidFill>
+                  <a:srgbClr val="FFFF00"/>
+                </a:solidFill>
+              </a:rPr>
+              <a:t>4</a:t>
+            </a:r>
+          </a:p>
+        </p:txBody>
+      </p:sp>
+    </p:spTree>
+    <p:extLst>
+      <p:ext uri="{BB962C8B-B14F-4D97-AF65-F5344CB8AC3E}">
+        <p14:creationId xmlns:p14="http://schemas.microsoft.com/office/powerpoint/2010/main" val="1489166315"/>
+      </p:ext>
+    </p:extLst>
+  </p:cSld>
+  <p:clrMapOvr>
+    <a:masterClrMapping/>
+  </p:clrMapOvr>
+</p:sld>
+</file>
+
+<file path=ppt/slides/slide11.xml><?xml version="1.0" encoding="utf-8"?>
+<p:sld xmlns:a="http://schemas.openxmlformats.org/drawingml/2006/main" xmlns:r="http://schemas.openxmlformats.org/officeDocument/2006/relationships" xmlns:p="http://schemas.openxmlformats.org/presentationml/2006/main">
+  <p:cSld>
+    <p:spTree>
+      <p:nvGrpSpPr>
+        <p:cNvPr id="1" name=""/>
+        <p:cNvGrpSpPr/>
+        <p:nvPr/>
+      </p:nvGrpSpPr>
+      <p:grpSpPr>
+        <a:xfrm>
+          <a:off x="0" y="0"/>
+          <a:ext cx="0" cy="0"/>
+          <a:chOff x="0" y="0"/>
+          <a:chExt cx="0" cy="0"/>
+        </a:xfrm>
+      </p:grpSpPr>
+      <p:pic>
+        <p:nvPicPr>
+          <p:cNvPr id="7" name="Picture 6" descr="A screenshot of a computer&#10;&#10;Description automatically generated">
+            <a:extLst>
+              <a:ext uri="{FF2B5EF4-FFF2-40B4-BE49-F238E27FC236}">
+                <a16:creationId xmlns:a16="http://schemas.microsoft.com/office/drawing/2014/main" id="{F709162C-8364-CBC7-13C0-1FCB6C52030E}"/>
+              </a:ext>
+            </a:extLst>
+          </p:cNvPr>
+          <p:cNvPicPr>
+            <a:picLocks noChangeAspect="1"/>
+          </p:cNvPicPr>
+          <p:nvPr/>
+        </p:nvPicPr>
+        <p:blipFill>
+          <a:blip r:embed="rId2"/>
+          <a:stretch>
+            <a:fillRect/>
+          </a:stretch>
+        </p:blipFill>
+        <p:spPr>
+          <a:xfrm>
+            <a:off x="4993947" y="987073"/>
+            <a:ext cx="6658263" cy="4883853"/>
+          </a:xfrm>
+          <a:prstGeom prst="rect">
+            <a:avLst/>
+          </a:prstGeom>
+        </p:spPr>
+      </p:pic>
+      <p:pic>
+        <p:nvPicPr>
+          <p:cNvPr id="16" name="Picture 15" descr="A black text on a white background&#10;&#10;Description automatically generated">
+            <a:extLst>
+              <a:ext uri="{FF2B5EF4-FFF2-40B4-BE49-F238E27FC236}">
+                <a16:creationId xmlns:a16="http://schemas.microsoft.com/office/drawing/2014/main" id="{09D2296F-2ED2-269F-F48E-CBFBEF84AB88}"/>
+              </a:ext>
+            </a:extLst>
+          </p:cNvPr>
+          <p:cNvPicPr>
+            <a:picLocks noChangeAspect="1"/>
+          </p:cNvPicPr>
+          <p:nvPr/>
+        </p:nvPicPr>
+        <p:blipFill>
+          <a:blip r:embed="rId3"/>
+          <a:stretch>
+            <a:fillRect/>
+          </a:stretch>
+        </p:blipFill>
+        <p:spPr>
+          <a:xfrm>
+            <a:off x="9574022" y="6138164"/>
+            <a:ext cx="2578100" cy="698500"/>
+          </a:xfrm>
+          <a:prstGeom prst="rect">
+            <a:avLst/>
+          </a:prstGeom>
+        </p:spPr>
+      </p:pic>
+      <p:sp>
+        <p:nvSpPr>
+          <p:cNvPr id="2" name="TextBox 1">
+            <a:extLst>
+              <a:ext uri="{FF2B5EF4-FFF2-40B4-BE49-F238E27FC236}">
+                <a16:creationId xmlns:a16="http://schemas.microsoft.com/office/drawing/2014/main" id="{EF6874F3-7045-70A8-1F64-660B9B5BFFB9}"/>
+              </a:ext>
+            </a:extLst>
+          </p:cNvPr>
+          <p:cNvSpPr txBox="1"/>
+          <p:nvPr/>
+        </p:nvSpPr>
+        <p:spPr>
+          <a:xfrm>
+            <a:off x="1636949" y="184848"/>
+            <a:ext cx="9495087" cy="584775"/>
+          </a:xfrm>
+          <a:prstGeom prst="rect">
+            <a:avLst/>
+          </a:prstGeom>
+          <a:noFill/>
+        </p:spPr>
+        <p:txBody>
+          <a:bodyPr wrap="square" rtlCol="0">
+            <a:spAutoFit/>
+          </a:bodyPr>
+          <a:lstStyle/>
+          <a:p>
+            <a:pPr algn="ctr"/>
+            <a:r>
+              <a:rPr lang="en-US" sz="3200" b="1" dirty="0">
+                <a:latin typeface="Arial" panose="020B0604020202020204" pitchFamily="34" charset="0"/>
+                <a:cs typeface="Arial" panose="020B0604020202020204" pitchFamily="34" charset="0"/>
+              </a:rPr>
+              <a:t>Example CAN RX Message</a:t>
+            </a:r>
+          </a:p>
+        </p:txBody>
+      </p:sp>
+      <p:sp>
+        <p:nvSpPr>
+          <p:cNvPr id="41" name="Rectangle 40">
+            <a:extLst>
+              <a:ext uri="{FF2B5EF4-FFF2-40B4-BE49-F238E27FC236}">
+                <a16:creationId xmlns:a16="http://schemas.microsoft.com/office/drawing/2014/main" id="{1EBA5750-B9AC-08FE-F8E7-660B85307ADD}"/>
+              </a:ext>
+            </a:extLst>
+          </p:cNvPr>
+          <p:cNvSpPr/>
+          <p:nvPr/>
+        </p:nvSpPr>
+        <p:spPr>
+          <a:xfrm>
+            <a:off x="5110410" y="5192957"/>
+            <a:ext cx="1691640" cy="321151"/>
+          </a:xfrm>
+          <a:prstGeom prst="rect">
+            <a:avLst/>
+          </a:prstGeom>
+          <a:noFill/>
+          <a:ln>
+            <a:solidFill>
+              <a:srgbClr val="FF0000"/>
+            </a:solidFill>
+          </a:ln>
+        </p:spPr>
+        <p:style>
+          <a:lnRef idx="2">
+            <a:schemeClr val="accent1">
+              <a:shade val="15000"/>
+            </a:schemeClr>
+          </a:lnRef>
+          <a:fillRef idx="1">
+            <a:schemeClr val="accent1"/>
+          </a:fillRef>
+          <a:effectRef idx="0">
+            <a:schemeClr val="accent1"/>
+          </a:effectRef>
+          <a:fontRef idx="minor">
+            <a:schemeClr val="lt1"/>
+          </a:fontRef>
+        </p:style>
+        <p:txBody>
+          <a:bodyPr rtlCol="0" anchor="ctr"/>
+          <a:lstStyle/>
+          <a:p>
+            <a:pPr algn="ctr"/>
+            <a:endParaRPr lang="en-US"/>
+          </a:p>
+        </p:txBody>
+      </p:sp>
+      <p:sp>
+        <p:nvSpPr>
+          <p:cNvPr id="8" name="Rectangle 7">
+            <a:extLst>
+              <a:ext uri="{FF2B5EF4-FFF2-40B4-BE49-F238E27FC236}">
+                <a16:creationId xmlns:a16="http://schemas.microsoft.com/office/drawing/2014/main" id="{97A8FE1C-6EDC-F62A-E1EE-508CC709B531}"/>
+              </a:ext>
+            </a:extLst>
+          </p:cNvPr>
+          <p:cNvSpPr/>
+          <p:nvPr/>
+        </p:nvSpPr>
+        <p:spPr>
+          <a:xfrm>
+            <a:off x="6802589" y="5192956"/>
+            <a:ext cx="1662544" cy="321152"/>
+          </a:xfrm>
+          <a:prstGeom prst="rect">
+            <a:avLst/>
+          </a:prstGeom>
+          <a:noFill/>
+          <a:ln>
+            <a:solidFill>
+              <a:srgbClr val="FF0000"/>
+            </a:solidFill>
+          </a:ln>
+        </p:spPr>
+        <p:style>
+          <a:lnRef idx="2">
+            <a:schemeClr val="accent1">
+              <a:shade val="15000"/>
+            </a:schemeClr>
+          </a:lnRef>
+          <a:fillRef idx="1">
+            <a:schemeClr val="accent1"/>
+          </a:fillRef>
+          <a:effectRef idx="0">
+            <a:schemeClr val="accent1"/>
+          </a:effectRef>
+          <a:fontRef idx="minor">
+            <a:schemeClr val="lt1"/>
+          </a:fontRef>
+        </p:style>
+        <p:txBody>
+          <a:bodyPr rtlCol="0" anchor="ctr"/>
+          <a:lstStyle/>
+          <a:p>
+            <a:pPr algn="ctr"/>
+            <a:endParaRPr lang="en-US"/>
+          </a:p>
+        </p:txBody>
+      </p:sp>
+      <p:sp>
+        <p:nvSpPr>
+          <p:cNvPr id="9" name="Rectangle 8">
+            <a:extLst>
+              <a:ext uri="{FF2B5EF4-FFF2-40B4-BE49-F238E27FC236}">
+                <a16:creationId xmlns:a16="http://schemas.microsoft.com/office/drawing/2014/main" id="{2376EBA0-FAEA-E04B-779A-219085235E5D}"/>
+              </a:ext>
+            </a:extLst>
+          </p:cNvPr>
+          <p:cNvSpPr/>
+          <p:nvPr/>
+        </p:nvSpPr>
+        <p:spPr>
+          <a:xfrm>
+            <a:off x="8462680" y="5192957"/>
+            <a:ext cx="1609344" cy="321151"/>
+          </a:xfrm>
+          <a:prstGeom prst="rect">
+            <a:avLst/>
+          </a:prstGeom>
+          <a:noFill/>
+          <a:ln>
+            <a:solidFill>
+              <a:srgbClr val="FF0000"/>
+            </a:solidFill>
+          </a:ln>
+        </p:spPr>
+        <p:style>
+          <a:lnRef idx="2">
+            <a:schemeClr val="accent1">
+              <a:shade val="15000"/>
+            </a:schemeClr>
+          </a:lnRef>
+          <a:fillRef idx="1">
+            <a:schemeClr val="accent1"/>
+          </a:fillRef>
+          <a:effectRef idx="0">
+            <a:schemeClr val="accent1"/>
+          </a:effectRef>
+          <a:fontRef idx="minor">
+            <a:schemeClr val="lt1"/>
+          </a:fontRef>
+        </p:style>
+        <p:txBody>
+          <a:bodyPr rtlCol="0" anchor="ctr"/>
+          <a:lstStyle/>
+          <a:p>
+            <a:pPr algn="ctr"/>
+            <a:endParaRPr lang="en-US"/>
+          </a:p>
+        </p:txBody>
+      </p:sp>
+      <p:pic>
+        <p:nvPicPr>
+          <p:cNvPr id="12" name="Picture 11" descr="A screenshot of a computer message&#10;&#10;Description automatically generated">
+            <a:extLst>
+              <a:ext uri="{FF2B5EF4-FFF2-40B4-BE49-F238E27FC236}">
+                <a16:creationId xmlns:a16="http://schemas.microsoft.com/office/drawing/2014/main" id="{951703F5-88F0-B322-FA0A-35FC9E49B71A}"/>
+              </a:ext>
+            </a:extLst>
+          </p:cNvPr>
+          <p:cNvPicPr>
+            <a:picLocks noChangeAspect="1"/>
+          </p:cNvPicPr>
+          <p:nvPr/>
+        </p:nvPicPr>
+        <p:blipFill>
+          <a:blip r:embed="rId4"/>
+          <a:stretch>
+            <a:fillRect/>
+          </a:stretch>
+        </p:blipFill>
+        <p:spPr>
+          <a:xfrm>
+            <a:off x="424295" y="987072"/>
+            <a:ext cx="4313959" cy="2711631"/>
+          </a:xfrm>
+          <a:prstGeom prst="rect">
+            <a:avLst/>
+          </a:prstGeom>
+        </p:spPr>
+      </p:pic>
+      <p:cxnSp>
+        <p:nvCxnSpPr>
+          <p:cNvPr id="14" name="Straight Connector 13">
+            <a:extLst>
+              <a:ext uri="{FF2B5EF4-FFF2-40B4-BE49-F238E27FC236}">
+                <a16:creationId xmlns:a16="http://schemas.microsoft.com/office/drawing/2014/main" id="{A5B8AD79-62D3-9430-ACC1-0C38D1B40221}"/>
+              </a:ext>
+            </a:extLst>
+          </p:cNvPr>
+          <p:cNvCxnSpPr/>
+          <p:nvPr/>
+        </p:nvCxnSpPr>
+        <p:spPr>
+          <a:xfrm>
+            <a:off x="10113589" y="5514108"/>
+            <a:ext cx="1371831" cy="0"/>
+          </a:xfrm>
+          <a:prstGeom prst="line">
+            <a:avLst/>
+          </a:prstGeom>
+          <a:ln>
+            <a:solidFill>
+              <a:srgbClr val="FF0000"/>
+            </a:solidFill>
+          </a:ln>
+        </p:spPr>
+        <p:style>
+          <a:lnRef idx="2">
+            <a:schemeClr val="accent1"/>
+          </a:lnRef>
+          <a:fillRef idx="0">
+            <a:schemeClr val="accent1"/>
+          </a:fillRef>
+          <a:effectRef idx="1">
+            <a:schemeClr val="accent1"/>
+          </a:effectRef>
+          <a:fontRef idx="minor">
+            <a:schemeClr val="tx1"/>
+          </a:fontRef>
+        </p:style>
+      </p:cxnSp>
+      <p:sp>
+        <p:nvSpPr>
+          <p:cNvPr id="22" name="Rectangle 21">
+            <a:extLst>
+              <a:ext uri="{FF2B5EF4-FFF2-40B4-BE49-F238E27FC236}">
+                <a16:creationId xmlns:a16="http://schemas.microsoft.com/office/drawing/2014/main" id="{4B71EF25-ACFF-4670-B797-C263D0D74F3E}"/>
+              </a:ext>
+            </a:extLst>
+          </p:cNvPr>
+          <p:cNvSpPr/>
+          <p:nvPr/>
+        </p:nvSpPr>
+        <p:spPr>
+          <a:xfrm>
+            <a:off x="10072024" y="5192956"/>
+            <a:ext cx="1609344" cy="538602"/>
+          </a:xfrm>
+          <a:prstGeom prst="rect">
+            <a:avLst/>
+          </a:prstGeom>
+          <a:gradFill>
+            <a:gsLst>
+              <a:gs pos="0">
+                <a:schemeClr val="accent1">
+                  <a:lumMod val="5000"/>
+                  <a:lumOff val="95000"/>
+                  <a:alpha val="0"/>
+                </a:schemeClr>
+              </a:gs>
+              <a:gs pos="74000">
+                <a:schemeClr val="accent1">
+                  <a:lumMod val="45000"/>
+                  <a:lumOff val="55000"/>
+                </a:schemeClr>
+              </a:gs>
+              <a:gs pos="83000">
+                <a:schemeClr val="accent1">
+                  <a:lumMod val="45000"/>
+                  <a:lumOff val="55000"/>
+                </a:schemeClr>
+              </a:gs>
+              <a:gs pos="100000">
+                <a:schemeClr val="accent1">
+                  <a:lumMod val="30000"/>
+                  <a:lumOff val="70000"/>
+                </a:schemeClr>
+              </a:gs>
+            </a:gsLst>
+            <a:lin ang="5400000" scaled="1"/>
+          </a:gradFill>
+          <a:ln>
+            <a:solidFill>
+              <a:srgbClr val="FF0000"/>
+            </a:solidFill>
+          </a:ln>
+        </p:spPr>
+        <p:style>
+          <a:lnRef idx="2">
+            <a:schemeClr val="accent1">
+              <a:shade val="15000"/>
+            </a:schemeClr>
+          </a:lnRef>
+          <a:fillRef idx="1">
+            <a:schemeClr val="accent1"/>
+          </a:fillRef>
+          <a:effectRef idx="0">
+            <a:schemeClr val="accent1"/>
+          </a:effectRef>
+          <a:fontRef idx="minor">
+            <a:schemeClr val="lt1"/>
+          </a:fontRef>
+        </p:style>
+        <p:txBody>
+          <a:bodyPr rtlCol="0" anchor="ctr"/>
+          <a:lstStyle/>
+          <a:p>
+            <a:pPr algn="ctr"/>
+            <a:endParaRPr lang="en-US"/>
+          </a:p>
+        </p:txBody>
+      </p:sp>
+      <p:sp>
+        <p:nvSpPr>
+          <p:cNvPr id="24" name="Rectangle 23">
+            <a:extLst>
+              <a:ext uri="{FF2B5EF4-FFF2-40B4-BE49-F238E27FC236}">
+                <a16:creationId xmlns:a16="http://schemas.microsoft.com/office/drawing/2014/main" id="{A98D760C-3CE9-13E0-6DF4-A4C9E32BBCD6}"/>
+              </a:ext>
+            </a:extLst>
+          </p:cNvPr>
+          <p:cNvSpPr/>
+          <p:nvPr/>
+        </p:nvSpPr>
+        <p:spPr>
+          <a:xfrm>
+            <a:off x="5109870" y="5514104"/>
+            <a:ext cx="2205329" cy="538602"/>
+          </a:xfrm>
+          <a:prstGeom prst="rect">
+            <a:avLst/>
+          </a:prstGeom>
+          <a:gradFill flip="none" rotWithShape="1">
+            <a:gsLst>
+              <a:gs pos="0">
+                <a:schemeClr val="accent1">
+                  <a:lumMod val="5000"/>
+                  <a:lumOff val="95000"/>
+                  <a:alpha val="0"/>
+                </a:schemeClr>
+              </a:gs>
+              <a:gs pos="74000">
+                <a:schemeClr val="accent1">
+                  <a:lumMod val="45000"/>
+                  <a:lumOff val="55000"/>
+                </a:schemeClr>
+              </a:gs>
+              <a:gs pos="83000">
+                <a:schemeClr val="accent1">
+                  <a:lumMod val="45000"/>
+                  <a:lumOff val="55000"/>
+                </a:schemeClr>
+              </a:gs>
+              <a:gs pos="100000">
+                <a:schemeClr val="accent1">
+                  <a:lumMod val="30000"/>
+                  <a:lumOff val="70000"/>
+                </a:schemeClr>
+              </a:gs>
+            </a:gsLst>
+            <a:lin ang="5400000" scaled="1"/>
+            <a:tileRect/>
+          </a:gradFill>
+          <a:ln>
+            <a:solidFill>
+              <a:srgbClr val="FF0000"/>
+            </a:solidFill>
+          </a:ln>
+        </p:spPr>
+        <p:style>
+          <a:lnRef idx="2">
+            <a:schemeClr val="accent1">
+              <a:shade val="15000"/>
+            </a:schemeClr>
+          </a:lnRef>
+          <a:fillRef idx="1">
+            <a:schemeClr val="accent1"/>
+          </a:fillRef>
+          <a:effectRef idx="0">
+            <a:schemeClr val="accent1"/>
+          </a:effectRef>
+          <a:fontRef idx="minor">
+            <a:schemeClr val="lt1"/>
+          </a:fontRef>
+        </p:style>
+        <p:txBody>
+          <a:bodyPr rtlCol="0" anchor="ctr"/>
+          <a:lstStyle/>
+          <a:p>
+            <a:pPr algn="ctr"/>
+            <a:endParaRPr lang="en-US"/>
+          </a:p>
+        </p:txBody>
+      </p:sp>
+      <p:sp>
+        <p:nvSpPr>
+          <p:cNvPr id="25" name="Oval 24">
+            <a:extLst>
+              <a:ext uri="{FF2B5EF4-FFF2-40B4-BE49-F238E27FC236}">
+                <a16:creationId xmlns:a16="http://schemas.microsoft.com/office/drawing/2014/main" id="{6B49AE65-9F47-CDA4-96AD-FE2A3B54F59E}"/>
+              </a:ext>
+            </a:extLst>
+          </p:cNvPr>
+          <p:cNvSpPr/>
+          <p:nvPr/>
+        </p:nvSpPr>
+        <p:spPr>
+          <a:xfrm>
+            <a:off x="5936672" y="4836139"/>
+            <a:ext cx="318655" cy="321148"/>
+          </a:xfrm>
+          <a:prstGeom prst="ellipse">
+            <a:avLst/>
+          </a:prstGeom>
+        </p:spPr>
+        <p:style>
+          <a:lnRef idx="2">
+            <a:schemeClr val="accent1">
+              <a:shade val="15000"/>
+            </a:schemeClr>
+          </a:lnRef>
+          <a:fillRef idx="1">
+            <a:schemeClr val="accent1"/>
+          </a:fillRef>
+          <a:effectRef idx="0">
+            <a:schemeClr val="accent1"/>
+          </a:effectRef>
+          <a:fontRef idx="minor">
+            <a:schemeClr val="lt1"/>
+          </a:fontRef>
+        </p:style>
+        <p:txBody>
+          <a:bodyPr rtlCol="0" anchor="ctr"/>
+          <a:lstStyle/>
+          <a:p>
+            <a:pPr algn="ctr"/>
+            <a:r>
+              <a:rPr lang="en-US" dirty="0">
+                <a:solidFill>
+                  <a:srgbClr val="FFFF00"/>
+                </a:solidFill>
+              </a:rPr>
+              <a:t>1</a:t>
+            </a:r>
+          </a:p>
+        </p:txBody>
+      </p:sp>
+      <p:sp>
+        <p:nvSpPr>
+          <p:cNvPr id="26" name="Oval 25">
+            <a:extLst>
+              <a:ext uri="{FF2B5EF4-FFF2-40B4-BE49-F238E27FC236}">
+                <a16:creationId xmlns:a16="http://schemas.microsoft.com/office/drawing/2014/main" id="{45D52C5E-3D7B-18B1-9894-1AD89B6EA58D}"/>
+              </a:ext>
+            </a:extLst>
+          </p:cNvPr>
+          <p:cNvSpPr/>
+          <p:nvPr/>
+        </p:nvSpPr>
+        <p:spPr>
+          <a:xfrm>
+            <a:off x="7474533" y="4836139"/>
+            <a:ext cx="318655" cy="321148"/>
+          </a:xfrm>
+          <a:prstGeom prst="ellipse">
+            <a:avLst/>
+          </a:prstGeom>
+        </p:spPr>
+        <p:style>
+          <a:lnRef idx="2">
+            <a:schemeClr val="accent1">
+              <a:shade val="15000"/>
+            </a:schemeClr>
+          </a:lnRef>
+          <a:fillRef idx="1">
+            <a:schemeClr val="accent1"/>
+          </a:fillRef>
+          <a:effectRef idx="0">
+            <a:schemeClr val="accent1"/>
+          </a:effectRef>
+          <a:fontRef idx="minor">
+            <a:schemeClr val="lt1"/>
+          </a:fontRef>
+        </p:style>
+        <p:txBody>
+          <a:bodyPr rtlCol="0" anchor="ctr"/>
+          <a:lstStyle/>
+          <a:p>
+            <a:pPr algn="ctr"/>
+            <a:r>
+              <a:rPr lang="en-US" dirty="0">
+                <a:solidFill>
+                  <a:srgbClr val="FFFF00"/>
+                </a:solidFill>
+              </a:rPr>
+              <a:t>2</a:t>
+            </a:r>
+          </a:p>
+        </p:txBody>
+      </p:sp>
+      <p:sp>
+        <p:nvSpPr>
+          <p:cNvPr id="27" name="Oval 26">
+            <a:extLst>
+              <a:ext uri="{FF2B5EF4-FFF2-40B4-BE49-F238E27FC236}">
+                <a16:creationId xmlns:a16="http://schemas.microsoft.com/office/drawing/2014/main" id="{B56C672D-D38F-AAD8-2250-23F8E45A1EAB}"/>
+              </a:ext>
+            </a:extLst>
+          </p:cNvPr>
+          <p:cNvSpPr/>
+          <p:nvPr/>
+        </p:nvSpPr>
+        <p:spPr>
+          <a:xfrm>
+            <a:off x="9108024" y="4826435"/>
+            <a:ext cx="318655" cy="321148"/>
+          </a:xfrm>
+          <a:prstGeom prst="ellipse">
+            <a:avLst/>
+          </a:prstGeom>
+        </p:spPr>
+        <p:style>
+          <a:lnRef idx="2">
+            <a:schemeClr val="accent1">
+              <a:shade val="15000"/>
+            </a:schemeClr>
+          </a:lnRef>
+          <a:fillRef idx="1">
+            <a:schemeClr val="accent1"/>
+          </a:fillRef>
+          <a:effectRef idx="0">
+            <a:schemeClr val="accent1"/>
+          </a:effectRef>
+          <a:fontRef idx="minor">
+            <a:schemeClr val="lt1"/>
+          </a:fontRef>
+        </p:style>
+        <p:txBody>
+          <a:bodyPr rtlCol="0" anchor="ctr"/>
+          <a:lstStyle/>
+          <a:p>
+            <a:pPr algn="ctr"/>
+            <a:r>
+              <a:rPr lang="en-US" dirty="0">
+                <a:solidFill>
+                  <a:srgbClr val="FFFF00"/>
+                </a:solidFill>
+              </a:rPr>
+              <a:t>3</a:t>
+            </a:r>
+          </a:p>
+        </p:txBody>
+      </p:sp>
+      <p:sp>
+        <p:nvSpPr>
+          <p:cNvPr id="29" name="Oval 28">
+            <a:extLst>
+              <a:ext uri="{FF2B5EF4-FFF2-40B4-BE49-F238E27FC236}">
+                <a16:creationId xmlns:a16="http://schemas.microsoft.com/office/drawing/2014/main" id="{A0773E22-E8EA-FF0D-912F-DD65859E51CA}"/>
+              </a:ext>
+            </a:extLst>
+          </p:cNvPr>
+          <p:cNvSpPr/>
+          <p:nvPr/>
+        </p:nvSpPr>
+        <p:spPr>
+          <a:xfrm>
+            <a:off x="10754608" y="4826435"/>
+            <a:ext cx="318655" cy="321148"/>
+          </a:xfrm>
+          <a:prstGeom prst="ellipse">
+            <a:avLst/>
+          </a:prstGeom>
+        </p:spPr>
+        <p:style>
+          <a:lnRef idx="2">
+            <a:schemeClr val="accent1">
+              <a:shade val="15000"/>
+            </a:schemeClr>
+          </a:lnRef>
+          <a:fillRef idx="1">
+            <a:schemeClr val="accent1"/>
+          </a:fillRef>
+          <a:effectRef idx="0">
+            <a:schemeClr val="accent1"/>
+          </a:effectRef>
+          <a:fontRef idx="minor">
+            <a:schemeClr val="lt1"/>
+          </a:fontRef>
+        </p:style>
+        <p:txBody>
+          <a:bodyPr rtlCol="0" anchor="ctr"/>
+          <a:lstStyle/>
+          <a:p>
+            <a:pPr algn="ctr"/>
+            <a:r>
+              <a:rPr lang="en-US" dirty="0">
+                <a:solidFill>
+                  <a:srgbClr val="FFFF00"/>
+                </a:solidFill>
+              </a:rPr>
+              <a:t>4</a:t>
+            </a:r>
+          </a:p>
+        </p:txBody>
+      </p:sp>
+    </p:spTree>
+    <p:extLst>
+      <p:ext uri="{BB962C8B-B14F-4D97-AF65-F5344CB8AC3E}">
+        <p14:creationId xmlns:p14="http://schemas.microsoft.com/office/powerpoint/2010/main" val="1747670202"/>
       </p:ext>
     </p:extLst>
   </p:cSld>

--- a/WBZ45x_CAN_BLE_Peripheral.pptx
+++ b/WBZ45x_CAN_BLE_Peripheral.pptx
@@ -4,18 +4,28 @@
   <p:sldMasterIdLst>
     <p:sldMasterId id="2147483648" r:id="rId1"/>
   </p:sldMasterIdLst>
+  <p:notesMasterIdLst>
+    <p:notesMasterId r:id="rId20"/>
+  </p:notesMasterIdLst>
   <p:sldIdLst>
     <p:sldId id="271" r:id="rId2"/>
     <p:sldId id="256" r:id="rId3"/>
     <p:sldId id="268" r:id="rId4"/>
     <p:sldId id="270" r:id="rId5"/>
     <p:sldId id="258" r:id="rId6"/>
-    <p:sldId id="269" r:id="rId7"/>
-    <p:sldId id="260" r:id="rId8"/>
-    <p:sldId id="262" r:id="rId9"/>
-    <p:sldId id="263" r:id="rId10"/>
-    <p:sldId id="272" r:id="rId11"/>
-    <p:sldId id="273" r:id="rId12"/>
+    <p:sldId id="280" r:id="rId7"/>
+    <p:sldId id="274" r:id="rId8"/>
+    <p:sldId id="269" r:id="rId9"/>
+    <p:sldId id="260" r:id="rId10"/>
+    <p:sldId id="262" r:id="rId11"/>
+    <p:sldId id="263" r:id="rId12"/>
+    <p:sldId id="272" r:id="rId13"/>
+    <p:sldId id="273" r:id="rId14"/>
+    <p:sldId id="275" r:id="rId15"/>
+    <p:sldId id="278" r:id="rId16"/>
+    <p:sldId id="279" r:id="rId17"/>
+    <p:sldId id="276" r:id="rId18"/>
+    <p:sldId id="277" r:id="rId19"/>
   </p:sldIdLst>
   <p:sldSz cx="12192000" cy="6858000"/>
   <p:notesSz cx="6858000" cy="9144000"/>
@@ -122,6 +132,455 @@
 </p:presentation>
 </file>
 
+<file path=ppt/notesMasters/notesMaster1.xml><?xml version="1.0" encoding="utf-8"?>
+<p:notesMaster xmlns:a="http://schemas.openxmlformats.org/drawingml/2006/main" xmlns:r="http://schemas.openxmlformats.org/officeDocument/2006/relationships" xmlns:p="http://schemas.openxmlformats.org/presentationml/2006/main">
+  <p:cSld>
+    <p:bg>
+      <p:bgRef idx="1001">
+        <a:schemeClr val="bg1"/>
+      </p:bgRef>
+    </p:bg>
+    <p:spTree>
+      <p:nvGrpSpPr>
+        <p:cNvPr id="1" name=""/>
+        <p:cNvGrpSpPr/>
+        <p:nvPr/>
+      </p:nvGrpSpPr>
+      <p:grpSpPr>
+        <a:xfrm>
+          <a:off x="0" y="0"/>
+          <a:ext cx="0" cy="0"/>
+          <a:chOff x="0" y="0"/>
+          <a:chExt cx="0" cy="0"/>
+        </a:xfrm>
+      </p:grpSpPr>
+      <p:sp>
+        <p:nvSpPr>
+          <p:cNvPr id="2" name="Header Placeholder 1"/>
+          <p:cNvSpPr>
+            <a:spLocks noGrp="1"/>
+          </p:cNvSpPr>
+          <p:nvPr>
+            <p:ph type="hdr" sz="quarter"/>
+          </p:nvPr>
+        </p:nvSpPr>
+        <p:spPr>
+          <a:xfrm>
+            <a:off x="0" y="0"/>
+            <a:ext cx="2971800" cy="458788"/>
+          </a:xfrm>
+          <a:prstGeom prst="rect">
+            <a:avLst/>
+          </a:prstGeom>
+        </p:spPr>
+        <p:txBody>
+          <a:bodyPr vert="horz" lIns="91440" tIns="45720" rIns="91440" bIns="45720" rtlCol="0"/>
+          <a:lstStyle>
+            <a:lvl1pPr algn="l">
+              <a:defRPr sz="1200"/>
+            </a:lvl1pPr>
+          </a:lstStyle>
+          <a:p>
+            <a:endParaRPr lang="en-US"/>
+          </a:p>
+        </p:txBody>
+      </p:sp>
+      <p:sp>
+        <p:nvSpPr>
+          <p:cNvPr id="3" name="Date Placeholder 2"/>
+          <p:cNvSpPr>
+            <a:spLocks noGrp="1"/>
+          </p:cNvSpPr>
+          <p:nvPr>
+            <p:ph type="dt" idx="1"/>
+          </p:nvPr>
+        </p:nvSpPr>
+        <p:spPr>
+          <a:xfrm>
+            <a:off x="3884613" y="0"/>
+            <a:ext cx="2971800" cy="458788"/>
+          </a:xfrm>
+          <a:prstGeom prst="rect">
+            <a:avLst/>
+          </a:prstGeom>
+        </p:spPr>
+        <p:txBody>
+          <a:bodyPr vert="horz" lIns="91440" tIns="45720" rIns="91440" bIns="45720" rtlCol="0"/>
+          <a:lstStyle>
+            <a:lvl1pPr algn="r">
+              <a:defRPr sz="1200"/>
+            </a:lvl1pPr>
+          </a:lstStyle>
+          <a:p>
+            <a:fld id="{D8FD1211-642A-3945-B534-00A1B00CEBCE}" type="datetimeFigureOut">
+              <a:rPr lang="en-US" smtClean="0"/>
+              <a:t>9/5/24</a:t>
+            </a:fld>
+            <a:endParaRPr lang="en-US"/>
+          </a:p>
+        </p:txBody>
+      </p:sp>
+      <p:sp>
+        <p:nvSpPr>
+          <p:cNvPr id="4" name="Slide Image Placeholder 3"/>
+          <p:cNvSpPr>
+            <a:spLocks noGrp="1" noRot="1" noChangeAspect="1"/>
+          </p:cNvSpPr>
+          <p:nvPr>
+            <p:ph type="sldImg" idx="2"/>
+          </p:nvPr>
+        </p:nvSpPr>
+        <p:spPr>
+          <a:xfrm>
+            <a:off x="685800" y="1143000"/>
+            <a:ext cx="5486400" cy="3086100"/>
+          </a:xfrm>
+          <a:prstGeom prst="rect">
+            <a:avLst/>
+          </a:prstGeom>
+          <a:noFill/>
+          <a:ln w="12700">
+            <a:solidFill>
+              <a:prstClr val="black"/>
+            </a:solidFill>
+          </a:ln>
+        </p:spPr>
+        <p:txBody>
+          <a:bodyPr vert="horz" lIns="91440" tIns="45720" rIns="91440" bIns="45720" rtlCol="0" anchor="ctr"/>
+          <a:lstStyle/>
+          <a:p>
+            <a:endParaRPr lang="en-US"/>
+          </a:p>
+        </p:txBody>
+      </p:sp>
+      <p:sp>
+        <p:nvSpPr>
+          <p:cNvPr id="5" name="Notes Placeholder 4"/>
+          <p:cNvSpPr>
+            <a:spLocks noGrp="1"/>
+          </p:cNvSpPr>
+          <p:nvPr>
+            <p:ph type="body" sz="quarter" idx="3"/>
+          </p:nvPr>
+        </p:nvSpPr>
+        <p:spPr>
+          <a:xfrm>
+            <a:off x="685800" y="4400550"/>
+            <a:ext cx="5486400" cy="3600450"/>
+          </a:xfrm>
+          <a:prstGeom prst="rect">
+            <a:avLst/>
+          </a:prstGeom>
+        </p:spPr>
+        <p:txBody>
+          <a:bodyPr vert="horz" lIns="91440" tIns="45720" rIns="91440" bIns="45720" rtlCol="0"/>
+          <a:lstStyle/>
+          <a:p>
+            <a:pPr lvl="0"/>
+            <a:r>
+              <a:rPr lang="en-US"/>
+              <a:t>Click to edit Master text styles</a:t>
+            </a:r>
+          </a:p>
+          <a:p>
+            <a:pPr lvl="1"/>
+            <a:r>
+              <a:rPr lang="en-US"/>
+              <a:t>Second level</a:t>
+            </a:r>
+          </a:p>
+          <a:p>
+            <a:pPr lvl="2"/>
+            <a:r>
+              <a:rPr lang="en-US"/>
+              <a:t>Third level</a:t>
+            </a:r>
+          </a:p>
+          <a:p>
+            <a:pPr lvl="3"/>
+            <a:r>
+              <a:rPr lang="en-US"/>
+              <a:t>Fourth level</a:t>
+            </a:r>
+          </a:p>
+          <a:p>
+            <a:pPr lvl="4"/>
+            <a:r>
+              <a:rPr lang="en-US"/>
+              <a:t>Fifth level</a:t>
+            </a:r>
+          </a:p>
+        </p:txBody>
+      </p:sp>
+      <p:sp>
+        <p:nvSpPr>
+          <p:cNvPr id="6" name="Footer Placeholder 5"/>
+          <p:cNvSpPr>
+            <a:spLocks noGrp="1"/>
+          </p:cNvSpPr>
+          <p:nvPr>
+            <p:ph type="ftr" sz="quarter" idx="4"/>
+          </p:nvPr>
+        </p:nvSpPr>
+        <p:spPr>
+          <a:xfrm>
+            <a:off x="0" y="8685213"/>
+            <a:ext cx="2971800" cy="458787"/>
+          </a:xfrm>
+          <a:prstGeom prst="rect">
+            <a:avLst/>
+          </a:prstGeom>
+        </p:spPr>
+        <p:txBody>
+          <a:bodyPr vert="horz" lIns="91440" tIns="45720" rIns="91440" bIns="45720" rtlCol="0" anchor="b"/>
+          <a:lstStyle>
+            <a:lvl1pPr algn="l">
+              <a:defRPr sz="1200"/>
+            </a:lvl1pPr>
+          </a:lstStyle>
+          <a:p>
+            <a:endParaRPr lang="en-US"/>
+          </a:p>
+        </p:txBody>
+      </p:sp>
+      <p:sp>
+        <p:nvSpPr>
+          <p:cNvPr id="7" name="Slide Number Placeholder 6"/>
+          <p:cNvSpPr>
+            <a:spLocks noGrp="1"/>
+          </p:cNvSpPr>
+          <p:nvPr>
+            <p:ph type="sldNum" sz="quarter" idx="5"/>
+          </p:nvPr>
+        </p:nvSpPr>
+        <p:spPr>
+          <a:xfrm>
+            <a:off x="3884613" y="8685213"/>
+            <a:ext cx="2971800" cy="458787"/>
+          </a:xfrm>
+          <a:prstGeom prst="rect">
+            <a:avLst/>
+          </a:prstGeom>
+        </p:spPr>
+        <p:txBody>
+          <a:bodyPr vert="horz" lIns="91440" tIns="45720" rIns="91440" bIns="45720" rtlCol="0" anchor="b"/>
+          <a:lstStyle>
+            <a:lvl1pPr algn="r">
+              <a:defRPr sz="1200"/>
+            </a:lvl1pPr>
+          </a:lstStyle>
+          <a:p>
+            <a:fld id="{E414DAB4-6435-B74B-A836-0F2B6D290F1C}" type="slidenum">
+              <a:rPr lang="en-US" smtClean="0"/>
+              <a:t>‹#›</a:t>
+            </a:fld>
+            <a:endParaRPr lang="en-US"/>
+          </a:p>
+        </p:txBody>
+      </p:sp>
+    </p:spTree>
+    <p:extLst>
+      <p:ext uri="{BB962C8B-B14F-4D97-AF65-F5344CB8AC3E}">
+        <p14:creationId xmlns:p14="http://schemas.microsoft.com/office/powerpoint/2010/main" val="3847183761"/>
+      </p:ext>
+    </p:extLst>
+  </p:cSld>
+  <p:clrMap bg1="lt1" tx1="dk1" bg2="lt2" tx2="dk2" accent1="accent1" accent2="accent2" accent3="accent3" accent4="accent4" accent5="accent5" accent6="accent6" hlink="hlink" folHlink="folHlink"/>
+  <p:notesStyle>
+    <a:lvl1pPr marL="0" algn="l" defTabSz="914400" rtl="0" eaLnBrk="1" latinLnBrk="0" hangingPunct="1">
+      <a:defRPr sz="1200" kern="1200">
+        <a:solidFill>
+          <a:schemeClr val="tx1"/>
+        </a:solidFill>
+        <a:latin typeface="+mn-lt"/>
+        <a:ea typeface="+mn-ea"/>
+        <a:cs typeface="+mn-cs"/>
+      </a:defRPr>
+    </a:lvl1pPr>
+    <a:lvl2pPr marL="457200" algn="l" defTabSz="914400" rtl="0" eaLnBrk="1" latinLnBrk="0" hangingPunct="1">
+      <a:defRPr sz="1200" kern="1200">
+        <a:solidFill>
+          <a:schemeClr val="tx1"/>
+        </a:solidFill>
+        <a:latin typeface="+mn-lt"/>
+        <a:ea typeface="+mn-ea"/>
+        <a:cs typeface="+mn-cs"/>
+      </a:defRPr>
+    </a:lvl2pPr>
+    <a:lvl3pPr marL="914400" algn="l" defTabSz="914400" rtl="0" eaLnBrk="1" latinLnBrk="0" hangingPunct="1">
+      <a:defRPr sz="1200" kern="1200">
+        <a:solidFill>
+          <a:schemeClr val="tx1"/>
+        </a:solidFill>
+        <a:latin typeface="+mn-lt"/>
+        <a:ea typeface="+mn-ea"/>
+        <a:cs typeface="+mn-cs"/>
+      </a:defRPr>
+    </a:lvl3pPr>
+    <a:lvl4pPr marL="1371600" algn="l" defTabSz="914400" rtl="0" eaLnBrk="1" latinLnBrk="0" hangingPunct="1">
+      <a:defRPr sz="1200" kern="1200">
+        <a:solidFill>
+          <a:schemeClr val="tx1"/>
+        </a:solidFill>
+        <a:latin typeface="+mn-lt"/>
+        <a:ea typeface="+mn-ea"/>
+        <a:cs typeface="+mn-cs"/>
+      </a:defRPr>
+    </a:lvl4pPr>
+    <a:lvl5pPr marL="1828800" algn="l" defTabSz="914400" rtl="0" eaLnBrk="1" latinLnBrk="0" hangingPunct="1">
+      <a:defRPr sz="1200" kern="1200">
+        <a:solidFill>
+          <a:schemeClr val="tx1"/>
+        </a:solidFill>
+        <a:latin typeface="+mn-lt"/>
+        <a:ea typeface="+mn-ea"/>
+        <a:cs typeface="+mn-cs"/>
+      </a:defRPr>
+    </a:lvl5pPr>
+    <a:lvl6pPr marL="2286000" algn="l" defTabSz="914400" rtl="0" eaLnBrk="1" latinLnBrk="0" hangingPunct="1">
+      <a:defRPr sz="1200" kern="1200">
+        <a:solidFill>
+          <a:schemeClr val="tx1"/>
+        </a:solidFill>
+        <a:latin typeface="+mn-lt"/>
+        <a:ea typeface="+mn-ea"/>
+        <a:cs typeface="+mn-cs"/>
+      </a:defRPr>
+    </a:lvl6pPr>
+    <a:lvl7pPr marL="2743200" algn="l" defTabSz="914400" rtl="0" eaLnBrk="1" latinLnBrk="0" hangingPunct="1">
+      <a:defRPr sz="1200" kern="1200">
+        <a:solidFill>
+          <a:schemeClr val="tx1"/>
+        </a:solidFill>
+        <a:latin typeface="+mn-lt"/>
+        <a:ea typeface="+mn-ea"/>
+        <a:cs typeface="+mn-cs"/>
+      </a:defRPr>
+    </a:lvl7pPr>
+    <a:lvl8pPr marL="3200400" algn="l" defTabSz="914400" rtl="0" eaLnBrk="1" latinLnBrk="0" hangingPunct="1">
+      <a:defRPr sz="1200" kern="1200">
+        <a:solidFill>
+          <a:schemeClr val="tx1"/>
+        </a:solidFill>
+        <a:latin typeface="+mn-lt"/>
+        <a:ea typeface="+mn-ea"/>
+        <a:cs typeface="+mn-cs"/>
+      </a:defRPr>
+    </a:lvl8pPr>
+    <a:lvl9pPr marL="3657600" algn="l" defTabSz="914400" rtl="0" eaLnBrk="1" latinLnBrk="0" hangingPunct="1">
+      <a:defRPr sz="1200" kern="1200">
+        <a:solidFill>
+          <a:schemeClr val="tx1"/>
+        </a:solidFill>
+        <a:latin typeface="+mn-lt"/>
+        <a:ea typeface="+mn-ea"/>
+        <a:cs typeface="+mn-cs"/>
+      </a:defRPr>
+    </a:lvl9pPr>
+  </p:notesStyle>
+</p:notesMaster>
+</file>
+
+<file path=ppt/notesSlides/notesSlide1.xml><?xml version="1.0" encoding="utf-8"?>
+<p:notes xmlns:a="http://schemas.openxmlformats.org/drawingml/2006/main" xmlns:r="http://schemas.openxmlformats.org/officeDocument/2006/relationships" xmlns:p="http://schemas.openxmlformats.org/presentationml/2006/main">
+  <p:cSld>
+    <p:spTree>
+      <p:nvGrpSpPr>
+        <p:cNvPr id="1" name=""/>
+        <p:cNvGrpSpPr/>
+        <p:nvPr/>
+      </p:nvGrpSpPr>
+      <p:grpSpPr>
+        <a:xfrm>
+          <a:off x="0" y="0"/>
+          <a:ext cx="0" cy="0"/>
+          <a:chOff x="0" y="0"/>
+          <a:chExt cx="0" cy="0"/>
+        </a:xfrm>
+      </p:grpSpPr>
+      <p:sp>
+        <p:nvSpPr>
+          <p:cNvPr id="2" name="Slide Image Placeholder 1"/>
+          <p:cNvSpPr>
+            <a:spLocks noGrp="1" noRot="1" noChangeAspect="1"/>
+          </p:cNvSpPr>
+          <p:nvPr>
+            <p:ph type="sldImg"/>
+          </p:nvPr>
+        </p:nvSpPr>
+        <p:spPr/>
+      </p:sp>
+      <p:sp>
+        <p:nvSpPr>
+          <p:cNvPr id="3" name="Notes Placeholder 2"/>
+          <p:cNvSpPr>
+            <a:spLocks noGrp="1"/>
+          </p:cNvSpPr>
+          <p:nvPr>
+            <p:ph type="body" idx="1"/>
+          </p:nvPr>
+        </p:nvSpPr>
+        <p:spPr/>
+        <p:txBody>
+          <a:bodyPr/>
+          <a:lstStyle/>
+          <a:p>
+            <a:r>
+              <a:rPr lang="en-US" dirty="0"/>
+              <a:t>https://</a:t>
+            </a:r>
+            <a:r>
+              <a:rPr lang="en-US" dirty="0" err="1"/>
+              <a:t>onlinedocs.microchip.com</a:t>
+            </a:r>
+            <a:r>
+              <a:rPr lang="en-US" dirty="0"/>
+              <a:t>/oxy/GUID-A5330D3A-9F51-4A26-B71D-8503A493DF9C-en-US-5/</a:t>
+            </a:r>
+            <a:r>
+              <a:rPr lang="en-US"/>
+              <a:t>index.html</a:t>
+            </a:r>
+            <a:endParaRPr lang="en-US" dirty="0"/>
+          </a:p>
+        </p:txBody>
+      </p:sp>
+      <p:sp>
+        <p:nvSpPr>
+          <p:cNvPr id="4" name="Slide Number Placeholder 3"/>
+          <p:cNvSpPr>
+            <a:spLocks noGrp="1"/>
+          </p:cNvSpPr>
+          <p:nvPr>
+            <p:ph type="sldNum" sz="quarter" idx="5"/>
+          </p:nvPr>
+        </p:nvSpPr>
+        <p:spPr/>
+        <p:txBody>
+          <a:bodyPr/>
+          <a:lstStyle/>
+          <a:p>
+            <a:fld id="{E414DAB4-6435-B74B-A836-0F2B6D290F1C}" type="slidenum">
+              <a:rPr lang="en-US" smtClean="0"/>
+              <a:t>1</a:t>
+            </a:fld>
+            <a:endParaRPr lang="en-US"/>
+          </a:p>
+        </p:txBody>
+      </p:sp>
+    </p:spTree>
+    <p:extLst>
+      <p:ext uri="{BB962C8B-B14F-4D97-AF65-F5344CB8AC3E}">
+        <p14:creationId xmlns:p14="http://schemas.microsoft.com/office/powerpoint/2010/main" val="605425696"/>
+      </p:ext>
+    </p:extLst>
+  </p:cSld>
+  <p:clrMapOvr>
+    <a:masterClrMapping/>
+  </p:clrMapOvr>
+</p:notes>
+</file>
+
 <file path=ppt/slideLayouts/slideLayout1.xml><?xml version="1.0" encoding="utf-8"?>
 <p:sldLayout xmlns:a="http://schemas.openxmlformats.org/drawingml/2006/main" xmlns:r="http://schemas.openxmlformats.org/officeDocument/2006/relationships" xmlns:p="http://schemas.openxmlformats.org/presentationml/2006/main" type="title" preserve="1">
   <p:cSld name="Title Slide">
@@ -269,7 +728,7 @@
           <a:p>
             <a:fld id="{7A5DC5CD-0095-2046-BF3C-100069736801}" type="datetimeFigureOut">
               <a:rPr lang="en-US" smtClean="0"/>
-              <a:t>9/2/24</a:t>
+              <a:t>9/5/24</a:t>
             </a:fld>
             <a:endParaRPr lang="en-US"/>
           </a:p>
@@ -467,7 +926,7 @@
           <a:p>
             <a:fld id="{7A5DC5CD-0095-2046-BF3C-100069736801}" type="datetimeFigureOut">
               <a:rPr lang="en-US" smtClean="0"/>
-              <a:t>9/2/24</a:t>
+              <a:t>9/5/24</a:t>
             </a:fld>
             <a:endParaRPr lang="en-US"/>
           </a:p>
@@ -675,7 +1134,7 @@
           <a:p>
             <a:fld id="{7A5DC5CD-0095-2046-BF3C-100069736801}" type="datetimeFigureOut">
               <a:rPr lang="en-US" smtClean="0"/>
-              <a:t>9/2/24</a:t>
+              <a:t>9/5/24</a:t>
             </a:fld>
             <a:endParaRPr lang="en-US"/>
           </a:p>
@@ -873,7 +1332,7 @@
           <a:p>
             <a:fld id="{7A5DC5CD-0095-2046-BF3C-100069736801}" type="datetimeFigureOut">
               <a:rPr lang="en-US" smtClean="0"/>
-              <a:t>9/2/24</a:t>
+              <a:t>9/5/24</a:t>
             </a:fld>
             <a:endParaRPr lang="en-US"/>
           </a:p>
@@ -1148,7 +1607,7 @@
           <a:p>
             <a:fld id="{7A5DC5CD-0095-2046-BF3C-100069736801}" type="datetimeFigureOut">
               <a:rPr lang="en-US" smtClean="0"/>
-              <a:t>9/2/24</a:t>
+              <a:t>9/5/24</a:t>
             </a:fld>
             <a:endParaRPr lang="en-US"/>
           </a:p>
@@ -1413,7 +1872,7 @@
           <a:p>
             <a:fld id="{7A5DC5CD-0095-2046-BF3C-100069736801}" type="datetimeFigureOut">
               <a:rPr lang="en-US" smtClean="0"/>
-              <a:t>9/2/24</a:t>
+              <a:t>9/5/24</a:t>
             </a:fld>
             <a:endParaRPr lang="en-US"/>
           </a:p>
@@ -1825,7 +2284,7 @@
           <a:p>
             <a:fld id="{7A5DC5CD-0095-2046-BF3C-100069736801}" type="datetimeFigureOut">
               <a:rPr lang="en-US" smtClean="0"/>
-              <a:t>9/2/24</a:t>
+              <a:t>9/5/24</a:t>
             </a:fld>
             <a:endParaRPr lang="en-US"/>
           </a:p>
@@ -1966,7 +2425,7 @@
           <a:p>
             <a:fld id="{7A5DC5CD-0095-2046-BF3C-100069736801}" type="datetimeFigureOut">
               <a:rPr lang="en-US" smtClean="0"/>
-              <a:t>9/2/24</a:t>
+              <a:t>9/5/24</a:t>
             </a:fld>
             <a:endParaRPr lang="en-US"/>
           </a:p>
@@ -2079,7 +2538,7 @@
           <a:p>
             <a:fld id="{7A5DC5CD-0095-2046-BF3C-100069736801}" type="datetimeFigureOut">
               <a:rPr lang="en-US" smtClean="0"/>
-              <a:t>9/2/24</a:t>
+              <a:t>9/5/24</a:t>
             </a:fld>
             <a:endParaRPr lang="en-US"/>
           </a:p>
@@ -2390,7 +2849,7 @@
           <a:p>
             <a:fld id="{7A5DC5CD-0095-2046-BF3C-100069736801}" type="datetimeFigureOut">
               <a:rPr lang="en-US" smtClean="0"/>
-              <a:t>9/2/24</a:t>
+              <a:t>9/5/24</a:t>
             </a:fld>
             <a:endParaRPr lang="en-US"/>
           </a:p>
@@ -2678,7 +3137,7 @@
           <a:p>
             <a:fld id="{7A5DC5CD-0095-2046-BF3C-100069736801}" type="datetimeFigureOut">
               <a:rPr lang="en-US" smtClean="0"/>
-              <a:t>9/2/24</a:t>
+              <a:t>9/5/24</a:t>
             </a:fld>
             <a:endParaRPr lang="en-US"/>
           </a:p>
@@ -2919,7 +3378,7 @@
           <a:p>
             <a:fld id="{7A5DC5CD-0095-2046-BF3C-100069736801}" type="datetimeFigureOut">
               <a:rPr lang="en-US" smtClean="0"/>
-              <a:t>9/2/24</a:t>
+              <a:t>9/5/24</a:t>
             </a:fld>
             <a:endParaRPr lang="en-US"/>
           </a:p>
@@ -3351,7 +3810,7 @@
           <p:nvPr/>
         </p:nvPicPr>
         <p:blipFill>
-          <a:blip r:embed="rId2">
+          <a:blip r:embed="rId3">
             <a:extLst>
               <a:ext uri="{28A0092B-C50C-407E-A947-70E740481C1C}">
                 <a14:useLocalDpi xmlns:a14="http://schemas.microsoft.com/office/drawing/2010/main" val="0"/>
@@ -3398,7 +3857,7 @@
           <p:nvPr/>
         </p:nvPicPr>
         <p:blipFill>
-          <a:blip r:embed="rId3">
+          <a:blip r:embed="rId4">
             <a:extLst>
               <a:ext uri="{28A0092B-C50C-407E-A947-70E740481C1C}">
                 <a14:useLocalDpi xmlns:a14="http://schemas.microsoft.com/office/drawing/2010/main" val="0"/>
@@ -3445,7 +3904,7 @@
           <p:nvPr/>
         </p:nvPicPr>
         <p:blipFill>
-          <a:blip r:embed="rId4"/>
+          <a:blip r:embed="rId5"/>
           <a:stretch>
             <a:fillRect/>
           </a:stretch>
@@ -3475,7 +3934,7 @@
           <p:nvPr/>
         </p:nvPicPr>
         <p:blipFill>
-          <a:blip r:embed="rId5">
+          <a:blip r:embed="rId6">
             <a:extLst>
               <a:ext uri="{28A0092B-C50C-407E-A947-70E740481C1C}">
                 <a14:useLocalDpi xmlns:a14="http://schemas.microsoft.com/office/drawing/2010/main" val="0"/>
@@ -3634,7 +4093,7 @@
           <p:nvPr/>
         </p:nvPicPr>
         <p:blipFill>
-          <a:blip r:embed="rId6"/>
+          <a:blip r:embed="rId7"/>
           <a:stretch>
             <a:fillRect/>
           </a:stretch>
@@ -3713,7 +4172,7 @@
           <p:nvPr/>
         </p:nvPicPr>
         <p:blipFill>
-          <a:blip r:embed="rId7"/>
+          <a:blip r:embed="rId8"/>
           <a:stretch>
             <a:fillRect/>
           </a:stretch>
@@ -3799,7 +4258,7 @@
           <p:nvPr/>
         </p:nvPicPr>
         <p:blipFill>
-          <a:blip r:embed="rId8">
+          <a:blip r:embed="rId9">
             <a:extLst>
               <a:ext uri="{28A0092B-C50C-407E-A947-70E740481C1C}">
                 <a14:useLocalDpi xmlns:a14="http://schemas.microsoft.com/office/drawing/2010/main" val="0"/>
@@ -4106,6 +4565,1240 @@
           <a:chExt cx="0" cy="0"/>
         </a:xfrm>
       </p:grpSpPr>
+      <p:sp>
+        <p:nvSpPr>
+          <p:cNvPr id="2" name="TextBox 1">
+            <a:extLst>
+              <a:ext uri="{FF2B5EF4-FFF2-40B4-BE49-F238E27FC236}">
+                <a16:creationId xmlns:a16="http://schemas.microsoft.com/office/drawing/2014/main" id="{EF6874F3-7045-70A8-1F64-660B9B5BFFB9}"/>
+              </a:ext>
+            </a:extLst>
+          </p:cNvPr>
+          <p:cNvSpPr txBox="1"/>
+          <p:nvPr/>
+        </p:nvSpPr>
+        <p:spPr>
+          <a:xfrm>
+            <a:off x="1636949" y="184848"/>
+            <a:ext cx="9495087" cy="584775"/>
+          </a:xfrm>
+          <a:prstGeom prst="rect">
+            <a:avLst/>
+          </a:prstGeom>
+          <a:noFill/>
+        </p:spPr>
+        <p:txBody>
+          <a:bodyPr wrap="square" rtlCol="0">
+            <a:spAutoFit/>
+          </a:bodyPr>
+          <a:lstStyle/>
+          <a:p>
+            <a:pPr algn="ctr"/>
+            <a:r>
+              <a:rPr lang="en-US" sz="3200" b="1" dirty="0">
+                <a:latin typeface="Arial" panose="020B0604020202020204" pitchFamily="34" charset="0"/>
+                <a:cs typeface="Arial" panose="020B0604020202020204" pitchFamily="34" charset="0"/>
+              </a:rPr>
+              <a:t>Demo Procedure</a:t>
+            </a:r>
+          </a:p>
+        </p:txBody>
+      </p:sp>
+      <p:sp>
+        <p:nvSpPr>
+          <p:cNvPr id="4" name="TextBox 3">
+            <a:extLst>
+              <a:ext uri="{FF2B5EF4-FFF2-40B4-BE49-F238E27FC236}">
+                <a16:creationId xmlns:a16="http://schemas.microsoft.com/office/drawing/2014/main" id="{59283A62-0A20-08C9-E3ED-FBC140B2DD10}"/>
+              </a:ext>
+            </a:extLst>
+          </p:cNvPr>
+          <p:cNvSpPr txBox="1"/>
+          <p:nvPr/>
+        </p:nvSpPr>
+        <p:spPr>
+          <a:xfrm>
+            <a:off x="567827" y="1058607"/>
+            <a:ext cx="10972532" cy="5235087"/>
+          </a:xfrm>
+          <a:prstGeom prst="rect">
+            <a:avLst/>
+          </a:prstGeom>
+          <a:noFill/>
+        </p:spPr>
+        <p:txBody>
+          <a:bodyPr wrap="square" rtlCol="0">
+            <a:spAutoFit/>
+          </a:bodyPr>
+          <a:lstStyle/>
+          <a:p>
+            <a:pPr marL="457200" marR="0" indent="-457200">
+              <a:lnSpc>
+                <a:spcPct val="107000"/>
+              </a:lnSpc>
+              <a:spcBef>
+                <a:spcPts val="1200"/>
+              </a:spcBef>
+              <a:spcAft>
+                <a:spcPts val="600"/>
+              </a:spcAft>
+            </a:pPr>
+            <a:r>
+              <a:rPr lang="en-US" sz="1800" b="1" dirty="0">
+                <a:solidFill>
+                  <a:srgbClr val="FF0000"/>
+                </a:solidFill>
+                <a:effectLst/>
+                <a:latin typeface="Arial" panose="020B0604020202020204" pitchFamily="34" charset="0"/>
+                <a:ea typeface="Times New Roman" panose="02020603050405020304" pitchFamily="18" charset="0"/>
+              </a:rPr>
+              <a:t>STEP 1: </a:t>
+            </a:r>
+            <a:r>
+              <a:rPr lang="en-US" sz="1800" b="1" dirty="0">
+                <a:effectLst/>
+                <a:latin typeface="Arial" panose="020B0604020202020204" pitchFamily="34" charset="0"/>
+                <a:ea typeface="Times New Roman" panose="02020603050405020304" pitchFamily="18" charset="0"/>
+              </a:rPr>
+              <a:t>Launch the MPLAB X IDE</a:t>
+            </a:r>
+            <a:endParaRPr lang="en-US" sz="1800" dirty="0">
+              <a:effectLst/>
+              <a:latin typeface="Arial" panose="020B0604020202020204" pitchFamily="34" charset="0"/>
+              <a:ea typeface="Times New Roman" panose="02020603050405020304" pitchFamily="18" charset="0"/>
+            </a:endParaRPr>
+          </a:p>
+          <a:p>
+            <a:pPr marL="457200" marR="0" indent="-457200">
+              <a:lnSpc>
+                <a:spcPct val="107000"/>
+              </a:lnSpc>
+              <a:spcBef>
+                <a:spcPts val="1200"/>
+              </a:spcBef>
+              <a:spcAft>
+                <a:spcPts val="600"/>
+              </a:spcAft>
+            </a:pPr>
+            <a:r>
+              <a:rPr lang="en-US" sz="1800" b="1" dirty="0">
+                <a:solidFill>
+                  <a:srgbClr val="FF0000"/>
+                </a:solidFill>
+                <a:effectLst/>
+                <a:latin typeface="Arial" panose="020B0604020202020204" pitchFamily="34" charset="0"/>
+                <a:ea typeface="Times New Roman" panose="02020603050405020304" pitchFamily="18" charset="0"/>
+              </a:rPr>
+              <a:t>STEP 2: </a:t>
+            </a:r>
+            <a:r>
+              <a:rPr lang="en-US" sz="1800" b="1" dirty="0">
+                <a:effectLst/>
+                <a:latin typeface="Arial" panose="020B0604020202020204" pitchFamily="34" charset="0"/>
+                <a:ea typeface="Times New Roman" panose="02020603050405020304" pitchFamily="18" charset="0"/>
+              </a:rPr>
+              <a:t>Open the Demo Project</a:t>
+            </a:r>
+            <a:endParaRPr lang="en-US" sz="1800" dirty="0">
+              <a:effectLst/>
+              <a:latin typeface="Arial" panose="020B0604020202020204" pitchFamily="34" charset="0"/>
+              <a:ea typeface="Times New Roman" panose="02020603050405020304" pitchFamily="18" charset="0"/>
+            </a:endParaRPr>
+          </a:p>
+          <a:p>
+            <a:pPr marL="690245" marR="0" indent="-342900">
+              <a:lnSpc>
+                <a:spcPct val="107000"/>
+              </a:lnSpc>
+              <a:spcBef>
+                <a:spcPts val="1200"/>
+              </a:spcBef>
+              <a:spcAft>
+                <a:spcPts val="600"/>
+              </a:spcAft>
+              <a:buFont typeface="+mj-lt"/>
+              <a:buAutoNum type="alphaLcParenR"/>
+            </a:pPr>
+            <a:r>
+              <a:rPr lang="en-US" sz="1800" dirty="0">
+                <a:effectLst/>
+                <a:latin typeface="Arial" panose="020B0604020202020204" pitchFamily="34" charset="0"/>
+                <a:ea typeface="Times New Roman" panose="02020603050405020304" pitchFamily="18" charset="0"/>
+              </a:rPr>
+              <a:t>From the MPLAB X main toolbar, select [File </a:t>
+            </a:r>
+            <a:r>
+              <a:rPr lang="en-US" sz="1800" dirty="0">
+                <a:effectLst/>
+                <a:latin typeface="Arial" panose="020B0604020202020204" pitchFamily="34" charset="0"/>
+                <a:ea typeface="Times New Roman" panose="02020603050405020304" pitchFamily="18" charset="0"/>
+                <a:sym typeface="Wingdings" pitchFamily="2" charset="2"/>
+              </a:rPr>
+              <a:t></a:t>
+            </a:r>
+            <a:r>
+              <a:rPr lang="en-US" sz="1800" dirty="0">
+                <a:effectLst/>
+                <a:latin typeface="Arial" panose="020B0604020202020204" pitchFamily="34" charset="0"/>
+                <a:ea typeface="Times New Roman" panose="02020603050405020304" pitchFamily="18" charset="0"/>
+              </a:rPr>
+              <a:t> Open Project]</a:t>
+            </a:r>
+          </a:p>
+          <a:p>
+            <a:pPr marL="690245" marR="0" indent="-342900">
+              <a:lnSpc>
+                <a:spcPct val="107000"/>
+              </a:lnSpc>
+              <a:spcBef>
+                <a:spcPts val="1200"/>
+              </a:spcBef>
+              <a:spcAft>
+                <a:spcPts val="600"/>
+              </a:spcAft>
+              <a:buFont typeface="+mj-lt"/>
+              <a:buAutoNum type="alphaLcParenR"/>
+            </a:pPr>
+            <a:r>
+              <a:rPr lang="en-US" sz="1800" dirty="0">
+                <a:effectLst/>
+                <a:latin typeface="Arial" panose="020B0604020202020204" pitchFamily="34" charset="0"/>
+                <a:ea typeface="Times New Roman" panose="02020603050405020304" pitchFamily="18" charset="0"/>
+              </a:rPr>
+              <a:t>Navigate to the location of the demo project folder:</a:t>
+            </a:r>
+          </a:p>
+          <a:p>
+            <a:pPr marL="804545" lvl="1">
+              <a:lnSpc>
+                <a:spcPct val="107000"/>
+              </a:lnSpc>
+              <a:spcBef>
+                <a:spcPts val="1200"/>
+              </a:spcBef>
+              <a:spcAft>
+                <a:spcPts val="600"/>
+              </a:spcAft>
+            </a:pPr>
+            <a:r>
+              <a:rPr lang="en-US" sz="1600" b="1" dirty="0">
+                <a:effectLst/>
+                <a:latin typeface="Arial" panose="020B0604020202020204" pitchFamily="34" charset="0"/>
+                <a:ea typeface="Times New Roman" panose="02020603050405020304" pitchFamily="18" charset="0"/>
+              </a:rPr>
+              <a:t>pic32cxbz2_wbz45x_ble_can_bridge </a:t>
+            </a:r>
+            <a:r>
+              <a:rPr lang="en-US" sz="1600" b="1" dirty="0">
+                <a:effectLst/>
+                <a:latin typeface="Arial" panose="020B0604020202020204" pitchFamily="34" charset="0"/>
+                <a:ea typeface="Times New Roman" panose="02020603050405020304" pitchFamily="18" charset="0"/>
+                <a:sym typeface="Wingdings" pitchFamily="2" charset="2"/>
+              </a:rPr>
+              <a:t> </a:t>
+            </a:r>
+            <a:r>
+              <a:rPr lang="en-US" sz="1600" b="1" dirty="0">
+                <a:effectLst/>
+                <a:latin typeface="Arial" panose="020B0604020202020204" pitchFamily="34" charset="0"/>
+                <a:ea typeface="Times New Roman" panose="02020603050405020304" pitchFamily="18" charset="0"/>
+              </a:rPr>
+              <a:t>02_wbz451_mcp251863_CAN_BLE_Peripheral</a:t>
+            </a:r>
+            <a:r>
+              <a:rPr lang="en-US" sz="1600" b="1" dirty="0">
+                <a:latin typeface="Arial" panose="020B0604020202020204" pitchFamily="34" charset="0"/>
+                <a:ea typeface="Times New Roman" panose="02020603050405020304" pitchFamily="18" charset="0"/>
+              </a:rPr>
+              <a:t> </a:t>
+            </a:r>
+            <a:r>
+              <a:rPr lang="en-US" sz="1600" b="1" dirty="0">
+                <a:latin typeface="Arial" panose="020B0604020202020204" pitchFamily="34" charset="0"/>
+                <a:ea typeface="Times New Roman" panose="02020603050405020304" pitchFamily="18" charset="0"/>
+                <a:sym typeface="Wingdings" pitchFamily="2" charset="2"/>
+              </a:rPr>
+              <a:t> </a:t>
+            </a:r>
+            <a:r>
+              <a:rPr lang="en-US" sz="1600" b="1" dirty="0">
+                <a:effectLst/>
+                <a:latin typeface="Arial" panose="020B0604020202020204" pitchFamily="34" charset="0"/>
+                <a:ea typeface="Times New Roman" panose="02020603050405020304" pitchFamily="18" charset="0"/>
+              </a:rPr>
+              <a:t>firmware</a:t>
+            </a:r>
+            <a:endParaRPr lang="en-US" sz="1600" dirty="0">
+              <a:effectLst/>
+              <a:latin typeface="Arial" panose="020B0604020202020204" pitchFamily="34" charset="0"/>
+              <a:ea typeface="Times New Roman" panose="02020603050405020304" pitchFamily="18" charset="0"/>
+            </a:endParaRPr>
+          </a:p>
+          <a:p>
+            <a:pPr marL="690245" marR="0" indent="-342900">
+              <a:lnSpc>
+                <a:spcPct val="107000"/>
+              </a:lnSpc>
+              <a:spcBef>
+                <a:spcPts val="1200"/>
+              </a:spcBef>
+              <a:spcAft>
+                <a:spcPts val="600"/>
+              </a:spcAft>
+              <a:buFont typeface="+mj-lt"/>
+              <a:buAutoNum type="alphaLcParenR"/>
+            </a:pPr>
+            <a:r>
+              <a:rPr lang="en-US" sz="1800" dirty="0">
+                <a:effectLst/>
+                <a:latin typeface="Arial" panose="020B0604020202020204" pitchFamily="34" charset="0"/>
+                <a:ea typeface="Times New Roman" panose="02020603050405020304" pitchFamily="18" charset="0"/>
+              </a:rPr>
+              <a:t>Select (click on) the </a:t>
+            </a:r>
+            <a:r>
+              <a:rPr lang="en-US" sz="1800" b="1" dirty="0" err="1">
+                <a:effectLst/>
+                <a:latin typeface="Arial" panose="020B0604020202020204" pitchFamily="34" charset="0"/>
+                <a:ea typeface="Times New Roman" panose="02020603050405020304" pitchFamily="18" charset="0"/>
+              </a:rPr>
+              <a:t>bleCan_Peripheral.X</a:t>
+            </a:r>
+            <a:r>
+              <a:rPr lang="en-US" sz="1800" dirty="0">
+                <a:effectLst/>
+                <a:latin typeface="Arial" panose="020B0604020202020204" pitchFamily="34" charset="0"/>
+                <a:ea typeface="Times New Roman" panose="02020603050405020304" pitchFamily="18" charset="0"/>
+              </a:rPr>
+              <a:t> project folder</a:t>
+            </a:r>
+          </a:p>
+          <a:p>
+            <a:pPr marL="690245" marR="0" indent="-342900">
+              <a:lnSpc>
+                <a:spcPct val="107000"/>
+              </a:lnSpc>
+              <a:spcBef>
+                <a:spcPts val="1200"/>
+              </a:spcBef>
+              <a:spcAft>
+                <a:spcPts val="600"/>
+              </a:spcAft>
+              <a:buFont typeface="+mj-lt"/>
+              <a:buAutoNum type="alphaLcParenR"/>
+            </a:pPr>
+            <a:r>
+              <a:rPr lang="en-US" sz="1800" dirty="0">
+                <a:effectLst/>
+                <a:latin typeface="Arial" panose="020B0604020202020204" pitchFamily="34" charset="0"/>
+                <a:ea typeface="Times New Roman" panose="02020603050405020304" pitchFamily="18" charset="0"/>
+              </a:rPr>
+              <a:t>Click on the </a:t>
+            </a:r>
+            <a:r>
+              <a:rPr lang="en-US" sz="1800" b="1" dirty="0">
+                <a:effectLst/>
+                <a:latin typeface="Arial" panose="020B0604020202020204" pitchFamily="34" charset="0"/>
+                <a:ea typeface="Times New Roman" panose="02020603050405020304" pitchFamily="18" charset="0"/>
+              </a:rPr>
+              <a:t>Open Project </a:t>
+            </a:r>
+            <a:r>
+              <a:rPr lang="en-US" sz="1800" dirty="0">
+                <a:effectLst/>
+                <a:latin typeface="Arial" panose="020B0604020202020204" pitchFamily="34" charset="0"/>
+                <a:ea typeface="Times New Roman" panose="02020603050405020304" pitchFamily="18" charset="0"/>
+              </a:rPr>
+              <a:t>button</a:t>
+            </a:r>
+          </a:p>
+          <a:p>
+            <a:pPr marL="457200" marR="0" indent="-457200">
+              <a:lnSpc>
+                <a:spcPct val="107000"/>
+              </a:lnSpc>
+              <a:spcBef>
+                <a:spcPts val="1200"/>
+              </a:spcBef>
+              <a:spcAft>
+                <a:spcPts val="600"/>
+              </a:spcAft>
+            </a:pPr>
+            <a:r>
+              <a:rPr lang="en-US" sz="1800" b="1" dirty="0">
+                <a:solidFill>
+                  <a:srgbClr val="FF0000"/>
+                </a:solidFill>
+                <a:effectLst/>
+                <a:latin typeface="Arial" panose="020B0604020202020204" pitchFamily="34" charset="0"/>
+                <a:ea typeface="Times New Roman" panose="02020603050405020304" pitchFamily="18" charset="0"/>
+              </a:rPr>
+              <a:t>STEP 3: </a:t>
+            </a:r>
+            <a:r>
+              <a:rPr lang="en-US" sz="1800" b="1" dirty="0">
+                <a:effectLst/>
+                <a:latin typeface="Arial" panose="020B0604020202020204" pitchFamily="34" charset="0"/>
+                <a:ea typeface="Times New Roman" panose="02020603050405020304" pitchFamily="18" charset="0"/>
+              </a:rPr>
+              <a:t>Clean and Build the Project</a:t>
+            </a:r>
+            <a:endParaRPr lang="en-US" sz="1800" dirty="0">
+              <a:effectLst/>
+              <a:latin typeface="Arial" panose="020B0604020202020204" pitchFamily="34" charset="0"/>
+              <a:ea typeface="Times New Roman" panose="02020603050405020304" pitchFamily="18" charset="0"/>
+            </a:endParaRPr>
+          </a:p>
+          <a:p>
+            <a:pPr marL="923290" marR="0" indent="-575945">
+              <a:lnSpc>
+                <a:spcPct val="107000"/>
+              </a:lnSpc>
+              <a:spcBef>
+                <a:spcPts val="1200"/>
+              </a:spcBef>
+              <a:spcAft>
+                <a:spcPts val="600"/>
+              </a:spcAft>
+            </a:pPr>
+            <a:r>
+              <a:rPr lang="en-US" sz="1800" dirty="0">
+                <a:effectLst/>
+                <a:latin typeface="Arial" panose="020B0604020202020204" pitchFamily="34" charset="0"/>
+                <a:ea typeface="Times New Roman" panose="02020603050405020304" pitchFamily="18" charset="0"/>
+              </a:rPr>
+              <a:t>Click on the </a:t>
+            </a:r>
+            <a:r>
+              <a:rPr lang="en-US" sz="1800" b="1" dirty="0">
+                <a:effectLst/>
+                <a:latin typeface="Arial" panose="020B0604020202020204" pitchFamily="34" charset="0"/>
+                <a:ea typeface="Times New Roman" panose="02020603050405020304" pitchFamily="18" charset="0"/>
+              </a:rPr>
+              <a:t>Clean and Build Main Project</a:t>
+            </a:r>
+            <a:r>
+              <a:rPr lang="en-US" sz="1800" dirty="0">
+                <a:effectLst/>
+                <a:latin typeface="Arial" panose="020B0604020202020204" pitchFamily="34" charset="0"/>
+                <a:ea typeface="Times New Roman" panose="02020603050405020304" pitchFamily="18" charset="0"/>
+              </a:rPr>
+              <a:t> icon in the MPLAB X main toolbar</a:t>
+            </a:r>
+          </a:p>
+          <a:p>
+            <a:endParaRPr lang="en-US" sz="2000" dirty="0"/>
+          </a:p>
+          <a:p>
+            <a:endParaRPr lang="en-US" dirty="0"/>
+          </a:p>
+        </p:txBody>
+      </p:sp>
+      <p:pic>
+        <p:nvPicPr>
+          <p:cNvPr id="7" name="Picture 6" descr="Graphical user interface, text, application, chat or text message&#10;&#10;Description automatically generated">
+            <a:extLst>
+              <a:ext uri="{FF2B5EF4-FFF2-40B4-BE49-F238E27FC236}">
+                <a16:creationId xmlns:a16="http://schemas.microsoft.com/office/drawing/2014/main" id="{CAF2B978-8883-E4D9-D5E8-30E33767B60A}"/>
+              </a:ext>
+            </a:extLst>
+          </p:cNvPr>
+          <p:cNvPicPr>
+            <a:picLocks noChangeAspect="1"/>
+          </p:cNvPicPr>
+          <p:nvPr/>
+        </p:nvPicPr>
+        <p:blipFill>
+          <a:blip r:embed="rId2">
+            <a:extLst>
+              <a:ext uri="{28A0092B-C50C-407E-A947-70E740481C1C}">
+                <a14:useLocalDpi xmlns:a14="http://schemas.microsoft.com/office/drawing/2010/main" val="0"/>
+              </a:ext>
+            </a:extLst>
+          </a:blip>
+          <a:stretch>
+            <a:fillRect/>
+          </a:stretch>
+        </p:blipFill>
+        <p:spPr>
+          <a:xfrm>
+            <a:off x="1636949" y="5182413"/>
+            <a:ext cx="5156200" cy="1409700"/>
+          </a:xfrm>
+          <a:prstGeom prst="rect">
+            <a:avLst/>
+          </a:prstGeom>
+        </p:spPr>
+      </p:pic>
+      <p:sp>
+        <p:nvSpPr>
+          <p:cNvPr id="8" name="Right Arrow 7">
+            <a:extLst>
+              <a:ext uri="{FF2B5EF4-FFF2-40B4-BE49-F238E27FC236}">
+                <a16:creationId xmlns:a16="http://schemas.microsoft.com/office/drawing/2014/main" id="{7E5F9613-C9B4-A621-2173-3A49D330AB77}"/>
+              </a:ext>
+            </a:extLst>
+          </p:cNvPr>
+          <p:cNvSpPr/>
+          <p:nvPr/>
+        </p:nvSpPr>
+        <p:spPr>
+          <a:xfrm>
+            <a:off x="936440" y="5240592"/>
+            <a:ext cx="838200" cy="558800"/>
+          </a:xfrm>
+          <a:prstGeom prst="rightArrow">
+            <a:avLst/>
+          </a:prstGeom>
+          <a:solidFill>
+            <a:srgbClr val="FF0000"/>
+          </a:solidFill>
+        </p:spPr>
+        <p:style>
+          <a:lnRef idx="2">
+            <a:schemeClr val="accent1">
+              <a:shade val="50000"/>
+            </a:schemeClr>
+          </a:lnRef>
+          <a:fillRef idx="1">
+            <a:schemeClr val="accent1"/>
+          </a:fillRef>
+          <a:effectRef idx="0">
+            <a:schemeClr val="accent1"/>
+          </a:effectRef>
+          <a:fontRef idx="minor">
+            <a:schemeClr val="lt1"/>
+          </a:fontRef>
+        </p:style>
+        <p:txBody>
+          <a:bodyPr rot="0" spcFirstLastPara="0" vert="horz" wrap="square" lIns="91440" tIns="45720" rIns="91440" bIns="45720" numCol="1" spcCol="0" rtlCol="0" fromWordArt="0" anchor="ctr" anchorCtr="0" forceAA="0" compatLnSpc="1">
+            <a:prstTxWarp prst="textNoShape">
+              <a:avLst/>
+            </a:prstTxWarp>
+            <a:noAutofit/>
+          </a:bodyPr>
+          <a:lstStyle/>
+          <a:p>
+            <a:pPr marL="0" marR="0" algn="ctr">
+              <a:lnSpc>
+                <a:spcPct val="107000"/>
+              </a:lnSpc>
+              <a:spcBef>
+                <a:spcPts val="0"/>
+              </a:spcBef>
+              <a:spcAft>
+                <a:spcPts val="800"/>
+              </a:spcAft>
+            </a:pPr>
+            <a:r>
+              <a:rPr lang="en-US" sz="1200">
+                <a:solidFill>
+                  <a:srgbClr val="FFFF00"/>
+                </a:solidFill>
+                <a:effectLst/>
+                <a:latin typeface="Arial" panose="020B0604020202020204" pitchFamily="34" charset="0"/>
+                <a:ea typeface="Times New Roman" panose="02020603050405020304" pitchFamily="18" charset="0"/>
+              </a:rPr>
+              <a:t>CLICK</a:t>
+            </a:r>
+            <a:endParaRPr lang="en-US" sz="1100">
+              <a:effectLst/>
+              <a:latin typeface="Arial" panose="020B0604020202020204" pitchFamily="34" charset="0"/>
+              <a:ea typeface="Times New Roman" panose="02020603050405020304" pitchFamily="18" charset="0"/>
+            </a:endParaRPr>
+          </a:p>
+        </p:txBody>
+      </p:sp>
+      <p:pic>
+        <p:nvPicPr>
+          <p:cNvPr id="9" name="Picture 8" descr="A black text on a white background&#10;&#10;Description automatically generated">
+            <a:extLst>
+              <a:ext uri="{FF2B5EF4-FFF2-40B4-BE49-F238E27FC236}">
+                <a16:creationId xmlns:a16="http://schemas.microsoft.com/office/drawing/2014/main" id="{00FBCB51-BC78-FECA-56D9-295883A977E3}"/>
+              </a:ext>
+            </a:extLst>
+          </p:cNvPr>
+          <p:cNvPicPr>
+            <a:picLocks noChangeAspect="1"/>
+          </p:cNvPicPr>
+          <p:nvPr/>
+        </p:nvPicPr>
+        <p:blipFill>
+          <a:blip r:embed="rId3"/>
+          <a:stretch>
+            <a:fillRect/>
+          </a:stretch>
+        </p:blipFill>
+        <p:spPr>
+          <a:xfrm>
+            <a:off x="9574022" y="6138164"/>
+            <a:ext cx="2578100" cy="698500"/>
+          </a:xfrm>
+          <a:prstGeom prst="rect">
+            <a:avLst/>
+          </a:prstGeom>
+        </p:spPr>
+      </p:pic>
+    </p:spTree>
+    <p:extLst>
+      <p:ext uri="{BB962C8B-B14F-4D97-AF65-F5344CB8AC3E}">
+        <p14:creationId xmlns:p14="http://schemas.microsoft.com/office/powerpoint/2010/main" val="3967660036"/>
+      </p:ext>
+    </p:extLst>
+  </p:cSld>
+  <p:clrMapOvr>
+    <a:masterClrMapping/>
+  </p:clrMapOvr>
+</p:sld>
+</file>
+
+<file path=ppt/slides/slide11.xml><?xml version="1.0" encoding="utf-8"?>
+<p:sld xmlns:a="http://schemas.openxmlformats.org/drawingml/2006/main" xmlns:r="http://schemas.openxmlformats.org/officeDocument/2006/relationships" xmlns:p="http://schemas.openxmlformats.org/presentationml/2006/main">
+  <p:cSld>
+    <p:spTree>
+      <p:nvGrpSpPr>
+        <p:cNvPr id="1" name=""/>
+        <p:cNvGrpSpPr/>
+        <p:nvPr/>
+      </p:nvGrpSpPr>
+      <p:grpSpPr>
+        <a:xfrm>
+          <a:off x="0" y="0"/>
+          <a:ext cx="0" cy="0"/>
+          <a:chOff x="0" y="0"/>
+          <a:chExt cx="0" cy="0"/>
+        </a:xfrm>
+      </p:grpSpPr>
+      <p:pic>
+        <p:nvPicPr>
+          <p:cNvPr id="16" name="Picture 15" descr="A black text on a white background&#10;&#10;Description automatically generated">
+            <a:extLst>
+              <a:ext uri="{FF2B5EF4-FFF2-40B4-BE49-F238E27FC236}">
+                <a16:creationId xmlns:a16="http://schemas.microsoft.com/office/drawing/2014/main" id="{09D2296F-2ED2-269F-F48E-CBFBEF84AB88}"/>
+              </a:ext>
+            </a:extLst>
+          </p:cNvPr>
+          <p:cNvPicPr>
+            <a:picLocks noChangeAspect="1"/>
+          </p:cNvPicPr>
+          <p:nvPr/>
+        </p:nvPicPr>
+        <p:blipFill>
+          <a:blip r:embed="rId2"/>
+          <a:stretch>
+            <a:fillRect/>
+          </a:stretch>
+        </p:blipFill>
+        <p:spPr>
+          <a:xfrm>
+            <a:off x="9574022" y="6138164"/>
+            <a:ext cx="2578100" cy="698500"/>
+          </a:xfrm>
+          <a:prstGeom prst="rect">
+            <a:avLst/>
+          </a:prstGeom>
+        </p:spPr>
+      </p:pic>
+      <p:sp>
+        <p:nvSpPr>
+          <p:cNvPr id="2" name="TextBox 1">
+            <a:extLst>
+              <a:ext uri="{FF2B5EF4-FFF2-40B4-BE49-F238E27FC236}">
+                <a16:creationId xmlns:a16="http://schemas.microsoft.com/office/drawing/2014/main" id="{EF6874F3-7045-70A8-1F64-660B9B5BFFB9}"/>
+              </a:ext>
+            </a:extLst>
+          </p:cNvPr>
+          <p:cNvSpPr txBox="1"/>
+          <p:nvPr/>
+        </p:nvSpPr>
+        <p:spPr>
+          <a:xfrm>
+            <a:off x="1636949" y="184848"/>
+            <a:ext cx="9495087" cy="584775"/>
+          </a:xfrm>
+          <a:prstGeom prst="rect">
+            <a:avLst/>
+          </a:prstGeom>
+          <a:noFill/>
+        </p:spPr>
+        <p:txBody>
+          <a:bodyPr wrap="square" rtlCol="0">
+            <a:spAutoFit/>
+          </a:bodyPr>
+          <a:lstStyle/>
+          <a:p>
+            <a:pPr algn="ctr"/>
+            <a:r>
+              <a:rPr lang="en-US" sz="3200" b="1" dirty="0">
+                <a:latin typeface="Arial" panose="020B0604020202020204" pitchFamily="34" charset="0"/>
+                <a:cs typeface="Arial" panose="020B0604020202020204" pitchFamily="34" charset="0"/>
+              </a:rPr>
+              <a:t>Demo Procedure</a:t>
+            </a:r>
+          </a:p>
+        </p:txBody>
+      </p:sp>
+      <p:sp>
+        <p:nvSpPr>
+          <p:cNvPr id="4" name="TextBox 3">
+            <a:extLst>
+              <a:ext uri="{FF2B5EF4-FFF2-40B4-BE49-F238E27FC236}">
+                <a16:creationId xmlns:a16="http://schemas.microsoft.com/office/drawing/2014/main" id="{59283A62-0A20-08C9-E3ED-FBC140B2DD10}"/>
+              </a:ext>
+            </a:extLst>
+          </p:cNvPr>
+          <p:cNvSpPr txBox="1"/>
+          <p:nvPr/>
+        </p:nvSpPr>
+        <p:spPr>
+          <a:xfrm>
+            <a:off x="567827" y="924495"/>
+            <a:ext cx="10825103" cy="5265352"/>
+          </a:xfrm>
+          <a:prstGeom prst="rect">
+            <a:avLst/>
+          </a:prstGeom>
+          <a:noFill/>
+        </p:spPr>
+        <p:txBody>
+          <a:bodyPr wrap="square" rtlCol="0">
+            <a:spAutoFit/>
+          </a:bodyPr>
+          <a:lstStyle/>
+          <a:p>
+            <a:pPr marL="457200" marR="0" indent="-457200">
+              <a:lnSpc>
+                <a:spcPct val="107000"/>
+              </a:lnSpc>
+              <a:spcBef>
+                <a:spcPts val="1200"/>
+              </a:spcBef>
+              <a:spcAft>
+                <a:spcPts val="600"/>
+              </a:spcAft>
+            </a:pPr>
+            <a:r>
+              <a:rPr lang="en-US" sz="1800" b="1" dirty="0">
+                <a:solidFill>
+                  <a:srgbClr val="FF0000"/>
+                </a:solidFill>
+                <a:effectLst/>
+                <a:latin typeface="Arial" panose="020B0604020202020204" pitchFamily="34" charset="0"/>
+                <a:ea typeface="Times New Roman" panose="02020603050405020304" pitchFamily="18" charset="0"/>
+              </a:rPr>
+              <a:t>STEP 4: </a:t>
+            </a:r>
+            <a:r>
+              <a:rPr lang="en-US" sz="1800" b="1" dirty="0">
+                <a:effectLst/>
+                <a:latin typeface="Arial" panose="020B0604020202020204" pitchFamily="34" charset="0"/>
+                <a:ea typeface="Times New Roman" panose="02020603050405020304" pitchFamily="18" charset="0"/>
+              </a:rPr>
+              <a:t>Program the </a:t>
+            </a:r>
+            <a:r>
+              <a:rPr lang="en-US" b="1" dirty="0">
+                <a:latin typeface="Arial" panose="020B0604020202020204" pitchFamily="34" charset="0"/>
+                <a:ea typeface="Times New Roman" panose="02020603050405020304" pitchFamily="18" charset="0"/>
+              </a:rPr>
+              <a:t>WBZ451PE Module</a:t>
+            </a:r>
+          </a:p>
+          <a:p>
+            <a:pPr marR="0">
+              <a:lnSpc>
+                <a:spcPct val="107000"/>
+              </a:lnSpc>
+              <a:spcBef>
+                <a:spcPts val="1200"/>
+              </a:spcBef>
+              <a:spcAft>
+                <a:spcPts val="600"/>
+              </a:spcAft>
+            </a:pPr>
+            <a:r>
+              <a:rPr lang="en-US" dirty="0">
+                <a:effectLst/>
+                <a:latin typeface="Arial" panose="020B0604020202020204" pitchFamily="34" charset="0"/>
+                <a:ea typeface="Times New Roman" panose="02020603050405020304" pitchFamily="18" charset="0"/>
+              </a:rPr>
+              <a:t>a) Click on the </a:t>
+            </a:r>
+            <a:r>
+              <a:rPr lang="en-US" b="1" dirty="0">
+                <a:effectLst/>
+                <a:latin typeface="Arial" panose="020B0604020202020204" pitchFamily="34" charset="0"/>
+                <a:ea typeface="Times New Roman" panose="02020603050405020304" pitchFamily="18" charset="0"/>
+              </a:rPr>
+              <a:t>Make and Program Device Main Project</a:t>
+            </a:r>
+            <a:r>
+              <a:rPr lang="en-US" dirty="0">
+                <a:effectLst/>
+                <a:latin typeface="Arial" panose="020B0604020202020204" pitchFamily="34" charset="0"/>
+                <a:ea typeface="Times New Roman" panose="02020603050405020304" pitchFamily="18" charset="0"/>
+              </a:rPr>
+              <a:t> icon in the MPLAB X main toolbar</a:t>
+            </a:r>
+          </a:p>
+          <a:p>
+            <a:endParaRPr lang="en-US" dirty="0"/>
+          </a:p>
+          <a:p>
+            <a:endParaRPr lang="en-US" dirty="0"/>
+          </a:p>
+          <a:p>
+            <a:endParaRPr lang="en-US" dirty="0"/>
+          </a:p>
+          <a:p>
+            <a:r>
+              <a:rPr lang="en-US" dirty="0">
+                <a:effectLst/>
+                <a:latin typeface="Arial" panose="020B0604020202020204" pitchFamily="34" charset="0"/>
+                <a:ea typeface="Times New Roman" panose="02020603050405020304" pitchFamily="18" charset="0"/>
+              </a:rPr>
+              <a:t>b) Verify that the programming phase was successful</a:t>
+            </a:r>
+          </a:p>
+          <a:p>
+            <a:endParaRPr lang="en-US" dirty="0"/>
+          </a:p>
+          <a:p>
+            <a:endParaRPr lang="en-US" dirty="0"/>
+          </a:p>
+          <a:p>
+            <a:endParaRPr lang="en-US" dirty="0"/>
+          </a:p>
+          <a:p>
+            <a:endParaRPr lang="en-US" dirty="0"/>
+          </a:p>
+          <a:p>
+            <a:endParaRPr lang="en-US" dirty="0"/>
+          </a:p>
+          <a:p>
+            <a:pPr marL="575945" marR="0" indent="-575945">
+              <a:lnSpc>
+                <a:spcPct val="107000"/>
+              </a:lnSpc>
+              <a:spcBef>
+                <a:spcPts val="1200"/>
+              </a:spcBef>
+              <a:spcAft>
+                <a:spcPts val="600"/>
+              </a:spcAft>
+            </a:pPr>
+            <a:r>
+              <a:rPr lang="en-US" sz="1800" b="1" dirty="0">
+                <a:solidFill>
+                  <a:srgbClr val="FF0000"/>
+                </a:solidFill>
+                <a:effectLst/>
+                <a:latin typeface="Arial" panose="020B0604020202020204" pitchFamily="34" charset="0"/>
+                <a:ea typeface="Times New Roman" panose="02020603050405020304" pitchFamily="18" charset="0"/>
+              </a:rPr>
+              <a:t>STEP 5: </a:t>
+            </a:r>
+            <a:r>
+              <a:rPr lang="en-US" sz="1800" b="1" dirty="0">
+                <a:effectLst/>
+                <a:latin typeface="Arial" panose="020B0604020202020204" pitchFamily="34" charset="0"/>
+                <a:ea typeface="Times New Roman" panose="02020603050405020304" pitchFamily="18" charset="0"/>
+              </a:rPr>
+              <a:t>Connect to the </a:t>
+            </a:r>
+            <a:r>
+              <a:rPr lang="en-US" b="1" dirty="0">
+                <a:latin typeface="Arial" panose="020B0604020202020204" pitchFamily="34" charset="0"/>
+                <a:ea typeface="Times New Roman" panose="02020603050405020304" pitchFamily="18" charset="0"/>
+              </a:rPr>
+              <a:t>WBZ451</a:t>
+            </a:r>
+            <a:r>
+              <a:rPr lang="en-US" sz="1800" b="1" dirty="0">
+                <a:effectLst/>
+                <a:latin typeface="Arial" panose="020B0604020202020204" pitchFamily="34" charset="0"/>
+                <a:ea typeface="Times New Roman" panose="02020603050405020304" pitchFamily="18" charset="0"/>
+              </a:rPr>
+              <a:t> Module Using the Microchip Bluetooth Data (MBD) Application</a:t>
+            </a:r>
+            <a:endParaRPr lang="en-US" sz="1800" dirty="0">
+              <a:effectLst/>
+              <a:latin typeface="Arial" panose="020B0604020202020204" pitchFamily="34" charset="0"/>
+              <a:ea typeface="Times New Roman" panose="02020603050405020304" pitchFamily="18" charset="0"/>
+            </a:endParaRPr>
+          </a:p>
+          <a:p>
+            <a:pPr marL="1033145" marR="0" indent="-575945">
+              <a:lnSpc>
+                <a:spcPct val="107000"/>
+              </a:lnSpc>
+              <a:spcBef>
+                <a:spcPts val="1200"/>
+              </a:spcBef>
+              <a:spcAft>
+                <a:spcPts val="600"/>
+              </a:spcAft>
+            </a:pPr>
+            <a:r>
+              <a:rPr lang="en-US" sz="1800" dirty="0">
+                <a:effectLst/>
+                <a:latin typeface="Arial" panose="020B0604020202020204" pitchFamily="34" charset="0"/>
+                <a:ea typeface="Times New Roman" panose="02020603050405020304" pitchFamily="18" charset="0"/>
+              </a:rPr>
+              <a:t>Follow the procedure in the section titled “Connecting CAN Network to Mobile App (MBD App)”</a:t>
+            </a:r>
+          </a:p>
+          <a:p>
+            <a:pPr marL="457200" marR="0">
+              <a:lnSpc>
+                <a:spcPct val="107000"/>
+              </a:lnSpc>
+              <a:spcBef>
+                <a:spcPts val="1200"/>
+              </a:spcBef>
+              <a:spcAft>
+                <a:spcPts val="600"/>
+              </a:spcAft>
+            </a:pPr>
+            <a:r>
+              <a:rPr lang="en-US" sz="1800" u="sng" dirty="0">
+                <a:solidFill>
+                  <a:srgbClr val="0000FF"/>
+                </a:solidFill>
+                <a:effectLst/>
+                <a:latin typeface="Arial" panose="020B0604020202020204" pitchFamily="34" charset="0"/>
+                <a:ea typeface="Times New Roman" panose="02020603050405020304" pitchFamily="18" charset="0"/>
+                <a:hlinkClick r:id="rId3"/>
+              </a:rPr>
+              <a:t>https://github.com/MicrochipTech/pic32cxbz2_wbz45x_ble_can_bridge/tree/main?tab=readme-ov-file#connecting-can-network-to-mobile-app-mbd-app</a:t>
+            </a:r>
+            <a:endParaRPr lang="en-US" sz="1800" u="sng" dirty="0">
+              <a:solidFill>
+                <a:srgbClr val="0000FF"/>
+              </a:solidFill>
+              <a:effectLst/>
+              <a:latin typeface="Arial" panose="020B0604020202020204" pitchFamily="34" charset="0"/>
+              <a:ea typeface="Times New Roman" panose="02020603050405020304" pitchFamily="18" charset="0"/>
+            </a:endParaRPr>
+          </a:p>
+        </p:txBody>
+      </p:sp>
+      <p:pic>
+        <p:nvPicPr>
+          <p:cNvPr id="12" name="Picture 11">
+            <a:extLst>
+              <a:ext uri="{FF2B5EF4-FFF2-40B4-BE49-F238E27FC236}">
+                <a16:creationId xmlns:a16="http://schemas.microsoft.com/office/drawing/2014/main" id="{D9E6BC65-EB56-D818-B151-9B574C0E044E}"/>
+              </a:ext>
+            </a:extLst>
+          </p:cNvPr>
+          <p:cNvPicPr>
+            <a:picLocks noChangeAspect="1"/>
+          </p:cNvPicPr>
+          <p:nvPr/>
+        </p:nvPicPr>
+        <p:blipFill>
+          <a:blip r:embed="rId4" cstate="print">
+            <a:extLst>
+              <a:ext uri="{28A0092B-C50C-407E-A947-70E740481C1C}">
+                <a14:useLocalDpi xmlns:a14="http://schemas.microsoft.com/office/drawing/2010/main" val="0"/>
+              </a:ext>
+            </a:extLst>
+          </a:blip>
+          <a:stretch>
+            <a:fillRect/>
+          </a:stretch>
+        </p:blipFill>
+        <p:spPr>
+          <a:xfrm>
+            <a:off x="921395" y="3069463"/>
+            <a:ext cx="6492240" cy="1240790"/>
+          </a:xfrm>
+          <a:prstGeom prst="rect">
+            <a:avLst/>
+          </a:prstGeom>
+        </p:spPr>
+      </p:pic>
+      <p:sp>
+        <p:nvSpPr>
+          <p:cNvPr id="13" name="Oval 12">
+            <a:extLst>
+              <a:ext uri="{FF2B5EF4-FFF2-40B4-BE49-F238E27FC236}">
+                <a16:creationId xmlns:a16="http://schemas.microsoft.com/office/drawing/2014/main" id="{21B42215-9A7F-E16D-440F-F484B967DA5E}"/>
+              </a:ext>
+            </a:extLst>
+          </p:cNvPr>
+          <p:cNvSpPr/>
+          <p:nvPr/>
+        </p:nvSpPr>
+        <p:spPr>
+          <a:xfrm>
+            <a:off x="909203" y="3938599"/>
+            <a:ext cx="1600200" cy="190500"/>
+          </a:xfrm>
+          <a:prstGeom prst="ellipse">
+            <a:avLst/>
+          </a:prstGeom>
+          <a:noFill/>
+          <a:ln>
+            <a:solidFill>
+              <a:srgbClr val="FF0000"/>
+            </a:solidFill>
+          </a:ln>
+        </p:spPr>
+        <p:style>
+          <a:lnRef idx="2">
+            <a:schemeClr val="accent1">
+              <a:shade val="50000"/>
+            </a:schemeClr>
+          </a:lnRef>
+          <a:fillRef idx="1">
+            <a:schemeClr val="accent1"/>
+          </a:fillRef>
+          <a:effectRef idx="0">
+            <a:schemeClr val="accent1"/>
+          </a:effectRef>
+          <a:fontRef idx="minor">
+            <a:schemeClr val="lt1"/>
+          </a:fontRef>
+        </p:style>
+        <p:txBody>
+          <a:bodyPr rot="0" spcFirstLastPara="0" vert="horz" wrap="square" lIns="91440" tIns="45720" rIns="91440" bIns="45720" numCol="1" spcCol="0" rtlCol="0" fromWordArt="0" anchor="ctr" anchorCtr="0" forceAA="0" compatLnSpc="1">
+            <a:prstTxWarp prst="textNoShape">
+              <a:avLst/>
+            </a:prstTxWarp>
+            <a:noAutofit/>
+          </a:bodyPr>
+          <a:lstStyle/>
+          <a:p>
+            <a:endParaRPr lang="en-US"/>
+          </a:p>
+        </p:txBody>
+      </p:sp>
+      <p:pic>
+        <p:nvPicPr>
+          <p:cNvPr id="14" name="Picture 13" descr="Graphical user interface, text, application, chat or text message&#10;&#10;Description automatically generated">
+            <a:extLst>
+              <a:ext uri="{FF2B5EF4-FFF2-40B4-BE49-F238E27FC236}">
+                <a16:creationId xmlns:a16="http://schemas.microsoft.com/office/drawing/2014/main" id="{E98177C4-8C57-02A0-A234-117E41937837}"/>
+              </a:ext>
+            </a:extLst>
+          </p:cNvPr>
+          <p:cNvPicPr>
+            <a:picLocks noChangeAspect="1"/>
+          </p:cNvPicPr>
+          <p:nvPr/>
+        </p:nvPicPr>
+        <p:blipFill>
+          <a:blip r:embed="rId5">
+            <a:extLst>
+              <a:ext uri="{28A0092B-C50C-407E-A947-70E740481C1C}">
+                <a14:useLocalDpi xmlns:a14="http://schemas.microsoft.com/office/drawing/2010/main" val="0"/>
+              </a:ext>
+            </a:extLst>
+          </a:blip>
+          <a:stretch>
+            <a:fillRect/>
+          </a:stretch>
+        </p:blipFill>
+        <p:spPr>
+          <a:xfrm>
+            <a:off x="6618986" y="1813433"/>
+            <a:ext cx="3416300" cy="1256030"/>
+          </a:xfrm>
+          <a:prstGeom prst="rect">
+            <a:avLst/>
+          </a:prstGeom>
+        </p:spPr>
+      </p:pic>
+      <p:sp>
+        <p:nvSpPr>
+          <p:cNvPr id="8" name="Right Arrow 7">
+            <a:extLst>
+              <a:ext uri="{FF2B5EF4-FFF2-40B4-BE49-F238E27FC236}">
+                <a16:creationId xmlns:a16="http://schemas.microsoft.com/office/drawing/2014/main" id="{7E5F9613-C9B4-A621-2173-3A49D330AB77}"/>
+              </a:ext>
+            </a:extLst>
+          </p:cNvPr>
+          <p:cNvSpPr/>
+          <p:nvPr/>
+        </p:nvSpPr>
+        <p:spPr>
+          <a:xfrm>
+            <a:off x="5899860" y="1792097"/>
+            <a:ext cx="838200" cy="558800"/>
+          </a:xfrm>
+          <a:prstGeom prst="rightArrow">
+            <a:avLst/>
+          </a:prstGeom>
+          <a:solidFill>
+            <a:srgbClr val="FF0000"/>
+          </a:solidFill>
+        </p:spPr>
+        <p:style>
+          <a:lnRef idx="2">
+            <a:schemeClr val="accent1">
+              <a:shade val="50000"/>
+            </a:schemeClr>
+          </a:lnRef>
+          <a:fillRef idx="1">
+            <a:schemeClr val="accent1"/>
+          </a:fillRef>
+          <a:effectRef idx="0">
+            <a:schemeClr val="accent1"/>
+          </a:effectRef>
+          <a:fontRef idx="minor">
+            <a:schemeClr val="lt1"/>
+          </a:fontRef>
+        </p:style>
+        <p:txBody>
+          <a:bodyPr rot="0" spcFirstLastPara="0" vert="horz" wrap="square" lIns="91440" tIns="45720" rIns="91440" bIns="45720" numCol="1" spcCol="0" rtlCol="0" fromWordArt="0" anchor="ctr" anchorCtr="0" forceAA="0" compatLnSpc="1">
+            <a:prstTxWarp prst="textNoShape">
+              <a:avLst/>
+            </a:prstTxWarp>
+            <a:noAutofit/>
+          </a:bodyPr>
+          <a:lstStyle/>
+          <a:p>
+            <a:pPr marL="0" marR="0" algn="ctr">
+              <a:lnSpc>
+                <a:spcPct val="107000"/>
+              </a:lnSpc>
+              <a:spcBef>
+                <a:spcPts val="0"/>
+              </a:spcBef>
+              <a:spcAft>
+                <a:spcPts val="800"/>
+              </a:spcAft>
+            </a:pPr>
+            <a:r>
+              <a:rPr lang="en-US" sz="1200" dirty="0">
+                <a:solidFill>
+                  <a:srgbClr val="FFFF00"/>
+                </a:solidFill>
+                <a:effectLst/>
+                <a:latin typeface="Arial" panose="020B0604020202020204" pitchFamily="34" charset="0"/>
+                <a:ea typeface="Times New Roman" panose="02020603050405020304" pitchFamily="18" charset="0"/>
+              </a:rPr>
+              <a:t>CLICK</a:t>
+            </a:r>
+            <a:endParaRPr lang="en-US" sz="1100" dirty="0">
+              <a:effectLst/>
+              <a:latin typeface="Arial" panose="020B0604020202020204" pitchFamily="34" charset="0"/>
+              <a:ea typeface="Times New Roman" panose="02020603050405020304" pitchFamily="18" charset="0"/>
+            </a:endParaRPr>
+          </a:p>
+        </p:txBody>
+      </p:sp>
+      <p:sp>
+        <p:nvSpPr>
+          <p:cNvPr id="15" name="Right Arrow 14">
+            <a:extLst>
+              <a:ext uri="{FF2B5EF4-FFF2-40B4-BE49-F238E27FC236}">
+                <a16:creationId xmlns:a16="http://schemas.microsoft.com/office/drawing/2014/main" id="{436FC1E8-E169-CE20-60DE-14759E49973B}"/>
+              </a:ext>
+            </a:extLst>
+          </p:cNvPr>
+          <p:cNvSpPr/>
+          <p:nvPr/>
+        </p:nvSpPr>
+        <p:spPr>
+          <a:xfrm>
+            <a:off x="201278" y="5497880"/>
+            <a:ext cx="838200" cy="558800"/>
+          </a:xfrm>
+          <a:prstGeom prst="rightArrow">
+            <a:avLst/>
+          </a:prstGeom>
+          <a:solidFill>
+            <a:srgbClr val="FF0000"/>
+          </a:solidFill>
+        </p:spPr>
+        <p:style>
+          <a:lnRef idx="2">
+            <a:schemeClr val="accent1">
+              <a:shade val="50000"/>
+            </a:schemeClr>
+          </a:lnRef>
+          <a:fillRef idx="1">
+            <a:schemeClr val="accent1"/>
+          </a:fillRef>
+          <a:effectRef idx="0">
+            <a:schemeClr val="accent1"/>
+          </a:effectRef>
+          <a:fontRef idx="minor">
+            <a:schemeClr val="lt1"/>
+          </a:fontRef>
+        </p:style>
+        <p:txBody>
+          <a:bodyPr rot="0" spcFirstLastPara="0" vert="horz" wrap="square" lIns="91440" tIns="45720" rIns="91440" bIns="45720" numCol="1" spcCol="0" rtlCol="0" fromWordArt="0" anchor="ctr" anchorCtr="0" forceAA="0" compatLnSpc="1">
+            <a:prstTxWarp prst="textNoShape">
+              <a:avLst/>
+            </a:prstTxWarp>
+            <a:noAutofit/>
+          </a:bodyPr>
+          <a:lstStyle/>
+          <a:p>
+            <a:pPr marL="0" marR="0" algn="ctr">
+              <a:lnSpc>
+                <a:spcPct val="107000"/>
+              </a:lnSpc>
+              <a:spcBef>
+                <a:spcPts val="0"/>
+              </a:spcBef>
+              <a:spcAft>
+                <a:spcPts val="800"/>
+              </a:spcAft>
+            </a:pPr>
+            <a:r>
+              <a:rPr lang="en-US" sz="1200" dirty="0">
+                <a:solidFill>
+                  <a:srgbClr val="FFFF00"/>
+                </a:solidFill>
+                <a:effectLst/>
+                <a:latin typeface="Arial" panose="020B0604020202020204" pitchFamily="34" charset="0"/>
+                <a:ea typeface="Times New Roman" panose="02020603050405020304" pitchFamily="18" charset="0"/>
+              </a:rPr>
+              <a:t>CLICK</a:t>
+            </a:r>
+            <a:endParaRPr lang="en-US" sz="1100" dirty="0">
+              <a:effectLst/>
+              <a:latin typeface="Arial" panose="020B0604020202020204" pitchFamily="34" charset="0"/>
+              <a:ea typeface="Times New Roman" panose="02020603050405020304" pitchFamily="18" charset="0"/>
+            </a:endParaRPr>
+          </a:p>
+        </p:txBody>
+      </p:sp>
+    </p:spTree>
+    <p:extLst>
+      <p:ext uri="{BB962C8B-B14F-4D97-AF65-F5344CB8AC3E}">
+        <p14:creationId xmlns:p14="http://schemas.microsoft.com/office/powerpoint/2010/main" val="43339631"/>
+      </p:ext>
+    </p:extLst>
+  </p:cSld>
+  <p:clrMapOvr>
+    <a:masterClrMapping/>
+  </p:clrMapOvr>
+</p:sld>
+</file>
+
+<file path=ppt/slides/slide12.xml><?xml version="1.0" encoding="utf-8"?>
+<p:sld xmlns:a="http://schemas.openxmlformats.org/drawingml/2006/main" xmlns:r="http://schemas.openxmlformats.org/officeDocument/2006/relationships" xmlns:p="http://schemas.openxmlformats.org/presentationml/2006/main">
+  <p:cSld>
+    <p:spTree>
+      <p:nvGrpSpPr>
+        <p:cNvPr id="1" name=""/>
+        <p:cNvGrpSpPr/>
+        <p:nvPr/>
+      </p:nvGrpSpPr>
+      <p:grpSpPr>
+        <a:xfrm>
+          <a:off x="0" y="0"/>
+          <a:ext cx="0" cy="0"/>
+          <a:chOff x="0" y="0"/>
+          <a:chExt cx="0" cy="0"/>
+        </a:xfrm>
+      </p:grpSpPr>
       <p:pic>
         <p:nvPicPr>
           <p:cNvPr id="16" name="Picture 15" descr="A black text on a white background&#10;&#10;Description automatically generated">
@@ -4813,7 +6506,7 @@
 </p:sld>
 </file>
 
-<file path=ppt/slides/slide11.xml><?xml version="1.0" encoding="utf-8"?>
+<file path=ppt/slides/slide13.xml><?xml version="1.0" encoding="utf-8"?>
 <p:sld xmlns:a="http://schemas.openxmlformats.org/drawingml/2006/main" xmlns:r="http://schemas.openxmlformats.org/officeDocument/2006/relationships" xmlns:p="http://schemas.openxmlformats.org/presentationml/2006/main">
   <p:cSld>
     <p:spTree>
@@ -5535,6 +7228,1003 @@
     <p:extLst>
       <p:ext uri="{BB962C8B-B14F-4D97-AF65-F5344CB8AC3E}">
         <p14:creationId xmlns:p14="http://schemas.microsoft.com/office/powerpoint/2010/main" val="1747670202"/>
+      </p:ext>
+    </p:extLst>
+  </p:cSld>
+  <p:clrMapOvr>
+    <a:masterClrMapping/>
+  </p:clrMapOvr>
+</p:sld>
+</file>
+
+<file path=ppt/slides/slide14.xml><?xml version="1.0" encoding="utf-8"?>
+<p:sld xmlns:a="http://schemas.openxmlformats.org/drawingml/2006/main" xmlns:r="http://schemas.openxmlformats.org/officeDocument/2006/relationships" xmlns:p="http://schemas.openxmlformats.org/presentationml/2006/main">
+  <p:cSld>
+    <p:spTree>
+      <p:nvGrpSpPr>
+        <p:cNvPr id="1" name=""/>
+        <p:cNvGrpSpPr/>
+        <p:nvPr/>
+      </p:nvGrpSpPr>
+      <p:grpSpPr>
+        <a:xfrm>
+          <a:off x="0" y="0"/>
+          <a:ext cx="0" cy="0"/>
+          <a:chOff x="0" y="0"/>
+          <a:chExt cx="0" cy="0"/>
+        </a:xfrm>
+      </p:grpSpPr>
+      <p:pic>
+        <p:nvPicPr>
+          <p:cNvPr id="4" name="Picture 3">
+            <a:extLst>
+              <a:ext uri="{FF2B5EF4-FFF2-40B4-BE49-F238E27FC236}">
+                <a16:creationId xmlns:a16="http://schemas.microsoft.com/office/drawing/2014/main" id="{334DC2B4-4C2B-BE55-32A4-80574DA431DE}"/>
+              </a:ext>
+            </a:extLst>
+          </p:cNvPr>
+          <p:cNvPicPr>
+            <a:picLocks noChangeAspect="1"/>
+          </p:cNvPicPr>
+          <p:nvPr/>
+        </p:nvPicPr>
+        <p:blipFill>
+          <a:blip r:embed="rId2"/>
+          <a:stretch>
+            <a:fillRect/>
+          </a:stretch>
+        </p:blipFill>
+        <p:spPr>
+          <a:xfrm>
+            <a:off x="995818" y="910262"/>
+            <a:ext cx="8389919" cy="5827386"/>
+          </a:xfrm>
+          <a:prstGeom prst="rect">
+            <a:avLst/>
+          </a:prstGeom>
+        </p:spPr>
+      </p:pic>
+      <p:pic>
+        <p:nvPicPr>
+          <p:cNvPr id="16" name="Picture 15" descr="A black text on a white background&#10;&#10;Description automatically generated">
+            <a:extLst>
+              <a:ext uri="{FF2B5EF4-FFF2-40B4-BE49-F238E27FC236}">
+                <a16:creationId xmlns:a16="http://schemas.microsoft.com/office/drawing/2014/main" id="{09D2296F-2ED2-269F-F48E-CBFBEF84AB88}"/>
+              </a:ext>
+            </a:extLst>
+          </p:cNvPr>
+          <p:cNvPicPr>
+            <a:picLocks noChangeAspect="1"/>
+          </p:cNvPicPr>
+          <p:nvPr/>
+        </p:nvPicPr>
+        <p:blipFill>
+          <a:blip r:embed="rId3"/>
+          <a:stretch>
+            <a:fillRect/>
+          </a:stretch>
+        </p:blipFill>
+        <p:spPr>
+          <a:xfrm>
+            <a:off x="9574022" y="6138164"/>
+            <a:ext cx="2578100" cy="698500"/>
+          </a:xfrm>
+          <a:prstGeom prst="rect">
+            <a:avLst/>
+          </a:prstGeom>
+        </p:spPr>
+      </p:pic>
+      <p:sp>
+        <p:nvSpPr>
+          <p:cNvPr id="2" name="TextBox 1">
+            <a:extLst>
+              <a:ext uri="{FF2B5EF4-FFF2-40B4-BE49-F238E27FC236}">
+                <a16:creationId xmlns:a16="http://schemas.microsoft.com/office/drawing/2014/main" id="{EF6874F3-7045-70A8-1F64-660B9B5BFFB9}"/>
+              </a:ext>
+            </a:extLst>
+          </p:cNvPr>
+          <p:cNvSpPr txBox="1"/>
+          <p:nvPr/>
+        </p:nvSpPr>
+        <p:spPr>
+          <a:xfrm>
+            <a:off x="777767" y="184848"/>
+            <a:ext cx="10354270" cy="584775"/>
+          </a:xfrm>
+          <a:prstGeom prst="rect">
+            <a:avLst/>
+          </a:prstGeom>
+          <a:noFill/>
+        </p:spPr>
+        <p:txBody>
+          <a:bodyPr wrap="square" rtlCol="0">
+            <a:spAutoFit/>
+          </a:bodyPr>
+          <a:lstStyle/>
+          <a:p>
+            <a:pPr algn="ctr"/>
+            <a:r>
+              <a:rPr lang="en-US" sz="3200" b="1" dirty="0">
+                <a:latin typeface="Arial" panose="020B0604020202020204" pitchFamily="34" charset="0"/>
+                <a:cs typeface="Arial" panose="020B0604020202020204" pitchFamily="34" charset="0"/>
+              </a:rPr>
+              <a:t>Transparent UART Service (TRSPS): RX Message </a:t>
+            </a:r>
+          </a:p>
+        </p:txBody>
+      </p:sp>
+    </p:spTree>
+    <p:extLst>
+      <p:ext uri="{BB962C8B-B14F-4D97-AF65-F5344CB8AC3E}">
+        <p14:creationId xmlns:p14="http://schemas.microsoft.com/office/powerpoint/2010/main" val="1284534275"/>
+      </p:ext>
+    </p:extLst>
+  </p:cSld>
+  <p:clrMapOvr>
+    <a:masterClrMapping/>
+  </p:clrMapOvr>
+</p:sld>
+</file>
+
+<file path=ppt/slides/slide15.xml><?xml version="1.0" encoding="utf-8"?>
+<p:sld xmlns:a="http://schemas.openxmlformats.org/drawingml/2006/main" xmlns:r="http://schemas.openxmlformats.org/officeDocument/2006/relationships" xmlns:p="http://schemas.openxmlformats.org/presentationml/2006/main">
+  <p:cSld>
+    <p:spTree>
+      <p:nvGrpSpPr>
+        <p:cNvPr id="1" name=""/>
+        <p:cNvGrpSpPr/>
+        <p:nvPr/>
+      </p:nvGrpSpPr>
+      <p:grpSpPr>
+        <a:xfrm>
+          <a:off x="0" y="0"/>
+          <a:ext cx="0" cy="0"/>
+          <a:chOff x="0" y="0"/>
+          <a:chExt cx="0" cy="0"/>
+        </a:xfrm>
+      </p:grpSpPr>
+      <p:pic>
+        <p:nvPicPr>
+          <p:cNvPr id="16" name="Picture 15" descr="A black text on a white background&#10;&#10;Description automatically generated">
+            <a:extLst>
+              <a:ext uri="{FF2B5EF4-FFF2-40B4-BE49-F238E27FC236}">
+                <a16:creationId xmlns:a16="http://schemas.microsoft.com/office/drawing/2014/main" id="{09D2296F-2ED2-269F-F48E-CBFBEF84AB88}"/>
+              </a:ext>
+            </a:extLst>
+          </p:cNvPr>
+          <p:cNvPicPr>
+            <a:picLocks noChangeAspect="1"/>
+          </p:cNvPicPr>
+          <p:nvPr/>
+        </p:nvPicPr>
+        <p:blipFill>
+          <a:blip r:embed="rId2"/>
+          <a:stretch>
+            <a:fillRect/>
+          </a:stretch>
+        </p:blipFill>
+        <p:spPr>
+          <a:xfrm>
+            <a:off x="9574022" y="6138164"/>
+            <a:ext cx="2578100" cy="698500"/>
+          </a:xfrm>
+          <a:prstGeom prst="rect">
+            <a:avLst/>
+          </a:prstGeom>
+        </p:spPr>
+      </p:pic>
+      <p:sp>
+        <p:nvSpPr>
+          <p:cNvPr id="2" name="TextBox 1">
+            <a:extLst>
+              <a:ext uri="{FF2B5EF4-FFF2-40B4-BE49-F238E27FC236}">
+                <a16:creationId xmlns:a16="http://schemas.microsoft.com/office/drawing/2014/main" id="{EF6874F3-7045-70A8-1F64-660B9B5BFFB9}"/>
+              </a:ext>
+            </a:extLst>
+          </p:cNvPr>
+          <p:cNvSpPr txBox="1"/>
+          <p:nvPr/>
+        </p:nvSpPr>
+        <p:spPr>
+          <a:xfrm>
+            <a:off x="1484549" y="170994"/>
+            <a:ext cx="9495087" cy="584775"/>
+          </a:xfrm>
+          <a:prstGeom prst="rect">
+            <a:avLst/>
+          </a:prstGeom>
+          <a:noFill/>
+        </p:spPr>
+        <p:txBody>
+          <a:bodyPr wrap="square" rtlCol="0">
+            <a:spAutoFit/>
+          </a:bodyPr>
+          <a:lstStyle/>
+          <a:p>
+            <a:pPr algn="ctr"/>
+            <a:r>
+              <a:rPr lang="en-US" sz="3200" b="1" dirty="0">
+                <a:latin typeface="Arial" panose="020B0604020202020204" pitchFamily="34" charset="0"/>
+                <a:cs typeface="Arial" panose="020B0604020202020204" pitchFamily="34" charset="0"/>
+              </a:rPr>
+              <a:t>Transmitting CAN Messages (1) </a:t>
+            </a:r>
+          </a:p>
+        </p:txBody>
+      </p:sp>
+      <p:pic>
+        <p:nvPicPr>
+          <p:cNvPr id="5" name="Picture 4" descr="A screen shot of a computer code&#10;&#10;Description automatically generated">
+            <a:extLst>
+              <a:ext uri="{FF2B5EF4-FFF2-40B4-BE49-F238E27FC236}">
+                <a16:creationId xmlns:a16="http://schemas.microsoft.com/office/drawing/2014/main" id="{BB992862-F71B-708B-868E-2B8AB7C178C8}"/>
+              </a:ext>
+            </a:extLst>
+          </p:cNvPr>
+          <p:cNvPicPr>
+            <a:picLocks noChangeAspect="1"/>
+          </p:cNvPicPr>
+          <p:nvPr/>
+        </p:nvPicPr>
+        <p:blipFill>
+          <a:blip r:embed="rId3"/>
+          <a:stretch>
+            <a:fillRect/>
+          </a:stretch>
+        </p:blipFill>
+        <p:spPr>
+          <a:xfrm>
+            <a:off x="325822" y="874955"/>
+            <a:ext cx="11477034" cy="5189513"/>
+          </a:xfrm>
+          <a:prstGeom prst="rect">
+            <a:avLst/>
+          </a:prstGeom>
+        </p:spPr>
+      </p:pic>
+      <p:pic>
+        <p:nvPicPr>
+          <p:cNvPr id="4" name="Picture 3" descr="A screenshot of a computer code&#10;&#10;Description automatically generated">
+            <a:extLst>
+              <a:ext uri="{FF2B5EF4-FFF2-40B4-BE49-F238E27FC236}">
+                <a16:creationId xmlns:a16="http://schemas.microsoft.com/office/drawing/2014/main" id="{18D04653-22AB-5300-6AF8-E9A1193B9BB0}"/>
+              </a:ext>
+            </a:extLst>
+          </p:cNvPr>
+          <p:cNvPicPr>
+            <a:picLocks noChangeAspect="1"/>
+          </p:cNvPicPr>
+          <p:nvPr/>
+        </p:nvPicPr>
+        <p:blipFill>
+          <a:blip r:embed="rId4"/>
+          <a:stretch>
+            <a:fillRect/>
+          </a:stretch>
+        </p:blipFill>
+        <p:spPr>
+          <a:xfrm>
+            <a:off x="14041801" y="4952524"/>
+            <a:ext cx="4051300" cy="3111500"/>
+          </a:xfrm>
+          <a:prstGeom prst="rect">
+            <a:avLst/>
+          </a:prstGeom>
+        </p:spPr>
+      </p:pic>
+    </p:spTree>
+    <p:extLst>
+      <p:ext uri="{BB962C8B-B14F-4D97-AF65-F5344CB8AC3E}">
+        <p14:creationId xmlns:p14="http://schemas.microsoft.com/office/powerpoint/2010/main" val="2807747033"/>
+      </p:ext>
+    </p:extLst>
+  </p:cSld>
+  <p:clrMapOvr>
+    <a:masterClrMapping/>
+  </p:clrMapOvr>
+</p:sld>
+</file>
+
+<file path=ppt/slides/slide16.xml><?xml version="1.0" encoding="utf-8"?>
+<p:sld xmlns:a="http://schemas.openxmlformats.org/drawingml/2006/main" xmlns:r="http://schemas.openxmlformats.org/officeDocument/2006/relationships" xmlns:p="http://schemas.openxmlformats.org/presentationml/2006/main">
+  <p:cSld>
+    <p:spTree>
+      <p:nvGrpSpPr>
+        <p:cNvPr id="1" name=""/>
+        <p:cNvGrpSpPr/>
+        <p:nvPr/>
+      </p:nvGrpSpPr>
+      <p:grpSpPr>
+        <a:xfrm>
+          <a:off x="0" y="0"/>
+          <a:ext cx="0" cy="0"/>
+          <a:chOff x="0" y="0"/>
+          <a:chExt cx="0" cy="0"/>
+        </a:xfrm>
+      </p:grpSpPr>
+      <p:pic>
+        <p:nvPicPr>
+          <p:cNvPr id="16" name="Picture 15" descr="A black text on a white background&#10;&#10;Description automatically generated">
+            <a:extLst>
+              <a:ext uri="{FF2B5EF4-FFF2-40B4-BE49-F238E27FC236}">
+                <a16:creationId xmlns:a16="http://schemas.microsoft.com/office/drawing/2014/main" id="{09D2296F-2ED2-269F-F48E-CBFBEF84AB88}"/>
+              </a:ext>
+            </a:extLst>
+          </p:cNvPr>
+          <p:cNvPicPr>
+            <a:picLocks noChangeAspect="1"/>
+          </p:cNvPicPr>
+          <p:nvPr/>
+        </p:nvPicPr>
+        <p:blipFill>
+          <a:blip r:embed="rId2"/>
+          <a:stretch>
+            <a:fillRect/>
+          </a:stretch>
+        </p:blipFill>
+        <p:spPr>
+          <a:xfrm>
+            <a:off x="9574022" y="6138164"/>
+            <a:ext cx="2578100" cy="698500"/>
+          </a:xfrm>
+          <a:prstGeom prst="rect">
+            <a:avLst/>
+          </a:prstGeom>
+        </p:spPr>
+      </p:pic>
+      <p:sp>
+        <p:nvSpPr>
+          <p:cNvPr id="2" name="TextBox 1">
+            <a:extLst>
+              <a:ext uri="{FF2B5EF4-FFF2-40B4-BE49-F238E27FC236}">
+                <a16:creationId xmlns:a16="http://schemas.microsoft.com/office/drawing/2014/main" id="{EF6874F3-7045-70A8-1F64-660B9B5BFFB9}"/>
+              </a:ext>
+            </a:extLst>
+          </p:cNvPr>
+          <p:cNvSpPr txBox="1"/>
+          <p:nvPr/>
+        </p:nvSpPr>
+        <p:spPr>
+          <a:xfrm>
+            <a:off x="1636949" y="184848"/>
+            <a:ext cx="9495087" cy="584775"/>
+          </a:xfrm>
+          <a:prstGeom prst="rect">
+            <a:avLst/>
+          </a:prstGeom>
+          <a:noFill/>
+        </p:spPr>
+        <p:txBody>
+          <a:bodyPr wrap="square" rtlCol="0">
+            <a:spAutoFit/>
+          </a:bodyPr>
+          <a:lstStyle/>
+          <a:p>
+            <a:pPr algn="ctr"/>
+            <a:r>
+              <a:rPr lang="en-US" sz="3200" b="1" dirty="0">
+                <a:latin typeface="Arial" panose="020B0604020202020204" pitchFamily="34" charset="0"/>
+                <a:cs typeface="Arial" panose="020B0604020202020204" pitchFamily="34" charset="0"/>
+              </a:rPr>
+              <a:t>Transmitting CAN Messages (2) </a:t>
+            </a:r>
+          </a:p>
+        </p:txBody>
+      </p:sp>
+      <p:pic>
+        <p:nvPicPr>
+          <p:cNvPr id="6" name="Picture 5" descr="A screenshot of a computer code&#10;&#10;Description automatically generated">
+            <a:extLst>
+              <a:ext uri="{FF2B5EF4-FFF2-40B4-BE49-F238E27FC236}">
+                <a16:creationId xmlns:a16="http://schemas.microsoft.com/office/drawing/2014/main" id="{203D83D2-01B5-D044-2C8B-9489F1382121}"/>
+              </a:ext>
+            </a:extLst>
+          </p:cNvPr>
+          <p:cNvPicPr>
+            <a:picLocks noChangeAspect="1"/>
+          </p:cNvPicPr>
+          <p:nvPr/>
+        </p:nvPicPr>
+        <p:blipFill>
+          <a:blip r:embed="rId3"/>
+          <a:stretch>
+            <a:fillRect/>
+          </a:stretch>
+        </p:blipFill>
+        <p:spPr>
+          <a:xfrm>
+            <a:off x="975446" y="1305212"/>
+            <a:ext cx="6580544" cy="5054023"/>
+          </a:xfrm>
+          <a:prstGeom prst="rect">
+            <a:avLst/>
+          </a:prstGeom>
+        </p:spPr>
+      </p:pic>
+    </p:spTree>
+    <p:extLst>
+      <p:ext uri="{BB962C8B-B14F-4D97-AF65-F5344CB8AC3E}">
+        <p14:creationId xmlns:p14="http://schemas.microsoft.com/office/powerpoint/2010/main" val="2434851138"/>
+      </p:ext>
+    </p:extLst>
+  </p:cSld>
+  <p:clrMapOvr>
+    <a:masterClrMapping/>
+  </p:clrMapOvr>
+</p:sld>
+</file>
+
+<file path=ppt/slides/slide17.xml><?xml version="1.0" encoding="utf-8"?>
+<p:sld xmlns:a="http://schemas.openxmlformats.org/drawingml/2006/main" xmlns:r="http://schemas.openxmlformats.org/officeDocument/2006/relationships" xmlns:p="http://schemas.openxmlformats.org/presentationml/2006/main">
+  <p:cSld>
+    <p:spTree>
+      <p:nvGrpSpPr>
+        <p:cNvPr id="1" name=""/>
+        <p:cNvGrpSpPr/>
+        <p:nvPr/>
+      </p:nvGrpSpPr>
+      <p:grpSpPr>
+        <a:xfrm>
+          <a:off x="0" y="0"/>
+          <a:ext cx="0" cy="0"/>
+          <a:chOff x="0" y="0"/>
+          <a:chExt cx="0" cy="0"/>
+        </a:xfrm>
+      </p:grpSpPr>
+      <p:pic>
+        <p:nvPicPr>
+          <p:cNvPr id="9" name="Picture 8" descr="A white background with black dots&#10;&#10;Description automatically generated">
+            <a:extLst>
+              <a:ext uri="{FF2B5EF4-FFF2-40B4-BE49-F238E27FC236}">
+                <a16:creationId xmlns:a16="http://schemas.microsoft.com/office/drawing/2014/main" id="{95809DB5-DC47-002F-F9B3-2A81A757A0B8}"/>
+              </a:ext>
+            </a:extLst>
+          </p:cNvPr>
+          <p:cNvPicPr>
+            <a:picLocks noChangeAspect="1"/>
+          </p:cNvPicPr>
+          <p:nvPr/>
+        </p:nvPicPr>
+        <p:blipFill>
+          <a:blip r:embed="rId2"/>
+          <a:stretch>
+            <a:fillRect/>
+          </a:stretch>
+        </p:blipFill>
+        <p:spPr>
+          <a:xfrm>
+            <a:off x="8626187" y="-8839"/>
+            <a:ext cx="3086100" cy="6858000"/>
+          </a:xfrm>
+          <a:prstGeom prst="rect">
+            <a:avLst/>
+          </a:prstGeom>
+        </p:spPr>
+      </p:pic>
+      <p:pic>
+        <p:nvPicPr>
+          <p:cNvPr id="7" name="Picture 6" descr="A screenshot of a phone&#10;&#10;Description automatically generated">
+            <a:extLst>
+              <a:ext uri="{FF2B5EF4-FFF2-40B4-BE49-F238E27FC236}">
+                <a16:creationId xmlns:a16="http://schemas.microsoft.com/office/drawing/2014/main" id="{03FBCBBA-73B9-EA0C-92DF-298CE3D2770D}"/>
+              </a:ext>
+            </a:extLst>
+          </p:cNvPr>
+          <p:cNvPicPr>
+            <a:picLocks noChangeAspect="1"/>
+          </p:cNvPicPr>
+          <p:nvPr/>
+        </p:nvPicPr>
+        <p:blipFill>
+          <a:blip r:embed="rId3"/>
+          <a:stretch>
+            <a:fillRect/>
+          </a:stretch>
+        </p:blipFill>
+        <p:spPr>
+          <a:xfrm>
+            <a:off x="4552950" y="0"/>
+            <a:ext cx="3086100" cy="6858000"/>
+          </a:xfrm>
+          <a:prstGeom prst="rect">
+            <a:avLst/>
+          </a:prstGeom>
+        </p:spPr>
+      </p:pic>
+      <p:pic>
+        <p:nvPicPr>
+          <p:cNvPr id="5" name="Picture 4" descr="A screenshot of a phone&#10;&#10;Description automatically generated">
+            <a:extLst>
+              <a:ext uri="{FF2B5EF4-FFF2-40B4-BE49-F238E27FC236}">
+                <a16:creationId xmlns:a16="http://schemas.microsoft.com/office/drawing/2014/main" id="{6C394D8D-E944-3793-2436-58ECF5490291}"/>
+              </a:ext>
+            </a:extLst>
+          </p:cNvPr>
+          <p:cNvPicPr>
+            <a:picLocks noChangeAspect="1"/>
+          </p:cNvPicPr>
+          <p:nvPr/>
+        </p:nvPicPr>
+        <p:blipFill>
+          <a:blip r:embed="rId4"/>
+          <a:stretch>
+            <a:fillRect/>
+          </a:stretch>
+        </p:blipFill>
+        <p:spPr>
+          <a:xfrm>
+            <a:off x="296260" y="-8839"/>
+            <a:ext cx="3086100" cy="6858000"/>
+          </a:xfrm>
+          <a:prstGeom prst="rect">
+            <a:avLst/>
+          </a:prstGeom>
+        </p:spPr>
+      </p:pic>
+      <p:sp>
+        <p:nvSpPr>
+          <p:cNvPr id="10" name="Rectangle 9">
+            <a:extLst>
+              <a:ext uri="{FF2B5EF4-FFF2-40B4-BE49-F238E27FC236}">
+                <a16:creationId xmlns:a16="http://schemas.microsoft.com/office/drawing/2014/main" id="{8B81782F-A859-468E-D77E-848BC40CFB9F}"/>
+              </a:ext>
+            </a:extLst>
+          </p:cNvPr>
+          <p:cNvSpPr/>
+          <p:nvPr/>
+        </p:nvSpPr>
+        <p:spPr>
+          <a:xfrm>
+            <a:off x="692727" y="762000"/>
+            <a:ext cx="1146583" cy="1302327"/>
+          </a:xfrm>
+          <a:prstGeom prst="rect">
+            <a:avLst/>
+          </a:prstGeom>
+          <a:noFill/>
+          <a:ln w="31750">
+            <a:solidFill>
+              <a:srgbClr val="00B050"/>
+            </a:solidFill>
+          </a:ln>
+        </p:spPr>
+        <p:style>
+          <a:lnRef idx="2">
+            <a:schemeClr val="accent1">
+              <a:shade val="15000"/>
+            </a:schemeClr>
+          </a:lnRef>
+          <a:fillRef idx="1">
+            <a:schemeClr val="accent1"/>
+          </a:fillRef>
+          <a:effectRef idx="0">
+            <a:schemeClr val="accent1"/>
+          </a:effectRef>
+          <a:fontRef idx="minor">
+            <a:schemeClr val="lt1"/>
+          </a:fontRef>
+        </p:style>
+        <p:txBody>
+          <a:bodyPr rtlCol="0" anchor="ctr"/>
+          <a:lstStyle/>
+          <a:p>
+            <a:pPr algn="ctr"/>
+            <a:endParaRPr lang="en-US"/>
+          </a:p>
+        </p:txBody>
+      </p:sp>
+      <p:sp>
+        <p:nvSpPr>
+          <p:cNvPr id="11" name="Rectangle 10">
+            <a:extLst>
+              <a:ext uri="{FF2B5EF4-FFF2-40B4-BE49-F238E27FC236}">
+                <a16:creationId xmlns:a16="http://schemas.microsoft.com/office/drawing/2014/main" id="{B91CFD4E-F7A2-E6B3-F645-273B5DD20005}"/>
+              </a:ext>
+            </a:extLst>
+          </p:cNvPr>
+          <p:cNvSpPr/>
+          <p:nvPr/>
+        </p:nvSpPr>
+        <p:spPr>
+          <a:xfrm>
+            <a:off x="4552950" y="665018"/>
+            <a:ext cx="1432214" cy="374073"/>
+          </a:xfrm>
+          <a:prstGeom prst="rect">
+            <a:avLst/>
+          </a:prstGeom>
+          <a:noFill/>
+          <a:ln w="31750">
+            <a:solidFill>
+              <a:srgbClr val="00B050"/>
+            </a:solidFill>
+          </a:ln>
+        </p:spPr>
+        <p:style>
+          <a:lnRef idx="2">
+            <a:schemeClr val="accent1">
+              <a:shade val="15000"/>
+            </a:schemeClr>
+          </a:lnRef>
+          <a:fillRef idx="1">
+            <a:schemeClr val="accent1"/>
+          </a:fillRef>
+          <a:effectRef idx="0">
+            <a:schemeClr val="accent1"/>
+          </a:effectRef>
+          <a:fontRef idx="minor">
+            <a:schemeClr val="lt1"/>
+          </a:fontRef>
+        </p:style>
+        <p:txBody>
+          <a:bodyPr rtlCol="0" anchor="ctr"/>
+          <a:lstStyle/>
+          <a:p>
+            <a:pPr algn="ctr"/>
+            <a:endParaRPr lang="en-US"/>
+          </a:p>
+        </p:txBody>
+      </p:sp>
+      <p:sp>
+        <p:nvSpPr>
+          <p:cNvPr id="12" name="Rectangle 11">
+            <a:extLst>
+              <a:ext uri="{FF2B5EF4-FFF2-40B4-BE49-F238E27FC236}">
+                <a16:creationId xmlns:a16="http://schemas.microsoft.com/office/drawing/2014/main" id="{1D3D10EA-745F-C9C0-6D91-0033AD85EC45}"/>
+              </a:ext>
+            </a:extLst>
+          </p:cNvPr>
+          <p:cNvSpPr/>
+          <p:nvPr/>
+        </p:nvSpPr>
+        <p:spPr>
+          <a:xfrm>
+            <a:off x="11222181" y="290945"/>
+            <a:ext cx="573233" cy="221673"/>
+          </a:xfrm>
+          <a:prstGeom prst="rect">
+            <a:avLst/>
+          </a:prstGeom>
+          <a:noFill/>
+          <a:ln w="31750">
+            <a:solidFill>
+              <a:srgbClr val="00B050"/>
+            </a:solidFill>
+          </a:ln>
+        </p:spPr>
+        <p:style>
+          <a:lnRef idx="2">
+            <a:schemeClr val="accent1">
+              <a:shade val="15000"/>
+            </a:schemeClr>
+          </a:lnRef>
+          <a:fillRef idx="1">
+            <a:schemeClr val="accent1"/>
+          </a:fillRef>
+          <a:effectRef idx="0">
+            <a:schemeClr val="accent1"/>
+          </a:effectRef>
+          <a:fontRef idx="minor">
+            <a:schemeClr val="lt1"/>
+          </a:fontRef>
+        </p:style>
+        <p:txBody>
+          <a:bodyPr rtlCol="0" anchor="ctr"/>
+          <a:lstStyle/>
+          <a:p>
+            <a:pPr algn="ctr"/>
+            <a:endParaRPr lang="en-US"/>
+          </a:p>
+        </p:txBody>
+      </p:sp>
+      <p:sp>
+        <p:nvSpPr>
+          <p:cNvPr id="13" name="Rectangle 12">
+            <a:extLst>
+              <a:ext uri="{FF2B5EF4-FFF2-40B4-BE49-F238E27FC236}">
+                <a16:creationId xmlns:a16="http://schemas.microsoft.com/office/drawing/2014/main" id="{2E3A37DF-5A93-FFCC-37D7-B54A68FB058B}"/>
+              </a:ext>
+            </a:extLst>
+          </p:cNvPr>
+          <p:cNvSpPr/>
+          <p:nvPr/>
+        </p:nvSpPr>
+        <p:spPr>
+          <a:xfrm>
+            <a:off x="8626186" y="678873"/>
+            <a:ext cx="1847849" cy="484909"/>
+          </a:xfrm>
+          <a:prstGeom prst="rect">
+            <a:avLst/>
+          </a:prstGeom>
+          <a:noFill/>
+          <a:ln w="31750">
+            <a:solidFill>
+              <a:srgbClr val="00B050"/>
+            </a:solidFill>
+          </a:ln>
+        </p:spPr>
+        <p:style>
+          <a:lnRef idx="2">
+            <a:schemeClr val="accent1">
+              <a:shade val="15000"/>
+            </a:schemeClr>
+          </a:lnRef>
+          <a:fillRef idx="1">
+            <a:schemeClr val="accent1"/>
+          </a:fillRef>
+          <a:effectRef idx="0">
+            <a:schemeClr val="accent1"/>
+          </a:effectRef>
+          <a:fontRef idx="minor">
+            <a:schemeClr val="lt1"/>
+          </a:fontRef>
+        </p:style>
+        <p:txBody>
+          <a:bodyPr rtlCol="0" anchor="ctr"/>
+          <a:lstStyle/>
+          <a:p>
+            <a:pPr algn="ctr"/>
+            <a:endParaRPr lang="en-US"/>
+          </a:p>
+        </p:txBody>
+      </p:sp>
+      <p:cxnSp>
+        <p:nvCxnSpPr>
+          <p:cNvPr id="15" name="Elbow Connector 14">
+            <a:extLst>
+              <a:ext uri="{FF2B5EF4-FFF2-40B4-BE49-F238E27FC236}">
+                <a16:creationId xmlns:a16="http://schemas.microsoft.com/office/drawing/2014/main" id="{0303F958-A2BC-4DB5-078B-9C54E449E865}"/>
+              </a:ext>
+            </a:extLst>
+          </p:cNvPr>
+          <p:cNvCxnSpPr>
+            <a:cxnSpLocks/>
+            <a:stCxn id="10" idx="3"/>
+            <a:endCxn id="11" idx="1"/>
+          </p:cNvCxnSpPr>
+          <p:nvPr/>
+        </p:nvCxnSpPr>
+        <p:spPr>
+          <a:xfrm flipV="1">
+            <a:off x="1839310" y="852055"/>
+            <a:ext cx="2713640" cy="561109"/>
+          </a:xfrm>
+          <a:prstGeom prst="bentConnector3">
+            <a:avLst/>
+          </a:prstGeom>
+          <a:ln w="31750">
+            <a:solidFill>
+              <a:srgbClr val="00B050"/>
+            </a:solidFill>
+            <a:tailEnd type="triangle"/>
+          </a:ln>
+        </p:spPr>
+        <p:style>
+          <a:lnRef idx="2">
+            <a:schemeClr val="accent1"/>
+          </a:lnRef>
+          <a:fillRef idx="0">
+            <a:schemeClr val="accent1"/>
+          </a:fillRef>
+          <a:effectRef idx="1">
+            <a:schemeClr val="accent1"/>
+          </a:effectRef>
+          <a:fontRef idx="minor">
+            <a:schemeClr val="tx1"/>
+          </a:fontRef>
+        </p:style>
+      </p:cxnSp>
+      <p:cxnSp>
+        <p:nvCxnSpPr>
+          <p:cNvPr id="19" name="Elbow Connector 18">
+            <a:extLst>
+              <a:ext uri="{FF2B5EF4-FFF2-40B4-BE49-F238E27FC236}">
+                <a16:creationId xmlns:a16="http://schemas.microsoft.com/office/drawing/2014/main" id="{686E6BED-2584-96BA-2AE2-26B61F804543}"/>
+              </a:ext>
+            </a:extLst>
+          </p:cNvPr>
+          <p:cNvCxnSpPr>
+            <a:cxnSpLocks/>
+          </p:cNvCxnSpPr>
+          <p:nvPr/>
+        </p:nvCxnSpPr>
+        <p:spPr>
+          <a:xfrm flipV="1">
+            <a:off x="5985164" y="401781"/>
+            <a:ext cx="5243827" cy="450273"/>
+          </a:xfrm>
+          <a:prstGeom prst="bentConnector3">
+            <a:avLst>
+              <a:gd name="adj1" fmla="val 41281"/>
+            </a:avLst>
+          </a:prstGeom>
+          <a:ln w="31750">
+            <a:solidFill>
+              <a:srgbClr val="00B050"/>
+            </a:solidFill>
+            <a:tailEnd type="triangle"/>
+          </a:ln>
+        </p:spPr>
+        <p:style>
+          <a:lnRef idx="2">
+            <a:schemeClr val="accent1"/>
+          </a:lnRef>
+          <a:fillRef idx="0">
+            <a:schemeClr val="accent1"/>
+          </a:fillRef>
+          <a:effectRef idx="1">
+            <a:schemeClr val="accent1"/>
+          </a:effectRef>
+          <a:fontRef idx="minor">
+            <a:schemeClr val="tx1"/>
+          </a:fontRef>
+        </p:style>
+      </p:cxnSp>
+      <p:cxnSp>
+        <p:nvCxnSpPr>
+          <p:cNvPr id="23" name="Elbow Connector 22">
+            <a:extLst>
+              <a:ext uri="{FF2B5EF4-FFF2-40B4-BE49-F238E27FC236}">
+                <a16:creationId xmlns:a16="http://schemas.microsoft.com/office/drawing/2014/main" id="{7CDC2BE1-4F84-F75E-B69D-460A274F605E}"/>
+              </a:ext>
+            </a:extLst>
+          </p:cNvPr>
+          <p:cNvCxnSpPr>
+            <a:cxnSpLocks/>
+            <a:stCxn id="12" idx="2"/>
+            <a:endCxn id="13" idx="2"/>
+          </p:cNvCxnSpPr>
+          <p:nvPr/>
+        </p:nvCxnSpPr>
+        <p:spPr>
+          <a:xfrm rot="5400000">
+            <a:off x="10203873" y="-141143"/>
+            <a:ext cx="651164" cy="1958687"/>
+          </a:xfrm>
+          <a:prstGeom prst="bentConnector3">
+            <a:avLst>
+              <a:gd name="adj1" fmla="val 158510"/>
+            </a:avLst>
+          </a:prstGeom>
+          <a:ln w="31750">
+            <a:solidFill>
+              <a:srgbClr val="00B050"/>
+            </a:solidFill>
+            <a:tailEnd type="triangle"/>
+          </a:ln>
+        </p:spPr>
+        <p:style>
+          <a:lnRef idx="2">
+            <a:schemeClr val="accent1"/>
+          </a:lnRef>
+          <a:fillRef idx="0">
+            <a:schemeClr val="accent1"/>
+          </a:fillRef>
+          <a:effectRef idx="1">
+            <a:schemeClr val="accent1"/>
+          </a:effectRef>
+          <a:fontRef idx="minor">
+            <a:schemeClr val="tx1"/>
+          </a:fontRef>
+        </p:style>
+      </p:cxnSp>
+    </p:spTree>
+    <p:extLst>
+      <p:ext uri="{BB962C8B-B14F-4D97-AF65-F5344CB8AC3E}">
+        <p14:creationId xmlns:p14="http://schemas.microsoft.com/office/powerpoint/2010/main" val="2574267132"/>
+      </p:ext>
+    </p:extLst>
+  </p:cSld>
+  <p:clrMapOvr>
+    <a:masterClrMapping/>
+  </p:clrMapOvr>
+</p:sld>
+</file>
+
+<file path=ppt/slides/slide18.xml><?xml version="1.0" encoding="utf-8"?>
+<p:sld xmlns:a="http://schemas.openxmlformats.org/drawingml/2006/main" xmlns:r="http://schemas.openxmlformats.org/officeDocument/2006/relationships" xmlns:p="http://schemas.openxmlformats.org/presentationml/2006/main">
+  <p:cSld>
+    <p:spTree>
+      <p:nvGrpSpPr>
+        <p:cNvPr id="1" name=""/>
+        <p:cNvGrpSpPr/>
+        <p:nvPr/>
+      </p:nvGrpSpPr>
+      <p:grpSpPr>
+        <a:xfrm>
+          <a:off x="0" y="0"/>
+          <a:ext cx="0" cy="0"/>
+          <a:chOff x="0" y="0"/>
+          <a:chExt cx="0" cy="0"/>
+        </a:xfrm>
+      </p:grpSpPr>
+      <p:pic>
+        <p:nvPicPr>
+          <p:cNvPr id="3" name="Picture 2" descr="A computer screen with white text&#10;&#10;Description automatically generated">
+            <a:extLst>
+              <a:ext uri="{FF2B5EF4-FFF2-40B4-BE49-F238E27FC236}">
+                <a16:creationId xmlns:a16="http://schemas.microsoft.com/office/drawing/2014/main" id="{D56C26E7-4856-F3C9-DCA9-E248506C93B3}"/>
+              </a:ext>
+            </a:extLst>
+          </p:cNvPr>
+          <p:cNvPicPr>
+            <a:picLocks noChangeAspect="1"/>
+          </p:cNvPicPr>
+          <p:nvPr/>
+        </p:nvPicPr>
+        <p:blipFill>
+          <a:blip r:embed="rId2"/>
+          <a:stretch>
+            <a:fillRect/>
+          </a:stretch>
+        </p:blipFill>
+        <p:spPr>
+          <a:xfrm>
+            <a:off x="647943" y="914180"/>
+            <a:ext cx="10896113" cy="5657174"/>
+          </a:xfrm>
+          <a:prstGeom prst="rect">
+            <a:avLst/>
+          </a:prstGeom>
+        </p:spPr>
+      </p:pic>
+      <p:sp>
+        <p:nvSpPr>
+          <p:cNvPr id="11" name="Rectangle 10">
+            <a:extLst>
+              <a:ext uri="{FF2B5EF4-FFF2-40B4-BE49-F238E27FC236}">
+                <a16:creationId xmlns:a16="http://schemas.microsoft.com/office/drawing/2014/main" id="{B91CFD4E-F7A2-E6B3-F645-273B5DD20005}"/>
+              </a:ext>
+            </a:extLst>
+          </p:cNvPr>
+          <p:cNvSpPr/>
+          <p:nvPr/>
+        </p:nvSpPr>
+        <p:spPr>
+          <a:xfrm>
+            <a:off x="668963" y="2504328"/>
+            <a:ext cx="5342954" cy="375506"/>
+          </a:xfrm>
+          <a:prstGeom prst="rect">
+            <a:avLst/>
+          </a:prstGeom>
+          <a:noFill/>
+          <a:ln w="31750">
+            <a:solidFill>
+              <a:srgbClr val="00B050"/>
+            </a:solidFill>
+          </a:ln>
+        </p:spPr>
+        <p:style>
+          <a:lnRef idx="2">
+            <a:schemeClr val="accent1">
+              <a:shade val="15000"/>
+            </a:schemeClr>
+          </a:lnRef>
+          <a:fillRef idx="1">
+            <a:schemeClr val="accent1"/>
+          </a:fillRef>
+          <a:effectRef idx="0">
+            <a:schemeClr val="accent1"/>
+          </a:effectRef>
+          <a:fontRef idx="minor">
+            <a:schemeClr val="lt1"/>
+          </a:fontRef>
+        </p:style>
+        <p:txBody>
+          <a:bodyPr rtlCol="0" anchor="ctr"/>
+          <a:lstStyle/>
+          <a:p>
+            <a:pPr algn="ctr"/>
+            <a:endParaRPr lang="en-US"/>
+          </a:p>
+        </p:txBody>
+      </p:sp>
+    </p:spTree>
+    <p:extLst>
+      <p:ext uri="{BB962C8B-B14F-4D97-AF65-F5344CB8AC3E}">
+        <p14:creationId xmlns:p14="http://schemas.microsoft.com/office/powerpoint/2010/main" val="1767079965"/>
       </p:ext>
     </p:extLst>
   </p:cSld>
@@ -8894,81 +11584,199 @@
           <a:chExt cx="0" cy="0"/>
         </a:xfrm>
       </p:grpSpPr>
-      <p:sp>
-        <p:nvSpPr>
-          <p:cNvPr id="2" name="TextBox 1">
-            <a:extLst>
-              <a:ext uri="{FF2B5EF4-FFF2-40B4-BE49-F238E27FC236}">
-                <a16:creationId xmlns:a16="http://schemas.microsoft.com/office/drawing/2014/main" id="{EF6874F3-7045-70A8-1F64-660B9B5BFFB9}"/>
-              </a:ext>
-            </a:extLst>
-          </p:cNvPr>
-          <p:cNvSpPr txBox="1"/>
-          <p:nvPr/>
-        </p:nvSpPr>
-        <p:spPr>
-          <a:xfrm>
-            <a:off x="1636949" y="184848"/>
-            <a:ext cx="9495087" cy="584775"/>
-          </a:xfrm>
-          <a:prstGeom prst="rect">
-            <a:avLst/>
-          </a:prstGeom>
-          <a:noFill/>
-        </p:spPr>
-        <p:txBody>
-          <a:bodyPr wrap="square" rtlCol="0">
-            <a:spAutoFit/>
-          </a:bodyPr>
-          <a:lstStyle/>
-          <a:p>
-            <a:pPr algn="ctr"/>
-            <a:r>
-              <a:rPr lang="en-US" sz="3200" b="1" dirty="0">
-                <a:latin typeface="Arial" panose="020B0604020202020204" pitchFamily="34" charset="0"/>
-                <a:cs typeface="Arial" panose="020B0604020202020204" pitchFamily="34" charset="0"/>
-              </a:rPr>
-              <a:t>Module Pin Assignment</a:t>
-            </a:r>
-          </a:p>
-        </p:txBody>
-      </p:sp>
       <p:pic>
         <p:nvPicPr>
-          <p:cNvPr id="3" name="Picture 2" descr="A black text on a white background&#10;&#10;Description automatically generated">
-            <a:extLst>
-              <a:ext uri="{FF2B5EF4-FFF2-40B4-BE49-F238E27FC236}">
-                <a16:creationId xmlns:a16="http://schemas.microsoft.com/office/drawing/2014/main" id="{F9CEA8E3-DBFA-F42F-8690-7924C2016DAE}"/>
+          <p:cNvPr id="2050" name="Picture 2" descr="Large, zoomable image of Microchip Technology EV96B94A Development Boards. 1 of 5">
+            <a:extLst>
+              <a:ext uri="{FF2B5EF4-FFF2-40B4-BE49-F238E27FC236}">
+                <a16:creationId xmlns:a16="http://schemas.microsoft.com/office/drawing/2014/main" id="{1FD04C83-D029-335D-E999-4C639CF7D128}"/>
               </a:ext>
             </a:extLst>
           </p:cNvPr>
           <p:cNvPicPr>
-            <a:picLocks noChangeAspect="1"/>
+            <a:picLocks noChangeAspect="1" noChangeArrowheads="1"/>
           </p:cNvPicPr>
           <p:nvPr/>
         </p:nvPicPr>
         <p:blipFill>
-          <a:blip r:embed="rId2"/>
+          <a:blip r:embed="rId2">
+            <a:extLst>
+              <a:ext uri="{28A0092B-C50C-407E-A947-70E740481C1C}">
+                <a14:useLocalDpi xmlns:a14="http://schemas.microsoft.com/office/drawing/2010/main" val="0"/>
+              </a:ext>
+            </a:extLst>
+          </a:blip>
+          <a:srcRect/>
           <a:stretch>
             <a:fillRect/>
           </a:stretch>
         </p:blipFill>
-        <p:spPr>
-          <a:xfrm>
-            <a:off x="9574022" y="6138164"/>
-            <a:ext cx="2578100" cy="698500"/>
+        <p:spPr bwMode="auto">
+          <a:xfrm rot="5400000">
+            <a:off x="2899987" y="2421513"/>
+            <a:ext cx="5873727" cy="2956574"/>
           </a:xfrm>
           <a:prstGeom prst="rect">
             <a:avLst/>
           </a:prstGeom>
+          <a:noFill/>
+          <a:extLst>
+            <a:ext uri="{909E8E84-426E-40DD-AFC4-6F175D3DCCD1}">
+              <a14:hiddenFill xmlns:a14="http://schemas.microsoft.com/office/drawing/2010/main">
+                <a:solidFill>
+                  <a:srgbClr val="FFFFFF"/>
+                </a:solidFill>
+              </a14:hiddenFill>
+            </a:ext>
+          </a:extLst>
         </p:spPr>
       </p:pic>
+      <p:sp>
+        <p:nvSpPr>
+          <p:cNvPr id="3" name="TextBox 2">
+            <a:extLst>
+              <a:ext uri="{FF2B5EF4-FFF2-40B4-BE49-F238E27FC236}">
+                <a16:creationId xmlns:a16="http://schemas.microsoft.com/office/drawing/2014/main" id="{AA98A3E9-DEE6-4656-DB43-707C7EF994A2}"/>
+              </a:ext>
+            </a:extLst>
+          </p:cNvPr>
+          <p:cNvSpPr txBox="1"/>
+          <p:nvPr/>
+        </p:nvSpPr>
+        <p:spPr>
+          <a:xfrm>
+            <a:off x="1469241" y="65546"/>
+            <a:ext cx="9902953" cy="523220"/>
+          </a:xfrm>
+          <a:prstGeom prst="rect">
+            <a:avLst/>
+          </a:prstGeom>
+          <a:noFill/>
+        </p:spPr>
+        <p:txBody>
+          <a:bodyPr wrap="square" rtlCol="0">
+            <a:spAutoFit/>
+          </a:bodyPr>
+          <a:lstStyle/>
+          <a:p>
+            <a:pPr algn="ctr"/>
+            <a:r>
+              <a:rPr lang="en-US" sz="2800" b="1" dirty="0">
+                <a:latin typeface="Arial" panose="020B0604020202020204" pitchFamily="34" charset="0"/>
+                <a:cs typeface="Arial" panose="020B0604020202020204" pitchFamily="34" charset="0"/>
+              </a:rPr>
+              <a:t>WBZ451 Curiosity Development Board : RESET Button</a:t>
+            </a:r>
+          </a:p>
+        </p:txBody>
+      </p:sp>
+      <p:sp>
+        <p:nvSpPr>
+          <p:cNvPr id="2" name="Oval 1">
+            <a:extLst>
+              <a:ext uri="{FF2B5EF4-FFF2-40B4-BE49-F238E27FC236}">
+                <a16:creationId xmlns:a16="http://schemas.microsoft.com/office/drawing/2014/main" id="{2522E36E-9BCC-6E33-8E26-99F15B457055}"/>
+              </a:ext>
+            </a:extLst>
+          </p:cNvPr>
+          <p:cNvSpPr/>
+          <p:nvPr/>
+        </p:nvSpPr>
+        <p:spPr>
+          <a:xfrm>
+            <a:off x="5344243" y="2966348"/>
+            <a:ext cx="630621" cy="633248"/>
+          </a:xfrm>
+          <a:prstGeom prst="ellipse">
+            <a:avLst/>
+          </a:prstGeom>
+          <a:noFill/>
+          <a:ln w="31750">
+            <a:solidFill>
+              <a:srgbClr val="FFFF00"/>
+            </a:solidFill>
+          </a:ln>
+        </p:spPr>
+        <p:style>
+          <a:lnRef idx="2">
+            <a:schemeClr val="accent1">
+              <a:shade val="15000"/>
+            </a:schemeClr>
+          </a:lnRef>
+          <a:fillRef idx="1">
+            <a:schemeClr val="accent1"/>
+          </a:fillRef>
+          <a:effectRef idx="0">
+            <a:schemeClr val="accent1"/>
+          </a:effectRef>
+          <a:fontRef idx="minor">
+            <a:schemeClr val="lt1"/>
+          </a:fontRef>
+        </p:style>
+        <p:txBody>
+          <a:bodyPr rtlCol="0" anchor="ctr"/>
+          <a:lstStyle/>
+          <a:p>
+            <a:pPr algn="ctr"/>
+            <a:endParaRPr lang="en-US"/>
+          </a:p>
+        </p:txBody>
+      </p:sp>
+      <p:sp>
+        <p:nvSpPr>
+          <p:cNvPr id="4" name="Left Arrow 3">
+            <a:extLst>
+              <a:ext uri="{FF2B5EF4-FFF2-40B4-BE49-F238E27FC236}">
+                <a16:creationId xmlns:a16="http://schemas.microsoft.com/office/drawing/2014/main" id="{CEE6EEE0-E5FD-02D1-C342-8CDDAF21CD61}"/>
+              </a:ext>
+            </a:extLst>
+          </p:cNvPr>
+          <p:cNvSpPr/>
+          <p:nvPr/>
+        </p:nvSpPr>
+        <p:spPr>
+          <a:xfrm>
+            <a:off x="5974864" y="2857960"/>
+            <a:ext cx="2166648" cy="850024"/>
+          </a:xfrm>
+          <a:prstGeom prst="leftArrow">
+            <a:avLst/>
+          </a:prstGeom>
+        </p:spPr>
+        <p:style>
+          <a:lnRef idx="2">
+            <a:schemeClr val="accent1">
+              <a:shade val="15000"/>
+            </a:schemeClr>
+          </a:lnRef>
+          <a:fillRef idx="1">
+            <a:schemeClr val="accent1"/>
+          </a:fillRef>
+          <a:effectRef idx="0">
+            <a:schemeClr val="accent1"/>
+          </a:effectRef>
+          <a:fontRef idx="minor">
+            <a:schemeClr val="lt1"/>
+          </a:fontRef>
+        </p:style>
+        <p:txBody>
+          <a:bodyPr rtlCol="0" anchor="ctr"/>
+          <a:lstStyle/>
+          <a:p>
+            <a:pPr algn="ctr"/>
+            <a:r>
+              <a:rPr lang="en-US" dirty="0"/>
+              <a:t>RESET BUTTON</a:t>
+            </a:r>
+          </a:p>
+        </p:txBody>
+      </p:sp>
       <p:pic>
         <p:nvPicPr>
-          <p:cNvPr id="8" name="Picture 7" descr="A computer screen shot of a computer&#10;&#10;Description automatically generated">
-            <a:extLst>
-              <a:ext uri="{FF2B5EF4-FFF2-40B4-BE49-F238E27FC236}">
-                <a16:creationId xmlns:a16="http://schemas.microsoft.com/office/drawing/2014/main" id="{9B03CCDA-6ED7-98BD-6283-3B9C3D9163CA}"/>
+          <p:cNvPr id="39" name="Picture 38" descr="A black text on a white background&#10;&#10;Description automatically generated">
+            <a:extLst>
+              <a:ext uri="{FF2B5EF4-FFF2-40B4-BE49-F238E27FC236}">
+                <a16:creationId xmlns:a16="http://schemas.microsoft.com/office/drawing/2014/main" id="{DE5A97EA-A4AD-BCBF-5005-CA3443F08E74}"/>
               </a:ext>
             </a:extLst>
           </p:cNvPr>
@@ -8985,8 +11793,8 @@
         </p:blipFill>
         <p:spPr>
           <a:xfrm>
-            <a:off x="1298247" y="769623"/>
-            <a:ext cx="8099346" cy="5785247"/>
+            <a:off x="9574022" y="6138164"/>
+            <a:ext cx="2578100" cy="698500"/>
           </a:xfrm>
           <a:prstGeom prst="rect">
             <a:avLst/>
@@ -8996,7 +11804,7 @@
     </p:spTree>
     <p:extLst>
       <p:ext uri="{BB962C8B-B14F-4D97-AF65-F5344CB8AC3E}">
-        <p14:creationId xmlns:p14="http://schemas.microsoft.com/office/powerpoint/2010/main" val="843843061"/>
+        <p14:creationId xmlns:p14="http://schemas.microsoft.com/office/powerpoint/2010/main" val="2708747586"/>
       </p:ext>
     </p:extLst>
   </p:cSld>
@@ -9023,12 +11831,59 @@
           <a:chExt cx="0" cy="0"/>
         </a:xfrm>
       </p:grpSpPr>
-      <p:sp>
-        <p:nvSpPr>
-          <p:cNvPr id="2" name="TextBox 1">
-            <a:extLst>
-              <a:ext uri="{FF2B5EF4-FFF2-40B4-BE49-F238E27FC236}">
-                <a16:creationId xmlns:a16="http://schemas.microsoft.com/office/drawing/2014/main" id="{EF6874F3-7045-70A8-1F64-660B9B5BFFB9}"/>
+      <p:pic>
+        <p:nvPicPr>
+          <p:cNvPr id="2050" name="Picture 2" descr="Large, zoomable image of Microchip Technology EV96B94A Development Boards. 1 of 5">
+            <a:extLst>
+              <a:ext uri="{FF2B5EF4-FFF2-40B4-BE49-F238E27FC236}">
+                <a16:creationId xmlns:a16="http://schemas.microsoft.com/office/drawing/2014/main" id="{1FD04C83-D029-335D-E999-4C639CF7D128}"/>
+              </a:ext>
+            </a:extLst>
+          </p:cNvPr>
+          <p:cNvPicPr>
+            <a:picLocks noChangeAspect="1" noChangeArrowheads="1"/>
+          </p:cNvPicPr>
+          <p:nvPr/>
+        </p:nvPicPr>
+        <p:blipFill>
+          <a:blip r:embed="rId2">
+            <a:extLst>
+              <a:ext uri="{28A0092B-C50C-407E-A947-70E740481C1C}">
+                <a14:useLocalDpi xmlns:a14="http://schemas.microsoft.com/office/drawing/2010/main" val="0"/>
+              </a:ext>
+            </a:extLst>
+          </a:blip>
+          <a:srcRect/>
+          <a:stretch>
+            <a:fillRect/>
+          </a:stretch>
+        </p:blipFill>
+        <p:spPr bwMode="auto">
+          <a:xfrm rot="5400000">
+            <a:off x="-999081" y="2377302"/>
+            <a:ext cx="5873727" cy="2956574"/>
+          </a:xfrm>
+          <a:prstGeom prst="rect">
+            <a:avLst/>
+          </a:prstGeom>
+          <a:noFill/>
+          <a:extLst>
+            <a:ext uri="{909E8E84-426E-40DD-AFC4-6F175D3DCCD1}">
+              <a14:hiddenFill xmlns:a14="http://schemas.microsoft.com/office/drawing/2010/main">
+                <a:solidFill>
+                  <a:srgbClr val="FFFFFF"/>
+                </a:solidFill>
+              </a14:hiddenFill>
+            </a:ext>
+          </a:extLst>
+        </p:spPr>
+      </p:pic>
+      <p:sp>
+        <p:nvSpPr>
+          <p:cNvPr id="3" name="TextBox 2">
+            <a:extLst>
+              <a:ext uri="{FF2B5EF4-FFF2-40B4-BE49-F238E27FC236}">
+                <a16:creationId xmlns:a16="http://schemas.microsoft.com/office/drawing/2014/main" id="{AA98A3E9-DEE6-4656-DB43-707C7EF994A2}"/>
               </a:ext>
             </a:extLst>
           </p:cNvPr>
@@ -9037,8 +11892,8 @@
         </p:nvSpPr>
         <p:spPr>
           <a:xfrm>
-            <a:off x="1636949" y="184848"/>
-            <a:ext cx="9495087" cy="584775"/>
+            <a:off x="1469241" y="65546"/>
+            <a:ext cx="9902953" cy="584775"/>
           </a:xfrm>
           <a:prstGeom prst="rect">
             <a:avLst/>
@@ -9057,132 +11912,280 @@
                 <a:latin typeface="Arial" panose="020B0604020202020204" pitchFamily="34" charset="0"/>
                 <a:cs typeface="Arial" panose="020B0604020202020204" pitchFamily="34" charset="0"/>
               </a:rPr>
-              <a:t>Software Development Tools</a:t>
-            </a:r>
-          </a:p>
-        </p:txBody>
-      </p:sp>
-      <p:sp>
-        <p:nvSpPr>
-          <p:cNvPr id="4" name="TextBox 3">
-            <a:extLst>
-              <a:ext uri="{FF2B5EF4-FFF2-40B4-BE49-F238E27FC236}">
-                <a16:creationId xmlns:a16="http://schemas.microsoft.com/office/drawing/2014/main" id="{59283A62-0A20-08C9-E3ED-FBC140B2DD10}"/>
-              </a:ext>
-            </a:extLst>
-          </p:cNvPr>
-          <p:cNvSpPr txBox="1"/>
-          <p:nvPr/>
-        </p:nvSpPr>
-        <p:spPr>
-          <a:xfrm>
-            <a:off x="914400" y="1319134"/>
-            <a:ext cx="9983449" cy="4462760"/>
-          </a:xfrm>
-          <a:prstGeom prst="rect">
+              <a:t>WBZ451 Curiosity Development Board : RGB LED</a:t>
+            </a:r>
+          </a:p>
+        </p:txBody>
+      </p:sp>
+      <p:sp>
+        <p:nvSpPr>
+          <p:cNvPr id="2" name="Oval 1">
+            <a:extLst>
+              <a:ext uri="{FF2B5EF4-FFF2-40B4-BE49-F238E27FC236}">
+                <a16:creationId xmlns:a16="http://schemas.microsoft.com/office/drawing/2014/main" id="{2522E36E-9BCC-6E33-8E26-99F15B457055}"/>
+              </a:ext>
+            </a:extLst>
+          </p:cNvPr>
+          <p:cNvSpPr/>
+          <p:nvPr/>
+        </p:nvSpPr>
+        <p:spPr>
+          <a:xfrm>
+            <a:off x="2351658" y="2688639"/>
+            <a:ext cx="630621" cy="633248"/>
+          </a:xfrm>
+          <a:prstGeom prst="ellipse">
             <a:avLst/>
           </a:prstGeom>
           <a:noFill/>
-        </p:spPr>
-        <p:txBody>
-          <a:bodyPr wrap="square" rtlCol="0">
-            <a:spAutoFit/>
-          </a:bodyPr>
-          <a:lstStyle/>
-          <a:p>
-            <a:r>
-              <a:rPr lang="en-US" sz="2400" dirty="0"/>
-              <a:t>1. MPLAB X IDE</a:t>
-            </a:r>
-          </a:p>
-          <a:p>
-            <a:endParaRPr lang="en-US" dirty="0">
-              <a:hlinkClick r:id="rId2"/>
-            </a:endParaRPr>
-          </a:p>
-          <a:p>
-            <a:r>
-              <a:rPr lang="en-US" sz="2000" dirty="0">
-                <a:hlinkClick r:id="rId2"/>
-              </a:rPr>
-              <a:t>https://www.microchip.com/en-us/tools-resources/develop/mplab-x-ide#tabs</a:t>
-            </a:r>
-            <a:endParaRPr lang="en-US" sz="2000" dirty="0"/>
-          </a:p>
-          <a:p>
-            <a:endParaRPr lang="en-US" dirty="0"/>
-          </a:p>
-          <a:p>
-            <a:r>
-              <a:rPr lang="en-US" sz="2400" dirty="0"/>
-              <a:t>2. XC32 Compiler</a:t>
-            </a:r>
-          </a:p>
-          <a:p>
-            <a:endParaRPr lang="en-US" dirty="0">
-              <a:hlinkClick r:id="rId3"/>
-            </a:endParaRPr>
-          </a:p>
-          <a:p>
-            <a:r>
-              <a:rPr lang="en-US" sz="2000" dirty="0">
-                <a:hlinkClick r:id="rId3"/>
-              </a:rPr>
-              <a:t>https://www.microchip.com/en-us/tools-resources/develop/mplab-xc-compilers/xc32</a:t>
-            </a:r>
-            <a:endParaRPr lang="en-US" sz="2000" dirty="0"/>
-          </a:p>
-          <a:p>
-            <a:endParaRPr lang="en-US" sz="2000" dirty="0"/>
-          </a:p>
-          <a:p>
-            <a:r>
-              <a:rPr lang="en-US" sz="2400" dirty="0"/>
-              <a:t>3. Microchip Bluetooth Data (MBD) Smartphone App</a:t>
-            </a:r>
-          </a:p>
-          <a:p>
-            <a:endParaRPr lang="en-US" sz="2000" dirty="0">
-              <a:hlinkClick r:id="rId3"/>
-            </a:endParaRPr>
-          </a:p>
-          <a:p>
-            <a:r>
-              <a:rPr lang="en-US" sz="2000" dirty="0">
-                <a:hlinkClick r:id="rId4"/>
-              </a:rPr>
-              <a:t>https://play.google.com/store/apps/details?id=com.microchip.bluetooth.data&amp;hl=en_US&amp;pli=1</a:t>
-            </a:r>
-            <a:endParaRPr lang="en-US" sz="2000" dirty="0"/>
-          </a:p>
-          <a:p>
-            <a:endParaRPr lang="en-US" sz="2000" dirty="0"/>
-          </a:p>
-          <a:p>
-            <a:endParaRPr lang="en-US" dirty="0"/>
+          <a:ln w="31750">
+            <a:solidFill>
+              <a:srgbClr val="FFFF00"/>
+            </a:solidFill>
+          </a:ln>
+        </p:spPr>
+        <p:style>
+          <a:lnRef idx="2">
+            <a:schemeClr val="accent1">
+              <a:shade val="15000"/>
+            </a:schemeClr>
+          </a:lnRef>
+          <a:fillRef idx="1">
+            <a:schemeClr val="accent1"/>
+          </a:fillRef>
+          <a:effectRef idx="0">
+            <a:schemeClr val="accent1"/>
+          </a:effectRef>
+          <a:fontRef idx="minor">
+            <a:schemeClr val="lt1"/>
+          </a:fontRef>
+        </p:style>
+        <p:txBody>
+          <a:bodyPr rtlCol="0" anchor="ctr"/>
+          <a:lstStyle/>
+          <a:p>
+            <a:pPr algn="ctr"/>
+            <a:endParaRPr lang="en-US"/>
+          </a:p>
+        </p:txBody>
+      </p:sp>
+      <p:sp>
+        <p:nvSpPr>
+          <p:cNvPr id="4" name="Left Arrow 3">
+            <a:extLst>
+              <a:ext uri="{FF2B5EF4-FFF2-40B4-BE49-F238E27FC236}">
+                <a16:creationId xmlns:a16="http://schemas.microsoft.com/office/drawing/2014/main" id="{CEE6EEE0-E5FD-02D1-C342-8CDDAF21CD61}"/>
+              </a:ext>
+            </a:extLst>
+          </p:cNvPr>
+          <p:cNvSpPr/>
+          <p:nvPr/>
+        </p:nvSpPr>
+        <p:spPr>
+          <a:xfrm>
+            <a:off x="2996134" y="2688639"/>
+            <a:ext cx="1457116" cy="633248"/>
+          </a:xfrm>
+          <a:prstGeom prst="leftArrow">
+            <a:avLst/>
+          </a:prstGeom>
+        </p:spPr>
+        <p:style>
+          <a:lnRef idx="2">
+            <a:schemeClr val="accent1">
+              <a:shade val="15000"/>
+            </a:schemeClr>
+          </a:lnRef>
+          <a:fillRef idx="1">
+            <a:schemeClr val="accent1"/>
+          </a:fillRef>
+          <a:effectRef idx="0">
+            <a:schemeClr val="accent1"/>
+          </a:effectRef>
+          <a:fontRef idx="minor">
+            <a:schemeClr val="lt1"/>
+          </a:fontRef>
+        </p:style>
+        <p:txBody>
+          <a:bodyPr rtlCol="0" anchor="ctr"/>
+          <a:lstStyle/>
+          <a:p>
+            <a:pPr algn="ctr"/>
+            <a:r>
+              <a:rPr lang="en-US" dirty="0"/>
+              <a:t>RGB LED</a:t>
+            </a:r>
           </a:p>
         </p:txBody>
       </p:sp>
       <p:pic>
         <p:nvPicPr>
-          <p:cNvPr id="3" name="Picture 2" descr="A black text on a white background&#10;&#10;Description automatically generated">
-            <a:extLst>
-              <a:ext uri="{FF2B5EF4-FFF2-40B4-BE49-F238E27FC236}">
-                <a16:creationId xmlns:a16="http://schemas.microsoft.com/office/drawing/2014/main" id="{F9CEA8E3-DBFA-F42F-8690-7924C2016DAE}"/>
+          <p:cNvPr id="33" name="Picture 2" descr="Large, zoomable image of Microchip Technology EV96B94A Development Boards. 1 of 5">
+            <a:extLst>
+              <a:ext uri="{FF2B5EF4-FFF2-40B4-BE49-F238E27FC236}">
+                <a16:creationId xmlns:a16="http://schemas.microsoft.com/office/drawing/2014/main" id="{563CCAAD-44A7-2418-A422-4DC3EAAD0301}"/>
               </a:ext>
             </a:extLst>
           </p:cNvPr>
           <p:cNvPicPr>
-            <a:picLocks noChangeAspect="1"/>
+            <a:picLocks noChangeAspect="1" noChangeArrowheads="1"/>
           </p:cNvPicPr>
           <p:nvPr/>
         </p:nvPicPr>
         <p:blipFill>
-          <a:blip r:embed="rId5"/>
+          <a:blip r:embed="rId2">
+            <a:extLst>
+              <a:ext uri="{28A0092B-C50C-407E-A947-70E740481C1C}">
+                <a14:useLocalDpi xmlns:a14="http://schemas.microsoft.com/office/drawing/2010/main" val="0"/>
+              </a:ext>
+            </a:extLst>
+          </a:blip>
+          <a:srcRect/>
           <a:stretch>
             <a:fillRect/>
           </a:stretch>
         </p:blipFill>
+        <p:spPr bwMode="auto">
+          <a:xfrm rot="5400000">
+            <a:off x="4801886" y="2377303"/>
+            <a:ext cx="5873727" cy="2956574"/>
+          </a:xfrm>
+          <a:prstGeom prst="rect">
+            <a:avLst/>
+          </a:prstGeom>
+          <a:noFill/>
+          <a:extLst>
+            <a:ext uri="{909E8E84-426E-40DD-AFC4-6F175D3DCCD1}">
+              <a14:hiddenFill xmlns:a14="http://schemas.microsoft.com/office/drawing/2010/main">
+                <a:solidFill>
+                  <a:srgbClr val="FFFFFF"/>
+                </a:solidFill>
+              </a14:hiddenFill>
+            </a:ext>
+          </a:extLst>
+        </p:spPr>
+      </p:pic>
+      <p:sp>
+        <p:nvSpPr>
+          <p:cNvPr id="35" name="Oval 34">
+            <a:extLst>
+              <a:ext uri="{FF2B5EF4-FFF2-40B4-BE49-F238E27FC236}">
+                <a16:creationId xmlns:a16="http://schemas.microsoft.com/office/drawing/2014/main" id="{F773AAAE-11AD-2C16-4532-EAFEF0D46739}"/>
+              </a:ext>
+            </a:extLst>
+          </p:cNvPr>
+          <p:cNvSpPr/>
+          <p:nvPr/>
+        </p:nvSpPr>
+        <p:spPr>
+          <a:xfrm>
+            <a:off x="8152625" y="2688640"/>
+            <a:ext cx="630621" cy="633248"/>
+          </a:xfrm>
+          <a:prstGeom prst="ellipse">
+            <a:avLst/>
+          </a:prstGeom>
+          <a:noFill/>
+          <a:ln w="31750">
+            <a:solidFill>
+              <a:srgbClr val="FFFF00"/>
+            </a:solidFill>
+          </a:ln>
+        </p:spPr>
+        <p:style>
+          <a:lnRef idx="2">
+            <a:schemeClr val="accent1">
+              <a:shade val="15000"/>
+            </a:schemeClr>
+          </a:lnRef>
+          <a:fillRef idx="1">
+            <a:schemeClr val="accent1"/>
+          </a:fillRef>
+          <a:effectRef idx="0">
+            <a:schemeClr val="accent1"/>
+          </a:effectRef>
+          <a:fontRef idx="minor">
+            <a:schemeClr val="lt1"/>
+          </a:fontRef>
+        </p:style>
+        <p:txBody>
+          <a:bodyPr rtlCol="0" anchor="ctr"/>
+          <a:lstStyle/>
+          <a:p>
+            <a:pPr algn="ctr"/>
+            <a:endParaRPr lang="en-US"/>
+          </a:p>
+        </p:txBody>
+      </p:sp>
+      <p:sp>
+        <p:nvSpPr>
+          <p:cNvPr id="37" name="Left Arrow 36">
+            <a:extLst>
+              <a:ext uri="{FF2B5EF4-FFF2-40B4-BE49-F238E27FC236}">
+                <a16:creationId xmlns:a16="http://schemas.microsoft.com/office/drawing/2014/main" id="{BCF47100-0DCF-C0AD-8131-7F485D5224D7}"/>
+              </a:ext>
+            </a:extLst>
+          </p:cNvPr>
+          <p:cNvSpPr/>
+          <p:nvPr/>
+        </p:nvSpPr>
+        <p:spPr>
+          <a:xfrm>
+            <a:off x="8797101" y="2688640"/>
+            <a:ext cx="1457116" cy="633248"/>
+          </a:xfrm>
+          <a:prstGeom prst="leftArrow">
+            <a:avLst/>
+          </a:prstGeom>
+        </p:spPr>
+        <p:style>
+          <a:lnRef idx="2">
+            <a:schemeClr val="accent1">
+              <a:shade val="15000"/>
+            </a:schemeClr>
+          </a:lnRef>
+          <a:fillRef idx="1">
+            <a:schemeClr val="accent1"/>
+          </a:fillRef>
+          <a:effectRef idx="0">
+            <a:schemeClr val="accent1"/>
+          </a:effectRef>
+          <a:fontRef idx="minor">
+            <a:schemeClr val="lt1"/>
+          </a:fontRef>
+        </p:style>
+        <p:txBody>
+          <a:bodyPr rtlCol="0" anchor="ctr"/>
+          <a:lstStyle/>
+          <a:p>
+            <a:pPr algn="ctr"/>
+            <a:r>
+              <a:rPr lang="en-US" dirty="0"/>
+              <a:t>RGB LED</a:t>
+            </a:r>
+          </a:p>
+        </p:txBody>
+      </p:sp>
+      <p:pic>
+        <p:nvPicPr>
+          <p:cNvPr id="39" name="Picture 38" descr="A black text on a white background&#10;&#10;Description automatically generated">
+            <a:extLst>
+              <a:ext uri="{FF2B5EF4-FFF2-40B4-BE49-F238E27FC236}">
+                <a16:creationId xmlns:a16="http://schemas.microsoft.com/office/drawing/2014/main" id="{DE5A97EA-A4AD-BCBF-5005-CA3443F08E74}"/>
+              </a:ext>
+            </a:extLst>
+          </p:cNvPr>
+          <p:cNvPicPr>
+            <a:picLocks noChangeAspect="1"/>
+          </p:cNvPicPr>
+          <p:nvPr/>
+        </p:nvPicPr>
+        <p:blipFill>
+          <a:blip r:embed="rId3"/>
+          <a:stretch>
+            <a:fillRect/>
+          </a:stretch>
+        </p:blipFill>
         <p:spPr>
           <a:xfrm>
             <a:off x="9574022" y="6138164"/>
@@ -9193,10 +12196,220 @@
           </a:prstGeom>
         </p:spPr>
       </p:pic>
+      <p:sp>
+        <p:nvSpPr>
+          <p:cNvPr id="40" name="Oval 39">
+            <a:extLst>
+              <a:ext uri="{FF2B5EF4-FFF2-40B4-BE49-F238E27FC236}">
+                <a16:creationId xmlns:a16="http://schemas.microsoft.com/office/drawing/2014/main" id="{AF88DF78-F9FC-8990-5A77-08340232611A}"/>
+              </a:ext>
+            </a:extLst>
+          </p:cNvPr>
+          <p:cNvSpPr/>
+          <p:nvPr/>
+        </p:nvSpPr>
+        <p:spPr>
+          <a:xfrm>
+            <a:off x="2559844" y="2881958"/>
+            <a:ext cx="228600" cy="228600"/>
+          </a:xfrm>
+          <a:prstGeom prst="ellipse">
+            <a:avLst/>
+          </a:prstGeom>
+          <a:solidFill>
+            <a:schemeClr val="accent1">
+              <a:lumMod val="60000"/>
+              <a:lumOff val="40000"/>
+            </a:schemeClr>
+          </a:solidFill>
+          <a:ln w="31750">
+            <a:noFill/>
+          </a:ln>
+        </p:spPr>
+        <p:style>
+          <a:lnRef idx="2">
+            <a:schemeClr val="accent1">
+              <a:shade val="15000"/>
+            </a:schemeClr>
+          </a:lnRef>
+          <a:fillRef idx="1">
+            <a:schemeClr val="accent1"/>
+          </a:fillRef>
+          <a:effectRef idx="0">
+            <a:schemeClr val="accent1"/>
+          </a:effectRef>
+          <a:fontRef idx="minor">
+            <a:schemeClr val="lt1"/>
+          </a:fontRef>
+        </p:style>
+        <p:txBody>
+          <a:bodyPr rtlCol="0" anchor="ctr"/>
+          <a:lstStyle/>
+          <a:p>
+            <a:pPr algn="ctr"/>
+            <a:endParaRPr lang="en-US"/>
+          </a:p>
+        </p:txBody>
+      </p:sp>
+      <p:sp>
+        <p:nvSpPr>
+          <p:cNvPr id="42" name="Oval 41">
+            <a:extLst>
+              <a:ext uri="{FF2B5EF4-FFF2-40B4-BE49-F238E27FC236}">
+                <a16:creationId xmlns:a16="http://schemas.microsoft.com/office/drawing/2014/main" id="{4F0040D8-201F-80C6-CF86-33B5CC5D2801}"/>
+              </a:ext>
+            </a:extLst>
+          </p:cNvPr>
+          <p:cNvSpPr/>
+          <p:nvPr/>
+        </p:nvSpPr>
+        <p:spPr>
+          <a:xfrm>
+            <a:off x="8367490" y="2904819"/>
+            <a:ext cx="228600" cy="228600"/>
+          </a:xfrm>
+          <a:prstGeom prst="ellipse">
+            <a:avLst/>
+          </a:prstGeom>
+          <a:solidFill>
+            <a:schemeClr val="accent3">
+              <a:lumMod val="60000"/>
+              <a:lumOff val="40000"/>
+            </a:schemeClr>
+          </a:solidFill>
+          <a:ln w="31750">
+            <a:noFill/>
+          </a:ln>
+        </p:spPr>
+        <p:style>
+          <a:lnRef idx="2">
+            <a:schemeClr val="accent1">
+              <a:shade val="15000"/>
+            </a:schemeClr>
+          </a:lnRef>
+          <a:fillRef idx="1">
+            <a:schemeClr val="accent1"/>
+          </a:fillRef>
+          <a:effectRef idx="0">
+            <a:schemeClr val="accent1"/>
+          </a:effectRef>
+          <a:fontRef idx="minor">
+            <a:schemeClr val="lt1"/>
+          </a:fontRef>
+        </p:style>
+        <p:txBody>
+          <a:bodyPr rtlCol="0" anchor="ctr"/>
+          <a:lstStyle/>
+          <a:p>
+            <a:pPr algn="ctr"/>
+            <a:endParaRPr lang="en-US"/>
+          </a:p>
+        </p:txBody>
+      </p:sp>
+      <p:sp>
+        <p:nvSpPr>
+          <p:cNvPr id="5" name="TextBox 4">
+            <a:extLst>
+              <a:ext uri="{FF2B5EF4-FFF2-40B4-BE49-F238E27FC236}">
+                <a16:creationId xmlns:a16="http://schemas.microsoft.com/office/drawing/2014/main" id="{151635D9-424C-5421-F33D-9FF2A109D91B}"/>
+              </a:ext>
+            </a:extLst>
+          </p:cNvPr>
+          <p:cNvSpPr txBox="1"/>
+          <p:nvPr/>
+        </p:nvSpPr>
+        <p:spPr>
+          <a:xfrm>
+            <a:off x="4538859" y="2688639"/>
+            <a:ext cx="1692245" cy="1477328"/>
+          </a:xfrm>
+          <a:prstGeom prst="rect">
+            <a:avLst/>
+          </a:prstGeom>
+          <a:noFill/>
+        </p:spPr>
+        <p:txBody>
+          <a:bodyPr wrap="square" rtlCol="0">
+            <a:spAutoFit/>
+          </a:bodyPr>
+          <a:lstStyle/>
+          <a:p>
+            <a:r>
+              <a:rPr lang="en-US" dirty="0"/>
+              <a:t>Pulses </a:t>
+            </a:r>
+            <a:r>
+              <a:rPr lang="en-US" b="1" dirty="0">
+                <a:solidFill>
+                  <a:schemeClr val="accent1">
+                    <a:lumMod val="60000"/>
+                    <a:lumOff val="40000"/>
+                  </a:schemeClr>
+                </a:solidFill>
+              </a:rPr>
+              <a:t>blue</a:t>
+            </a:r>
+            <a:r>
+              <a:rPr lang="en-US" dirty="0"/>
+              <a:t> whenever CAN message is received from CAN controller</a:t>
+            </a:r>
+          </a:p>
+        </p:txBody>
+      </p:sp>
+      <p:sp>
+        <p:nvSpPr>
+          <p:cNvPr id="6" name="TextBox 5">
+            <a:extLst>
+              <a:ext uri="{FF2B5EF4-FFF2-40B4-BE49-F238E27FC236}">
+                <a16:creationId xmlns:a16="http://schemas.microsoft.com/office/drawing/2014/main" id="{C66F3AEE-8BC2-7180-E308-841D6FAFA542}"/>
+              </a:ext>
+            </a:extLst>
+          </p:cNvPr>
+          <p:cNvSpPr txBox="1"/>
+          <p:nvPr/>
+        </p:nvSpPr>
+        <p:spPr>
+          <a:xfrm>
+            <a:off x="10283575" y="2732850"/>
+            <a:ext cx="1635156" cy="1200329"/>
+          </a:xfrm>
+          <a:prstGeom prst="rect">
+            <a:avLst/>
+          </a:prstGeom>
+          <a:noFill/>
+        </p:spPr>
+        <p:txBody>
+          <a:bodyPr wrap="square" rtlCol="0">
+            <a:spAutoFit/>
+          </a:bodyPr>
+          <a:lstStyle/>
+          <a:p>
+            <a:r>
+              <a:rPr lang="en-US" dirty="0"/>
+              <a:t>Pulses </a:t>
+            </a:r>
+            <a:r>
+              <a:rPr lang="en-US" b="1" dirty="0">
+                <a:solidFill>
+                  <a:schemeClr val="accent3">
+                    <a:lumMod val="60000"/>
+                    <a:lumOff val="40000"/>
+                  </a:schemeClr>
+                </a:solidFill>
+              </a:rPr>
+              <a:t>green</a:t>
+            </a:r>
+            <a:r>
+              <a:rPr lang="en-US" dirty="0"/>
+              <a:t> whenever BLE message sent or received</a:t>
+            </a:r>
+          </a:p>
+        </p:txBody>
+      </p:sp>
     </p:spTree>
     <p:extLst>
       <p:ext uri="{BB962C8B-B14F-4D97-AF65-F5344CB8AC3E}">
-        <p14:creationId xmlns:p14="http://schemas.microsoft.com/office/powerpoint/2010/main" val="535867481"/>
+        <p14:creationId xmlns:p14="http://schemas.microsoft.com/office/powerpoint/2010/main" val="2200989756"/>
       </p:ext>
     </p:extLst>
   </p:cSld>
@@ -9257,407 +12470,17 @@
                 <a:latin typeface="Arial" panose="020B0604020202020204" pitchFamily="34" charset="0"/>
                 <a:cs typeface="Arial" panose="020B0604020202020204" pitchFamily="34" charset="0"/>
               </a:rPr>
-              <a:t>Demo Procedure</a:t>
-            </a:r>
-          </a:p>
-        </p:txBody>
-      </p:sp>
-      <p:sp>
-        <p:nvSpPr>
-          <p:cNvPr id="4" name="TextBox 3">
-            <a:extLst>
-              <a:ext uri="{FF2B5EF4-FFF2-40B4-BE49-F238E27FC236}">
-                <a16:creationId xmlns:a16="http://schemas.microsoft.com/office/drawing/2014/main" id="{59283A62-0A20-08C9-E3ED-FBC140B2DD10}"/>
-              </a:ext>
-            </a:extLst>
-          </p:cNvPr>
-          <p:cNvSpPr txBox="1"/>
-          <p:nvPr/>
-        </p:nvSpPr>
-        <p:spPr>
-          <a:xfrm>
-            <a:off x="567827" y="1058607"/>
-            <a:ext cx="10972532" cy="5235087"/>
-          </a:xfrm>
-          <a:prstGeom prst="rect">
-            <a:avLst/>
-          </a:prstGeom>
-          <a:noFill/>
-        </p:spPr>
-        <p:txBody>
-          <a:bodyPr wrap="square" rtlCol="0">
-            <a:spAutoFit/>
-          </a:bodyPr>
-          <a:lstStyle/>
-          <a:p>
-            <a:pPr marL="457200" marR="0" indent="-457200">
-              <a:lnSpc>
-                <a:spcPct val="107000"/>
-              </a:lnSpc>
-              <a:spcBef>
-                <a:spcPts val="1200"/>
-              </a:spcBef>
-              <a:spcAft>
-                <a:spcPts val="600"/>
-              </a:spcAft>
-            </a:pPr>
-            <a:r>
-              <a:rPr lang="en-US" sz="1800" b="1" dirty="0">
-                <a:solidFill>
-                  <a:srgbClr val="FF0000"/>
-                </a:solidFill>
-                <a:effectLst/>
-                <a:latin typeface="Arial" panose="020B0604020202020204" pitchFamily="34" charset="0"/>
-                <a:ea typeface="Times New Roman" panose="02020603050405020304" pitchFamily="18" charset="0"/>
-              </a:rPr>
-              <a:t>STEP 1: </a:t>
-            </a:r>
-            <a:r>
-              <a:rPr lang="en-US" sz="1800" b="1" dirty="0">
-                <a:effectLst/>
-                <a:latin typeface="Arial" panose="020B0604020202020204" pitchFamily="34" charset="0"/>
-                <a:ea typeface="Times New Roman" panose="02020603050405020304" pitchFamily="18" charset="0"/>
-              </a:rPr>
-              <a:t>Launch the MPLAB X IDE</a:t>
-            </a:r>
-            <a:endParaRPr lang="en-US" sz="1800" dirty="0">
-              <a:effectLst/>
-              <a:latin typeface="Arial" panose="020B0604020202020204" pitchFamily="34" charset="0"/>
-              <a:ea typeface="Times New Roman" panose="02020603050405020304" pitchFamily="18" charset="0"/>
-            </a:endParaRPr>
-          </a:p>
-          <a:p>
-            <a:pPr marL="457200" marR="0" indent="-457200">
-              <a:lnSpc>
-                <a:spcPct val="107000"/>
-              </a:lnSpc>
-              <a:spcBef>
-                <a:spcPts val="1200"/>
-              </a:spcBef>
-              <a:spcAft>
-                <a:spcPts val="600"/>
-              </a:spcAft>
-            </a:pPr>
-            <a:r>
-              <a:rPr lang="en-US" sz="1800" b="1" dirty="0">
-                <a:solidFill>
-                  <a:srgbClr val="FF0000"/>
-                </a:solidFill>
-                <a:effectLst/>
-                <a:latin typeface="Arial" panose="020B0604020202020204" pitchFamily="34" charset="0"/>
-                <a:ea typeface="Times New Roman" panose="02020603050405020304" pitchFamily="18" charset="0"/>
-              </a:rPr>
-              <a:t>STEP 2: </a:t>
-            </a:r>
-            <a:r>
-              <a:rPr lang="en-US" sz="1800" b="1" dirty="0">
-                <a:effectLst/>
-                <a:latin typeface="Arial" panose="020B0604020202020204" pitchFamily="34" charset="0"/>
-                <a:ea typeface="Times New Roman" panose="02020603050405020304" pitchFamily="18" charset="0"/>
-              </a:rPr>
-              <a:t>Open the Demo Project</a:t>
-            </a:r>
-            <a:endParaRPr lang="en-US" sz="1800" dirty="0">
-              <a:effectLst/>
-              <a:latin typeface="Arial" panose="020B0604020202020204" pitchFamily="34" charset="0"/>
-              <a:ea typeface="Times New Roman" panose="02020603050405020304" pitchFamily="18" charset="0"/>
-            </a:endParaRPr>
-          </a:p>
-          <a:p>
-            <a:pPr marL="690245" marR="0" indent="-342900">
-              <a:lnSpc>
-                <a:spcPct val="107000"/>
-              </a:lnSpc>
-              <a:spcBef>
-                <a:spcPts val="1200"/>
-              </a:spcBef>
-              <a:spcAft>
-                <a:spcPts val="600"/>
-              </a:spcAft>
-              <a:buFont typeface="+mj-lt"/>
-              <a:buAutoNum type="alphaLcParenR"/>
-            </a:pPr>
-            <a:r>
-              <a:rPr lang="en-US" sz="1800" dirty="0">
-                <a:effectLst/>
-                <a:latin typeface="Arial" panose="020B0604020202020204" pitchFamily="34" charset="0"/>
-                <a:ea typeface="Times New Roman" panose="02020603050405020304" pitchFamily="18" charset="0"/>
-              </a:rPr>
-              <a:t>From the MPLAB X main toolbar, select [File </a:t>
-            </a:r>
-            <a:r>
-              <a:rPr lang="en-US" sz="1800" dirty="0">
-                <a:effectLst/>
-                <a:latin typeface="Arial" panose="020B0604020202020204" pitchFamily="34" charset="0"/>
-                <a:ea typeface="Times New Roman" panose="02020603050405020304" pitchFamily="18" charset="0"/>
-                <a:sym typeface="Wingdings" pitchFamily="2" charset="2"/>
-              </a:rPr>
-              <a:t></a:t>
-            </a:r>
-            <a:r>
-              <a:rPr lang="en-US" sz="1800" dirty="0">
-                <a:effectLst/>
-                <a:latin typeface="Arial" panose="020B0604020202020204" pitchFamily="34" charset="0"/>
-                <a:ea typeface="Times New Roman" panose="02020603050405020304" pitchFamily="18" charset="0"/>
-              </a:rPr>
-              <a:t> Open Project]</a:t>
-            </a:r>
-          </a:p>
-          <a:p>
-            <a:pPr marL="690245" marR="0" indent="-342900">
-              <a:lnSpc>
-                <a:spcPct val="107000"/>
-              </a:lnSpc>
-              <a:spcBef>
-                <a:spcPts val="1200"/>
-              </a:spcBef>
-              <a:spcAft>
-                <a:spcPts val="600"/>
-              </a:spcAft>
-              <a:buFont typeface="+mj-lt"/>
-              <a:buAutoNum type="alphaLcParenR"/>
-            </a:pPr>
-            <a:r>
-              <a:rPr lang="en-US" sz="1800" dirty="0">
-                <a:effectLst/>
-                <a:latin typeface="Arial" panose="020B0604020202020204" pitchFamily="34" charset="0"/>
-                <a:ea typeface="Times New Roman" panose="02020603050405020304" pitchFamily="18" charset="0"/>
-              </a:rPr>
-              <a:t>Navigate to the location of the demo project folder:</a:t>
-            </a:r>
-          </a:p>
-          <a:p>
-            <a:pPr marL="804545" lvl="1">
-              <a:lnSpc>
-                <a:spcPct val="107000"/>
-              </a:lnSpc>
-              <a:spcBef>
-                <a:spcPts val="1200"/>
-              </a:spcBef>
-              <a:spcAft>
-                <a:spcPts val="600"/>
-              </a:spcAft>
-            </a:pPr>
-            <a:r>
-              <a:rPr lang="en-US" sz="1600" b="1" dirty="0">
-                <a:effectLst/>
-                <a:latin typeface="Arial" panose="020B0604020202020204" pitchFamily="34" charset="0"/>
-                <a:ea typeface="Times New Roman" panose="02020603050405020304" pitchFamily="18" charset="0"/>
-              </a:rPr>
-              <a:t>pic32cxbz2_wbz45x_ble_can_bridge </a:t>
-            </a:r>
-            <a:r>
-              <a:rPr lang="en-US" sz="1600" b="1" dirty="0">
-                <a:effectLst/>
-                <a:latin typeface="Arial" panose="020B0604020202020204" pitchFamily="34" charset="0"/>
-                <a:ea typeface="Times New Roman" panose="02020603050405020304" pitchFamily="18" charset="0"/>
-                <a:sym typeface="Wingdings" pitchFamily="2" charset="2"/>
-              </a:rPr>
-              <a:t> </a:t>
-            </a:r>
-            <a:r>
-              <a:rPr lang="en-US" sz="1600" b="1" dirty="0">
-                <a:effectLst/>
-                <a:latin typeface="Arial" panose="020B0604020202020204" pitchFamily="34" charset="0"/>
-                <a:ea typeface="Times New Roman" panose="02020603050405020304" pitchFamily="18" charset="0"/>
-              </a:rPr>
-              <a:t>02_wbz451_mcp251863_CAN_BLE_Peripheral</a:t>
-            </a:r>
-            <a:r>
-              <a:rPr lang="en-US" sz="1600" b="1" dirty="0">
-                <a:latin typeface="Arial" panose="020B0604020202020204" pitchFamily="34" charset="0"/>
-                <a:ea typeface="Times New Roman" panose="02020603050405020304" pitchFamily="18" charset="0"/>
-              </a:rPr>
-              <a:t> </a:t>
-            </a:r>
-            <a:r>
-              <a:rPr lang="en-US" sz="1600" b="1" dirty="0">
-                <a:latin typeface="Arial" panose="020B0604020202020204" pitchFamily="34" charset="0"/>
-                <a:ea typeface="Times New Roman" panose="02020603050405020304" pitchFamily="18" charset="0"/>
-                <a:sym typeface="Wingdings" pitchFamily="2" charset="2"/>
-              </a:rPr>
-              <a:t> </a:t>
-            </a:r>
-            <a:r>
-              <a:rPr lang="en-US" sz="1600" b="1" dirty="0">
-                <a:effectLst/>
-                <a:latin typeface="Arial" panose="020B0604020202020204" pitchFamily="34" charset="0"/>
-                <a:ea typeface="Times New Roman" panose="02020603050405020304" pitchFamily="18" charset="0"/>
-              </a:rPr>
-              <a:t>firmware</a:t>
-            </a:r>
-            <a:endParaRPr lang="en-US" sz="1600" dirty="0">
-              <a:effectLst/>
-              <a:latin typeface="Arial" panose="020B0604020202020204" pitchFamily="34" charset="0"/>
-              <a:ea typeface="Times New Roman" panose="02020603050405020304" pitchFamily="18" charset="0"/>
-            </a:endParaRPr>
-          </a:p>
-          <a:p>
-            <a:pPr marL="690245" marR="0" indent="-342900">
-              <a:lnSpc>
-                <a:spcPct val="107000"/>
-              </a:lnSpc>
-              <a:spcBef>
-                <a:spcPts val="1200"/>
-              </a:spcBef>
-              <a:spcAft>
-                <a:spcPts val="600"/>
-              </a:spcAft>
-              <a:buFont typeface="+mj-lt"/>
-              <a:buAutoNum type="alphaLcParenR"/>
-            </a:pPr>
-            <a:r>
-              <a:rPr lang="en-US" sz="1800" dirty="0">
-                <a:effectLst/>
-                <a:latin typeface="Arial" panose="020B0604020202020204" pitchFamily="34" charset="0"/>
-                <a:ea typeface="Times New Roman" panose="02020603050405020304" pitchFamily="18" charset="0"/>
-              </a:rPr>
-              <a:t>Select (click on) the </a:t>
-            </a:r>
-            <a:r>
-              <a:rPr lang="en-US" sz="1800" b="1" dirty="0" err="1">
-                <a:effectLst/>
-                <a:latin typeface="Arial" panose="020B0604020202020204" pitchFamily="34" charset="0"/>
-                <a:ea typeface="Times New Roman" panose="02020603050405020304" pitchFamily="18" charset="0"/>
-              </a:rPr>
-              <a:t>bleCan_Peripheral.X</a:t>
-            </a:r>
-            <a:r>
-              <a:rPr lang="en-US" sz="1800" dirty="0">
-                <a:effectLst/>
-                <a:latin typeface="Arial" panose="020B0604020202020204" pitchFamily="34" charset="0"/>
-                <a:ea typeface="Times New Roman" panose="02020603050405020304" pitchFamily="18" charset="0"/>
-              </a:rPr>
-              <a:t> project folder</a:t>
-            </a:r>
-          </a:p>
-          <a:p>
-            <a:pPr marL="690245" marR="0" indent="-342900">
-              <a:lnSpc>
-                <a:spcPct val="107000"/>
-              </a:lnSpc>
-              <a:spcBef>
-                <a:spcPts val="1200"/>
-              </a:spcBef>
-              <a:spcAft>
-                <a:spcPts val="600"/>
-              </a:spcAft>
-              <a:buFont typeface="+mj-lt"/>
-              <a:buAutoNum type="alphaLcParenR"/>
-            </a:pPr>
-            <a:r>
-              <a:rPr lang="en-US" sz="1800" dirty="0">
-                <a:effectLst/>
-                <a:latin typeface="Arial" panose="020B0604020202020204" pitchFamily="34" charset="0"/>
-                <a:ea typeface="Times New Roman" panose="02020603050405020304" pitchFamily="18" charset="0"/>
-              </a:rPr>
-              <a:t>Click on the </a:t>
-            </a:r>
-            <a:r>
-              <a:rPr lang="en-US" sz="1800" b="1" dirty="0">
-                <a:effectLst/>
-                <a:latin typeface="Arial" panose="020B0604020202020204" pitchFamily="34" charset="0"/>
-                <a:ea typeface="Times New Roman" panose="02020603050405020304" pitchFamily="18" charset="0"/>
-              </a:rPr>
-              <a:t>Open Project </a:t>
-            </a:r>
-            <a:r>
-              <a:rPr lang="en-US" sz="1800" dirty="0">
-                <a:effectLst/>
-                <a:latin typeface="Arial" panose="020B0604020202020204" pitchFamily="34" charset="0"/>
-                <a:ea typeface="Times New Roman" panose="02020603050405020304" pitchFamily="18" charset="0"/>
-              </a:rPr>
-              <a:t>button</a:t>
-            </a:r>
-          </a:p>
-          <a:p>
-            <a:pPr marL="457200" marR="0" indent="-457200">
-              <a:lnSpc>
-                <a:spcPct val="107000"/>
-              </a:lnSpc>
-              <a:spcBef>
-                <a:spcPts val="1200"/>
-              </a:spcBef>
-              <a:spcAft>
-                <a:spcPts val="600"/>
-              </a:spcAft>
-            </a:pPr>
-            <a:r>
-              <a:rPr lang="en-US" sz="1800" b="1" dirty="0">
-                <a:solidFill>
-                  <a:srgbClr val="FF0000"/>
-                </a:solidFill>
-                <a:effectLst/>
-                <a:latin typeface="Arial" panose="020B0604020202020204" pitchFamily="34" charset="0"/>
-                <a:ea typeface="Times New Roman" panose="02020603050405020304" pitchFamily="18" charset="0"/>
-              </a:rPr>
-              <a:t>STEP 3: </a:t>
-            </a:r>
-            <a:r>
-              <a:rPr lang="en-US" sz="1800" b="1" dirty="0">
-                <a:effectLst/>
-                <a:latin typeface="Arial" panose="020B0604020202020204" pitchFamily="34" charset="0"/>
-                <a:ea typeface="Times New Roman" panose="02020603050405020304" pitchFamily="18" charset="0"/>
-              </a:rPr>
-              <a:t>Clean and Build the Project</a:t>
-            </a:r>
-            <a:endParaRPr lang="en-US" sz="1800" dirty="0">
-              <a:effectLst/>
-              <a:latin typeface="Arial" panose="020B0604020202020204" pitchFamily="34" charset="0"/>
-              <a:ea typeface="Times New Roman" panose="02020603050405020304" pitchFamily="18" charset="0"/>
-            </a:endParaRPr>
-          </a:p>
-          <a:p>
-            <a:pPr marL="923290" marR="0" indent="-575945">
-              <a:lnSpc>
-                <a:spcPct val="107000"/>
-              </a:lnSpc>
-              <a:spcBef>
-                <a:spcPts val="1200"/>
-              </a:spcBef>
-              <a:spcAft>
-                <a:spcPts val="600"/>
-              </a:spcAft>
-            </a:pPr>
-            <a:r>
-              <a:rPr lang="en-US" sz="1800" dirty="0">
-                <a:effectLst/>
-                <a:latin typeface="Arial" panose="020B0604020202020204" pitchFamily="34" charset="0"/>
-                <a:ea typeface="Times New Roman" panose="02020603050405020304" pitchFamily="18" charset="0"/>
-              </a:rPr>
-              <a:t>Click on the </a:t>
-            </a:r>
-            <a:r>
-              <a:rPr lang="en-US" sz="1800" b="1" dirty="0">
-                <a:effectLst/>
-                <a:latin typeface="Arial" panose="020B0604020202020204" pitchFamily="34" charset="0"/>
-                <a:ea typeface="Times New Roman" panose="02020603050405020304" pitchFamily="18" charset="0"/>
-              </a:rPr>
-              <a:t>Clean and Build Main Project</a:t>
-            </a:r>
-            <a:r>
-              <a:rPr lang="en-US" sz="1800" dirty="0">
-                <a:effectLst/>
-                <a:latin typeface="Arial" panose="020B0604020202020204" pitchFamily="34" charset="0"/>
-                <a:ea typeface="Times New Roman" panose="02020603050405020304" pitchFamily="18" charset="0"/>
-              </a:rPr>
-              <a:t> icon in the MPLAB X main toolbar</a:t>
-            </a:r>
-          </a:p>
-          <a:p>
-            <a:endParaRPr lang="en-US" sz="2000" dirty="0"/>
-          </a:p>
-          <a:p>
-            <a:endParaRPr lang="en-US" dirty="0"/>
+              <a:t>Module Pin Assignment</a:t>
+            </a:r>
           </a:p>
         </p:txBody>
       </p:sp>
       <p:pic>
         <p:nvPicPr>
-          <p:cNvPr id="7" name="Picture 6" descr="Graphical user interface, text, application, chat or text message&#10;&#10;Description automatically generated">
-            <a:extLst>
-              <a:ext uri="{FF2B5EF4-FFF2-40B4-BE49-F238E27FC236}">
-                <a16:creationId xmlns:a16="http://schemas.microsoft.com/office/drawing/2014/main" id="{CAF2B978-8883-E4D9-D5E8-30E33767B60A}"/>
+          <p:cNvPr id="3" name="Picture 2" descr="A black text on a white background&#10;&#10;Description automatically generated">
+            <a:extLst>
+              <a:ext uri="{FF2B5EF4-FFF2-40B4-BE49-F238E27FC236}">
+                <a16:creationId xmlns:a16="http://schemas.microsoft.com/office/drawing/2014/main" id="{F9CEA8E3-DBFA-F42F-8690-7924C2016DAE}"/>
               </a:ext>
             </a:extLst>
           </p:cNvPr>
@@ -9667,112 +12490,27 @@
           <p:nvPr/>
         </p:nvPicPr>
         <p:blipFill>
-          <a:blip r:embed="rId2">
-            <a:extLst>
-              <a:ext uri="{28A0092B-C50C-407E-A947-70E740481C1C}">
-                <a14:useLocalDpi xmlns:a14="http://schemas.microsoft.com/office/drawing/2010/main" val="0"/>
-              </a:ext>
-            </a:extLst>
-          </a:blip>
+          <a:blip r:embed="rId2"/>
           <a:stretch>
             <a:fillRect/>
           </a:stretch>
         </p:blipFill>
         <p:spPr>
           <a:xfrm>
-            <a:off x="1636949" y="5182413"/>
-            <a:ext cx="5156200" cy="1409700"/>
+            <a:off x="9574022" y="6138164"/>
+            <a:ext cx="2578100" cy="698500"/>
           </a:xfrm>
           <a:prstGeom prst="rect">
             <a:avLst/>
           </a:prstGeom>
         </p:spPr>
       </p:pic>
-      <p:sp>
-        <p:nvSpPr>
-          <p:cNvPr id="8" name="Right Arrow 7">
-            <a:extLst>
-              <a:ext uri="{FF2B5EF4-FFF2-40B4-BE49-F238E27FC236}">
-                <a16:creationId xmlns:a16="http://schemas.microsoft.com/office/drawing/2014/main" id="{7E5F9613-C9B4-A621-2173-3A49D330AB77}"/>
-              </a:ext>
-            </a:extLst>
-          </p:cNvPr>
-          <p:cNvSpPr/>
-          <p:nvPr/>
-        </p:nvSpPr>
-        <p:spPr>
-          <a:xfrm>
-            <a:off x="936440" y="5240592"/>
-            <a:ext cx="838200" cy="558800"/>
-          </a:xfrm>
-          <a:prstGeom prst="rightArrow">
-            <a:avLst/>
-          </a:prstGeom>
-          <a:solidFill>
-            <a:srgbClr val="FF0000"/>
-          </a:solidFill>
-        </p:spPr>
-        <p:style>
-          <a:lnRef idx="2">
-            <a:schemeClr val="accent1">
-              <a:shade val="50000"/>
-            </a:schemeClr>
-          </a:lnRef>
-          <a:fillRef idx="1">
-            <a:schemeClr val="accent1"/>
-          </a:fillRef>
-          <a:effectRef idx="0">
-            <a:schemeClr val="accent1"/>
-          </a:effectRef>
-          <a:fontRef idx="minor">
-            <a:schemeClr val="lt1"/>
-          </a:fontRef>
-        </p:style>
-        <p:txBody>
-          <a:bodyPr rot="0" spcFirstLastPara="0" vert="horz" wrap="square" lIns="91440" tIns="45720" rIns="91440" bIns="45720" numCol="1" spcCol="0" rtlCol="0" fromWordArt="0" anchor="ctr" anchorCtr="0" forceAA="0" compatLnSpc="1">
-            <a:prstTxWarp prst="textNoShape">
-              <a:avLst/>
-            </a:prstTxWarp>
-            <a:noAutofit/>
-          </a:bodyPr>
-          <a:lstStyle/>
-          <a:p>
-            <a:pPr marL="0" marR="0" algn="ctr">
-              <a:lnSpc>
-                <a:spcPct val="107000"/>
-              </a:lnSpc>
-              <a:spcBef>
-                <a:spcPts val="0"/>
-              </a:spcBef>
-              <a:spcAft>
-                <a:spcPts val="800"/>
-              </a:spcAft>
-            </a:pPr>
-            <a:r>
-              <a:rPr lang="en-US" sz="1200">
-                <a:solidFill>
-                  <a:srgbClr val="FFFF00"/>
-                </a:solidFill>
-                <a:effectLst/>
-                <a:latin typeface="Arial" panose="020B0604020202020204" pitchFamily="34" charset="0"/>
-                <a:ea typeface="Times New Roman" panose="02020603050405020304" pitchFamily="18" charset="0"/>
-              </a:rPr>
-              <a:t>CLICK</a:t>
-            </a:r>
-            <a:endParaRPr lang="en-US" sz="1100">
-              <a:effectLst/>
-              <a:latin typeface="Arial" panose="020B0604020202020204" pitchFamily="34" charset="0"/>
-              <a:ea typeface="Times New Roman" panose="02020603050405020304" pitchFamily="18" charset="0"/>
-            </a:endParaRPr>
-          </a:p>
-        </p:txBody>
-      </p:sp>
       <p:pic>
         <p:nvPicPr>
-          <p:cNvPr id="9" name="Picture 8" descr="A black text on a white background&#10;&#10;Description automatically generated">
-            <a:extLst>
-              <a:ext uri="{FF2B5EF4-FFF2-40B4-BE49-F238E27FC236}">
-                <a16:creationId xmlns:a16="http://schemas.microsoft.com/office/drawing/2014/main" id="{00FBCB51-BC78-FECA-56D9-295883A977E3}"/>
+          <p:cNvPr id="8" name="Picture 7" descr="A computer screen shot of a computer&#10;&#10;Description automatically generated">
+            <a:extLst>
+              <a:ext uri="{FF2B5EF4-FFF2-40B4-BE49-F238E27FC236}">
+                <a16:creationId xmlns:a16="http://schemas.microsoft.com/office/drawing/2014/main" id="{9B03CCDA-6ED7-98BD-6283-3B9C3D9163CA}"/>
               </a:ext>
             </a:extLst>
           </p:cNvPr>
@@ -9789,8 +12527,8 @@
         </p:blipFill>
         <p:spPr>
           <a:xfrm>
-            <a:off x="9574022" y="6138164"/>
-            <a:ext cx="2578100" cy="698500"/>
+            <a:off x="1298247" y="769623"/>
+            <a:ext cx="8099346" cy="5785247"/>
           </a:xfrm>
           <a:prstGeom prst="rect">
             <a:avLst/>
@@ -9800,7 +12538,7 @@
     </p:spTree>
     <p:extLst>
       <p:ext uri="{BB962C8B-B14F-4D97-AF65-F5344CB8AC3E}">
-        <p14:creationId xmlns:p14="http://schemas.microsoft.com/office/powerpoint/2010/main" val="3967660036"/>
+        <p14:creationId xmlns:p14="http://schemas.microsoft.com/office/powerpoint/2010/main" val="843843061"/>
       </p:ext>
     </p:extLst>
   </p:cSld>
@@ -9827,12 +12565,152 @@
           <a:chExt cx="0" cy="0"/>
         </a:xfrm>
       </p:grpSpPr>
+      <p:sp>
+        <p:nvSpPr>
+          <p:cNvPr id="2" name="TextBox 1">
+            <a:extLst>
+              <a:ext uri="{FF2B5EF4-FFF2-40B4-BE49-F238E27FC236}">
+                <a16:creationId xmlns:a16="http://schemas.microsoft.com/office/drawing/2014/main" id="{EF6874F3-7045-70A8-1F64-660B9B5BFFB9}"/>
+              </a:ext>
+            </a:extLst>
+          </p:cNvPr>
+          <p:cNvSpPr txBox="1"/>
+          <p:nvPr/>
+        </p:nvSpPr>
+        <p:spPr>
+          <a:xfrm>
+            <a:off x="1636949" y="184848"/>
+            <a:ext cx="9495087" cy="584775"/>
+          </a:xfrm>
+          <a:prstGeom prst="rect">
+            <a:avLst/>
+          </a:prstGeom>
+          <a:noFill/>
+        </p:spPr>
+        <p:txBody>
+          <a:bodyPr wrap="square" rtlCol="0">
+            <a:spAutoFit/>
+          </a:bodyPr>
+          <a:lstStyle/>
+          <a:p>
+            <a:pPr algn="ctr"/>
+            <a:r>
+              <a:rPr lang="en-US" sz="3200" b="1" dirty="0">
+                <a:latin typeface="Arial" panose="020B0604020202020204" pitchFamily="34" charset="0"/>
+                <a:cs typeface="Arial" panose="020B0604020202020204" pitchFamily="34" charset="0"/>
+              </a:rPr>
+              <a:t>Software Development Tools</a:t>
+            </a:r>
+          </a:p>
+        </p:txBody>
+      </p:sp>
+      <p:sp>
+        <p:nvSpPr>
+          <p:cNvPr id="4" name="TextBox 3">
+            <a:extLst>
+              <a:ext uri="{FF2B5EF4-FFF2-40B4-BE49-F238E27FC236}">
+                <a16:creationId xmlns:a16="http://schemas.microsoft.com/office/drawing/2014/main" id="{59283A62-0A20-08C9-E3ED-FBC140B2DD10}"/>
+              </a:ext>
+            </a:extLst>
+          </p:cNvPr>
+          <p:cNvSpPr txBox="1"/>
+          <p:nvPr/>
+        </p:nvSpPr>
+        <p:spPr>
+          <a:xfrm>
+            <a:off x="914400" y="1319134"/>
+            <a:ext cx="9983449" cy="4462760"/>
+          </a:xfrm>
+          <a:prstGeom prst="rect">
+            <a:avLst/>
+          </a:prstGeom>
+          <a:noFill/>
+        </p:spPr>
+        <p:txBody>
+          <a:bodyPr wrap="square" rtlCol="0">
+            <a:spAutoFit/>
+          </a:bodyPr>
+          <a:lstStyle/>
+          <a:p>
+            <a:r>
+              <a:rPr lang="en-US" sz="2400" dirty="0"/>
+              <a:t>1. MPLAB X IDE</a:t>
+            </a:r>
+          </a:p>
+          <a:p>
+            <a:endParaRPr lang="en-US" dirty="0">
+              <a:hlinkClick r:id="rId2"/>
+            </a:endParaRPr>
+          </a:p>
+          <a:p>
+            <a:r>
+              <a:rPr lang="en-US" sz="2000" dirty="0">
+                <a:hlinkClick r:id="rId2"/>
+              </a:rPr>
+              <a:t>https://www.microchip.com/en-us/tools-resources/develop/mplab-x-ide#tabs</a:t>
+            </a:r>
+            <a:endParaRPr lang="en-US" sz="2000" dirty="0"/>
+          </a:p>
+          <a:p>
+            <a:endParaRPr lang="en-US" dirty="0"/>
+          </a:p>
+          <a:p>
+            <a:r>
+              <a:rPr lang="en-US" sz="2400" dirty="0"/>
+              <a:t>2. XC32 Compiler</a:t>
+            </a:r>
+          </a:p>
+          <a:p>
+            <a:endParaRPr lang="en-US" dirty="0">
+              <a:hlinkClick r:id="rId3"/>
+            </a:endParaRPr>
+          </a:p>
+          <a:p>
+            <a:r>
+              <a:rPr lang="en-US" sz="2000" dirty="0">
+                <a:hlinkClick r:id="rId3"/>
+              </a:rPr>
+              <a:t>https://www.microchip.com/en-us/tools-resources/develop/mplab-xc-compilers/xc32</a:t>
+            </a:r>
+            <a:endParaRPr lang="en-US" sz="2000" dirty="0"/>
+          </a:p>
+          <a:p>
+            <a:endParaRPr lang="en-US" sz="2000" dirty="0"/>
+          </a:p>
+          <a:p>
+            <a:r>
+              <a:rPr lang="en-US" sz="2400" dirty="0"/>
+              <a:t>3. Microchip Bluetooth Data (MBD) Smartphone App</a:t>
+            </a:r>
+          </a:p>
+          <a:p>
+            <a:endParaRPr lang="en-US" sz="2000" dirty="0">
+              <a:hlinkClick r:id="rId3"/>
+            </a:endParaRPr>
+          </a:p>
+          <a:p>
+            <a:r>
+              <a:rPr lang="en-US" sz="2000" dirty="0">
+                <a:hlinkClick r:id="rId4"/>
+              </a:rPr>
+              <a:t>https://play.google.com/store/apps/details?id=com.microchip.bluetooth.data&amp;hl=en_US&amp;pli=1</a:t>
+            </a:r>
+            <a:endParaRPr lang="en-US" sz="2000" dirty="0"/>
+          </a:p>
+          <a:p>
+            <a:endParaRPr lang="en-US" sz="2000" dirty="0"/>
+          </a:p>
+          <a:p>
+            <a:endParaRPr lang="en-US" dirty="0"/>
+          </a:p>
+        </p:txBody>
+      </p:sp>
       <p:pic>
         <p:nvPicPr>
-          <p:cNvPr id="16" name="Picture 15" descr="A black text on a white background&#10;&#10;Description automatically generated">
-            <a:extLst>
-              <a:ext uri="{FF2B5EF4-FFF2-40B4-BE49-F238E27FC236}">
-                <a16:creationId xmlns:a16="http://schemas.microsoft.com/office/drawing/2014/main" id="{09D2296F-2ED2-269F-F48E-CBFBEF84AB88}"/>
+          <p:cNvPr id="3" name="Picture 2" descr="A black text on a white background&#10;&#10;Description automatically generated">
+            <a:extLst>
+              <a:ext uri="{FF2B5EF4-FFF2-40B4-BE49-F238E27FC236}">
+                <a16:creationId xmlns:a16="http://schemas.microsoft.com/office/drawing/2014/main" id="{F9CEA8E3-DBFA-F42F-8690-7924C2016DAE}"/>
               </a:ext>
             </a:extLst>
           </p:cNvPr>
@@ -9842,7 +12720,7 @@
           <p:nvPr/>
         </p:nvPicPr>
         <p:blipFill>
-          <a:blip r:embed="rId2"/>
+          <a:blip r:embed="rId5"/>
           <a:stretch>
             <a:fillRect/>
           </a:stretch>
@@ -9857,580 +12735,10 @@
           </a:prstGeom>
         </p:spPr>
       </p:pic>
-      <p:sp>
-        <p:nvSpPr>
-          <p:cNvPr id="2" name="TextBox 1">
-            <a:extLst>
-              <a:ext uri="{FF2B5EF4-FFF2-40B4-BE49-F238E27FC236}">
-                <a16:creationId xmlns:a16="http://schemas.microsoft.com/office/drawing/2014/main" id="{EF6874F3-7045-70A8-1F64-660B9B5BFFB9}"/>
-              </a:ext>
-            </a:extLst>
-          </p:cNvPr>
-          <p:cNvSpPr txBox="1"/>
-          <p:nvPr/>
-        </p:nvSpPr>
-        <p:spPr>
-          <a:xfrm>
-            <a:off x="1636949" y="184848"/>
-            <a:ext cx="9495087" cy="584775"/>
-          </a:xfrm>
-          <a:prstGeom prst="rect">
-            <a:avLst/>
-          </a:prstGeom>
-          <a:noFill/>
-        </p:spPr>
-        <p:txBody>
-          <a:bodyPr wrap="square" rtlCol="0">
-            <a:spAutoFit/>
-          </a:bodyPr>
-          <a:lstStyle/>
-          <a:p>
-            <a:pPr algn="ctr"/>
-            <a:r>
-              <a:rPr lang="en-US" sz="3200" b="1" dirty="0">
-                <a:latin typeface="Arial" panose="020B0604020202020204" pitchFamily="34" charset="0"/>
-                <a:cs typeface="Arial" panose="020B0604020202020204" pitchFamily="34" charset="0"/>
-              </a:rPr>
-              <a:t>Demo Procedure</a:t>
-            </a:r>
-          </a:p>
-        </p:txBody>
-      </p:sp>
-      <p:sp>
-        <p:nvSpPr>
-          <p:cNvPr id="4" name="TextBox 3">
-            <a:extLst>
-              <a:ext uri="{FF2B5EF4-FFF2-40B4-BE49-F238E27FC236}">
-                <a16:creationId xmlns:a16="http://schemas.microsoft.com/office/drawing/2014/main" id="{59283A62-0A20-08C9-E3ED-FBC140B2DD10}"/>
-              </a:ext>
-            </a:extLst>
-          </p:cNvPr>
-          <p:cNvSpPr txBox="1"/>
-          <p:nvPr/>
-        </p:nvSpPr>
-        <p:spPr>
-          <a:xfrm>
-            <a:off x="567827" y="924495"/>
-            <a:ext cx="10825103" cy="5265352"/>
-          </a:xfrm>
-          <a:prstGeom prst="rect">
-            <a:avLst/>
-          </a:prstGeom>
-          <a:noFill/>
-        </p:spPr>
-        <p:txBody>
-          <a:bodyPr wrap="square" rtlCol="0">
-            <a:spAutoFit/>
-          </a:bodyPr>
-          <a:lstStyle/>
-          <a:p>
-            <a:pPr marL="457200" marR="0" indent="-457200">
-              <a:lnSpc>
-                <a:spcPct val="107000"/>
-              </a:lnSpc>
-              <a:spcBef>
-                <a:spcPts val="1200"/>
-              </a:spcBef>
-              <a:spcAft>
-                <a:spcPts val="600"/>
-              </a:spcAft>
-            </a:pPr>
-            <a:r>
-              <a:rPr lang="en-US" sz="1800" b="1" dirty="0">
-                <a:solidFill>
-                  <a:srgbClr val="FF0000"/>
-                </a:solidFill>
-                <a:effectLst/>
-                <a:latin typeface="Arial" panose="020B0604020202020204" pitchFamily="34" charset="0"/>
-                <a:ea typeface="Times New Roman" panose="02020603050405020304" pitchFamily="18" charset="0"/>
-              </a:rPr>
-              <a:t>STEP 4: </a:t>
-            </a:r>
-            <a:r>
-              <a:rPr lang="en-US" sz="1800" b="1" dirty="0">
-                <a:effectLst/>
-                <a:latin typeface="Arial" panose="020B0604020202020204" pitchFamily="34" charset="0"/>
-                <a:ea typeface="Times New Roman" panose="02020603050405020304" pitchFamily="18" charset="0"/>
-              </a:rPr>
-              <a:t>Program the </a:t>
-            </a:r>
-            <a:r>
-              <a:rPr lang="en-US" b="1" dirty="0">
-                <a:latin typeface="Arial" panose="020B0604020202020204" pitchFamily="34" charset="0"/>
-                <a:ea typeface="Times New Roman" panose="02020603050405020304" pitchFamily="18" charset="0"/>
-              </a:rPr>
-              <a:t>WBZ451PE Module</a:t>
-            </a:r>
-          </a:p>
-          <a:p>
-            <a:pPr marR="0">
-              <a:lnSpc>
-                <a:spcPct val="107000"/>
-              </a:lnSpc>
-              <a:spcBef>
-                <a:spcPts val="1200"/>
-              </a:spcBef>
-              <a:spcAft>
-                <a:spcPts val="600"/>
-              </a:spcAft>
-            </a:pPr>
-            <a:r>
-              <a:rPr lang="en-US" dirty="0">
-                <a:effectLst/>
-                <a:latin typeface="Arial" panose="020B0604020202020204" pitchFamily="34" charset="0"/>
-                <a:ea typeface="Times New Roman" panose="02020603050405020304" pitchFamily="18" charset="0"/>
-              </a:rPr>
-              <a:t>a) Click on the </a:t>
-            </a:r>
-            <a:r>
-              <a:rPr lang="en-US" b="1" dirty="0">
-                <a:effectLst/>
-                <a:latin typeface="Arial" panose="020B0604020202020204" pitchFamily="34" charset="0"/>
-                <a:ea typeface="Times New Roman" panose="02020603050405020304" pitchFamily="18" charset="0"/>
-              </a:rPr>
-              <a:t>Make and Program Device Main Project</a:t>
-            </a:r>
-            <a:r>
-              <a:rPr lang="en-US" dirty="0">
-                <a:effectLst/>
-                <a:latin typeface="Arial" panose="020B0604020202020204" pitchFamily="34" charset="0"/>
-                <a:ea typeface="Times New Roman" panose="02020603050405020304" pitchFamily="18" charset="0"/>
-              </a:rPr>
-              <a:t> icon in the MPLAB X main toolbar</a:t>
-            </a:r>
-          </a:p>
-          <a:p>
-            <a:endParaRPr lang="en-US" dirty="0"/>
-          </a:p>
-          <a:p>
-            <a:endParaRPr lang="en-US" dirty="0"/>
-          </a:p>
-          <a:p>
-            <a:endParaRPr lang="en-US" dirty="0"/>
-          </a:p>
-          <a:p>
-            <a:r>
-              <a:rPr lang="en-US" dirty="0">
-                <a:effectLst/>
-                <a:latin typeface="Arial" panose="020B0604020202020204" pitchFamily="34" charset="0"/>
-                <a:ea typeface="Times New Roman" panose="02020603050405020304" pitchFamily="18" charset="0"/>
-              </a:rPr>
-              <a:t>b) Verify that the programming phase was successful</a:t>
-            </a:r>
-          </a:p>
-          <a:p>
-            <a:endParaRPr lang="en-US" dirty="0"/>
-          </a:p>
-          <a:p>
-            <a:endParaRPr lang="en-US" dirty="0"/>
-          </a:p>
-          <a:p>
-            <a:endParaRPr lang="en-US" dirty="0"/>
-          </a:p>
-          <a:p>
-            <a:endParaRPr lang="en-US" dirty="0"/>
-          </a:p>
-          <a:p>
-            <a:endParaRPr lang="en-US" dirty="0"/>
-          </a:p>
-          <a:p>
-            <a:pPr marL="575945" marR="0" indent="-575945">
-              <a:lnSpc>
-                <a:spcPct val="107000"/>
-              </a:lnSpc>
-              <a:spcBef>
-                <a:spcPts val="1200"/>
-              </a:spcBef>
-              <a:spcAft>
-                <a:spcPts val="600"/>
-              </a:spcAft>
-            </a:pPr>
-            <a:r>
-              <a:rPr lang="en-US" sz="1800" b="1" dirty="0">
-                <a:solidFill>
-                  <a:srgbClr val="FF0000"/>
-                </a:solidFill>
-                <a:effectLst/>
-                <a:latin typeface="Arial" panose="020B0604020202020204" pitchFamily="34" charset="0"/>
-                <a:ea typeface="Times New Roman" panose="02020603050405020304" pitchFamily="18" charset="0"/>
-              </a:rPr>
-              <a:t>STEP 5: </a:t>
-            </a:r>
-            <a:r>
-              <a:rPr lang="en-US" sz="1800" b="1" dirty="0">
-                <a:effectLst/>
-                <a:latin typeface="Arial" panose="020B0604020202020204" pitchFamily="34" charset="0"/>
-                <a:ea typeface="Times New Roman" panose="02020603050405020304" pitchFamily="18" charset="0"/>
-              </a:rPr>
-              <a:t>Connect to the </a:t>
-            </a:r>
-            <a:r>
-              <a:rPr lang="en-US" b="1" dirty="0">
-                <a:latin typeface="Arial" panose="020B0604020202020204" pitchFamily="34" charset="0"/>
-                <a:ea typeface="Times New Roman" panose="02020603050405020304" pitchFamily="18" charset="0"/>
-              </a:rPr>
-              <a:t>WBZ451</a:t>
-            </a:r>
-            <a:r>
-              <a:rPr lang="en-US" sz="1800" b="1" dirty="0">
-                <a:effectLst/>
-                <a:latin typeface="Arial" panose="020B0604020202020204" pitchFamily="34" charset="0"/>
-                <a:ea typeface="Times New Roman" panose="02020603050405020304" pitchFamily="18" charset="0"/>
-              </a:rPr>
-              <a:t> Module Using the Microchip Bluetooth Data (MBD) Application</a:t>
-            </a:r>
-            <a:endParaRPr lang="en-US" sz="1800" dirty="0">
-              <a:effectLst/>
-              <a:latin typeface="Arial" panose="020B0604020202020204" pitchFamily="34" charset="0"/>
-              <a:ea typeface="Times New Roman" panose="02020603050405020304" pitchFamily="18" charset="0"/>
-            </a:endParaRPr>
-          </a:p>
-          <a:p>
-            <a:pPr marL="1033145" marR="0" indent="-575945">
-              <a:lnSpc>
-                <a:spcPct val="107000"/>
-              </a:lnSpc>
-              <a:spcBef>
-                <a:spcPts val="1200"/>
-              </a:spcBef>
-              <a:spcAft>
-                <a:spcPts val="600"/>
-              </a:spcAft>
-            </a:pPr>
-            <a:r>
-              <a:rPr lang="en-US" sz="1800" dirty="0">
-                <a:effectLst/>
-                <a:latin typeface="Arial" panose="020B0604020202020204" pitchFamily="34" charset="0"/>
-                <a:ea typeface="Times New Roman" panose="02020603050405020304" pitchFamily="18" charset="0"/>
-              </a:rPr>
-              <a:t>Follow the procedure in the section titled “Connecting CAN Network to Mobile App (MBD App)”</a:t>
-            </a:r>
-          </a:p>
-          <a:p>
-            <a:pPr marL="457200" marR="0">
-              <a:lnSpc>
-                <a:spcPct val="107000"/>
-              </a:lnSpc>
-              <a:spcBef>
-                <a:spcPts val="1200"/>
-              </a:spcBef>
-              <a:spcAft>
-                <a:spcPts val="600"/>
-              </a:spcAft>
-            </a:pPr>
-            <a:r>
-              <a:rPr lang="en-US" sz="1800" u="sng" dirty="0">
-                <a:solidFill>
-                  <a:srgbClr val="0000FF"/>
-                </a:solidFill>
-                <a:effectLst/>
-                <a:latin typeface="Arial" panose="020B0604020202020204" pitchFamily="34" charset="0"/>
-                <a:ea typeface="Times New Roman" panose="02020603050405020304" pitchFamily="18" charset="0"/>
-                <a:hlinkClick r:id="rId3"/>
-              </a:rPr>
-              <a:t>https://github.com/MicrochipTech/pic32cxbz2_wbz45x_ble_can_bridge/tree/main?tab=readme-ov-file#connecting-can-network-to-mobile-app-mbd-app</a:t>
-            </a:r>
-            <a:endParaRPr lang="en-US" sz="1800" u="sng" dirty="0">
-              <a:solidFill>
-                <a:srgbClr val="0000FF"/>
-              </a:solidFill>
-              <a:effectLst/>
-              <a:latin typeface="Arial" panose="020B0604020202020204" pitchFamily="34" charset="0"/>
-              <a:ea typeface="Times New Roman" panose="02020603050405020304" pitchFamily="18" charset="0"/>
-            </a:endParaRPr>
-          </a:p>
-        </p:txBody>
-      </p:sp>
-      <p:pic>
-        <p:nvPicPr>
-          <p:cNvPr id="12" name="Picture 11">
-            <a:extLst>
-              <a:ext uri="{FF2B5EF4-FFF2-40B4-BE49-F238E27FC236}">
-                <a16:creationId xmlns:a16="http://schemas.microsoft.com/office/drawing/2014/main" id="{D9E6BC65-EB56-D818-B151-9B574C0E044E}"/>
-              </a:ext>
-            </a:extLst>
-          </p:cNvPr>
-          <p:cNvPicPr>
-            <a:picLocks noChangeAspect="1"/>
-          </p:cNvPicPr>
-          <p:nvPr/>
-        </p:nvPicPr>
-        <p:blipFill>
-          <a:blip r:embed="rId4" cstate="print">
-            <a:extLst>
-              <a:ext uri="{28A0092B-C50C-407E-A947-70E740481C1C}">
-                <a14:useLocalDpi xmlns:a14="http://schemas.microsoft.com/office/drawing/2010/main" val="0"/>
-              </a:ext>
-            </a:extLst>
-          </a:blip>
-          <a:stretch>
-            <a:fillRect/>
-          </a:stretch>
-        </p:blipFill>
-        <p:spPr>
-          <a:xfrm>
-            <a:off x="921395" y="3069463"/>
-            <a:ext cx="6492240" cy="1240790"/>
-          </a:xfrm>
-          <a:prstGeom prst="rect">
-            <a:avLst/>
-          </a:prstGeom>
-        </p:spPr>
-      </p:pic>
-      <p:sp>
-        <p:nvSpPr>
-          <p:cNvPr id="13" name="Oval 12">
-            <a:extLst>
-              <a:ext uri="{FF2B5EF4-FFF2-40B4-BE49-F238E27FC236}">
-                <a16:creationId xmlns:a16="http://schemas.microsoft.com/office/drawing/2014/main" id="{21B42215-9A7F-E16D-440F-F484B967DA5E}"/>
-              </a:ext>
-            </a:extLst>
-          </p:cNvPr>
-          <p:cNvSpPr/>
-          <p:nvPr/>
-        </p:nvSpPr>
-        <p:spPr>
-          <a:xfrm>
-            <a:off x="909203" y="3938599"/>
-            <a:ext cx="1600200" cy="190500"/>
-          </a:xfrm>
-          <a:prstGeom prst="ellipse">
-            <a:avLst/>
-          </a:prstGeom>
-          <a:noFill/>
-          <a:ln>
-            <a:solidFill>
-              <a:srgbClr val="FF0000"/>
-            </a:solidFill>
-          </a:ln>
-        </p:spPr>
-        <p:style>
-          <a:lnRef idx="2">
-            <a:schemeClr val="accent1">
-              <a:shade val="50000"/>
-            </a:schemeClr>
-          </a:lnRef>
-          <a:fillRef idx="1">
-            <a:schemeClr val="accent1"/>
-          </a:fillRef>
-          <a:effectRef idx="0">
-            <a:schemeClr val="accent1"/>
-          </a:effectRef>
-          <a:fontRef idx="minor">
-            <a:schemeClr val="lt1"/>
-          </a:fontRef>
-        </p:style>
-        <p:txBody>
-          <a:bodyPr rot="0" spcFirstLastPara="0" vert="horz" wrap="square" lIns="91440" tIns="45720" rIns="91440" bIns="45720" numCol="1" spcCol="0" rtlCol="0" fromWordArt="0" anchor="ctr" anchorCtr="0" forceAA="0" compatLnSpc="1">
-            <a:prstTxWarp prst="textNoShape">
-              <a:avLst/>
-            </a:prstTxWarp>
-            <a:noAutofit/>
-          </a:bodyPr>
-          <a:lstStyle/>
-          <a:p>
-            <a:endParaRPr lang="en-US"/>
-          </a:p>
-        </p:txBody>
-      </p:sp>
-      <p:pic>
-        <p:nvPicPr>
-          <p:cNvPr id="14" name="Picture 13" descr="Graphical user interface, text, application, chat or text message&#10;&#10;Description automatically generated">
-            <a:extLst>
-              <a:ext uri="{FF2B5EF4-FFF2-40B4-BE49-F238E27FC236}">
-                <a16:creationId xmlns:a16="http://schemas.microsoft.com/office/drawing/2014/main" id="{E98177C4-8C57-02A0-A234-117E41937837}"/>
-              </a:ext>
-            </a:extLst>
-          </p:cNvPr>
-          <p:cNvPicPr>
-            <a:picLocks noChangeAspect="1"/>
-          </p:cNvPicPr>
-          <p:nvPr/>
-        </p:nvPicPr>
-        <p:blipFill>
-          <a:blip r:embed="rId5">
-            <a:extLst>
-              <a:ext uri="{28A0092B-C50C-407E-A947-70E740481C1C}">
-                <a14:useLocalDpi xmlns:a14="http://schemas.microsoft.com/office/drawing/2010/main" val="0"/>
-              </a:ext>
-            </a:extLst>
-          </a:blip>
-          <a:stretch>
-            <a:fillRect/>
-          </a:stretch>
-        </p:blipFill>
-        <p:spPr>
-          <a:xfrm>
-            <a:off x="6618986" y="1813433"/>
-            <a:ext cx="3416300" cy="1256030"/>
-          </a:xfrm>
-          <a:prstGeom prst="rect">
-            <a:avLst/>
-          </a:prstGeom>
-        </p:spPr>
-      </p:pic>
-      <p:sp>
-        <p:nvSpPr>
-          <p:cNvPr id="8" name="Right Arrow 7">
-            <a:extLst>
-              <a:ext uri="{FF2B5EF4-FFF2-40B4-BE49-F238E27FC236}">
-                <a16:creationId xmlns:a16="http://schemas.microsoft.com/office/drawing/2014/main" id="{7E5F9613-C9B4-A621-2173-3A49D330AB77}"/>
-              </a:ext>
-            </a:extLst>
-          </p:cNvPr>
-          <p:cNvSpPr/>
-          <p:nvPr/>
-        </p:nvSpPr>
-        <p:spPr>
-          <a:xfrm>
-            <a:off x="5899860" y="1792097"/>
-            <a:ext cx="838200" cy="558800"/>
-          </a:xfrm>
-          <a:prstGeom prst="rightArrow">
-            <a:avLst/>
-          </a:prstGeom>
-          <a:solidFill>
-            <a:srgbClr val="FF0000"/>
-          </a:solidFill>
-        </p:spPr>
-        <p:style>
-          <a:lnRef idx="2">
-            <a:schemeClr val="accent1">
-              <a:shade val="50000"/>
-            </a:schemeClr>
-          </a:lnRef>
-          <a:fillRef idx="1">
-            <a:schemeClr val="accent1"/>
-          </a:fillRef>
-          <a:effectRef idx="0">
-            <a:schemeClr val="accent1"/>
-          </a:effectRef>
-          <a:fontRef idx="minor">
-            <a:schemeClr val="lt1"/>
-          </a:fontRef>
-        </p:style>
-        <p:txBody>
-          <a:bodyPr rot="0" spcFirstLastPara="0" vert="horz" wrap="square" lIns="91440" tIns="45720" rIns="91440" bIns="45720" numCol="1" spcCol="0" rtlCol="0" fromWordArt="0" anchor="ctr" anchorCtr="0" forceAA="0" compatLnSpc="1">
-            <a:prstTxWarp prst="textNoShape">
-              <a:avLst/>
-            </a:prstTxWarp>
-            <a:noAutofit/>
-          </a:bodyPr>
-          <a:lstStyle/>
-          <a:p>
-            <a:pPr marL="0" marR="0" algn="ctr">
-              <a:lnSpc>
-                <a:spcPct val="107000"/>
-              </a:lnSpc>
-              <a:spcBef>
-                <a:spcPts val="0"/>
-              </a:spcBef>
-              <a:spcAft>
-                <a:spcPts val="800"/>
-              </a:spcAft>
-            </a:pPr>
-            <a:r>
-              <a:rPr lang="en-US" sz="1200" dirty="0">
-                <a:solidFill>
-                  <a:srgbClr val="FFFF00"/>
-                </a:solidFill>
-                <a:effectLst/>
-                <a:latin typeface="Arial" panose="020B0604020202020204" pitchFamily="34" charset="0"/>
-                <a:ea typeface="Times New Roman" panose="02020603050405020304" pitchFamily="18" charset="0"/>
-              </a:rPr>
-              <a:t>CLICK</a:t>
-            </a:r>
-            <a:endParaRPr lang="en-US" sz="1100" dirty="0">
-              <a:effectLst/>
-              <a:latin typeface="Arial" panose="020B0604020202020204" pitchFamily="34" charset="0"/>
-              <a:ea typeface="Times New Roman" panose="02020603050405020304" pitchFamily="18" charset="0"/>
-            </a:endParaRPr>
-          </a:p>
-        </p:txBody>
-      </p:sp>
-      <p:sp>
-        <p:nvSpPr>
-          <p:cNvPr id="15" name="Right Arrow 14">
-            <a:extLst>
-              <a:ext uri="{FF2B5EF4-FFF2-40B4-BE49-F238E27FC236}">
-                <a16:creationId xmlns:a16="http://schemas.microsoft.com/office/drawing/2014/main" id="{436FC1E8-E169-CE20-60DE-14759E49973B}"/>
-              </a:ext>
-            </a:extLst>
-          </p:cNvPr>
-          <p:cNvSpPr/>
-          <p:nvPr/>
-        </p:nvSpPr>
-        <p:spPr>
-          <a:xfrm>
-            <a:off x="201278" y="5497880"/>
-            <a:ext cx="838200" cy="558800"/>
-          </a:xfrm>
-          <a:prstGeom prst="rightArrow">
-            <a:avLst/>
-          </a:prstGeom>
-          <a:solidFill>
-            <a:srgbClr val="FF0000"/>
-          </a:solidFill>
-        </p:spPr>
-        <p:style>
-          <a:lnRef idx="2">
-            <a:schemeClr val="accent1">
-              <a:shade val="50000"/>
-            </a:schemeClr>
-          </a:lnRef>
-          <a:fillRef idx="1">
-            <a:schemeClr val="accent1"/>
-          </a:fillRef>
-          <a:effectRef idx="0">
-            <a:schemeClr val="accent1"/>
-          </a:effectRef>
-          <a:fontRef idx="minor">
-            <a:schemeClr val="lt1"/>
-          </a:fontRef>
-        </p:style>
-        <p:txBody>
-          <a:bodyPr rot="0" spcFirstLastPara="0" vert="horz" wrap="square" lIns="91440" tIns="45720" rIns="91440" bIns="45720" numCol="1" spcCol="0" rtlCol="0" fromWordArt="0" anchor="ctr" anchorCtr="0" forceAA="0" compatLnSpc="1">
-            <a:prstTxWarp prst="textNoShape">
-              <a:avLst/>
-            </a:prstTxWarp>
-            <a:noAutofit/>
-          </a:bodyPr>
-          <a:lstStyle/>
-          <a:p>
-            <a:pPr marL="0" marR="0" algn="ctr">
-              <a:lnSpc>
-                <a:spcPct val="107000"/>
-              </a:lnSpc>
-              <a:spcBef>
-                <a:spcPts val="0"/>
-              </a:spcBef>
-              <a:spcAft>
-                <a:spcPts val="800"/>
-              </a:spcAft>
-            </a:pPr>
-            <a:r>
-              <a:rPr lang="en-US" sz="1200" dirty="0">
-                <a:solidFill>
-                  <a:srgbClr val="FFFF00"/>
-                </a:solidFill>
-                <a:effectLst/>
-                <a:latin typeface="Arial" panose="020B0604020202020204" pitchFamily="34" charset="0"/>
-                <a:ea typeface="Times New Roman" panose="02020603050405020304" pitchFamily="18" charset="0"/>
-              </a:rPr>
-              <a:t>CLICK</a:t>
-            </a:r>
-            <a:endParaRPr lang="en-US" sz="1100" dirty="0">
-              <a:effectLst/>
-              <a:latin typeface="Arial" panose="020B0604020202020204" pitchFamily="34" charset="0"/>
-              <a:ea typeface="Times New Roman" panose="02020603050405020304" pitchFamily="18" charset="0"/>
-            </a:endParaRPr>
-          </a:p>
-        </p:txBody>
-      </p:sp>
     </p:spTree>
     <p:extLst>
       <p:ext uri="{BB962C8B-B14F-4D97-AF65-F5344CB8AC3E}">
-        <p14:creationId xmlns:p14="http://schemas.microsoft.com/office/powerpoint/2010/main" val="43339631"/>
+        <p14:creationId xmlns:p14="http://schemas.microsoft.com/office/powerpoint/2010/main" val="535867481"/>
       </p:ext>
     </p:extLst>
   </p:cSld>
@@ -10753,4 +13061,319 @@
     </a:ext>
   </a:extLst>
 </a:theme>
+</file>
+
+<file path=ppt/theme/theme2.xml><?xml version="1.0" encoding="utf-8"?>
+<a:theme xmlns:a="http://schemas.openxmlformats.org/drawingml/2006/main" name="Office Theme">
+  <a:themeElements>
+    <a:clrScheme name="Office">
+      <a:dk1>
+        <a:sysClr val="windowText" lastClr="000000"/>
+      </a:dk1>
+      <a:lt1>
+        <a:sysClr val="window" lastClr="FFFFFF"/>
+      </a:lt1>
+      <a:dk2>
+        <a:srgbClr val="0E2841"/>
+      </a:dk2>
+      <a:lt2>
+        <a:srgbClr val="E8E8E8"/>
+      </a:lt2>
+      <a:accent1>
+        <a:srgbClr val="156082"/>
+      </a:accent1>
+      <a:accent2>
+        <a:srgbClr val="E97132"/>
+      </a:accent2>
+      <a:accent3>
+        <a:srgbClr val="196B24"/>
+      </a:accent3>
+      <a:accent4>
+        <a:srgbClr val="0F9ED5"/>
+      </a:accent4>
+      <a:accent5>
+        <a:srgbClr val="A02B93"/>
+      </a:accent5>
+      <a:accent6>
+        <a:srgbClr val="4EA72E"/>
+      </a:accent6>
+      <a:hlink>
+        <a:srgbClr val="467886"/>
+      </a:hlink>
+      <a:folHlink>
+        <a:srgbClr val="96607D"/>
+      </a:folHlink>
+    </a:clrScheme>
+    <a:fontScheme name="Office">
+      <a:majorFont>
+        <a:latin typeface="Aptos Display" panose="02110004020202020204"/>
+        <a:ea typeface=""/>
+        <a:cs typeface=""/>
+        <a:font script="Jpan" typeface="游ゴシック Light"/>
+        <a:font script="Hang" typeface="맑은 고딕"/>
+        <a:font script="Hans" typeface="等线 Light"/>
+        <a:font script="Hant" typeface="新細明體"/>
+        <a:font script="Arab" typeface="Times New Roman"/>
+        <a:font script="Hebr" typeface="Times New Roman"/>
+        <a:font script="Thai" typeface="Angsana New"/>
+        <a:font script="Ethi" typeface="Nyala"/>
+        <a:font script="Beng" typeface="Vrinda"/>
+        <a:font script="Gujr" typeface="Shruti"/>
+        <a:font script="Khmr" typeface="MoolBoran"/>
+        <a:font script="Knda" typeface="Tunga"/>
+        <a:font script="Guru" typeface="Raavi"/>
+        <a:font script="Cans" typeface="Euphemia"/>
+        <a:font script="Cher" typeface="Plantagenet Cherokee"/>
+        <a:font script="Yiii" typeface="Microsoft Yi Baiti"/>
+        <a:font script="Tibt" typeface="Microsoft Himalaya"/>
+        <a:font script="Thaa" typeface="MV Boli"/>
+        <a:font script="Deva" typeface="Mangal"/>
+        <a:font script="Telu" typeface="Gautami"/>
+        <a:font script="Taml" typeface="Latha"/>
+        <a:font script="Syrc" typeface="Estrangelo Edessa"/>
+        <a:font script="Orya" typeface="Kalinga"/>
+        <a:font script="Mlym" typeface="Kartika"/>
+        <a:font script="Laoo" typeface="DokChampa"/>
+        <a:font script="Sinh" typeface="Iskoola Pota"/>
+        <a:font script="Mong" typeface="Mongolian Baiti"/>
+        <a:font script="Viet" typeface="Times New Roman"/>
+        <a:font script="Uigh" typeface="Microsoft Uighur"/>
+        <a:font script="Geor" typeface="Sylfaen"/>
+        <a:font script="Armn" typeface="Arial"/>
+        <a:font script="Bugi" typeface="Leelawadee UI"/>
+        <a:font script="Bopo" typeface="Microsoft JhengHei"/>
+        <a:font script="Java" typeface="Javanese Text"/>
+        <a:font script="Lisu" typeface="Segoe UI"/>
+        <a:font script="Mymr" typeface="Myanmar Text"/>
+        <a:font script="Nkoo" typeface="Ebrima"/>
+        <a:font script="Olck" typeface="Nirmala UI"/>
+        <a:font script="Osma" typeface="Ebrima"/>
+        <a:font script="Phag" typeface="Phagspa"/>
+        <a:font script="Syrn" typeface="Estrangelo Edessa"/>
+        <a:font script="Syrj" typeface="Estrangelo Edessa"/>
+        <a:font script="Syre" typeface="Estrangelo Edessa"/>
+        <a:font script="Sora" typeface="Nirmala UI"/>
+        <a:font script="Tale" typeface="Microsoft Tai Le"/>
+        <a:font script="Talu" typeface="Microsoft New Tai Lue"/>
+        <a:font script="Tfng" typeface="Ebrima"/>
+      </a:majorFont>
+      <a:minorFont>
+        <a:latin typeface="Aptos" panose="02110004020202020204"/>
+        <a:ea typeface=""/>
+        <a:cs typeface=""/>
+        <a:font script="Jpan" typeface="游ゴシック"/>
+        <a:font script="Hang" typeface="맑은 고딕"/>
+        <a:font script="Hans" typeface="等线"/>
+        <a:font script="Hant" typeface="新細明體"/>
+        <a:font script="Arab" typeface="Arial"/>
+        <a:font script="Hebr" typeface="Arial"/>
+        <a:font script="Thai" typeface="Cordia New"/>
+        <a:font script="Ethi" typeface="Nyala"/>
+        <a:font script="Beng" typeface="Vrinda"/>
+        <a:font script="Gujr" typeface="Shruti"/>
+        <a:font script="Khmr" typeface="DaunPenh"/>
+        <a:font script="Knda" typeface="Tunga"/>
+        <a:font script="Guru" typeface="Raavi"/>
+        <a:font script="Cans" typeface="Euphemia"/>
+        <a:font script="Cher" typeface="Plantagenet Cherokee"/>
+        <a:font script="Yiii" typeface="Microsoft Yi Baiti"/>
+        <a:font script="Tibt" typeface="Microsoft Himalaya"/>
+        <a:font script="Thaa" typeface="MV Boli"/>
+        <a:font script="Deva" typeface="Mangal"/>
+        <a:font script="Telu" typeface="Gautami"/>
+        <a:font script="Taml" typeface="Latha"/>
+        <a:font script="Syrc" typeface="Estrangelo Edessa"/>
+        <a:font script="Orya" typeface="Kalinga"/>
+        <a:font script="Mlym" typeface="Kartika"/>
+        <a:font script="Laoo" typeface="DokChampa"/>
+        <a:font script="Sinh" typeface="Iskoola Pota"/>
+        <a:font script="Mong" typeface="Mongolian Baiti"/>
+        <a:font script="Viet" typeface="Arial"/>
+        <a:font script="Uigh" typeface="Microsoft Uighur"/>
+        <a:font script="Geor" typeface="Sylfaen"/>
+        <a:font script="Armn" typeface="Arial"/>
+        <a:font script="Bugi" typeface="Leelawadee UI"/>
+        <a:font script="Bopo" typeface="Microsoft JhengHei"/>
+        <a:font script="Java" typeface="Javanese Text"/>
+        <a:font script="Lisu" typeface="Segoe UI"/>
+        <a:font script="Mymr" typeface="Myanmar Text"/>
+        <a:font script="Nkoo" typeface="Ebrima"/>
+        <a:font script="Olck" typeface="Nirmala UI"/>
+        <a:font script="Osma" typeface="Ebrima"/>
+        <a:font script="Phag" typeface="Phagspa"/>
+        <a:font script="Syrn" typeface="Estrangelo Edessa"/>
+        <a:font script="Syrj" typeface="Estrangelo Edessa"/>
+        <a:font script="Syre" typeface="Estrangelo Edessa"/>
+        <a:font script="Sora" typeface="Nirmala UI"/>
+        <a:font script="Tale" typeface="Microsoft Tai Le"/>
+        <a:font script="Talu" typeface="Microsoft New Tai Lue"/>
+        <a:font script="Tfng" typeface="Ebrima"/>
+      </a:minorFont>
+    </a:fontScheme>
+    <a:fmtScheme name="Office">
+      <a:fillStyleLst>
+        <a:solidFill>
+          <a:schemeClr val="phClr"/>
+        </a:solidFill>
+        <a:gradFill rotWithShape="1">
+          <a:gsLst>
+            <a:gs pos="0">
+              <a:schemeClr val="phClr">
+                <a:lumMod val="110000"/>
+                <a:satMod val="105000"/>
+                <a:tint val="67000"/>
+              </a:schemeClr>
+            </a:gs>
+            <a:gs pos="50000">
+              <a:schemeClr val="phClr">
+                <a:lumMod val="105000"/>
+                <a:satMod val="103000"/>
+                <a:tint val="73000"/>
+              </a:schemeClr>
+            </a:gs>
+            <a:gs pos="100000">
+              <a:schemeClr val="phClr">
+                <a:lumMod val="105000"/>
+                <a:satMod val="109000"/>
+                <a:tint val="81000"/>
+              </a:schemeClr>
+            </a:gs>
+          </a:gsLst>
+          <a:lin ang="5400000" scaled="0"/>
+        </a:gradFill>
+        <a:gradFill rotWithShape="1">
+          <a:gsLst>
+            <a:gs pos="0">
+              <a:schemeClr val="phClr">
+                <a:satMod val="103000"/>
+                <a:lumMod val="102000"/>
+                <a:tint val="94000"/>
+              </a:schemeClr>
+            </a:gs>
+            <a:gs pos="50000">
+              <a:schemeClr val="phClr">
+                <a:satMod val="110000"/>
+                <a:lumMod val="100000"/>
+                <a:shade val="100000"/>
+              </a:schemeClr>
+            </a:gs>
+            <a:gs pos="100000">
+              <a:schemeClr val="phClr">
+                <a:lumMod val="99000"/>
+                <a:satMod val="120000"/>
+                <a:shade val="78000"/>
+              </a:schemeClr>
+            </a:gs>
+          </a:gsLst>
+          <a:lin ang="5400000" scaled="0"/>
+        </a:gradFill>
+      </a:fillStyleLst>
+      <a:lnStyleLst>
+        <a:ln w="12700" cap="flat" cmpd="sng" algn="ctr">
+          <a:solidFill>
+            <a:schemeClr val="phClr"/>
+          </a:solidFill>
+          <a:prstDash val="solid"/>
+          <a:miter lim="800000"/>
+        </a:ln>
+        <a:ln w="19050" cap="flat" cmpd="sng" algn="ctr">
+          <a:solidFill>
+            <a:schemeClr val="phClr"/>
+          </a:solidFill>
+          <a:prstDash val="solid"/>
+          <a:miter lim="800000"/>
+        </a:ln>
+        <a:ln w="25400" cap="flat" cmpd="sng" algn="ctr">
+          <a:solidFill>
+            <a:schemeClr val="phClr"/>
+          </a:solidFill>
+          <a:prstDash val="solid"/>
+          <a:miter lim="800000"/>
+        </a:ln>
+      </a:lnStyleLst>
+      <a:effectStyleLst>
+        <a:effectStyle>
+          <a:effectLst/>
+        </a:effectStyle>
+        <a:effectStyle>
+          <a:effectLst/>
+        </a:effectStyle>
+        <a:effectStyle>
+          <a:effectLst>
+            <a:outerShdw blurRad="57150" dist="19050" dir="5400000" algn="ctr" rotWithShape="0">
+              <a:srgbClr val="000000">
+                <a:alpha val="63000"/>
+              </a:srgbClr>
+            </a:outerShdw>
+          </a:effectLst>
+        </a:effectStyle>
+      </a:effectStyleLst>
+      <a:bgFillStyleLst>
+        <a:solidFill>
+          <a:schemeClr val="phClr"/>
+        </a:solidFill>
+        <a:solidFill>
+          <a:schemeClr val="phClr">
+            <a:tint val="95000"/>
+            <a:satMod val="170000"/>
+          </a:schemeClr>
+        </a:solidFill>
+        <a:gradFill rotWithShape="1">
+          <a:gsLst>
+            <a:gs pos="0">
+              <a:schemeClr val="phClr">
+                <a:tint val="93000"/>
+                <a:satMod val="150000"/>
+                <a:shade val="98000"/>
+                <a:lumMod val="102000"/>
+              </a:schemeClr>
+            </a:gs>
+            <a:gs pos="50000">
+              <a:schemeClr val="phClr">
+                <a:tint val="98000"/>
+                <a:satMod val="130000"/>
+                <a:shade val="90000"/>
+                <a:lumMod val="103000"/>
+              </a:schemeClr>
+            </a:gs>
+            <a:gs pos="100000">
+              <a:schemeClr val="phClr">
+                <a:shade val="63000"/>
+                <a:satMod val="120000"/>
+              </a:schemeClr>
+            </a:gs>
+          </a:gsLst>
+          <a:lin ang="5400000" scaled="0"/>
+        </a:gradFill>
+      </a:bgFillStyleLst>
+    </a:fmtScheme>
+  </a:themeElements>
+  <a:objectDefaults>
+    <a:lnDef>
+      <a:spPr/>
+      <a:bodyPr/>
+      <a:lstStyle/>
+      <a:style>
+        <a:lnRef idx="2">
+          <a:schemeClr val="accent1"/>
+        </a:lnRef>
+        <a:fillRef idx="0">
+          <a:schemeClr val="accent1"/>
+        </a:fillRef>
+        <a:effectRef idx="1">
+          <a:schemeClr val="accent1"/>
+        </a:effectRef>
+        <a:fontRef idx="minor">
+          <a:schemeClr val="tx1"/>
+        </a:fontRef>
+      </a:style>
+    </a:lnDef>
+  </a:objectDefaults>
+  <a:extraClrSchemeLst/>
+  <a:extLst>
+    <a:ext uri="{05A4C25C-085E-4340-85A3-A5531E510DB2}">
+      <thm15:themeFamily xmlns:thm15="http://schemas.microsoft.com/office/thememl/2012/main" name="Office Theme" id="{2E142A2C-CD16-42D6-873A-C26D2A0506FA}" vid="{1BDDFF52-6CD6-40A5-AB3C-68EB2F1E4D0A}"/>
+    </a:ext>
+  </a:extLst>
+</a:theme>
 </file>
--- a/WBZ45x_CAN_BLE_Peripheral.pptx
+++ b/WBZ45x_CAN_BLE_Peripheral.pptx
@@ -14,11 +14,11 @@
     <p:sldId id="270" r:id="rId5"/>
     <p:sldId id="258" r:id="rId6"/>
     <p:sldId id="280" r:id="rId7"/>
-    <p:sldId id="274" r:id="rId8"/>
-    <p:sldId id="269" r:id="rId9"/>
-    <p:sldId id="260" r:id="rId10"/>
-    <p:sldId id="262" r:id="rId11"/>
-    <p:sldId id="263" r:id="rId12"/>
+    <p:sldId id="269" r:id="rId8"/>
+    <p:sldId id="260" r:id="rId9"/>
+    <p:sldId id="262" r:id="rId10"/>
+    <p:sldId id="263" r:id="rId11"/>
+    <p:sldId id="281" r:id="rId12"/>
     <p:sldId id="272" r:id="rId13"/>
     <p:sldId id="273" r:id="rId14"/>
     <p:sldId id="275" r:id="rId15"/>
@@ -214,7 +214,7 @@
           <a:p>
             <a:fld id="{D8FD1211-642A-3945-B534-00A1B00CEBCE}" type="datetimeFigureOut">
               <a:rPr lang="en-US" smtClean="0"/>
-              <a:t>9/5/24</a:t>
+              <a:t>9/14/24</a:t>
             </a:fld>
             <a:endParaRPr lang="en-US"/>
           </a:p>
@@ -728,7 +728,7 @@
           <a:p>
             <a:fld id="{7A5DC5CD-0095-2046-BF3C-100069736801}" type="datetimeFigureOut">
               <a:rPr lang="en-US" smtClean="0"/>
-              <a:t>9/5/24</a:t>
+              <a:t>9/14/24</a:t>
             </a:fld>
             <a:endParaRPr lang="en-US"/>
           </a:p>
@@ -926,7 +926,7 @@
           <a:p>
             <a:fld id="{7A5DC5CD-0095-2046-BF3C-100069736801}" type="datetimeFigureOut">
               <a:rPr lang="en-US" smtClean="0"/>
-              <a:t>9/5/24</a:t>
+              <a:t>9/14/24</a:t>
             </a:fld>
             <a:endParaRPr lang="en-US"/>
           </a:p>
@@ -1134,7 +1134,7 @@
           <a:p>
             <a:fld id="{7A5DC5CD-0095-2046-BF3C-100069736801}" type="datetimeFigureOut">
               <a:rPr lang="en-US" smtClean="0"/>
-              <a:t>9/5/24</a:t>
+              <a:t>9/14/24</a:t>
             </a:fld>
             <a:endParaRPr lang="en-US"/>
           </a:p>
@@ -1332,7 +1332,7 @@
           <a:p>
             <a:fld id="{7A5DC5CD-0095-2046-BF3C-100069736801}" type="datetimeFigureOut">
               <a:rPr lang="en-US" smtClean="0"/>
-              <a:t>9/5/24</a:t>
+              <a:t>9/14/24</a:t>
             </a:fld>
             <a:endParaRPr lang="en-US"/>
           </a:p>
@@ -1607,7 +1607,7 @@
           <a:p>
             <a:fld id="{7A5DC5CD-0095-2046-BF3C-100069736801}" type="datetimeFigureOut">
               <a:rPr lang="en-US" smtClean="0"/>
-              <a:t>9/5/24</a:t>
+              <a:t>9/14/24</a:t>
             </a:fld>
             <a:endParaRPr lang="en-US"/>
           </a:p>
@@ -1872,7 +1872,7 @@
           <a:p>
             <a:fld id="{7A5DC5CD-0095-2046-BF3C-100069736801}" type="datetimeFigureOut">
               <a:rPr lang="en-US" smtClean="0"/>
-              <a:t>9/5/24</a:t>
+              <a:t>9/14/24</a:t>
             </a:fld>
             <a:endParaRPr lang="en-US"/>
           </a:p>
@@ -2284,7 +2284,7 @@
           <a:p>
             <a:fld id="{7A5DC5CD-0095-2046-BF3C-100069736801}" type="datetimeFigureOut">
               <a:rPr lang="en-US" smtClean="0"/>
-              <a:t>9/5/24</a:t>
+              <a:t>9/14/24</a:t>
             </a:fld>
             <a:endParaRPr lang="en-US"/>
           </a:p>
@@ -2425,7 +2425,7 @@
           <a:p>
             <a:fld id="{7A5DC5CD-0095-2046-BF3C-100069736801}" type="datetimeFigureOut">
               <a:rPr lang="en-US" smtClean="0"/>
-              <a:t>9/5/24</a:t>
+              <a:t>9/14/24</a:t>
             </a:fld>
             <a:endParaRPr lang="en-US"/>
           </a:p>
@@ -2538,7 +2538,7 @@
           <a:p>
             <a:fld id="{7A5DC5CD-0095-2046-BF3C-100069736801}" type="datetimeFigureOut">
               <a:rPr lang="en-US" smtClean="0"/>
-              <a:t>9/5/24</a:t>
+              <a:t>9/14/24</a:t>
             </a:fld>
             <a:endParaRPr lang="en-US"/>
           </a:p>
@@ -2849,7 +2849,7 @@
           <a:p>
             <a:fld id="{7A5DC5CD-0095-2046-BF3C-100069736801}" type="datetimeFigureOut">
               <a:rPr lang="en-US" smtClean="0"/>
-              <a:t>9/5/24</a:t>
+              <a:t>9/14/24</a:t>
             </a:fld>
             <a:endParaRPr lang="en-US"/>
           </a:p>
@@ -3137,7 +3137,7 @@
           <a:p>
             <a:fld id="{7A5DC5CD-0095-2046-BF3C-100069736801}" type="datetimeFigureOut">
               <a:rPr lang="en-US" smtClean="0"/>
-              <a:t>9/5/24</a:t>
+              <a:t>9/14/24</a:t>
             </a:fld>
             <a:endParaRPr lang="en-US"/>
           </a:p>
@@ -3378,7 +3378,7 @@
           <a:p>
             <a:fld id="{7A5DC5CD-0095-2046-BF3C-100069736801}" type="datetimeFigureOut">
               <a:rPr lang="en-US" smtClean="0"/>
-              <a:t>9/5/24</a:t>
+              <a:t>9/14/24</a:t>
             </a:fld>
             <a:endParaRPr lang="en-US"/>
           </a:p>
@@ -4565,6 +4565,36 @@
           <a:chExt cx="0" cy="0"/>
         </a:xfrm>
       </p:grpSpPr>
+      <p:pic>
+        <p:nvPicPr>
+          <p:cNvPr id="16" name="Picture 15" descr="A black text on a white background&#10;&#10;Description automatically generated">
+            <a:extLst>
+              <a:ext uri="{FF2B5EF4-FFF2-40B4-BE49-F238E27FC236}">
+                <a16:creationId xmlns:a16="http://schemas.microsoft.com/office/drawing/2014/main" id="{09D2296F-2ED2-269F-F48E-CBFBEF84AB88}"/>
+              </a:ext>
+            </a:extLst>
+          </p:cNvPr>
+          <p:cNvPicPr>
+            <a:picLocks noChangeAspect="1"/>
+          </p:cNvPicPr>
+          <p:nvPr/>
+        </p:nvPicPr>
+        <p:blipFill>
+          <a:blip r:embed="rId2"/>
+          <a:stretch>
+            <a:fillRect/>
+          </a:stretch>
+        </p:blipFill>
+        <p:spPr>
+          <a:xfrm>
+            <a:off x="9574022" y="6138164"/>
+            <a:ext cx="2578100" cy="698500"/>
+          </a:xfrm>
+          <a:prstGeom prst="rect">
+            <a:avLst/>
+          </a:prstGeom>
+        </p:spPr>
+      </p:pic>
       <p:sp>
         <p:nvSpPr>
           <p:cNvPr id="2" name="TextBox 1">
@@ -4618,8 +4648,8 @@
         </p:nvSpPr>
         <p:spPr>
           <a:xfrm>
-            <a:off x="567827" y="1058607"/>
-            <a:ext cx="10972532" cy="5235087"/>
+            <a:off x="567827" y="924495"/>
+            <a:ext cx="10825103" cy="5265352"/>
           </a:xfrm>
           <a:prstGeom prst="rect">
             <a:avLst/>
@@ -4652,7 +4682,7 @@
                 <a:latin typeface="Arial" panose="020B0604020202020204" pitchFamily="34" charset="0"/>
                 <a:ea typeface="Times New Roman" panose="02020603050405020304" pitchFamily="18" charset="0"/>
               </a:rPr>
-              <a:t>STEP 1: </a:t>
+              <a:t>STEP 4: </a:t>
             </a:r>
             <a:r>
               <a:rPr lang="en-US" sz="1800" b="1" dirty="0">
@@ -4660,16 +4690,18 @@
                 <a:latin typeface="Arial" panose="020B0604020202020204" pitchFamily="34" charset="0"/>
                 <a:ea typeface="Times New Roman" panose="02020603050405020304" pitchFamily="18" charset="0"/>
               </a:rPr>
-              <a:t>Launch the MPLAB X IDE</a:t>
-            </a:r>
-            <a:endParaRPr lang="en-US" sz="1800" dirty="0">
-              <a:effectLst/>
-              <a:latin typeface="Arial" panose="020B0604020202020204" pitchFamily="34" charset="0"/>
-              <a:ea typeface="Times New Roman" panose="02020603050405020304" pitchFamily="18" charset="0"/>
-            </a:endParaRPr>
-          </a:p>
-          <a:p>
-            <a:pPr marL="457200" marR="0" indent="-457200">
+              <a:t>Program the </a:t>
+            </a:r>
+            <a:r>
+              <a:rPr lang="en-US" b="1" dirty="0">
+                <a:latin typeface="Arial" panose="020B0604020202020204" pitchFamily="34" charset="0"/>
+                <a:ea typeface="Times New Roman" panose="02020603050405020304" pitchFamily="18" charset="0"/>
+              </a:rPr>
+              <a:t>WBZ451PE Module</a:t>
+            </a:r>
+          </a:p>
+          <a:p>
+            <a:pPr marR="0">
               <a:lnSpc>
                 <a:spcPct val="107000"/>
               </a:lnSpc>
@@ -4681,95 +4713,66 @@
               </a:spcAft>
             </a:pPr>
             <a:r>
-              <a:rPr lang="en-US" sz="1800" b="1" dirty="0">
-                <a:solidFill>
-                  <a:srgbClr val="FF0000"/>
-                </a:solidFill>
+              <a:rPr lang="en-US" dirty="0">
                 <a:effectLst/>
                 <a:latin typeface="Arial" panose="020B0604020202020204" pitchFamily="34" charset="0"/>
                 <a:ea typeface="Times New Roman" panose="02020603050405020304" pitchFamily="18" charset="0"/>
               </a:rPr>
-              <a:t>STEP 2: </a:t>
-            </a:r>
-            <a:r>
-              <a:rPr lang="en-US" sz="1800" b="1" dirty="0">
+              <a:t>a) Click on the </a:t>
+            </a:r>
+            <a:r>
+              <a:rPr lang="en-US" b="1" dirty="0">
                 <a:effectLst/>
                 <a:latin typeface="Arial" panose="020B0604020202020204" pitchFamily="34" charset="0"/>
                 <a:ea typeface="Times New Roman" panose="02020603050405020304" pitchFamily="18" charset="0"/>
               </a:rPr>
-              <a:t>Open the Demo Project</a:t>
-            </a:r>
-            <a:endParaRPr lang="en-US" sz="1800" dirty="0">
-              <a:effectLst/>
-              <a:latin typeface="Arial" panose="020B0604020202020204" pitchFamily="34" charset="0"/>
-              <a:ea typeface="Times New Roman" panose="02020603050405020304" pitchFamily="18" charset="0"/>
-            </a:endParaRPr>
-          </a:p>
-          <a:p>
-            <a:pPr marL="690245" marR="0" indent="-342900">
-              <a:lnSpc>
-                <a:spcPct val="107000"/>
-              </a:lnSpc>
-              <a:spcBef>
-                <a:spcPts val="1200"/>
-              </a:spcBef>
-              <a:spcAft>
-                <a:spcPts val="600"/>
-              </a:spcAft>
-              <a:buFont typeface="+mj-lt"/>
-              <a:buAutoNum type="alphaLcParenR"/>
-            </a:pPr>
-            <a:r>
-              <a:rPr lang="en-US" sz="1800" dirty="0">
+              <a:t>Make and Program Device Main Project</a:t>
+            </a:r>
+            <a:r>
+              <a:rPr lang="en-US" dirty="0">
                 <a:effectLst/>
                 <a:latin typeface="Arial" panose="020B0604020202020204" pitchFamily="34" charset="0"/>
                 <a:ea typeface="Times New Roman" panose="02020603050405020304" pitchFamily="18" charset="0"/>
               </a:rPr>
-              <a:t>From the MPLAB X main toolbar, select [File </a:t>
-            </a:r>
-            <a:r>
-              <a:rPr lang="en-US" sz="1800" dirty="0">
-                <a:effectLst/>
-                <a:latin typeface="Arial" panose="020B0604020202020204" pitchFamily="34" charset="0"/>
-                <a:ea typeface="Times New Roman" panose="02020603050405020304" pitchFamily="18" charset="0"/>
-                <a:sym typeface="Wingdings" pitchFamily="2" charset="2"/>
-              </a:rPr>
-              <a:t></a:t>
-            </a:r>
-            <a:r>
-              <a:rPr lang="en-US" sz="1800" dirty="0">
+              <a:t> icon in the MPLAB X main toolbar</a:t>
+            </a:r>
+          </a:p>
+          <a:p>
+            <a:endParaRPr lang="en-US" dirty="0"/>
+          </a:p>
+          <a:p>
+            <a:endParaRPr lang="en-US" dirty="0"/>
+          </a:p>
+          <a:p>
+            <a:endParaRPr lang="en-US" dirty="0"/>
+          </a:p>
+          <a:p>
+            <a:r>
+              <a:rPr lang="en-US" dirty="0">
                 <a:effectLst/>
                 <a:latin typeface="Arial" panose="020B0604020202020204" pitchFamily="34" charset="0"/>
                 <a:ea typeface="Times New Roman" panose="02020603050405020304" pitchFamily="18" charset="0"/>
               </a:rPr>
-              <a:t> Open Project]</a:t>
-            </a:r>
-          </a:p>
-          <a:p>
-            <a:pPr marL="690245" marR="0" indent="-342900">
-              <a:lnSpc>
-                <a:spcPct val="107000"/>
-              </a:lnSpc>
-              <a:spcBef>
-                <a:spcPts val="1200"/>
-              </a:spcBef>
-              <a:spcAft>
-                <a:spcPts val="600"/>
-              </a:spcAft>
-              <a:buFont typeface="+mj-lt"/>
-              <a:buAutoNum type="alphaLcParenR"/>
-            </a:pPr>
-            <a:r>
-              <a:rPr lang="en-US" sz="1800" dirty="0">
-                <a:effectLst/>
-                <a:latin typeface="Arial" panose="020B0604020202020204" pitchFamily="34" charset="0"/>
-                <a:ea typeface="Times New Roman" panose="02020603050405020304" pitchFamily="18" charset="0"/>
-              </a:rPr>
-              <a:t>Navigate to the location of the demo project folder:</a:t>
-            </a:r>
-          </a:p>
-          <a:p>
-            <a:pPr marL="804545" lvl="1">
+              <a:t>b) Verify that the programming phase was successful</a:t>
+            </a:r>
+          </a:p>
+          <a:p>
+            <a:endParaRPr lang="en-US" dirty="0"/>
+          </a:p>
+          <a:p>
+            <a:endParaRPr lang="en-US" dirty="0"/>
+          </a:p>
+          <a:p>
+            <a:endParaRPr lang="en-US" dirty="0"/>
+          </a:p>
+          <a:p>
+            <a:endParaRPr lang="en-US" dirty="0"/>
+          </a:p>
+          <a:p>
+            <a:endParaRPr lang="en-US" dirty="0"/>
+          </a:p>
+          <a:p>
+            <a:pPr marL="575945" marR="0" indent="-575945">
               <a:lnSpc>
                 <a:spcPct val="107000"/>
               </a:lnSpc>
@@ -4781,119 +4784,15 @@
               </a:spcAft>
             </a:pPr>
             <a:r>
-              <a:rPr lang="en-US" sz="1600" b="1" dirty="0">
+              <a:rPr lang="en-US" sz="1800" b="1" dirty="0">
+                <a:solidFill>
+                  <a:srgbClr val="FF0000"/>
+                </a:solidFill>
                 <a:effectLst/>
                 <a:latin typeface="Arial" panose="020B0604020202020204" pitchFamily="34" charset="0"/>
                 <a:ea typeface="Times New Roman" panose="02020603050405020304" pitchFamily="18" charset="0"/>
               </a:rPr>
-              <a:t>pic32cxbz2_wbz45x_ble_can_bridge </a:t>
-            </a:r>
-            <a:r>
-              <a:rPr lang="en-US" sz="1600" b="1" dirty="0">
-                <a:effectLst/>
-                <a:latin typeface="Arial" panose="020B0604020202020204" pitchFamily="34" charset="0"/>
-                <a:ea typeface="Times New Roman" panose="02020603050405020304" pitchFamily="18" charset="0"/>
-                <a:sym typeface="Wingdings" pitchFamily="2" charset="2"/>
-              </a:rPr>
-              <a:t> </a:t>
-            </a:r>
-            <a:r>
-              <a:rPr lang="en-US" sz="1600" b="1" dirty="0">
-                <a:effectLst/>
-                <a:latin typeface="Arial" panose="020B0604020202020204" pitchFamily="34" charset="0"/>
-                <a:ea typeface="Times New Roman" panose="02020603050405020304" pitchFamily="18" charset="0"/>
-              </a:rPr>
-              <a:t>02_wbz451_mcp251863_CAN_BLE_Peripheral</a:t>
-            </a:r>
-            <a:r>
-              <a:rPr lang="en-US" sz="1600" b="1" dirty="0">
-                <a:latin typeface="Arial" panose="020B0604020202020204" pitchFamily="34" charset="0"/>
-                <a:ea typeface="Times New Roman" panose="02020603050405020304" pitchFamily="18" charset="0"/>
-              </a:rPr>
-              <a:t> </a:t>
-            </a:r>
-            <a:r>
-              <a:rPr lang="en-US" sz="1600" b="1" dirty="0">
-                <a:latin typeface="Arial" panose="020B0604020202020204" pitchFamily="34" charset="0"/>
-                <a:ea typeface="Times New Roman" panose="02020603050405020304" pitchFamily="18" charset="0"/>
-                <a:sym typeface="Wingdings" pitchFamily="2" charset="2"/>
-              </a:rPr>
-              <a:t> </a:t>
-            </a:r>
-            <a:r>
-              <a:rPr lang="en-US" sz="1600" b="1" dirty="0">
-                <a:effectLst/>
-                <a:latin typeface="Arial" panose="020B0604020202020204" pitchFamily="34" charset="0"/>
-                <a:ea typeface="Times New Roman" panose="02020603050405020304" pitchFamily="18" charset="0"/>
-              </a:rPr>
-              <a:t>firmware</a:t>
-            </a:r>
-            <a:endParaRPr lang="en-US" sz="1600" dirty="0">
-              <a:effectLst/>
-              <a:latin typeface="Arial" panose="020B0604020202020204" pitchFamily="34" charset="0"/>
-              <a:ea typeface="Times New Roman" panose="02020603050405020304" pitchFamily="18" charset="0"/>
-            </a:endParaRPr>
-          </a:p>
-          <a:p>
-            <a:pPr marL="690245" marR="0" indent="-342900">
-              <a:lnSpc>
-                <a:spcPct val="107000"/>
-              </a:lnSpc>
-              <a:spcBef>
-                <a:spcPts val="1200"/>
-              </a:spcBef>
-              <a:spcAft>
-                <a:spcPts val="600"/>
-              </a:spcAft>
-              <a:buFont typeface="+mj-lt"/>
-              <a:buAutoNum type="alphaLcParenR"/>
-            </a:pPr>
-            <a:r>
-              <a:rPr lang="en-US" sz="1800" dirty="0">
-                <a:effectLst/>
-                <a:latin typeface="Arial" panose="020B0604020202020204" pitchFamily="34" charset="0"/>
-                <a:ea typeface="Times New Roman" panose="02020603050405020304" pitchFamily="18" charset="0"/>
-              </a:rPr>
-              <a:t>Select (click on) the </a:t>
-            </a:r>
-            <a:r>
-              <a:rPr lang="en-US" sz="1800" b="1" dirty="0" err="1">
-                <a:effectLst/>
-                <a:latin typeface="Arial" panose="020B0604020202020204" pitchFamily="34" charset="0"/>
-                <a:ea typeface="Times New Roman" panose="02020603050405020304" pitchFamily="18" charset="0"/>
-              </a:rPr>
-              <a:t>bleCan_Peripheral.X</a:t>
-            </a:r>
-            <a:r>
-              <a:rPr lang="en-US" sz="1800" dirty="0">
-                <a:effectLst/>
-                <a:latin typeface="Arial" panose="020B0604020202020204" pitchFamily="34" charset="0"/>
-                <a:ea typeface="Times New Roman" panose="02020603050405020304" pitchFamily="18" charset="0"/>
-              </a:rPr>
-              <a:t> project folder</a:t>
-            </a:r>
-          </a:p>
-          <a:p>
-            <a:pPr marL="690245" marR="0" indent="-342900">
-              <a:lnSpc>
-                <a:spcPct val="107000"/>
-              </a:lnSpc>
-              <a:spcBef>
-                <a:spcPts val="1200"/>
-              </a:spcBef>
-              <a:spcAft>
-                <a:spcPts val="600"/>
-              </a:spcAft>
-              <a:buFont typeface="+mj-lt"/>
-              <a:buAutoNum type="alphaLcParenR"/>
-            </a:pPr>
-            <a:r>
-              <a:rPr lang="en-US" sz="1800" dirty="0">
-                <a:effectLst/>
-                <a:latin typeface="Arial" panose="020B0604020202020204" pitchFamily="34" charset="0"/>
-                <a:ea typeface="Times New Roman" panose="02020603050405020304" pitchFamily="18" charset="0"/>
-              </a:rPr>
-              <a:t>Click on the </a:t>
+              <a:t>STEP 5: </a:t>
             </a:r>
             <a:r>
               <a:rPr lang="en-US" sz="1800" b="1" dirty="0">
@@ -4901,19 +4800,31 @@
                 <a:latin typeface="Arial" panose="020B0604020202020204" pitchFamily="34" charset="0"/>
                 <a:ea typeface="Times New Roman" panose="02020603050405020304" pitchFamily="18" charset="0"/>
               </a:rPr>
-              <a:t>Open Project </a:t>
-            </a:r>
-            <a:r>
-              <a:rPr lang="en-US" sz="1800" dirty="0">
+              <a:t>Connect to the </a:t>
+            </a:r>
+            <a:r>
+              <a:rPr lang="en-US" b="1" dirty="0">
+                <a:latin typeface="Arial" panose="020B0604020202020204" pitchFamily="34" charset="0"/>
+                <a:ea typeface="Times New Roman" panose="02020603050405020304" pitchFamily="18" charset="0"/>
+              </a:rPr>
+              <a:t>WBZ451</a:t>
+            </a:r>
+            <a:r>
+              <a:rPr lang="en-US" sz="1800" b="1" dirty="0">
                 <a:effectLst/>
                 <a:latin typeface="Arial" panose="020B0604020202020204" pitchFamily="34" charset="0"/>
                 <a:ea typeface="Times New Roman" panose="02020603050405020304" pitchFamily="18" charset="0"/>
               </a:rPr>
-              <a:t>button</a:t>
-            </a:r>
-          </a:p>
-          <a:p>
-            <a:pPr marL="457200" marR="0" indent="-457200">
+              <a:t> Module Using the Microchip Bluetooth Data (MBD) Application</a:t>
+            </a:r>
+            <a:endParaRPr lang="en-US" sz="1800" dirty="0">
+              <a:effectLst/>
+              <a:latin typeface="Arial" panose="020B0604020202020204" pitchFamily="34" charset="0"/>
+              <a:ea typeface="Times New Roman" panose="02020603050405020304" pitchFamily="18" charset="0"/>
+            </a:endParaRPr>
+          </a:p>
+          <a:p>
+            <a:pPr marL="1033145" marR="0" indent="-575945">
               <a:lnSpc>
                 <a:spcPct val="107000"/>
               </a:lnSpc>
@@ -4925,32 +4836,16 @@
               </a:spcAft>
             </a:pPr>
             <a:r>
-              <a:rPr lang="en-US" sz="1800" b="1" dirty="0">
-                <a:solidFill>
-                  <a:srgbClr val="FF0000"/>
-                </a:solidFill>
+              <a:rPr lang="en-US" sz="1800" dirty="0">
                 <a:effectLst/>
                 <a:latin typeface="Arial" panose="020B0604020202020204" pitchFamily="34" charset="0"/>
                 <a:ea typeface="Times New Roman" panose="02020603050405020304" pitchFamily="18" charset="0"/>
               </a:rPr>
-              <a:t>STEP 3: </a:t>
-            </a:r>
-            <a:r>
-              <a:rPr lang="en-US" sz="1800" b="1" dirty="0">
-                <a:effectLst/>
-                <a:latin typeface="Arial" panose="020B0604020202020204" pitchFamily="34" charset="0"/>
-                <a:ea typeface="Times New Roman" panose="02020603050405020304" pitchFamily="18" charset="0"/>
-              </a:rPr>
-              <a:t>Clean and Build the Project</a:t>
-            </a:r>
-            <a:endParaRPr lang="en-US" sz="1800" dirty="0">
-              <a:effectLst/>
-              <a:latin typeface="Arial" panose="020B0604020202020204" pitchFamily="34" charset="0"/>
-              <a:ea typeface="Times New Roman" panose="02020603050405020304" pitchFamily="18" charset="0"/>
-            </a:endParaRPr>
-          </a:p>
-          <a:p>
-            <a:pPr marL="923290" marR="0" indent="-575945">
+              <a:t>Follow the procedure in the section titled “Connecting CAN Network to Mobile App (MBD App)”</a:t>
+            </a:r>
+          </a:p>
+          <a:p>
+            <a:pPr marL="457200" marR="0">
               <a:lnSpc>
                 <a:spcPct val="107000"/>
               </a:lnSpc>
@@ -4962,44 +4857,34 @@
               </a:spcAft>
             </a:pPr>
             <a:r>
-              <a:rPr lang="en-US" sz="1800" dirty="0">
+              <a:rPr lang="en-US" sz="1800" u="sng" dirty="0">
+                <a:solidFill>
+                  <a:srgbClr val="0000FF"/>
+                </a:solidFill>
                 <a:effectLst/>
                 <a:latin typeface="Arial" panose="020B0604020202020204" pitchFamily="34" charset="0"/>
                 <a:ea typeface="Times New Roman" panose="02020603050405020304" pitchFamily="18" charset="0"/>
+                <a:hlinkClick r:id="rId3"/>
               </a:rPr>
-              <a:t>Click on the </a:t>
-            </a:r>
-            <a:r>
-              <a:rPr lang="en-US" sz="1800" b="1" dirty="0">
-                <a:effectLst/>
-                <a:latin typeface="Arial" panose="020B0604020202020204" pitchFamily="34" charset="0"/>
-                <a:ea typeface="Times New Roman" panose="02020603050405020304" pitchFamily="18" charset="0"/>
-              </a:rPr>
-              <a:t>Clean and Build Main Project</a:t>
-            </a:r>
-            <a:r>
-              <a:rPr lang="en-US" sz="1800" dirty="0">
-                <a:effectLst/>
-                <a:latin typeface="Arial" panose="020B0604020202020204" pitchFamily="34" charset="0"/>
-                <a:ea typeface="Times New Roman" panose="02020603050405020304" pitchFamily="18" charset="0"/>
-              </a:rPr>
-              <a:t> icon in the MPLAB X main toolbar</a:t>
-            </a:r>
-          </a:p>
-          <a:p>
-            <a:endParaRPr lang="en-US" sz="2000" dirty="0"/>
-          </a:p>
-          <a:p>
-            <a:endParaRPr lang="en-US" dirty="0"/>
+              <a:t>https://github.com/MicrochipTech/pic32cxbz2_wbz45x_ble_can_bridge/tree/main?tab=readme-ov-file#connecting-can-network-to-mobile-app-mbd-app</a:t>
+            </a:r>
+            <a:endParaRPr lang="en-US" sz="1800" u="sng" dirty="0">
+              <a:solidFill>
+                <a:srgbClr val="0000FF"/>
+              </a:solidFill>
+              <a:effectLst/>
+              <a:latin typeface="Arial" panose="020B0604020202020204" pitchFamily="34" charset="0"/>
+              <a:ea typeface="Times New Roman" panose="02020603050405020304" pitchFamily="18" charset="0"/>
+            </a:endParaRPr>
           </a:p>
         </p:txBody>
       </p:sp>
       <p:pic>
         <p:nvPicPr>
-          <p:cNvPr id="7" name="Picture 6" descr="Graphical user interface, text, application, chat or text message&#10;&#10;Description automatically generated">
-            <a:extLst>
-              <a:ext uri="{FF2B5EF4-FFF2-40B4-BE49-F238E27FC236}">
-                <a16:creationId xmlns:a16="http://schemas.microsoft.com/office/drawing/2014/main" id="{CAF2B978-8883-E4D9-D5E8-30E33767B60A}"/>
+          <p:cNvPr id="12" name="Picture 11">
+            <a:extLst>
+              <a:ext uri="{FF2B5EF4-FFF2-40B4-BE49-F238E27FC236}">
+                <a16:creationId xmlns:a16="http://schemas.microsoft.com/office/drawing/2014/main" id="{D9E6BC65-EB56-D818-B151-9B574C0E044E}"/>
               </a:ext>
             </a:extLst>
           </p:cNvPr>
@@ -5009,7 +4894,7 @@
           <p:nvPr/>
         </p:nvPicPr>
         <p:blipFill>
-          <a:blip r:embed="rId2">
+          <a:blip r:embed="rId4" cstate="print">
             <a:extLst>
               <a:ext uri="{28A0092B-C50C-407E-A947-70E740481C1C}">
                 <a14:useLocalDpi xmlns:a14="http://schemas.microsoft.com/office/drawing/2010/main" val="0"/>
@@ -5022,8 +4907,8 @@
         </p:blipFill>
         <p:spPr>
           <a:xfrm>
-            <a:off x="1636949" y="5182413"/>
-            <a:ext cx="5156200" cy="1409700"/>
+            <a:off x="921395" y="3069463"/>
+            <a:ext cx="6492240" cy="1240790"/>
           </a:xfrm>
           <a:prstGeom prst="rect">
             <a:avLst/>
@@ -5032,6 +4917,98 @@
       </p:pic>
       <p:sp>
         <p:nvSpPr>
+          <p:cNvPr id="13" name="Oval 12">
+            <a:extLst>
+              <a:ext uri="{FF2B5EF4-FFF2-40B4-BE49-F238E27FC236}">
+                <a16:creationId xmlns:a16="http://schemas.microsoft.com/office/drawing/2014/main" id="{21B42215-9A7F-E16D-440F-F484B967DA5E}"/>
+              </a:ext>
+            </a:extLst>
+          </p:cNvPr>
+          <p:cNvSpPr/>
+          <p:nvPr/>
+        </p:nvSpPr>
+        <p:spPr>
+          <a:xfrm>
+            <a:off x="909203" y="3938599"/>
+            <a:ext cx="1600200" cy="190500"/>
+          </a:xfrm>
+          <a:prstGeom prst="ellipse">
+            <a:avLst/>
+          </a:prstGeom>
+          <a:noFill/>
+          <a:ln>
+            <a:solidFill>
+              <a:srgbClr val="FF0000"/>
+            </a:solidFill>
+          </a:ln>
+        </p:spPr>
+        <p:style>
+          <a:lnRef idx="2">
+            <a:schemeClr val="accent1">
+              <a:shade val="50000"/>
+            </a:schemeClr>
+          </a:lnRef>
+          <a:fillRef idx="1">
+            <a:schemeClr val="accent1"/>
+          </a:fillRef>
+          <a:effectRef idx="0">
+            <a:schemeClr val="accent1"/>
+          </a:effectRef>
+          <a:fontRef idx="minor">
+            <a:schemeClr val="lt1"/>
+          </a:fontRef>
+        </p:style>
+        <p:txBody>
+          <a:bodyPr rot="0" spcFirstLastPara="0" vert="horz" wrap="square" lIns="91440" tIns="45720" rIns="91440" bIns="45720" numCol="1" spcCol="0" rtlCol="0" fromWordArt="0" anchor="ctr" anchorCtr="0" forceAA="0" compatLnSpc="1">
+            <a:prstTxWarp prst="textNoShape">
+              <a:avLst/>
+            </a:prstTxWarp>
+            <a:noAutofit/>
+          </a:bodyPr>
+          <a:lstStyle/>
+          <a:p>
+            <a:endParaRPr lang="en-US"/>
+          </a:p>
+        </p:txBody>
+      </p:sp>
+      <p:pic>
+        <p:nvPicPr>
+          <p:cNvPr id="14" name="Picture 13" descr="Graphical user interface, text, application, chat or text message&#10;&#10;Description automatically generated">
+            <a:extLst>
+              <a:ext uri="{FF2B5EF4-FFF2-40B4-BE49-F238E27FC236}">
+                <a16:creationId xmlns:a16="http://schemas.microsoft.com/office/drawing/2014/main" id="{E98177C4-8C57-02A0-A234-117E41937837}"/>
+              </a:ext>
+            </a:extLst>
+          </p:cNvPr>
+          <p:cNvPicPr>
+            <a:picLocks noChangeAspect="1"/>
+          </p:cNvPicPr>
+          <p:nvPr/>
+        </p:nvPicPr>
+        <p:blipFill>
+          <a:blip r:embed="rId5">
+            <a:extLst>
+              <a:ext uri="{28A0092B-C50C-407E-A947-70E740481C1C}">
+                <a14:useLocalDpi xmlns:a14="http://schemas.microsoft.com/office/drawing/2010/main" val="0"/>
+              </a:ext>
+            </a:extLst>
+          </a:blip>
+          <a:stretch>
+            <a:fillRect/>
+          </a:stretch>
+        </p:blipFill>
+        <p:spPr>
+          <a:xfrm>
+            <a:off x="6618986" y="1813433"/>
+            <a:ext cx="3416300" cy="1256030"/>
+          </a:xfrm>
+          <a:prstGeom prst="rect">
+            <a:avLst/>
+          </a:prstGeom>
+        </p:spPr>
+      </p:pic>
+      <p:sp>
+        <p:nvSpPr>
           <p:cNvPr id="8" name="Right Arrow 7">
             <a:extLst>
               <a:ext uri="{FF2B5EF4-FFF2-40B4-BE49-F238E27FC236}">
@@ -5044,7 +5021,7 @@
         </p:nvSpPr>
         <p:spPr>
           <a:xfrm>
-            <a:off x="936440" y="5240592"/>
+            <a:off x="5899860" y="1792097"/>
             <a:ext cx="838200" cy="558800"/>
           </a:xfrm>
           <a:prstGeom prst="rightArrow">
@@ -5091,7 +5068,7 @@
               </a:spcAft>
             </a:pPr>
             <a:r>
-              <a:rPr lang="en-US" sz="1200">
+              <a:rPr lang="en-US" sz="1200" dirty="0">
                 <a:solidFill>
                   <a:srgbClr val="FFFF00"/>
                 </a:solidFill>
@@ -5101,7 +5078,7 @@
               </a:rPr>
               <a:t>CLICK</a:t>
             </a:r>
-            <a:endParaRPr lang="en-US" sz="1100">
+            <a:endParaRPr lang="en-US" sz="1100" dirty="0">
               <a:effectLst/>
               <a:latin typeface="Arial" panose="020B0604020202020204" pitchFamily="34" charset="0"/>
               <a:ea typeface="Times New Roman" panose="02020603050405020304" pitchFamily="18" charset="0"/>
@@ -5109,40 +5086,89 @@
           </a:p>
         </p:txBody>
       </p:sp>
-      <p:pic>
-        <p:nvPicPr>
-          <p:cNvPr id="9" name="Picture 8" descr="A black text on a white background&#10;&#10;Description automatically generated">
-            <a:extLst>
-              <a:ext uri="{FF2B5EF4-FFF2-40B4-BE49-F238E27FC236}">
-                <a16:creationId xmlns:a16="http://schemas.microsoft.com/office/drawing/2014/main" id="{00FBCB51-BC78-FECA-56D9-295883A977E3}"/>
-              </a:ext>
-            </a:extLst>
-          </p:cNvPr>
-          <p:cNvPicPr>
-            <a:picLocks noChangeAspect="1"/>
-          </p:cNvPicPr>
-          <p:nvPr/>
-        </p:nvPicPr>
-        <p:blipFill>
-          <a:blip r:embed="rId3"/>
-          <a:stretch>
-            <a:fillRect/>
-          </a:stretch>
-        </p:blipFill>
-        <p:spPr>
-          <a:xfrm>
-            <a:off x="9574022" y="6138164"/>
-            <a:ext cx="2578100" cy="698500"/>
-          </a:xfrm>
-          <a:prstGeom prst="rect">
-            <a:avLst/>
-          </a:prstGeom>
-        </p:spPr>
-      </p:pic>
+      <p:sp>
+        <p:nvSpPr>
+          <p:cNvPr id="15" name="Right Arrow 14">
+            <a:extLst>
+              <a:ext uri="{FF2B5EF4-FFF2-40B4-BE49-F238E27FC236}">
+                <a16:creationId xmlns:a16="http://schemas.microsoft.com/office/drawing/2014/main" id="{436FC1E8-E169-CE20-60DE-14759E49973B}"/>
+              </a:ext>
+            </a:extLst>
+          </p:cNvPr>
+          <p:cNvSpPr/>
+          <p:nvPr/>
+        </p:nvSpPr>
+        <p:spPr>
+          <a:xfrm>
+            <a:off x="201278" y="5497880"/>
+            <a:ext cx="838200" cy="558800"/>
+          </a:xfrm>
+          <a:prstGeom prst="rightArrow">
+            <a:avLst/>
+          </a:prstGeom>
+          <a:solidFill>
+            <a:srgbClr val="FF0000"/>
+          </a:solidFill>
+        </p:spPr>
+        <p:style>
+          <a:lnRef idx="2">
+            <a:schemeClr val="accent1">
+              <a:shade val="50000"/>
+            </a:schemeClr>
+          </a:lnRef>
+          <a:fillRef idx="1">
+            <a:schemeClr val="accent1"/>
+          </a:fillRef>
+          <a:effectRef idx="0">
+            <a:schemeClr val="accent1"/>
+          </a:effectRef>
+          <a:fontRef idx="minor">
+            <a:schemeClr val="lt1"/>
+          </a:fontRef>
+        </p:style>
+        <p:txBody>
+          <a:bodyPr rot="0" spcFirstLastPara="0" vert="horz" wrap="square" lIns="91440" tIns="45720" rIns="91440" bIns="45720" numCol="1" spcCol="0" rtlCol="0" fromWordArt="0" anchor="ctr" anchorCtr="0" forceAA="0" compatLnSpc="1">
+            <a:prstTxWarp prst="textNoShape">
+              <a:avLst/>
+            </a:prstTxWarp>
+            <a:noAutofit/>
+          </a:bodyPr>
+          <a:lstStyle/>
+          <a:p>
+            <a:pPr marL="0" marR="0" algn="ctr">
+              <a:lnSpc>
+                <a:spcPct val="107000"/>
+              </a:lnSpc>
+              <a:spcBef>
+                <a:spcPts val="0"/>
+              </a:spcBef>
+              <a:spcAft>
+                <a:spcPts val="800"/>
+              </a:spcAft>
+            </a:pPr>
+            <a:r>
+              <a:rPr lang="en-US" sz="1200" dirty="0">
+                <a:solidFill>
+                  <a:srgbClr val="FFFF00"/>
+                </a:solidFill>
+                <a:effectLst/>
+                <a:latin typeface="Arial" panose="020B0604020202020204" pitchFamily="34" charset="0"/>
+                <a:ea typeface="Times New Roman" panose="02020603050405020304" pitchFamily="18" charset="0"/>
+              </a:rPr>
+              <a:t>CLICK</a:t>
+            </a:r>
+            <a:endParaRPr lang="en-US" sz="1100" dirty="0">
+              <a:effectLst/>
+              <a:latin typeface="Arial" panose="020B0604020202020204" pitchFamily="34" charset="0"/>
+              <a:ea typeface="Times New Roman" panose="02020603050405020304" pitchFamily="18" charset="0"/>
+            </a:endParaRPr>
+          </a:p>
+        </p:txBody>
+      </p:sp>
     </p:spTree>
     <p:extLst>
       <p:ext uri="{BB962C8B-B14F-4D97-AF65-F5344CB8AC3E}">
-        <p14:creationId xmlns:p14="http://schemas.microsoft.com/office/powerpoint/2010/main" val="3967660036"/>
+        <p14:creationId xmlns:p14="http://schemas.microsoft.com/office/powerpoint/2010/main" val="43339631"/>
       </p:ext>
     </p:extLst>
   </p:cSld>
@@ -5171,10 +5197,10 @@
       </p:grpSpPr>
       <p:pic>
         <p:nvPicPr>
-          <p:cNvPr id="16" name="Picture 15" descr="A black text on a white background&#10;&#10;Description automatically generated">
-            <a:extLst>
-              <a:ext uri="{FF2B5EF4-FFF2-40B4-BE49-F238E27FC236}">
-                <a16:creationId xmlns:a16="http://schemas.microsoft.com/office/drawing/2014/main" id="{09D2296F-2ED2-269F-F48E-CBFBEF84AB88}"/>
+          <p:cNvPr id="7" name="Picture 6" descr="A screen shot of a computer&#10;&#10;Description automatically generated">
+            <a:extLst>
+              <a:ext uri="{FF2B5EF4-FFF2-40B4-BE49-F238E27FC236}">
+                <a16:creationId xmlns:a16="http://schemas.microsoft.com/office/drawing/2014/main" id="{A8314BBE-E4F8-9F55-81FA-C8D0CDA7C8D5}"/>
               </a:ext>
             </a:extLst>
           </p:cNvPr>
@@ -5191,6 +5217,66 @@
         </p:blipFill>
         <p:spPr>
           <a:xfrm>
+            <a:off x="1605410" y="5777280"/>
+            <a:ext cx="5435600" cy="825500"/>
+          </a:xfrm>
+          <a:prstGeom prst="rect">
+            <a:avLst/>
+          </a:prstGeom>
+        </p:spPr>
+      </p:pic>
+      <p:pic>
+        <p:nvPicPr>
+          <p:cNvPr id="5" name="Picture 4" descr="A screenshot of a computer program&#10;&#10;Description automatically generated">
+            <a:extLst>
+              <a:ext uri="{FF2B5EF4-FFF2-40B4-BE49-F238E27FC236}">
+                <a16:creationId xmlns:a16="http://schemas.microsoft.com/office/drawing/2014/main" id="{2F8930B1-144B-30CF-36E1-D8083FFD28BF}"/>
+              </a:ext>
+            </a:extLst>
+          </p:cNvPr>
+          <p:cNvPicPr>
+            <a:picLocks noChangeAspect="1"/>
+          </p:cNvPicPr>
+          <p:nvPr/>
+        </p:nvPicPr>
+        <p:blipFill>
+          <a:blip r:embed="rId3"/>
+          <a:stretch>
+            <a:fillRect/>
+          </a:stretch>
+        </p:blipFill>
+        <p:spPr>
+          <a:xfrm>
+            <a:off x="1535886" y="1300560"/>
+            <a:ext cx="3789514" cy="4054584"/>
+          </a:xfrm>
+          <a:prstGeom prst="rect">
+            <a:avLst/>
+          </a:prstGeom>
+        </p:spPr>
+      </p:pic>
+      <p:pic>
+        <p:nvPicPr>
+          <p:cNvPr id="16" name="Picture 15" descr="A black text on a white background&#10;&#10;Description automatically generated">
+            <a:extLst>
+              <a:ext uri="{FF2B5EF4-FFF2-40B4-BE49-F238E27FC236}">
+                <a16:creationId xmlns:a16="http://schemas.microsoft.com/office/drawing/2014/main" id="{09D2296F-2ED2-269F-F48E-CBFBEF84AB88}"/>
+              </a:ext>
+            </a:extLst>
+          </p:cNvPr>
+          <p:cNvPicPr>
+            <a:picLocks noChangeAspect="1"/>
+          </p:cNvPicPr>
+          <p:nvPr/>
+        </p:nvPicPr>
+        <p:blipFill>
+          <a:blip r:embed="rId4"/>
+          <a:stretch>
+            <a:fillRect/>
+          </a:stretch>
+        </p:blipFill>
+        <p:spPr>
+          <a:xfrm>
             <a:off x="9574022" y="6138164"/>
             <a:ext cx="2578100" cy="698500"/>
           </a:xfrm>
@@ -5213,7 +5299,7 @@
         </p:nvSpPr>
         <p:spPr>
           <a:xfrm>
-            <a:off x="1636949" y="184848"/>
+            <a:off x="1605410" y="196670"/>
             <a:ext cx="9495087" cy="584775"/>
           </a:xfrm>
           <a:prstGeom prst="rect">
@@ -5233,7 +5319,7 @@
                 <a:latin typeface="Arial" panose="020B0604020202020204" pitchFamily="34" charset="0"/>
                 <a:cs typeface="Arial" panose="020B0604020202020204" pitchFamily="34" charset="0"/>
               </a:rPr>
-              <a:t>Demo Procedure</a:t>
+              <a:t>Launching the Debugger</a:t>
             </a:r>
           </a:p>
         </p:txBody>
@@ -5253,7 +5339,7 @@
         <p:spPr>
           <a:xfrm>
             <a:off x="567827" y="924495"/>
-            <a:ext cx="10825103" cy="5265352"/>
+            <a:ext cx="10825103" cy="376065"/>
           </a:xfrm>
           <a:prstGeom prst="rect">
             <a:avLst/>
@@ -5286,95 +5372,204 @@
                 <a:latin typeface="Arial" panose="020B0604020202020204" pitchFamily="34" charset="0"/>
                 <a:ea typeface="Times New Roman" panose="02020603050405020304" pitchFamily="18" charset="0"/>
               </a:rPr>
-              <a:t>STEP 4: </a:t>
-            </a:r>
-            <a:r>
-              <a:rPr lang="en-US" sz="1800" b="1" dirty="0">
+              <a:t>STEP 1: </a:t>
+            </a:r>
+            <a:r>
+              <a:rPr lang="en-US" b="1" dirty="0">
+                <a:latin typeface="Arial" panose="020B0604020202020204" pitchFamily="34" charset="0"/>
+                <a:ea typeface="Times New Roman" panose="02020603050405020304" pitchFamily="18" charset="0"/>
+              </a:rPr>
+              <a:t>Erase Device Memory Main Project</a:t>
+            </a:r>
+            <a:endParaRPr lang="en-US" dirty="0"/>
+          </a:p>
+        </p:txBody>
+      </p:sp>
+      <p:sp>
+        <p:nvSpPr>
+          <p:cNvPr id="8" name="Right Arrow 7">
+            <a:extLst>
+              <a:ext uri="{FF2B5EF4-FFF2-40B4-BE49-F238E27FC236}">
+                <a16:creationId xmlns:a16="http://schemas.microsoft.com/office/drawing/2014/main" id="{7E5F9613-C9B4-A621-2173-3A49D330AB77}"/>
+              </a:ext>
+            </a:extLst>
+          </p:cNvPr>
+          <p:cNvSpPr/>
+          <p:nvPr/>
+        </p:nvSpPr>
+        <p:spPr>
+          <a:xfrm>
+            <a:off x="799070" y="2838795"/>
+            <a:ext cx="838200" cy="558800"/>
+          </a:xfrm>
+          <a:prstGeom prst="rightArrow">
+            <a:avLst/>
+          </a:prstGeom>
+          <a:solidFill>
+            <a:srgbClr val="FF0000"/>
+          </a:solidFill>
+        </p:spPr>
+        <p:style>
+          <a:lnRef idx="2">
+            <a:schemeClr val="accent1">
+              <a:shade val="50000"/>
+            </a:schemeClr>
+          </a:lnRef>
+          <a:fillRef idx="1">
+            <a:schemeClr val="accent1"/>
+          </a:fillRef>
+          <a:effectRef idx="0">
+            <a:schemeClr val="accent1"/>
+          </a:effectRef>
+          <a:fontRef idx="minor">
+            <a:schemeClr val="lt1"/>
+          </a:fontRef>
+        </p:style>
+        <p:txBody>
+          <a:bodyPr rot="0" spcFirstLastPara="0" vert="horz" wrap="square" lIns="91440" tIns="45720" rIns="91440" bIns="45720" numCol="1" spcCol="0" rtlCol="0" fromWordArt="0" anchor="ctr" anchorCtr="0" forceAA="0" compatLnSpc="1">
+            <a:prstTxWarp prst="textNoShape">
+              <a:avLst/>
+            </a:prstTxWarp>
+            <a:noAutofit/>
+          </a:bodyPr>
+          <a:lstStyle/>
+          <a:p>
+            <a:pPr marL="0" marR="0" algn="ctr">
+              <a:lnSpc>
+                <a:spcPct val="107000"/>
+              </a:lnSpc>
+              <a:spcBef>
+                <a:spcPts val="0"/>
+              </a:spcBef>
+              <a:spcAft>
+                <a:spcPts val="800"/>
+              </a:spcAft>
+            </a:pPr>
+            <a:r>
+              <a:rPr lang="en-US" sz="1200" dirty="0">
+                <a:solidFill>
+                  <a:srgbClr val="FFFF00"/>
+                </a:solidFill>
                 <a:effectLst/>
                 <a:latin typeface="Arial" panose="020B0604020202020204" pitchFamily="34" charset="0"/>
                 <a:ea typeface="Times New Roman" panose="02020603050405020304" pitchFamily="18" charset="0"/>
               </a:rPr>
-              <a:t>Program the </a:t>
-            </a:r>
-            <a:r>
-              <a:rPr lang="en-US" b="1" dirty="0">
-                <a:latin typeface="Arial" panose="020B0604020202020204" pitchFamily="34" charset="0"/>
-                <a:ea typeface="Times New Roman" panose="02020603050405020304" pitchFamily="18" charset="0"/>
-              </a:rPr>
-              <a:t>WBZ451PE Module</a:t>
-            </a:r>
-          </a:p>
-          <a:p>
-            <a:pPr marR="0">
+              <a:t>CLICK</a:t>
+            </a:r>
+            <a:endParaRPr lang="en-US" sz="1100" dirty="0">
+              <a:effectLst/>
+              <a:latin typeface="Arial" panose="020B0604020202020204" pitchFamily="34" charset="0"/>
+              <a:ea typeface="Times New Roman" panose="02020603050405020304" pitchFamily="18" charset="0"/>
+            </a:endParaRPr>
+          </a:p>
+        </p:txBody>
+      </p:sp>
+      <p:sp>
+        <p:nvSpPr>
+          <p:cNvPr id="15" name="Right Arrow 14">
+            <a:extLst>
+              <a:ext uri="{FF2B5EF4-FFF2-40B4-BE49-F238E27FC236}">
+                <a16:creationId xmlns:a16="http://schemas.microsoft.com/office/drawing/2014/main" id="{436FC1E8-E169-CE20-60DE-14759E49973B}"/>
+              </a:ext>
+            </a:extLst>
+          </p:cNvPr>
+          <p:cNvSpPr/>
+          <p:nvPr/>
+        </p:nvSpPr>
+        <p:spPr>
+          <a:xfrm>
+            <a:off x="871103" y="6009951"/>
+            <a:ext cx="838200" cy="558800"/>
+          </a:xfrm>
+          <a:prstGeom prst="rightArrow">
+            <a:avLst/>
+          </a:prstGeom>
+          <a:solidFill>
+            <a:srgbClr val="FF0000"/>
+          </a:solidFill>
+        </p:spPr>
+        <p:style>
+          <a:lnRef idx="2">
+            <a:schemeClr val="accent1">
+              <a:shade val="50000"/>
+            </a:schemeClr>
+          </a:lnRef>
+          <a:fillRef idx="1">
+            <a:schemeClr val="accent1"/>
+          </a:fillRef>
+          <a:effectRef idx="0">
+            <a:schemeClr val="accent1"/>
+          </a:effectRef>
+          <a:fontRef idx="minor">
+            <a:schemeClr val="lt1"/>
+          </a:fontRef>
+        </p:style>
+        <p:txBody>
+          <a:bodyPr rot="0" spcFirstLastPara="0" vert="horz" wrap="square" lIns="91440" tIns="45720" rIns="91440" bIns="45720" numCol="1" spcCol="0" rtlCol="0" fromWordArt="0" anchor="ctr" anchorCtr="0" forceAA="0" compatLnSpc="1">
+            <a:prstTxWarp prst="textNoShape">
+              <a:avLst/>
+            </a:prstTxWarp>
+            <a:noAutofit/>
+          </a:bodyPr>
+          <a:lstStyle/>
+          <a:p>
+            <a:pPr marL="0" marR="0" algn="ctr">
               <a:lnSpc>
                 <a:spcPct val="107000"/>
               </a:lnSpc>
               <a:spcBef>
-                <a:spcPts val="1200"/>
+                <a:spcPts val="0"/>
               </a:spcBef>
               <a:spcAft>
-                <a:spcPts val="600"/>
+                <a:spcPts val="800"/>
               </a:spcAft>
             </a:pPr>
             <a:r>
-              <a:rPr lang="en-US" dirty="0">
+              <a:rPr lang="en-US" sz="1200" dirty="0">
+                <a:solidFill>
+                  <a:srgbClr val="FFFF00"/>
+                </a:solidFill>
                 <a:effectLst/>
                 <a:latin typeface="Arial" panose="020B0604020202020204" pitchFamily="34" charset="0"/>
                 <a:ea typeface="Times New Roman" panose="02020603050405020304" pitchFamily="18" charset="0"/>
               </a:rPr>
-              <a:t>a) Click on the </a:t>
-            </a:r>
-            <a:r>
-              <a:rPr lang="en-US" b="1" dirty="0">
-                <a:effectLst/>
-                <a:latin typeface="Arial" panose="020B0604020202020204" pitchFamily="34" charset="0"/>
-                <a:ea typeface="Times New Roman" panose="02020603050405020304" pitchFamily="18" charset="0"/>
-              </a:rPr>
-              <a:t>Make and Program Device Main Project</a:t>
-            </a:r>
-            <a:r>
-              <a:rPr lang="en-US" dirty="0">
-                <a:effectLst/>
-                <a:latin typeface="Arial" panose="020B0604020202020204" pitchFamily="34" charset="0"/>
-                <a:ea typeface="Times New Roman" panose="02020603050405020304" pitchFamily="18" charset="0"/>
-              </a:rPr>
-              <a:t> icon in the MPLAB X main toolbar</a:t>
-            </a:r>
-          </a:p>
-          <a:p>
-            <a:endParaRPr lang="en-US" dirty="0"/>
-          </a:p>
-          <a:p>
-            <a:endParaRPr lang="en-US" dirty="0"/>
-          </a:p>
-          <a:p>
-            <a:endParaRPr lang="en-US" dirty="0"/>
-          </a:p>
-          <a:p>
-            <a:r>
-              <a:rPr lang="en-US" dirty="0">
-                <a:effectLst/>
-                <a:latin typeface="Arial" panose="020B0604020202020204" pitchFamily="34" charset="0"/>
-                <a:ea typeface="Times New Roman" panose="02020603050405020304" pitchFamily="18" charset="0"/>
-              </a:rPr>
-              <a:t>b) Verify that the programming phase was successful</a:t>
-            </a:r>
-          </a:p>
-          <a:p>
-            <a:endParaRPr lang="en-US" dirty="0"/>
-          </a:p>
-          <a:p>
-            <a:endParaRPr lang="en-US" dirty="0"/>
-          </a:p>
-          <a:p>
-            <a:endParaRPr lang="en-US" dirty="0"/>
-          </a:p>
-          <a:p>
-            <a:endParaRPr lang="en-US" dirty="0"/>
-          </a:p>
-          <a:p>
-            <a:endParaRPr lang="en-US" dirty="0"/>
-          </a:p>
+              <a:t>CLICK</a:t>
+            </a:r>
+            <a:endParaRPr lang="en-US" sz="1100" dirty="0">
+              <a:effectLst/>
+              <a:latin typeface="Arial" panose="020B0604020202020204" pitchFamily="34" charset="0"/>
+              <a:ea typeface="Times New Roman" panose="02020603050405020304" pitchFamily="18" charset="0"/>
+            </a:endParaRPr>
+          </a:p>
+        </p:txBody>
+      </p:sp>
+      <p:sp>
+        <p:nvSpPr>
+          <p:cNvPr id="9" name="TextBox 8">
+            <a:extLst>
+              <a:ext uri="{FF2B5EF4-FFF2-40B4-BE49-F238E27FC236}">
+                <a16:creationId xmlns:a16="http://schemas.microsoft.com/office/drawing/2014/main" id="{D51EFC18-96B6-5264-1468-46A0D2953C64}"/>
+              </a:ext>
+            </a:extLst>
+          </p:cNvPr>
+          <p:cNvSpPr txBox="1"/>
+          <p:nvPr/>
+        </p:nvSpPr>
+        <p:spPr>
+          <a:xfrm>
+            <a:off x="683448" y="5346279"/>
+            <a:ext cx="10825103" cy="367216"/>
+          </a:xfrm>
+          <a:prstGeom prst="rect">
+            <a:avLst/>
+          </a:prstGeom>
+          <a:noFill/>
+        </p:spPr>
+        <p:txBody>
+          <a:bodyPr wrap="square" rtlCol="0">
+            <a:spAutoFit/>
+          </a:bodyPr>
+          <a:lstStyle/>
           <a:p>
             <a:pPr marL="575945" marR="0" indent="-575945">
               <a:lnSpc>
@@ -5396,7 +5591,7 @@
                 <a:latin typeface="Arial" panose="020B0604020202020204" pitchFamily="34" charset="0"/>
                 <a:ea typeface="Times New Roman" panose="02020603050405020304" pitchFamily="18" charset="0"/>
               </a:rPr>
-              <a:t>STEP 5: </a:t>
+              <a:t>STEP 2: </a:t>
             </a:r>
             <a:r>
               <a:rPr lang="en-US" sz="1800" b="1" dirty="0">
@@ -5404,22 +5599,7 @@
                 <a:latin typeface="Arial" panose="020B0604020202020204" pitchFamily="34" charset="0"/>
                 <a:ea typeface="Times New Roman" panose="02020603050405020304" pitchFamily="18" charset="0"/>
               </a:rPr>
-              <a:t>Connect to the </a:t>
-            </a:r>
-            <a:r>
-              <a:rPr lang="en-US" b="1" dirty="0">
-                <a:latin typeface="Arial" panose="020B0604020202020204" pitchFamily="34" charset="0"/>
-                <a:ea typeface="Times New Roman" panose="02020603050405020304" pitchFamily="18" charset="0"/>
-              </a:rPr>
-              <a:t>WBZ451</a:t>
-            </a:r>
-            <a:r>
-              <a:rPr lang="en-US" sz="1800" b="1" dirty="0">
-                <a:effectLst/>
-                <a:latin typeface="Arial" panose="020B0604020202020204" pitchFamily="34" charset="0"/>
-                <a:ea typeface="Times New Roman" panose="02020603050405020304" pitchFamily="18" charset="0"/>
-              </a:rPr>
-              <a:t> Module Using the Microchip Bluetooth Data (MBD) Application</a:t>
+              <a:t>Debug Main Project</a:t>
             </a:r>
             <a:endParaRPr lang="en-US" sz="1800" dirty="0">
               <a:effectLst/>
@@ -5427,352 +5607,12 @@
               <a:ea typeface="Times New Roman" panose="02020603050405020304" pitchFamily="18" charset="0"/>
             </a:endParaRPr>
           </a:p>
-          <a:p>
-            <a:pPr marL="1033145" marR="0" indent="-575945">
-              <a:lnSpc>
-                <a:spcPct val="107000"/>
-              </a:lnSpc>
-              <a:spcBef>
-                <a:spcPts val="1200"/>
-              </a:spcBef>
-              <a:spcAft>
-                <a:spcPts val="600"/>
-              </a:spcAft>
-            </a:pPr>
-            <a:r>
-              <a:rPr lang="en-US" sz="1800" dirty="0">
-                <a:effectLst/>
-                <a:latin typeface="Arial" panose="020B0604020202020204" pitchFamily="34" charset="0"/>
-                <a:ea typeface="Times New Roman" panose="02020603050405020304" pitchFamily="18" charset="0"/>
-              </a:rPr>
-              <a:t>Follow the procedure in the section titled “Connecting CAN Network to Mobile App (MBD App)”</a:t>
-            </a:r>
-          </a:p>
-          <a:p>
-            <a:pPr marL="457200" marR="0">
-              <a:lnSpc>
-                <a:spcPct val="107000"/>
-              </a:lnSpc>
-              <a:spcBef>
-                <a:spcPts val="1200"/>
-              </a:spcBef>
-              <a:spcAft>
-                <a:spcPts val="600"/>
-              </a:spcAft>
-            </a:pPr>
-            <a:r>
-              <a:rPr lang="en-US" sz="1800" u="sng" dirty="0">
-                <a:solidFill>
-                  <a:srgbClr val="0000FF"/>
-                </a:solidFill>
-                <a:effectLst/>
-                <a:latin typeface="Arial" panose="020B0604020202020204" pitchFamily="34" charset="0"/>
-                <a:ea typeface="Times New Roman" panose="02020603050405020304" pitchFamily="18" charset="0"/>
-                <a:hlinkClick r:id="rId3"/>
-              </a:rPr>
-              <a:t>https://github.com/MicrochipTech/pic32cxbz2_wbz45x_ble_can_bridge/tree/main?tab=readme-ov-file#connecting-can-network-to-mobile-app-mbd-app</a:t>
-            </a:r>
-            <a:endParaRPr lang="en-US" sz="1800" u="sng" dirty="0">
-              <a:solidFill>
-                <a:srgbClr val="0000FF"/>
-              </a:solidFill>
-              <a:effectLst/>
-              <a:latin typeface="Arial" panose="020B0604020202020204" pitchFamily="34" charset="0"/>
-              <a:ea typeface="Times New Roman" panose="02020603050405020304" pitchFamily="18" charset="0"/>
-            </a:endParaRPr>
-          </a:p>
-        </p:txBody>
-      </p:sp>
-      <p:pic>
-        <p:nvPicPr>
-          <p:cNvPr id="12" name="Picture 11">
-            <a:extLst>
-              <a:ext uri="{FF2B5EF4-FFF2-40B4-BE49-F238E27FC236}">
-                <a16:creationId xmlns:a16="http://schemas.microsoft.com/office/drawing/2014/main" id="{D9E6BC65-EB56-D818-B151-9B574C0E044E}"/>
-              </a:ext>
-            </a:extLst>
-          </p:cNvPr>
-          <p:cNvPicPr>
-            <a:picLocks noChangeAspect="1"/>
-          </p:cNvPicPr>
-          <p:nvPr/>
-        </p:nvPicPr>
-        <p:blipFill>
-          <a:blip r:embed="rId4" cstate="print">
-            <a:extLst>
-              <a:ext uri="{28A0092B-C50C-407E-A947-70E740481C1C}">
-                <a14:useLocalDpi xmlns:a14="http://schemas.microsoft.com/office/drawing/2010/main" val="0"/>
-              </a:ext>
-            </a:extLst>
-          </a:blip>
-          <a:stretch>
-            <a:fillRect/>
-          </a:stretch>
-        </p:blipFill>
-        <p:spPr>
-          <a:xfrm>
-            <a:off x="921395" y="3069463"/>
-            <a:ext cx="6492240" cy="1240790"/>
-          </a:xfrm>
-          <a:prstGeom prst="rect">
-            <a:avLst/>
-          </a:prstGeom>
-        </p:spPr>
-      </p:pic>
-      <p:sp>
-        <p:nvSpPr>
-          <p:cNvPr id="13" name="Oval 12">
-            <a:extLst>
-              <a:ext uri="{FF2B5EF4-FFF2-40B4-BE49-F238E27FC236}">
-                <a16:creationId xmlns:a16="http://schemas.microsoft.com/office/drawing/2014/main" id="{21B42215-9A7F-E16D-440F-F484B967DA5E}"/>
-              </a:ext>
-            </a:extLst>
-          </p:cNvPr>
-          <p:cNvSpPr/>
-          <p:nvPr/>
-        </p:nvSpPr>
-        <p:spPr>
-          <a:xfrm>
-            <a:off x="909203" y="3938599"/>
-            <a:ext cx="1600200" cy="190500"/>
-          </a:xfrm>
-          <a:prstGeom prst="ellipse">
-            <a:avLst/>
-          </a:prstGeom>
-          <a:noFill/>
-          <a:ln>
-            <a:solidFill>
-              <a:srgbClr val="FF0000"/>
-            </a:solidFill>
-          </a:ln>
-        </p:spPr>
-        <p:style>
-          <a:lnRef idx="2">
-            <a:schemeClr val="accent1">
-              <a:shade val="50000"/>
-            </a:schemeClr>
-          </a:lnRef>
-          <a:fillRef idx="1">
-            <a:schemeClr val="accent1"/>
-          </a:fillRef>
-          <a:effectRef idx="0">
-            <a:schemeClr val="accent1"/>
-          </a:effectRef>
-          <a:fontRef idx="minor">
-            <a:schemeClr val="lt1"/>
-          </a:fontRef>
-        </p:style>
-        <p:txBody>
-          <a:bodyPr rot="0" spcFirstLastPara="0" vert="horz" wrap="square" lIns="91440" tIns="45720" rIns="91440" bIns="45720" numCol="1" spcCol="0" rtlCol="0" fromWordArt="0" anchor="ctr" anchorCtr="0" forceAA="0" compatLnSpc="1">
-            <a:prstTxWarp prst="textNoShape">
-              <a:avLst/>
-            </a:prstTxWarp>
-            <a:noAutofit/>
-          </a:bodyPr>
-          <a:lstStyle/>
-          <a:p>
-            <a:endParaRPr lang="en-US"/>
-          </a:p>
-        </p:txBody>
-      </p:sp>
-      <p:pic>
-        <p:nvPicPr>
-          <p:cNvPr id="14" name="Picture 13" descr="Graphical user interface, text, application, chat or text message&#10;&#10;Description automatically generated">
-            <a:extLst>
-              <a:ext uri="{FF2B5EF4-FFF2-40B4-BE49-F238E27FC236}">
-                <a16:creationId xmlns:a16="http://schemas.microsoft.com/office/drawing/2014/main" id="{E98177C4-8C57-02A0-A234-117E41937837}"/>
-              </a:ext>
-            </a:extLst>
-          </p:cNvPr>
-          <p:cNvPicPr>
-            <a:picLocks noChangeAspect="1"/>
-          </p:cNvPicPr>
-          <p:nvPr/>
-        </p:nvPicPr>
-        <p:blipFill>
-          <a:blip r:embed="rId5">
-            <a:extLst>
-              <a:ext uri="{28A0092B-C50C-407E-A947-70E740481C1C}">
-                <a14:useLocalDpi xmlns:a14="http://schemas.microsoft.com/office/drawing/2010/main" val="0"/>
-              </a:ext>
-            </a:extLst>
-          </a:blip>
-          <a:stretch>
-            <a:fillRect/>
-          </a:stretch>
-        </p:blipFill>
-        <p:spPr>
-          <a:xfrm>
-            <a:off x="6618986" y="1813433"/>
-            <a:ext cx="3416300" cy="1256030"/>
-          </a:xfrm>
-          <a:prstGeom prst="rect">
-            <a:avLst/>
-          </a:prstGeom>
-        </p:spPr>
-      </p:pic>
-      <p:sp>
-        <p:nvSpPr>
-          <p:cNvPr id="8" name="Right Arrow 7">
-            <a:extLst>
-              <a:ext uri="{FF2B5EF4-FFF2-40B4-BE49-F238E27FC236}">
-                <a16:creationId xmlns:a16="http://schemas.microsoft.com/office/drawing/2014/main" id="{7E5F9613-C9B4-A621-2173-3A49D330AB77}"/>
-              </a:ext>
-            </a:extLst>
-          </p:cNvPr>
-          <p:cNvSpPr/>
-          <p:nvPr/>
-        </p:nvSpPr>
-        <p:spPr>
-          <a:xfrm>
-            <a:off x="5899860" y="1792097"/>
-            <a:ext cx="838200" cy="558800"/>
-          </a:xfrm>
-          <a:prstGeom prst="rightArrow">
-            <a:avLst/>
-          </a:prstGeom>
-          <a:solidFill>
-            <a:srgbClr val="FF0000"/>
-          </a:solidFill>
-        </p:spPr>
-        <p:style>
-          <a:lnRef idx="2">
-            <a:schemeClr val="accent1">
-              <a:shade val="50000"/>
-            </a:schemeClr>
-          </a:lnRef>
-          <a:fillRef idx="1">
-            <a:schemeClr val="accent1"/>
-          </a:fillRef>
-          <a:effectRef idx="0">
-            <a:schemeClr val="accent1"/>
-          </a:effectRef>
-          <a:fontRef idx="minor">
-            <a:schemeClr val="lt1"/>
-          </a:fontRef>
-        </p:style>
-        <p:txBody>
-          <a:bodyPr rot="0" spcFirstLastPara="0" vert="horz" wrap="square" lIns="91440" tIns="45720" rIns="91440" bIns="45720" numCol="1" spcCol="0" rtlCol="0" fromWordArt="0" anchor="ctr" anchorCtr="0" forceAA="0" compatLnSpc="1">
-            <a:prstTxWarp prst="textNoShape">
-              <a:avLst/>
-            </a:prstTxWarp>
-            <a:noAutofit/>
-          </a:bodyPr>
-          <a:lstStyle/>
-          <a:p>
-            <a:pPr marL="0" marR="0" algn="ctr">
-              <a:lnSpc>
-                <a:spcPct val="107000"/>
-              </a:lnSpc>
-              <a:spcBef>
-                <a:spcPts val="0"/>
-              </a:spcBef>
-              <a:spcAft>
-                <a:spcPts val="800"/>
-              </a:spcAft>
-            </a:pPr>
-            <a:r>
-              <a:rPr lang="en-US" sz="1200" dirty="0">
-                <a:solidFill>
-                  <a:srgbClr val="FFFF00"/>
-                </a:solidFill>
-                <a:effectLst/>
-                <a:latin typeface="Arial" panose="020B0604020202020204" pitchFamily="34" charset="0"/>
-                <a:ea typeface="Times New Roman" panose="02020603050405020304" pitchFamily="18" charset="0"/>
-              </a:rPr>
-              <a:t>CLICK</a:t>
-            </a:r>
-            <a:endParaRPr lang="en-US" sz="1100" dirty="0">
-              <a:effectLst/>
-              <a:latin typeface="Arial" panose="020B0604020202020204" pitchFamily="34" charset="0"/>
-              <a:ea typeface="Times New Roman" panose="02020603050405020304" pitchFamily="18" charset="0"/>
-            </a:endParaRPr>
-          </a:p>
-        </p:txBody>
-      </p:sp>
-      <p:sp>
-        <p:nvSpPr>
-          <p:cNvPr id="15" name="Right Arrow 14">
-            <a:extLst>
-              <a:ext uri="{FF2B5EF4-FFF2-40B4-BE49-F238E27FC236}">
-                <a16:creationId xmlns:a16="http://schemas.microsoft.com/office/drawing/2014/main" id="{436FC1E8-E169-CE20-60DE-14759E49973B}"/>
-              </a:ext>
-            </a:extLst>
-          </p:cNvPr>
-          <p:cNvSpPr/>
-          <p:nvPr/>
-        </p:nvSpPr>
-        <p:spPr>
-          <a:xfrm>
-            <a:off x="201278" y="5497880"/>
-            <a:ext cx="838200" cy="558800"/>
-          </a:xfrm>
-          <a:prstGeom prst="rightArrow">
-            <a:avLst/>
-          </a:prstGeom>
-          <a:solidFill>
-            <a:srgbClr val="FF0000"/>
-          </a:solidFill>
-        </p:spPr>
-        <p:style>
-          <a:lnRef idx="2">
-            <a:schemeClr val="accent1">
-              <a:shade val="50000"/>
-            </a:schemeClr>
-          </a:lnRef>
-          <a:fillRef idx="1">
-            <a:schemeClr val="accent1"/>
-          </a:fillRef>
-          <a:effectRef idx="0">
-            <a:schemeClr val="accent1"/>
-          </a:effectRef>
-          <a:fontRef idx="minor">
-            <a:schemeClr val="lt1"/>
-          </a:fontRef>
-        </p:style>
-        <p:txBody>
-          <a:bodyPr rot="0" spcFirstLastPara="0" vert="horz" wrap="square" lIns="91440" tIns="45720" rIns="91440" bIns="45720" numCol="1" spcCol="0" rtlCol="0" fromWordArt="0" anchor="ctr" anchorCtr="0" forceAA="0" compatLnSpc="1">
-            <a:prstTxWarp prst="textNoShape">
-              <a:avLst/>
-            </a:prstTxWarp>
-            <a:noAutofit/>
-          </a:bodyPr>
-          <a:lstStyle/>
-          <a:p>
-            <a:pPr marL="0" marR="0" algn="ctr">
-              <a:lnSpc>
-                <a:spcPct val="107000"/>
-              </a:lnSpc>
-              <a:spcBef>
-                <a:spcPts val="0"/>
-              </a:spcBef>
-              <a:spcAft>
-                <a:spcPts val="800"/>
-              </a:spcAft>
-            </a:pPr>
-            <a:r>
-              <a:rPr lang="en-US" sz="1200" dirty="0">
-                <a:solidFill>
-                  <a:srgbClr val="FFFF00"/>
-                </a:solidFill>
-                <a:effectLst/>
-                <a:latin typeface="Arial" panose="020B0604020202020204" pitchFamily="34" charset="0"/>
-                <a:ea typeface="Times New Roman" panose="02020603050405020304" pitchFamily="18" charset="0"/>
-              </a:rPr>
-              <a:t>CLICK</a:t>
-            </a:r>
-            <a:endParaRPr lang="en-US" sz="1100" dirty="0">
-              <a:effectLst/>
-              <a:latin typeface="Arial" panose="020B0604020202020204" pitchFamily="34" charset="0"/>
-              <a:ea typeface="Times New Roman" panose="02020603050405020304" pitchFamily="18" charset="0"/>
-            </a:endParaRPr>
-          </a:p>
         </p:txBody>
       </p:sp>
     </p:spTree>
     <p:extLst>
       <p:ext uri="{BB962C8B-B14F-4D97-AF65-F5344CB8AC3E}">
-        <p14:creationId xmlns:p14="http://schemas.microsoft.com/office/powerpoint/2010/main" val="43339631"/>
+        <p14:creationId xmlns:p14="http://schemas.microsoft.com/office/powerpoint/2010/main" val="161281222"/>
       </p:ext>
     </p:extLst>
   </p:cSld>
@@ -11831,347 +11671,81 @@
           <a:chExt cx="0" cy="0"/>
         </a:xfrm>
       </p:grpSpPr>
+      <p:sp>
+        <p:nvSpPr>
+          <p:cNvPr id="2" name="TextBox 1">
+            <a:extLst>
+              <a:ext uri="{FF2B5EF4-FFF2-40B4-BE49-F238E27FC236}">
+                <a16:creationId xmlns:a16="http://schemas.microsoft.com/office/drawing/2014/main" id="{EF6874F3-7045-70A8-1F64-660B9B5BFFB9}"/>
+              </a:ext>
+            </a:extLst>
+          </p:cNvPr>
+          <p:cNvSpPr txBox="1"/>
+          <p:nvPr/>
+        </p:nvSpPr>
+        <p:spPr>
+          <a:xfrm>
+            <a:off x="1636949" y="184848"/>
+            <a:ext cx="9495087" cy="584775"/>
+          </a:xfrm>
+          <a:prstGeom prst="rect">
+            <a:avLst/>
+          </a:prstGeom>
+          <a:noFill/>
+        </p:spPr>
+        <p:txBody>
+          <a:bodyPr wrap="square" rtlCol="0">
+            <a:spAutoFit/>
+          </a:bodyPr>
+          <a:lstStyle/>
+          <a:p>
+            <a:pPr algn="ctr"/>
+            <a:r>
+              <a:rPr lang="en-US" sz="3200" b="1" dirty="0">
+                <a:latin typeface="Arial" panose="020B0604020202020204" pitchFamily="34" charset="0"/>
+                <a:cs typeface="Arial" panose="020B0604020202020204" pitchFamily="34" charset="0"/>
+              </a:rPr>
+              <a:t>Module Pin Assignment</a:t>
+            </a:r>
+          </a:p>
+        </p:txBody>
+      </p:sp>
       <p:pic>
         <p:nvPicPr>
-          <p:cNvPr id="2050" name="Picture 2" descr="Large, zoomable image of Microchip Technology EV96B94A Development Boards. 1 of 5">
-            <a:extLst>
-              <a:ext uri="{FF2B5EF4-FFF2-40B4-BE49-F238E27FC236}">
-                <a16:creationId xmlns:a16="http://schemas.microsoft.com/office/drawing/2014/main" id="{1FD04C83-D029-335D-E999-4C639CF7D128}"/>
+          <p:cNvPr id="3" name="Picture 2" descr="A black text on a white background&#10;&#10;Description automatically generated">
+            <a:extLst>
+              <a:ext uri="{FF2B5EF4-FFF2-40B4-BE49-F238E27FC236}">
+                <a16:creationId xmlns:a16="http://schemas.microsoft.com/office/drawing/2014/main" id="{F9CEA8E3-DBFA-F42F-8690-7924C2016DAE}"/>
               </a:ext>
             </a:extLst>
           </p:cNvPr>
           <p:cNvPicPr>
-            <a:picLocks noChangeAspect="1" noChangeArrowheads="1"/>
+            <a:picLocks noChangeAspect="1"/>
           </p:cNvPicPr>
           <p:nvPr/>
         </p:nvPicPr>
         <p:blipFill>
-          <a:blip r:embed="rId2">
-            <a:extLst>
-              <a:ext uri="{28A0092B-C50C-407E-A947-70E740481C1C}">
-                <a14:useLocalDpi xmlns:a14="http://schemas.microsoft.com/office/drawing/2010/main" val="0"/>
-              </a:ext>
-            </a:extLst>
-          </a:blip>
-          <a:srcRect/>
+          <a:blip r:embed="rId2"/>
           <a:stretch>
             <a:fillRect/>
           </a:stretch>
         </p:blipFill>
-        <p:spPr bwMode="auto">
-          <a:xfrm rot="5400000">
-            <a:off x="-999081" y="2377302"/>
-            <a:ext cx="5873727" cy="2956574"/>
+        <p:spPr>
+          <a:xfrm>
+            <a:off x="9574022" y="6138164"/>
+            <a:ext cx="2578100" cy="698500"/>
           </a:xfrm>
           <a:prstGeom prst="rect">
             <a:avLst/>
           </a:prstGeom>
-          <a:noFill/>
-          <a:extLst>
-            <a:ext uri="{909E8E84-426E-40DD-AFC4-6F175D3DCCD1}">
-              <a14:hiddenFill xmlns:a14="http://schemas.microsoft.com/office/drawing/2010/main">
-                <a:solidFill>
-                  <a:srgbClr val="FFFFFF"/>
-                </a:solidFill>
-              </a14:hiddenFill>
-            </a:ext>
-          </a:extLst>
         </p:spPr>
       </p:pic>
-      <p:sp>
-        <p:nvSpPr>
-          <p:cNvPr id="3" name="TextBox 2">
-            <a:extLst>
-              <a:ext uri="{FF2B5EF4-FFF2-40B4-BE49-F238E27FC236}">
-                <a16:creationId xmlns:a16="http://schemas.microsoft.com/office/drawing/2014/main" id="{AA98A3E9-DEE6-4656-DB43-707C7EF994A2}"/>
-              </a:ext>
-            </a:extLst>
-          </p:cNvPr>
-          <p:cNvSpPr txBox="1"/>
-          <p:nvPr/>
-        </p:nvSpPr>
-        <p:spPr>
-          <a:xfrm>
-            <a:off x="1469241" y="65546"/>
-            <a:ext cx="9902953" cy="584775"/>
-          </a:xfrm>
-          <a:prstGeom prst="rect">
-            <a:avLst/>
-          </a:prstGeom>
-          <a:noFill/>
-        </p:spPr>
-        <p:txBody>
-          <a:bodyPr wrap="square" rtlCol="0">
-            <a:spAutoFit/>
-          </a:bodyPr>
-          <a:lstStyle/>
-          <a:p>
-            <a:pPr algn="ctr"/>
-            <a:r>
-              <a:rPr lang="en-US" sz="3200" b="1" dirty="0">
-                <a:latin typeface="Arial" panose="020B0604020202020204" pitchFamily="34" charset="0"/>
-                <a:cs typeface="Arial" panose="020B0604020202020204" pitchFamily="34" charset="0"/>
-              </a:rPr>
-              <a:t>WBZ451 Curiosity Development Board : RGB LED</a:t>
-            </a:r>
-          </a:p>
-        </p:txBody>
-      </p:sp>
-      <p:sp>
-        <p:nvSpPr>
-          <p:cNvPr id="2" name="Oval 1">
-            <a:extLst>
-              <a:ext uri="{FF2B5EF4-FFF2-40B4-BE49-F238E27FC236}">
-                <a16:creationId xmlns:a16="http://schemas.microsoft.com/office/drawing/2014/main" id="{2522E36E-9BCC-6E33-8E26-99F15B457055}"/>
-              </a:ext>
-            </a:extLst>
-          </p:cNvPr>
-          <p:cNvSpPr/>
-          <p:nvPr/>
-        </p:nvSpPr>
-        <p:spPr>
-          <a:xfrm>
-            <a:off x="2351658" y="2688639"/>
-            <a:ext cx="630621" cy="633248"/>
-          </a:xfrm>
-          <a:prstGeom prst="ellipse">
-            <a:avLst/>
-          </a:prstGeom>
-          <a:noFill/>
-          <a:ln w="31750">
-            <a:solidFill>
-              <a:srgbClr val="FFFF00"/>
-            </a:solidFill>
-          </a:ln>
-        </p:spPr>
-        <p:style>
-          <a:lnRef idx="2">
-            <a:schemeClr val="accent1">
-              <a:shade val="15000"/>
-            </a:schemeClr>
-          </a:lnRef>
-          <a:fillRef idx="1">
-            <a:schemeClr val="accent1"/>
-          </a:fillRef>
-          <a:effectRef idx="0">
-            <a:schemeClr val="accent1"/>
-          </a:effectRef>
-          <a:fontRef idx="minor">
-            <a:schemeClr val="lt1"/>
-          </a:fontRef>
-        </p:style>
-        <p:txBody>
-          <a:bodyPr rtlCol="0" anchor="ctr"/>
-          <a:lstStyle/>
-          <a:p>
-            <a:pPr algn="ctr"/>
-            <a:endParaRPr lang="en-US"/>
-          </a:p>
-        </p:txBody>
-      </p:sp>
-      <p:sp>
-        <p:nvSpPr>
-          <p:cNvPr id="4" name="Left Arrow 3">
-            <a:extLst>
-              <a:ext uri="{FF2B5EF4-FFF2-40B4-BE49-F238E27FC236}">
-                <a16:creationId xmlns:a16="http://schemas.microsoft.com/office/drawing/2014/main" id="{CEE6EEE0-E5FD-02D1-C342-8CDDAF21CD61}"/>
-              </a:ext>
-            </a:extLst>
-          </p:cNvPr>
-          <p:cNvSpPr/>
-          <p:nvPr/>
-        </p:nvSpPr>
-        <p:spPr>
-          <a:xfrm>
-            <a:off x="2996134" y="2688639"/>
-            <a:ext cx="1457116" cy="633248"/>
-          </a:xfrm>
-          <a:prstGeom prst="leftArrow">
-            <a:avLst/>
-          </a:prstGeom>
-        </p:spPr>
-        <p:style>
-          <a:lnRef idx="2">
-            <a:schemeClr val="accent1">
-              <a:shade val="15000"/>
-            </a:schemeClr>
-          </a:lnRef>
-          <a:fillRef idx="1">
-            <a:schemeClr val="accent1"/>
-          </a:fillRef>
-          <a:effectRef idx="0">
-            <a:schemeClr val="accent1"/>
-          </a:effectRef>
-          <a:fontRef idx="minor">
-            <a:schemeClr val="lt1"/>
-          </a:fontRef>
-        </p:style>
-        <p:txBody>
-          <a:bodyPr rtlCol="0" anchor="ctr"/>
-          <a:lstStyle/>
-          <a:p>
-            <a:pPr algn="ctr"/>
-            <a:r>
-              <a:rPr lang="en-US" dirty="0"/>
-              <a:t>RGB LED</a:t>
-            </a:r>
-          </a:p>
-        </p:txBody>
-      </p:sp>
       <p:pic>
         <p:nvPicPr>
-          <p:cNvPr id="33" name="Picture 2" descr="Large, zoomable image of Microchip Technology EV96B94A Development Boards. 1 of 5">
-            <a:extLst>
-              <a:ext uri="{FF2B5EF4-FFF2-40B4-BE49-F238E27FC236}">
-                <a16:creationId xmlns:a16="http://schemas.microsoft.com/office/drawing/2014/main" id="{563CCAAD-44A7-2418-A422-4DC3EAAD0301}"/>
-              </a:ext>
-            </a:extLst>
-          </p:cNvPr>
-          <p:cNvPicPr>
-            <a:picLocks noChangeAspect="1" noChangeArrowheads="1"/>
-          </p:cNvPicPr>
-          <p:nvPr/>
-        </p:nvPicPr>
-        <p:blipFill>
-          <a:blip r:embed="rId2">
-            <a:extLst>
-              <a:ext uri="{28A0092B-C50C-407E-A947-70E740481C1C}">
-                <a14:useLocalDpi xmlns:a14="http://schemas.microsoft.com/office/drawing/2010/main" val="0"/>
-              </a:ext>
-            </a:extLst>
-          </a:blip>
-          <a:srcRect/>
-          <a:stretch>
-            <a:fillRect/>
-          </a:stretch>
-        </p:blipFill>
-        <p:spPr bwMode="auto">
-          <a:xfrm rot="5400000">
-            <a:off x="4801886" y="2377303"/>
-            <a:ext cx="5873727" cy="2956574"/>
-          </a:xfrm>
-          <a:prstGeom prst="rect">
-            <a:avLst/>
-          </a:prstGeom>
-          <a:noFill/>
-          <a:extLst>
-            <a:ext uri="{909E8E84-426E-40DD-AFC4-6F175D3DCCD1}">
-              <a14:hiddenFill xmlns:a14="http://schemas.microsoft.com/office/drawing/2010/main">
-                <a:solidFill>
-                  <a:srgbClr val="FFFFFF"/>
-                </a:solidFill>
-              </a14:hiddenFill>
-            </a:ext>
-          </a:extLst>
-        </p:spPr>
-      </p:pic>
-      <p:sp>
-        <p:nvSpPr>
-          <p:cNvPr id="35" name="Oval 34">
-            <a:extLst>
-              <a:ext uri="{FF2B5EF4-FFF2-40B4-BE49-F238E27FC236}">
-                <a16:creationId xmlns:a16="http://schemas.microsoft.com/office/drawing/2014/main" id="{F773AAAE-11AD-2C16-4532-EAFEF0D46739}"/>
-              </a:ext>
-            </a:extLst>
-          </p:cNvPr>
-          <p:cNvSpPr/>
-          <p:nvPr/>
-        </p:nvSpPr>
-        <p:spPr>
-          <a:xfrm>
-            <a:off x="8152625" y="2688640"/>
-            <a:ext cx="630621" cy="633248"/>
-          </a:xfrm>
-          <a:prstGeom prst="ellipse">
-            <a:avLst/>
-          </a:prstGeom>
-          <a:noFill/>
-          <a:ln w="31750">
-            <a:solidFill>
-              <a:srgbClr val="FFFF00"/>
-            </a:solidFill>
-          </a:ln>
-        </p:spPr>
-        <p:style>
-          <a:lnRef idx="2">
-            <a:schemeClr val="accent1">
-              <a:shade val="15000"/>
-            </a:schemeClr>
-          </a:lnRef>
-          <a:fillRef idx="1">
-            <a:schemeClr val="accent1"/>
-          </a:fillRef>
-          <a:effectRef idx="0">
-            <a:schemeClr val="accent1"/>
-          </a:effectRef>
-          <a:fontRef idx="minor">
-            <a:schemeClr val="lt1"/>
-          </a:fontRef>
-        </p:style>
-        <p:txBody>
-          <a:bodyPr rtlCol="0" anchor="ctr"/>
-          <a:lstStyle/>
-          <a:p>
-            <a:pPr algn="ctr"/>
-            <a:endParaRPr lang="en-US"/>
-          </a:p>
-        </p:txBody>
-      </p:sp>
-      <p:sp>
-        <p:nvSpPr>
-          <p:cNvPr id="37" name="Left Arrow 36">
-            <a:extLst>
-              <a:ext uri="{FF2B5EF4-FFF2-40B4-BE49-F238E27FC236}">
-                <a16:creationId xmlns:a16="http://schemas.microsoft.com/office/drawing/2014/main" id="{BCF47100-0DCF-C0AD-8131-7F485D5224D7}"/>
-              </a:ext>
-            </a:extLst>
-          </p:cNvPr>
-          <p:cNvSpPr/>
-          <p:nvPr/>
-        </p:nvSpPr>
-        <p:spPr>
-          <a:xfrm>
-            <a:off x="8797101" y="2688640"/>
-            <a:ext cx="1457116" cy="633248"/>
-          </a:xfrm>
-          <a:prstGeom prst="leftArrow">
-            <a:avLst/>
-          </a:prstGeom>
-        </p:spPr>
-        <p:style>
-          <a:lnRef idx="2">
-            <a:schemeClr val="accent1">
-              <a:shade val="15000"/>
-            </a:schemeClr>
-          </a:lnRef>
-          <a:fillRef idx="1">
-            <a:schemeClr val="accent1"/>
-          </a:fillRef>
-          <a:effectRef idx="0">
-            <a:schemeClr val="accent1"/>
-          </a:effectRef>
-          <a:fontRef idx="minor">
-            <a:schemeClr val="lt1"/>
-          </a:fontRef>
-        </p:style>
-        <p:txBody>
-          <a:bodyPr rtlCol="0" anchor="ctr"/>
-          <a:lstStyle/>
-          <a:p>
-            <a:pPr algn="ctr"/>
-            <a:r>
-              <a:rPr lang="en-US" dirty="0"/>
-              <a:t>RGB LED</a:t>
-            </a:r>
-          </a:p>
-        </p:txBody>
-      </p:sp>
-      <p:pic>
-        <p:nvPicPr>
-          <p:cNvPr id="39" name="Picture 38" descr="A black text on a white background&#10;&#10;Description automatically generated">
-            <a:extLst>
-              <a:ext uri="{FF2B5EF4-FFF2-40B4-BE49-F238E27FC236}">
-                <a16:creationId xmlns:a16="http://schemas.microsoft.com/office/drawing/2014/main" id="{DE5A97EA-A4AD-BCBF-5005-CA3443F08E74}"/>
+          <p:cNvPr id="8" name="Picture 7" descr="A computer screen shot of a computer&#10;&#10;Description automatically generated">
+            <a:extLst>
+              <a:ext uri="{FF2B5EF4-FFF2-40B4-BE49-F238E27FC236}">
+                <a16:creationId xmlns:a16="http://schemas.microsoft.com/office/drawing/2014/main" id="{9B03CCDA-6ED7-98BD-6283-3B9C3D9163CA}"/>
               </a:ext>
             </a:extLst>
           </p:cNvPr>
@@ -12188,228 +11762,18 @@
         </p:blipFill>
         <p:spPr>
           <a:xfrm>
-            <a:off x="9574022" y="6138164"/>
-            <a:ext cx="2578100" cy="698500"/>
+            <a:off x="1298247" y="769623"/>
+            <a:ext cx="8099346" cy="5785247"/>
           </a:xfrm>
           <a:prstGeom prst="rect">
             <a:avLst/>
           </a:prstGeom>
         </p:spPr>
       </p:pic>
-      <p:sp>
-        <p:nvSpPr>
-          <p:cNvPr id="40" name="Oval 39">
-            <a:extLst>
-              <a:ext uri="{FF2B5EF4-FFF2-40B4-BE49-F238E27FC236}">
-                <a16:creationId xmlns:a16="http://schemas.microsoft.com/office/drawing/2014/main" id="{AF88DF78-F9FC-8990-5A77-08340232611A}"/>
-              </a:ext>
-            </a:extLst>
-          </p:cNvPr>
-          <p:cNvSpPr/>
-          <p:nvPr/>
-        </p:nvSpPr>
-        <p:spPr>
-          <a:xfrm>
-            <a:off x="2559844" y="2881958"/>
-            <a:ext cx="228600" cy="228600"/>
-          </a:xfrm>
-          <a:prstGeom prst="ellipse">
-            <a:avLst/>
-          </a:prstGeom>
-          <a:solidFill>
-            <a:schemeClr val="accent1">
-              <a:lumMod val="60000"/>
-              <a:lumOff val="40000"/>
-            </a:schemeClr>
-          </a:solidFill>
-          <a:ln w="31750">
-            <a:noFill/>
-          </a:ln>
-        </p:spPr>
-        <p:style>
-          <a:lnRef idx="2">
-            <a:schemeClr val="accent1">
-              <a:shade val="15000"/>
-            </a:schemeClr>
-          </a:lnRef>
-          <a:fillRef idx="1">
-            <a:schemeClr val="accent1"/>
-          </a:fillRef>
-          <a:effectRef idx="0">
-            <a:schemeClr val="accent1"/>
-          </a:effectRef>
-          <a:fontRef idx="minor">
-            <a:schemeClr val="lt1"/>
-          </a:fontRef>
-        </p:style>
-        <p:txBody>
-          <a:bodyPr rtlCol="0" anchor="ctr"/>
-          <a:lstStyle/>
-          <a:p>
-            <a:pPr algn="ctr"/>
-            <a:endParaRPr lang="en-US"/>
-          </a:p>
-        </p:txBody>
-      </p:sp>
-      <p:sp>
-        <p:nvSpPr>
-          <p:cNvPr id="42" name="Oval 41">
-            <a:extLst>
-              <a:ext uri="{FF2B5EF4-FFF2-40B4-BE49-F238E27FC236}">
-                <a16:creationId xmlns:a16="http://schemas.microsoft.com/office/drawing/2014/main" id="{4F0040D8-201F-80C6-CF86-33B5CC5D2801}"/>
-              </a:ext>
-            </a:extLst>
-          </p:cNvPr>
-          <p:cNvSpPr/>
-          <p:nvPr/>
-        </p:nvSpPr>
-        <p:spPr>
-          <a:xfrm>
-            <a:off x="8367490" y="2904819"/>
-            <a:ext cx="228600" cy="228600"/>
-          </a:xfrm>
-          <a:prstGeom prst="ellipse">
-            <a:avLst/>
-          </a:prstGeom>
-          <a:solidFill>
-            <a:schemeClr val="accent3">
-              <a:lumMod val="60000"/>
-              <a:lumOff val="40000"/>
-            </a:schemeClr>
-          </a:solidFill>
-          <a:ln w="31750">
-            <a:noFill/>
-          </a:ln>
-        </p:spPr>
-        <p:style>
-          <a:lnRef idx="2">
-            <a:schemeClr val="accent1">
-              <a:shade val="15000"/>
-            </a:schemeClr>
-          </a:lnRef>
-          <a:fillRef idx="1">
-            <a:schemeClr val="accent1"/>
-          </a:fillRef>
-          <a:effectRef idx="0">
-            <a:schemeClr val="accent1"/>
-          </a:effectRef>
-          <a:fontRef idx="minor">
-            <a:schemeClr val="lt1"/>
-          </a:fontRef>
-        </p:style>
-        <p:txBody>
-          <a:bodyPr rtlCol="0" anchor="ctr"/>
-          <a:lstStyle/>
-          <a:p>
-            <a:pPr algn="ctr"/>
-            <a:endParaRPr lang="en-US"/>
-          </a:p>
-        </p:txBody>
-      </p:sp>
-      <p:sp>
-        <p:nvSpPr>
-          <p:cNvPr id="5" name="TextBox 4">
-            <a:extLst>
-              <a:ext uri="{FF2B5EF4-FFF2-40B4-BE49-F238E27FC236}">
-                <a16:creationId xmlns:a16="http://schemas.microsoft.com/office/drawing/2014/main" id="{151635D9-424C-5421-F33D-9FF2A109D91B}"/>
-              </a:ext>
-            </a:extLst>
-          </p:cNvPr>
-          <p:cNvSpPr txBox="1"/>
-          <p:nvPr/>
-        </p:nvSpPr>
-        <p:spPr>
-          <a:xfrm>
-            <a:off x="4538859" y="2688639"/>
-            <a:ext cx="1692245" cy="1477328"/>
-          </a:xfrm>
-          <a:prstGeom prst="rect">
-            <a:avLst/>
-          </a:prstGeom>
-          <a:noFill/>
-        </p:spPr>
-        <p:txBody>
-          <a:bodyPr wrap="square" rtlCol="0">
-            <a:spAutoFit/>
-          </a:bodyPr>
-          <a:lstStyle/>
-          <a:p>
-            <a:r>
-              <a:rPr lang="en-US" dirty="0"/>
-              <a:t>Pulses </a:t>
-            </a:r>
-            <a:r>
-              <a:rPr lang="en-US" b="1" dirty="0">
-                <a:solidFill>
-                  <a:schemeClr val="accent1">
-                    <a:lumMod val="60000"/>
-                    <a:lumOff val="40000"/>
-                  </a:schemeClr>
-                </a:solidFill>
-              </a:rPr>
-              <a:t>blue</a:t>
-            </a:r>
-            <a:r>
-              <a:rPr lang="en-US" dirty="0"/>
-              <a:t> whenever CAN message is received from CAN controller</a:t>
-            </a:r>
-          </a:p>
-        </p:txBody>
-      </p:sp>
-      <p:sp>
-        <p:nvSpPr>
-          <p:cNvPr id="6" name="TextBox 5">
-            <a:extLst>
-              <a:ext uri="{FF2B5EF4-FFF2-40B4-BE49-F238E27FC236}">
-                <a16:creationId xmlns:a16="http://schemas.microsoft.com/office/drawing/2014/main" id="{C66F3AEE-8BC2-7180-E308-841D6FAFA542}"/>
-              </a:ext>
-            </a:extLst>
-          </p:cNvPr>
-          <p:cNvSpPr txBox="1"/>
-          <p:nvPr/>
-        </p:nvSpPr>
-        <p:spPr>
-          <a:xfrm>
-            <a:off x="10283575" y="2732850"/>
-            <a:ext cx="1635156" cy="1200329"/>
-          </a:xfrm>
-          <a:prstGeom prst="rect">
-            <a:avLst/>
-          </a:prstGeom>
-          <a:noFill/>
-        </p:spPr>
-        <p:txBody>
-          <a:bodyPr wrap="square" rtlCol="0">
-            <a:spAutoFit/>
-          </a:bodyPr>
-          <a:lstStyle/>
-          <a:p>
-            <a:r>
-              <a:rPr lang="en-US" dirty="0"/>
-              <a:t>Pulses </a:t>
-            </a:r>
-            <a:r>
-              <a:rPr lang="en-US" b="1" dirty="0">
-                <a:solidFill>
-                  <a:schemeClr val="accent3">
-                    <a:lumMod val="60000"/>
-                    <a:lumOff val="40000"/>
-                  </a:schemeClr>
-                </a:solidFill>
-              </a:rPr>
-              <a:t>green</a:t>
-            </a:r>
-            <a:r>
-              <a:rPr lang="en-US" dirty="0"/>
-              <a:t> whenever BLE message sent or received</a:t>
-            </a:r>
-          </a:p>
-        </p:txBody>
-      </p:sp>
     </p:spTree>
     <p:extLst>
       <p:ext uri="{BB962C8B-B14F-4D97-AF65-F5344CB8AC3E}">
-        <p14:creationId xmlns:p14="http://schemas.microsoft.com/office/powerpoint/2010/main" val="2200989756"/>
+        <p14:creationId xmlns:p14="http://schemas.microsoft.com/office/powerpoint/2010/main" val="843843061"/>
       </p:ext>
     </p:extLst>
   </p:cSld>
@@ -12470,8 +11834,109 @@
                 <a:latin typeface="Arial" panose="020B0604020202020204" pitchFamily="34" charset="0"/>
                 <a:cs typeface="Arial" panose="020B0604020202020204" pitchFamily="34" charset="0"/>
               </a:rPr>
-              <a:t>Module Pin Assignment</a:t>
-            </a:r>
+              <a:t>Software Development Tools</a:t>
+            </a:r>
+          </a:p>
+        </p:txBody>
+      </p:sp>
+      <p:sp>
+        <p:nvSpPr>
+          <p:cNvPr id="4" name="TextBox 3">
+            <a:extLst>
+              <a:ext uri="{FF2B5EF4-FFF2-40B4-BE49-F238E27FC236}">
+                <a16:creationId xmlns:a16="http://schemas.microsoft.com/office/drawing/2014/main" id="{59283A62-0A20-08C9-E3ED-FBC140B2DD10}"/>
+              </a:ext>
+            </a:extLst>
+          </p:cNvPr>
+          <p:cNvSpPr txBox="1"/>
+          <p:nvPr/>
+        </p:nvSpPr>
+        <p:spPr>
+          <a:xfrm>
+            <a:off x="914400" y="1319134"/>
+            <a:ext cx="9983449" cy="4462760"/>
+          </a:xfrm>
+          <a:prstGeom prst="rect">
+            <a:avLst/>
+          </a:prstGeom>
+          <a:noFill/>
+        </p:spPr>
+        <p:txBody>
+          <a:bodyPr wrap="square" rtlCol="0">
+            <a:spAutoFit/>
+          </a:bodyPr>
+          <a:lstStyle/>
+          <a:p>
+            <a:r>
+              <a:rPr lang="en-US" sz="2400" dirty="0"/>
+              <a:t>1. MPLAB X IDE</a:t>
+            </a:r>
+          </a:p>
+          <a:p>
+            <a:endParaRPr lang="en-US" dirty="0">
+              <a:hlinkClick r:id="rId2"/>
+            </a:endParaRPr>
+          </a:p>
+          <a:p>
+            <a:r>
+              <a:rPr lang="en-US" sz="2000" dirty="0">
+                <a:hlinkClick r:id="rId2"/>
+              </a:rPr>
+              <a:t>https://www.microchip.com/en-us/tools-resources/develop/mplab-x-ide#tabs</a:t>
+            </a:r>
+            <a:endParaRPr lang="en-US" sz="2000" dirty="0"/>
+          </a:p>
+          <a:p>
+            <a:endParaRPr lang="en-US" dirty="0"/>
+          </a:p>
+          <a:p>
+            <a:r>
+              <a:rPr lang="en-US" sz="2400" dirty="0"/>
+              <a:t>2. XC32 Compiler</a:t>
+            </a:r>
+          </a:p>
+          <a:p>
+            <a:endParaRPr lang="en-US" dirty="0">
+              <a:hlinkClick r:id="rId3"/>
+            </a:endParaRPr>
+          </a:p>
+          <a:p>
+            <a:r>
+              <a:rPr lang="en-US" sz="2000" dirty="0">
+                <a:hlinkClick r:id="rId3"/>
+              </a:rPr>
+              <a:t>https://www.microchip.com/en-us/tools-resources/develop/mplab-xc-compilers/xc32</a:t>
+            </a:r>
+            <a:endParaRPr lang="en-US" sz="2000" dirty="0"/>
+          </a:p>
+          <a:p>
+            <a:endParaRPr lang="en-US" sz="2000" dirty="0"/>
+          </a:p>
+          <a:p>
+            <a:r>
+              <a:rPr lang="en-US" sz="2400" dirty="0"/>
+              <a:t>3. Microchip Bluetooth Data (MBD) Smartphone App</a:t>
+            </a:r>
+          </a:p>
+          <a:p>
+            <a:endParaRPr lang="en-US" sz="2000" dirty="0">
+              <a:hlinkClick r:id="rId3"/>
+            </a:endParaRPr>
+          </a:p>
+          <a:p>
+            <a:r>
+              <a:rPr lang="en-US" sz="2000" dirty="0">
+                <a:hlinkClick r:id="rId4"/>
+              </a:rPr>
+              <a:t>https://play.google.com/store/apps/details?id=com.microchip.bluetooth.data&amp;hl=en_US&amp;pli=1</a:t>
+            </a:r>
+            <a:endParaRPr lang="en-US" sz="2000" dirty="0"/>
+          </a:p>
+          <a:p>
+            <a:endParaRPr lang="en-US" sz="2000" dirty="0"/>
+          </a:p>
+          <a:p>
+            <a:endParaRPr lang="en-US" dirty="0"/>
           </a:p>
         </p:txBody>
       </p:sp>
@@ -12490,7 +11955,7 @@
           <p:nvPr/>
         </p:nvPicPr>
         <p:blipFill>
-          <a:blip r:embed="rId2"/>
+          <a:blip r:embed="rId5"/>
           <a:stretch>
             <a:fillRect/>
           </a:stretch>
@@ -12505,40 +11970,10 @@
           </a:prstGeom>
         </p:spPr>
       </p:pic>
-      <p:pic>
-        <p:nvPicPr>
-          <p:cNvPr id="8" name="Picture 7" descr="A computer screen shot of a computer&#10;&#10;Description automatically generated">
-            <a:extLst>
-              <a:ext uri="{FF2B5EF4-FFF2-40B4-BE49-F238E27FC236}">
-                <a16:creationId xmlns:a16="http://schemas.microsoft.com/office/drawing/2014/main" id="{9B03CCDA-6ED7-98BD-6283-3B9C3D9163CA}"/>
-              </a:ext>
-            </a:extLst>
-          </p:cNvPr>
-          <p:cNvPicPr>
-            <a:picLocks noChangeAspect="1"/>
-          </p:cNvPicPr>
-          <p:nvPr/>
-        </p:nvPicPr>
-        <p:blipFill>
-          <a:blip r:embed="rId3"/>
-          <a:stretch>
-            <a:fillRect/>
-          </a:stretch>
-        </p:blipFill>
-        <p:spPr>
-          <a:xfrm>
-            <a:off x="1298247" y="769623"/>
-            <a:ext cx="8099346" cy="5785247"/>
-          </a:xfrm>
-          <a:prstGeom prst="rect">
-            <a:avLst/>
-          </a:prstGeom>
-        </p:spPr>
-      </p:pic>
     </p:spTree>
     <p:extLst>
       <p:ext uri="{BB962C8B-B14F-4D97-AF65-F5344CB8AC3E}">
-        <p14:creationId xmlns:p14="http://schemas.microsoft.com/office/powerpoint/2010/main" val="843843061"/>
+        <p14:creationId xmlns:p14="http://schemas.microsoft.com/office/powerpoint/2010/main" val="535867481"/>
       </p:ext>
     </p:extLst>
   </p:cSld>
@@ -12599,7 +12034,7 @@
                 <a:latin typeface="Arial" panose="020B0604020202020204" pitchFamily="34" charset="0"/>
                 <a:cs typeface="Arial" panose="020B0604020202020204" pitchFamily="34" charset="0"/>
               </a:rPr>
-              <a:t>Software Development Tools</a:t>
+              <a:t>Demo Procedure</a:t>
             </a:r>
           </a:p>
         </p:txBody>
@@ -12618,8 +12053,8 @@
         </p:nvSpPr>
         <p:spPr>
           <a:xfrm>
-            <a:off x="914400" y="1319134"/>
-            <a:ext cx="9983449" cy="4462760"/>
+            <a:off x="567827" y="1058607"/>
+            <a:ext cx="10972532" cy="5235087"/>
           </a:xfrm>
           <a:prstGeom prst="rect">
             <a:avLst/>
@@ -12632,70 +12067,359 @@
           </a:bodyPr>
           <a:lstStyle/>
           <a:p>
-            <a:r>
-              <a:rPr lang="en-US" sz="2400" dirty="0"/>
-              <a:t>1. MPLAB X IDE</a:t>
-            </a:r>
-          </a:p>
-          <a:p>
-            <a:endParaRPr lang="en-US" dirty="0">
-              <a:hlinkClick r:id="rId2"/>
+            <a:pPr marL="457200" marR="0" indent="-457200">
+              <a:lnSpc>
+                <a:spcPct val="107000"/>
+              </a:lnSpc>
+              <a:spcBef>
+                <a:spcPts val="1200"/>
+              </a:spcBef>
+              <a:spcAft>
+                <a:spcPts val="600"/>
+              </a:spcAft>
+            </a:pPr>
+            <a:r>
+              <a:rPr lang="en-US" sz="1800" b="1" dirty="0">
+                <a:solidFill>
+                  <a:srgbClr val="FF0000"/>
+                </a:solidFill>
+                <a:effectLst/>
+                <a:latin typeface="Arial" panose="020B0604020202020204" pitchFamily="34" charset="0"/>
+                <a:ea typeface="Times New Roman" panose="02020603050405020304" pitchFamily="18" charset="0"/>
+              </a:rPr>
+              <a:t>STEP 1: </a:t>
+            </a:r>
+            <a:r>
+              <a:rPr lang="en-US" sz="1800" b="1" dirty="0">
+                <a:effectLst/>
+                <a:latin typeface="Arial" panose="020B0604020202020204" pitchFamily="34" charset="0"/>
+                <a:ea typeface="Times New Roman" panose="02020603050405020304" pitchFamily="18" charset="0"/>
+              </a:rPr>
+              <a:t>Launch the MPLAB X IDE</a:t>
+            </a:r>
+            <a:endParaRPr lang="en-US" sz="1800" dirty="0">
+              <a:effectLst/>
+              <a:latin typeface="Arial" panose="020B0604020202020204" pitchFamily="34" charset="0"/>
+              <a:ea typeface="Times New Roman" panose="02020603050405020304" pitchFamily="18" charset="0"/>
             </a:endParaRPr>
           </a:p>
           <a:p>
-            <a:r>
-              <a:rPr lang="en-US" sz="2000" dirty="0">
-                <a:hlinkClick r:id="rId2"/>
+            <a:pPr marL="457200" marR="0" indent="-457200">
+              <a:lnSpc>
+                <a:spcPct val="107000"/>
+              </a:lnSpc>
+              <a:spcBef>
+                <a:spcPts val="1200"/>
+              </a:spcBef>
+              <a:spcAft>
+                <a:spcPts val="600"/>
+              </a:spcAft>
+            </a:pPr>
+            <a:r>
+              <a:rPr lang="en-US" sz="1800" b="1" dirty="0">
+                <a:solidFill>
+                  <a:srgbClr val="FF0000"/>
+                </a:solidFill>
+                <a:effectLst/>
+                <a:latin typeface="Arial" panose="020B0604020202020204" pitchFamily="34" charset="0"/>
+                <a:ea typeface="Times New Roman" panose="02020603050405020304" pitchFamily="18" charset="0"/>
               </a:rPr>
-              <a:t>https://www.microchip.com/en-us/tools-resources/develop/mplab-x-ide#tabs</a:t>
-            </a:r>
-            <a:endParaRPr lang="en-US" sz="2000" dirty="0"/>
-          </a:p>
-          <a:p>
-            <a:endParaRPr lang="en-US" dirty="0"/>
-          </a:p>
-          <a:p>
-            <a:r>
-              <a:rPr lang="en-US" sz="2400" dirty="0"/>
-              <a:t>2. XC32 Compiler</a:t>
-            </a:r>
-          </a:p>
-          <a:p>
-            <a:endParaRPr lang="en-US" dirty="0">
-              <a:hlinkClick r:id="rId3"/>
+              <a:t>STEP 2: </a:t>
+            </a:r>
+            <a:r>
+              <a:rPr lang="en-US" sz="1800" b="1" dirty="0">
+                <a:effectLst/>
+                <a:latin typeface="Arial" panose="020B0604020202020204" pitchFamily="34" charset="0"/>
+                <a:ea typeface="Times New Roman" panose="02020603050405020304" pitchFamily="18" charset="0"/>
+              </a:rPr>
+              <a:t>Open the Demo Project</a:t>
+            </a:r>
+            <a:endParaRPr lang="en-US" sz="1800" dirty="0">
+              <a:effectLst/>
+              <a:latin typeface="Arial" panose="020B0604020202020204" pitchFamily="34" charset="0"/>
+              <a:ea typeface="Times New Roman" panose="02020603050405020304" pitchFamily="18" charset="0"/>
             </a:endParaRPr>
           </a:p>
           <a:p>
-            <a:r>
-              <a:rPr lang="en-US" sz="2000" dirty="0">
-                <a:hlinkClick r:id="rId3"/>
+            <a:pPr marL="690245" marR="0" indent="-342900">
+              <a:lnSpc>
+                <a:spcPct val="107000"/>
+              </a:lnSpc>
+              <a:spcBef>
+                <a:spcPts val="1200"/>
+              </a:spcBef>
+              <a:spcAft>
+                <a:spcPts val="600"/>
+              </a:spcAft>
+              <a:buFont typeface="+mj-lt"/>
+              <a:buAutoNum type="alphaLcParenR"/>
+            </a:pPr>
+            <a:r>
+              <a:rPr lang="en-US" sz="1800" dirty="0">
+                <a:effectLst/>
+                <a:latin typeface="Arial" panose="020B0604020202020204" pitchFamily="34" charset="0"/>
+                <a:ea typeface="Times New Roman" panose="02020603050405020304" pitchFamily="18" charset="0"/>
               </a:rPr>
-              <a:t>https://www.microchip.com/en-us/tools-resources/develop/mplab-xc-compilers/xc32</a:t>
-            </a:r>
-            <a:endParaRPr lang="en-US" sz="2000" dirty="0"/>
-          </a:p>
-          <a:p>
-            <a:endParaRPr lang="en-US" sz="2000" dirty="0"/>
-          </a:p>
-          <a:p>
-            <a:r>
-              <a:rPr lang="en-US" sz="2400" dirty="0"/>
-              <a:t>3. Microchip Bluetooth Data (MBD) Smartphone App</a:t>
-            </a:r>
-          </a:p>
-          <a:p>
-            <a:endParaRPr lang="en-US" sz="2000" dirty="0">
-              <a:hlinkClick r:id="rId3"/>
+              <a:t>From the MPLAB X main toolbar, select [File </a:t>
+            </a:r>
+            <a:r>
+              <a:rPr lang="en-US" sz="1800" dirty="0">
+                <a:effectLst/>
+                <a:latin typeface="Arial" panose="020B0604020202020204" pitchFamily="34" charset="0"/>
+                <a:ea typeface="Times New Roman" panose="02020603050405020304" pitchFamily="18" charset="0"/>
+                <a:sym typeface="Wingdings" pitchFamily="2" charset="2"/>
+              </a:rPr>
+              <a:t></a:t>
+            </a:r>
+            <a:r>
+              <a:rPr lang="en-US" sz="1800" dirty="0">
+                <a:effectLst/>
+                <a:latin typeface="Arial" panose="020B0604020202020204" pitchFamily="34" charset="0"/>
+                <a:ea typeface="Times New Roman" panose="02020603050405020304" pitchFamily="18" charset="0"/>
+              </a:rPr>
+              <a:t> Open Project]</a:t>
+            </a:r>
+          </a:p>
+          <a:p>
+            <a:pPr marL="690245" marR="0" indent="-342900">
+              <a:lnSpc>
+                <a:spcPct val="107000"/>
+              </a:lnSpc>
+              <a:spcBef>
+                <a:spcPts val="1200"/>
+              </a:spcBef>
+              <a:spcAft>
+                <a:spcPts val="600"/>
+              </a:spcAft>
+              <a:buFont typeface="+mj-lt"/>
+              <a:buAutoNum type="alphaLcParenR"/>
+            </a:pPr>
+            <a:r>
+              <a:rPr lang="en-US" sz="1800" dirty="0">
+                <a:effectLst/>
+                <a:latin typeface="Arial" panose="020B0604020202020204" pitchFamily="34" charset="0"/>
+                <a:ea typeface="Times New Roman" panose="02020603050405020304" pitchFamily="18" charset="0"/>
+              </a:rPr>
+              <a:t>Navigate to the location of the demo project folder:</a:t>
+            </a:r>
+          </a:p>
+          <a:p>
+            <a:pPr marL="804545" lvl="1">
+              <a:lnSpc>
+                <a:spcPct val="107000"/>
+              </a:lnSpc>
+              <a:spcBef>
+                <a:spcPts val="1200"/>
+              </a:spcBef>
+              <a:spcAft>
+                <a:spcPts val="600"/>
+              </a:spcAft>
+            </a:pPr>
+            <a:r>
+              <a:rPr lang="en-US" sz="1600" b="1" dirty="0">
+                <a:effectLst/>
+                <a:latin typeface="Arial" panose="020B0604020202020204" pitchFamily="34" charset="0"/>
+                <a:ea typeface="Times New Roman" panose="02020603050405020304" pitchFamily="18" charset="0"/>
+              </a:rPr>
+              <a:t>pic32cxbz2_wbz45x_ble_can_bridge </a:t>
+            </a:r>
+            <a:r>
+              <a:rPr lang="en-US" sz="1600" b="1" dirty="0">
+                <a:effectLst/>
+                <a:latin typeface="Arial" panose="020B0604020202020204" pitchFamily="34" charset="0"/>
+                <a:ea typeface="Times New Roman" panose="02020603050405020304" pitchFamily="18" charset="0"/>
+                <a:sym typeface="Wingdings" pitchFamily="2" charset="2"/>
+              </a:rPr>
+              <a:t> </a:t>
+            </a:r>
+            <a:r>
+              <a:rPr lang="en-US" sz="1600" b="1" dirty="0">
+                <a:effectLst/>
+                <a:latin typeface="Arial" panose="020B0604020202020204" pitchFamily="34" charset="0"/>
+                <a:ea typeface="Times New Roman" panose="02020603050405020304" pitchFamily="18" charset="0"/>
+              </a:rPr>
+              <a:t>02_wbz451_mcp251863_CAN_BLE_Peripheral</a:t>
+            </a:r>
+            <a:r>
+              <a:rPr lang="en-US" sz="1600" b="1" dirty="0">
+                <a:latin typeface="Arial" panose="020B0604020202020204" pitchFamily="34" charset="0"/>
+                <a:ea typeface="Times New Roman" panose="02020603050405020304" pitchFamily="18" charset="0"/>
+              </a:rPr>
+              <a:t> </a:t>
+            </a:r>
+            <a:r>
+              <a:rPr lang="en-US" sz="1600" b="1" dirty="0">
+                <a:latin typeface="Arial" panose="020B0604020202020204" pitchFamily="34" charset="0"/>
+                <a:ea typeface="Times New Roman" panose="02020603050405020304" pitchFamily="18" charset="0"/>
+                <a:sym typeface="Wingdings" pitchFamily="2" charset="2"/>
+              </a:rPr>
+              <a:t> </a:t>
+            </a:r>
+            <a:r>
+              <a:rPr lang="en-US" sz="1600" b="1" dirty="0">
+                <a:effectLst/>
+                <a:latin typeface="Arial" panose="020B0604020202020204" pitchFamily="34" charset="0"/>
+                <a:ea typeface="Times New Roman" panose="02020603050405020304" pitchFamily="18" charset="0"/>
+              </a:rPr>
+              <a:t>firmware</a:t>
+            </a:r>
+            <a:endParaRPr lang="en-US" sz="1600" dirty="0">
+              <a:effectLst/>
+              <a:latin typeface="Arial" panose="020B0604020202020204" pitchFamily="34" charset="0"/>
+              <a:ea typeface="Times New Roman" panose="02020603050405020304" pitchFamily="18" charset="0"/>
             </a:endParaRPr>
           </a:p>
           <a:p>
-            <a:r>
-              <a:rPr lang="en-US" sz="2000" dirty="0">
-                <a:hlinkClick r:id="rId4"/>
+            <a:pPr marL="690245" marR="0" indent="-342900">
+              <a:lnSpc>
+                <a:spcPct val="107000"/>
+              </a:lnSpc>
+              <a:spcBef>
+                <a:spcPts val="1200"/>
+              </a:spcBef>
+              <a:spcAft>
+                <a:spcPts val="600"/>
+              </a:spcAft>
+              <a:buFont typeface="+mj-lt"/>
+              <a:buAutoNum type="alphaLcParenR"/>
+            </a:pPr>
+            <a:r>
+              <a:rPr lang="en-US" sz="1800" dirty="0">
+                <a:effectLst/>
+                <a:latin typeface="Arial" panose="020B0604020202020204" pitchFamily="34" charset="0"/>
+                <a:ea typeface="Times New Roman" panose="02020603050405020304" pitchFamily="18" charset="0"/>
               </a:rPr>
-              <a:t>https://play.google.com/store/apps/details?id=com.microchip.bluetooth.data&amp;hl=en_US&amp;pli=1</a:t>
-            </a:r>
-            <a:endParaRPr lang="en-US" sz="2000" dirty="0"/>
+              <a:t>Select (click on) the </a:t>
+            </a:r>
+            <a:r>
+              <a:rPr lang="en-US" sz="1800" b="1" dirty="0" err="1">
+                <a:effectLst/>
+                <a:latin typeface="Arial" panose="020B0604020202020204" pitchFamily="34" charset="0"/>
+                <a:ea typeface="Times New Roman" panose="02020603050405020304" pitchFamily="18" charset="0"/>
+              </a:rPr>
+              <a:t>bleCan_Peripheral.X</a:t>
+            </a:r>
+            <a:r>
+              <a:rPr lang="en-US" sz="1800" dirty="0">
+                <a:effectLst/>
+                <a:latin typeface="Arial" panose="020B0604020202020204" pitchFamily="34" charset="0"/>
+                <a:ea typeface="Times New Roman" panose="02020603050405020304" pitchFamily="18" charset="0"/>
+              </a:rPr>
+              <a:t> project folder</a:t>
+            </a:r>
+          </a:p>
+          <a:p>
+            <a:pPr marL="690245" marR="0" indent="-342900">
+              <a:lnSpc>
+                <a:spcPct val="107000"/>
+              </a:lnSpc>
+              <a:spcBef>
+                <a:spcPts val="1200"/>
+              </a:spcBef>
+              <a:spcAft>
+                <a:spcPts val="600"/>
+              </a:spcAft>
+              <a:buFont typeface="+mj-lt"/>
+              <a:buAutoNum type="alphaLcParenR"/>
+            </a:pPr>
+            <a:r>
+              <a:rPr lang="en-US" sz="1800" dirty="0">
+                <a:effectLst/>
+                <a:latin typeface="Arial" panose="020B0604020202020204" pitchFamily="34" charset="0"/>
+                <a:ea typeface="Times New Roman" panose="02020603050405020304" pitchFamily="18" charset="0"/>
+              </a:rPr>
+              <a:t>Click on the </a:t>
+            </a:r>
+            <a:r>
+              <a:rPr lang="en-US" sz="1800" b="1" dirty="0">
+                <a:effectLst/>
+                <a:latin typeface="Arial" panose="020B0604020202020204" pitchFamily="34" charset="0"/>
+                <a:ea typeface="Times New Roman" panose="02020603050405020304" pitchFamily="18" charset="0"/>
+              </a:rPr>
+              <a:t>Open Project </a:t>
+            </a:r>
+            <a:r>
+              <a:rPr lang="en-US" sz="1800" dirty="0">
+                <a:effectLst/>
+                <a:latin typeface="Arial" panose="020B0604020202020204" pitchFamily="34" charset="0"/>
+                <a:ea typeface="Times New Roman" panose="02020603050405020304" pitchFamily="18" charset="0"/>
+              </a:rPr>
+              <a:t>button</a:t>
+            </a:r>
+          </a:p>
+          <a:p>
+            <a:pPr marL="457200" marR="0" indent="-457200">
+              <a:lnSpc>
+                <a:spcPct val="107000"/>
+              </a:lnSpc>
+              <a:spcBef>
+                <a:spcPts val="1200"/>
+              </a:spcBef>
+              <a:spcAft>
+                <a:spcPts val="600"/>
+              </a:spcAft>
+            </a:pPr>
+            <a:r>
+              <a:rPr lang="en-US" sz="1800" b="1" dirty="0">
+                <a:solidFill>
+                  <a:srgbClr val="FF0000"/>
+                </a:solidFill>
+                <a:effectLst/>
+                <a:latin typeface="Arial" panose="020B0604020202020204" pitchFamily="34" charset="0"/>
+                <a:ea typeface="Times New Roman" panose="02020603050405020304" pitchFamily="18" charset="0"/>
+              </a:rPr>
+              <a:t>STEP 3: </a:t>
+            </a:r>
+            <a:r>
+              <a:rPr lang="en-US" sz="1800" b="1" dirty="0">
+                <a:effectLst/>
+                <a:latin typeface="Arial" panose="020B0604020202020204" pitchFamily="34" charset="0"/>
+                <a:ea typeface="Times New Roman" panose="02020603050405020304" pitchFamily="18" charset="0"/>
+              </a:rPr>
+              <a:t>Clean and Build the Project</a:t>
+            </a:r>
+            <a:endParaRPr lang="en-US" sz="1800" dirty="0">
+              <a:effectLst/>
+              <a:latin typeface="Arial" panose="020B0604020202020204" pitchFamily="34" charset="0"/>
+              <a:ea typeface="Times New Roman" panose="02020603050405020304" pitchFamily="18" charset="0"/>
+            </a:endParaRPr>
+          </a:p>
+          <a:p>
+            <a:pPr marL="923290" marR="0" indent="-575945">
+              <a:lnSpc>
+                <a:spcPct val="107000"/>
+              </a:lnSpc>
+              <a:spcBef>
+                <a:spcPts val="1200"/>
+              </a:spcBef>
+              <a:spcAft>
+                <a:spcPts val="600"/>
+              </a:spcAft>
+            </a:pPr>
+            <a:r>
+              <a:rPr lang="en-US" sz="1800" dirty="0">
+                <a:effectLst/>
+                <a:latin typeface="Arial" panose="020B0604020202020204" pitchFamily="34" charset="0"/>
+                <a:ea typeface="Times New Roman" panose="02020603050405020304" pitchFamily="18" charset="0"/>
+              </a:rPr>
+              <a:t>Click on the </a:t>
+            </a:r>
+            <a:r>
+              <a:rPr lang="en-US" sz="1800" b="1" dirty="0">
+                <a:effectLst/>
+                <a:latin typeface="Arial" panose="020B0604020202020204" pitchFamily="34" charset="0"/>
+                <a:ea typeface="Times New Roman" panose="02020603050405020304" pitchFamily="18" charset="0"/>
+              </a:rPr>
+              <a:t>Clean and Build Main Project</a:t>
+            </a:r>
+            <a:r>
+              <a:rPr lang="en-US" sz="1800" dirty="0">
+                <a:effectLst/>
+                <a:latin typeface="Arial" panose="020B0604020202020204" pitchFamily="34" charset="0"/>
+                <a:ea typeface="Times New Roman" panose="02020603050405020304" pitchFamily="18" charset="0"/>
+              </a:rPr>
+              <a:t> icon in the MPLAB X main toolbar</a:t>
+            </a:r>
           </a:p>
           <a:p>
             <a:endParaRPr lang="en-US" sz="2000" dirty="0"/>
@@ -12707,10 +12431,10 @@
       </p:sp>
       <p:pic>
         <p:nvPicPr>
-          <p:cNvPr id="3" name="Picture 2" descr="A black text on a white background&#10;&#10;Description automatically generated">
-            <a:extLst>
-              <a:ext uri="{FF2B5EF4-FFF2-40B4-BE49-F238E27FC236}">
-                <a16:creationId xmlns:a16="http://schemas.microsoft.com/office/drawing/2014/main" id="{F9CEA8E3-DBFA-F42F-8690-7924C2016DAE}"/>
+          <p:cNvPr id="7" name="Picture 6" descr="Graphical user interface, text, application, chat or text message&#10;&#10;Description automatically generated">
+            <a:extLst>
+              <a:ext uri="{FF2B5EF4-FFF2-40B4-BE49-F238E27FC236}">
+                <a16:creationId xmlns:a16="http://schemas.microsoft.com/office/drawing/2014/main" id="{CAF2B978-8883-E4D9-D5E8-30E33767B60A}"/>
               </a:ext>
             </a:extLst>
           </p:cNvPr>
@@ -12720,13 +12444,128 @@
           <p:nvPr/>
         </p:nvPicPr>
         <p:blipFill>
-          <a:blip r:embed="rId5"/>
+          <a:blip r:embed="rId2">
+            <a:extLst>
+              <a:ext uri="{28A0092B-C50C-407E-A947-70E740481C1C}">
+                <a14:useLocalDpi xmlns:a14="http://schemas.microsoft.com/office/drawing/2010/main" val="0"/>
+              </a:ext>
+            </a:extLst>
+          </a:blip>
           <a:stretch>
             <a:fillRect/>
           </a:stretch>
         </p:blipFill>
         <p:spPr>
           <a:xfrm>
+            <a:off x="1636949" y="5182413"/>
+            <a:ext cx="5156200" cy="1409700"/>
+          </a:xfrm>
+          <a:prstGeom prst="rect">
+            <a:avLst/>
+          </a:prstGeom>
+        </p:spPr>
+      </p:pic>
+      <p:sp>
+        <p:nvSpPr>
+          <p:cNvPr id="8" name="Right Arrow 7">
+            <a:extLst>
+              <a:ext uri="{FF2B5EF4-FFF2-40B4-BE49-F238E27FC236}">
+                <a16:creationId xmlns:a16="http://schemas.microsoft.com/office/drawing/2014/main" id="{7E5F9613-C9B4-A621-2173-3A49D330AB77}"/>
+              </a:ext>
+            </a:extLst>
+          </p:cNvPr>
+          <p:cNvSpPr/>
+          <p:nvPr/>
+        </p:nvSpPr>
+        <p:spPr>
+          <a:xfrm>
+            <a:off x="936440" y="5240592"/>
+            <a:ext cx="838200" cy="558800"/>
+          </a:xfrm>
+          <a:prstGeom prst="rightArrow">
+            <a:avLst/>
+          </a:prstGeom>
+          <a:solidFill>
+            <a:srgbClr val="FF0000"/>
+          </a:solidFill>
+        </p:spPr>
+        <p:style>
+          <a:lnRef idx="2">
+            <a:schemeClr val="accent1">
+              <a:shade val="50000"/>
+            </a:schemeClr>
+          </a:lnRef>
+          <a:fillRef idx="1">
+            <a:schemeClr val="accent1"/>
+          </a:fillRef>
+          <a:effectRef idx="0">
+            <a:schemeClr val="accent1"/>
+          </a:effectRef>
+          <a:fontRef idx="minor">
+            <a:schemeClr val="lt1"/>
+          </a:fontRef>
+        </p:style>
+        <p:txBody>
+          <a:bodyPr rot="0" spcFirstLastPara="0" vert="horz" wrap="square" lIns="91440" tIns="45720" rIns="91440" bIns="45720" numCol="1" spcCol="0" rtlCol="0" fromWordArt="0" anchor="ctr" anchorCtr="0" forceAA="0" compatLnSpc="1">
+            <a:prstTxWarp prst="textNoShape">
+              <a:avLst/>
+            </a:prstTxWarp>
+            <a:noAutofit/>
+          </a:bodyPr>
+          <a:lstStyle/>
+          <a:p>
+            <a:pPr marL="0" marR="0" algn="ctr">
+              <a:lnSpc>
+                <a:spcPct val="107000"/>
+              </a:lnSpc>
+              <a:spcBef>
+                <a:spcPts val="0"/>
+              </a:spcBef>
+              <a:spcAft>
+                <a:spcPts val="800"/>
+              </a:spcAft>
+            </a:pPr>
+            <a:r>
+              <a:rPr lang="en-US" sz="1200">
+                <a:solidFill>
+                  <a:srgbClr val="FFFF00"/>
+                </a:solidFill>
+                <a:effectLst/>
+                <a:latin typeface="Arial" panose="020B0604020202020204" pitchFamily="34" charset="0"/>
+                <a:ea typeface="Times New Roman" panose="02020603050405020304" pitchFamily="18" charset="0"/>
+              </a:rPr>
+              <a:t>CLICK</a:t>
+            </a:r>
+            <a:endParaRPr lang="en-US" sz="1100">
+              <a:effectLst/>
+              <a:latin typeface="Arial" panose="020B0604020202020204" pitchFamily="34" charset="0"/>
+              <a:ea typeface="Times New Roman" panose="02020603050405020304" pitchFamily="18" charset="0"/>
+            </a:endParaRPr>
+          </a:p>
+        </p:txBody>
+      </p:sp>
+      <p:pic>
+        <p:nvPicPr>
+          <p:cNvPr id="9" name="Picture 8" descr="A black text on a white background&#10;&#10;Description automatically generated">
+            <a:extLst>
+              <a:ext uri="{FF2B5EF4-FFF2-40B4-BE49-F238E27FC236}">
+                <a16:creationId xmlns:a16="http://schemas.microsoft.com/office/drawing/2014/main" id="{00FBCB51-BC78-FECA-56D9-295883A977E3}"/>
+              </a:ext>
+            </a:extLst>
+          </p:cNvPr>
+          <p:cNvPicPr>
+            <a:picLocks noChangeAspect="1"/>
+          </p:cNvPicPr>
+          <p:nvPr/>
+        </p:nvPicPr>
+        <p:blipFill>
+          <a:blip r:embed="rId3"/>
+          <a:stretch>
+            <a:fillRect/>
+          </a:stretch>
+        </p:blipFill>
+        <p:spPr>
+          <a:xfrm>
             <a:off x="9574022" y="6138164"/>
             <a:ext cx="2578100" cy="698500"/>
           </a:xfrm>
@@ -12738,7 +12577,7 @@
     </p:spTree>
     <p:extLst>
       <p:ext uri="{BB962C8B-B14F-4D97-AF65-F5344CB8AC3E}">
-        <p14:creationId xmlns:p14="http://schemas.microsoft.com/office/powerpoint/2010/main" val="535867481"/>
+        <p14:creationId xmlns:p14="http://schemas.microsoft.com/office/powerpoint/2010/main" val="3967660036"/>
       </p:ext>
     </p:extLst>
   </p:cSld>
